--- a/Gestalt.pptx
+++ b/Gestalt.pptx
@@ -14,11 +14,13 @@
     <p:sldId id="258" r:id="rId8"/>
     <p:sldId id="269" r:id="rId9"/>
     <p:sldId id="265" r:id="rId10"/>
-    <p:sldId id="261" r:id="rId11"/>
-    <p:sldId id="264" r:id="rId12"/>
-    <p:sldId id="260" r:id="rId13"/>
-    <p:sldId id="263" r:id="rId14"/>
-    <p:sldId id="266" r:id="rId15"/>
+    <p:sldId id="270" r:id="rId11"/>
+    <p:sldId id="271" r:id="rId12"/>
+    <p:sldId id="261" r:id="rId13"/>
+    <p:sldId id="260" r:id="rId14"/>
+    <p:sldId id="264" r:id="rId15"/>
+    <p:sldId id="263" r:id="rId16"/>
+    <p:sldId id="266" r:id="rId17"/>
   </p:sldIdLst>
   <p:sldSz cx="12192000" cy="6858000"/>
   <p:notesSz cx="6858000" cy="9144000"/>
@@ -117,6 +119,11 @@
       </a:defRPr>
     </a:lvl9pPr>
   </p:defaultTextStyle>
+  <p:extLst>
+    <p:ext uri="{EFAFB233-063F-42B5-8137-9DF3F51BA10A}">
+      <p15:sldGuideLst xmlns:p15="http://schemas.microsoft.com/office/powerpoint/2012/main"/>
+    </p:ext>
+  </p:extLst>
 </p:presentation>
 </file>
 
@@ -290,7 +297,7 @@
           <a:p>
             <a:fld id="{48A87A34-81AB-432B-8DAE-1953F412C126}" type="datetimeFigureOut">
               <a:rPr lang="en-US" dirty="0"/>
-              <a:t>4/10/2021</a:t>
+              <a:t>4/12/2021</a:t>
             </a:fld>
             <a:endParaRPr lang="en-US" dirty="0"/>
           </a:p>
@@ -552,7 +559,7 @@
           <a:p>
             <a:fld id="{48A87A34-81AB-432B-8DAE-1953F412C126}" type="datetimeFigureOut">
               <a:rPr lang="en-US" dirty="0"/>
-              <a:t>4/10/2021</a:t>
+              <a:t>4/12/2021</a:t>
             </a:fld>
             <a:endParaRPr lang="en-US" dirty="0"/>
           </a:p>
@@ -779,7 +786,7 @@
             <a:fld id="{48A87A34-81AB-432B-8DAE-1953F412C126}" type="datetimeFigureOut">
               <a:rPr lang="en-US" dirty="0"/>
               <a:pPr/>
-              <a:t>4/10/2021</a:t>
+              <a:t>4/12/2021</a:t>
             </a:fld>
             <a:endParaRPr lang="en-US" dirty="0"/>
           </a:p>
@@ -1085,7 +1092,7 @@
             <a:fld id="{48A87A34-81AB-432B-8DAE-1953F412C126}" type="datetimeFigureOut">
               <a:rPr lang="en-US" dirty="0"/>
               <a:pPr/>
-              <a:t>4/10/2021</a:t>
+              <a:t>4/12/2021</a:t>
             </a:fld>
             <a:endParaRPr lang="en-US" dirty="0"/>
           </a:p>
@@ -1554,7 +1561,7 @@
             <a:fld id="{48A87A34-81AB-432B-8DAE-1953F412C126}" type="datetimeFigureOut">
               <a:rPr lang="en-US" dirty="0"/>
               <a:pPr/>
-              <a:t>4/10/2021</a:t>
+              <a:t>4/12/2021</a:t>
             </a:fld>
             <a:endParaRPr lang="en-US" dirty="0"/>
           </a:p>
@@ -2096,7 +2103,7 @@
           <a:p>
             <a:fld id="{48A87A34-81AB-432B-8DAE-1953F412C126}" type="datetimeFigureOut">
               <a:rPr lang="en-US" dirty="0"/>
-              <a:t>4/10/2021</a:t>
+              <a:t>4/12/2021</a:t>
             </a:fld>
             <a:endParaRPr lang="en-US" dirty="0"/>
           </a:p>
@@ -2865,7 +2872,7 @@
           <a:p>
             <a:fld id="{48A87A34-81AB-432B-8DAE-1953F412C126}" type="datetimeFigureOut">
               <a:rPr lang="en-US" dirty="0"/>
-              <a:t>4/10/2021</a:t>
+              <a:t>4/12/2021</a:t>
             </a:fld>
             <a:endParaRPr lang="en-US" dirty="0"/>
           </a:p>
@@ -3035,7 +3042,7 @@
           <a:p>
             <a:fld id="{48A87A34-81AB-432B-8DAE-1953F412C126}" type="datetimeFigureOut">
               <a:rPr lang="en-US" dirty="0"/>
-              <a:t>4/10/2021</a:t>
+              <a:t>4/12/2021</a:t>
             </a:fld>
             <a:endParaRPr lang="en-US" dirty="0"/>
           </a:p>
@@ -3254,7 +3261,7 @@
             <a:fld id="{48A87A34-81AB-432B-8DAE-1953F412C126}" type="datetimeFigureOut">
               <a:rPr lang="en-US" dirty="0"/>
               <a:pPr/>
-              <a:t>4/10/2021</a:t>
+              <a:t>4/12/2021</a:t>
             </a:fld>
             <a:endParaRPr lang="en-US" dirty="0"/>
           </a:p>
@@ -3429,7 +3436,7 @@
           <a:p>
             <a:fld id="{48A87A34-81AB-432B-8DAE-1953F412C126}" type="datetimeFigureOut">
               <a:rPr lang="en-US" dirty="0"/>
-              <a:t>4/10/2021</a:t>
+              <a:t>4/12/2021</a:t>
             </a:fld>
             <a:endParaRPr lang="en-US" dirty="0"/>
           </a:p>
@@ -3714,7 +3721,7 @@
             <a:fld id="{48A87A34-81AB-432B-8DAE-1953F412C126}" type="datetimeFigureOut">
               <a:rPr lang="en-US" dirty="0"/>
               <a:pPr/>
-              <a:t>4/10/2021</a:t>
+              <a:t>4/12/2021</a:t>
             </a:fld>
             <a:endParaRPr lang="en-US" dirty="0"/>
           </a:p>
@@ -3951,7 +3958,7 @@
           <a:p>
             <a:fld id="{48A87A34-81AB-432B-8DAE-1953F412C126}" type="datetimeFigureOut">
               <a:rPr lang="en-US" dirty="0"/>
-              <a:t>4/10/2021</a:t>
+              <a:t>4/12/2021</a:t>
             </a:fld>
             <a:endParaRPr lang="en-US" dirty="0"/>
           </a:p>
@@ -4325,7 +4332,7 @@
           <a:p>
             <a:fld id="{48A87A34-81AB-432B-8DAE-1953F412C126}" type="datetimeFigureOut">
               <a:rPr lang="en-US" dirty="0"/>
-              <a:t>4/10/2021</a:t>
+              <a:t>4/12/2021</a:t>
             </a:fld>
             <a:endParaRPr lang="en-US" dirty="0"/>
           </a:p>
@@ -4438,7 +4445,7 @@
           <a:p>
             <a:fld id="{48A87A34-81AB-432B-8DAE-1953F412C126}" type="datetimeFigureOut">
               <a:rPr lang="en-US" dirty="0"/>
-              <a:t>4/10/2021</a:t>
+              <a:t>4/12/2021</a:t>
             </a:fld>
             <a:endParaRPr lang="en-US" dirty="0"/>
           </a:p>
@@ -4528,7 +4535,7 @@
           <a:p>
             <a:fld id="{48A87A34-81AB-432B-8DAE-1953F412C126}" type="datetimeFigureOut">
               <a:rPr lang="en-US" dirty="0"/>
-              <a:t>4/10/2021</a:t>
+              <a:t>4/12/2021</a:t>
             </a:fld>
             <a:endParaRPr lang="en-US" dirty="0"/>
           </a:p>
@@ -4772,7 +4779,7 @@
           <a:p>
             <a:fld id="{48A87A34-81AB-432B-8DAE-1953F412C126}" type="datetimeFigureOut">
               <a:rPr lang="en-US" dirty="0"/>
-              <a:t>4/10/2021</a:t>
+              <a:t>4/12/2021</a:t>
             </a:fld>
             <a:endParaRPr lang="en-US" dirty="0"/>
           </a:p>
@@ -5024,7 +5031,7 @@
           <a:p>
             <a:fld id="{48A87A34-81AB-432B-8DAE-1953F412C126}" type="datetimeFigureOut">
               <a:rPr lang="en-US" dirty="0"/>
-              <a:t>4/10/2021</a:t>
+              <a:t>4/12/2021</a:t>
             </a:fld>
             <a:endParaRPr lang="en-US" dirty="0"/>
           </a:p>
@@ -5263,7 +5270,7 @@
             <a:fld id="{48A87A34-81AB-432B-8DAE-1953F412C126}" type="datetimeFigureOut">
               <a:rPr lang="en-US" dirty="0"/>
               <a:pPr/>
-              <a:t>4/10/2021</a:t>
+              <a:t>4/12/2021</a:t>
             </a:fld>
             <a:endParaRPr lang="en-US" dirty="0"/>
           </a:p>
@@ -5742,6 +5749,14 @@
 <file path=ppt/slides/slide10.xml><?xml version="1.0" encoding="utf-8"?>
 <p:sld xmlns:a="http://schemas.openxmlformats.org/drawingml/2006/main" xmlns:r="http://schemas.openxmlformats.org/officeDocument/2006/relationships" xmlns:p="http://schemas.openxmlformats.org/presentationml/2006/main">
   <p:cSld>
+    <p:bg>
+      <p:bgPr>
+        <a:solidFill>
+          <a:schemeClr val="bg1"/>
+        </a:solidFill>
+        <a:effectLst/>
+      </p:bgPr>
+    </p:bg>
     <p:spTree>
       <p:nvGrpSpPr>
         <p:cNvPr id="1" name=""/>
@@ -5756,12 +5771,207 @@
           <a:chExt cx="0" cy="0"/>
         </a:xfrm>
       </p:grpSpPr>
+      <p:pic>
+        <p:nvPicPr>
+          <p:cNvPr id="26" name="Picture 25">
+            <a:extLst>
+              <a:ext uri="{FF2B5EF4-FFF2-40B4-BE49-F238E27FC236}">
+                <a16:creationId xmlns:a16="http://schemas.microsoft.com/office/drawing/2014/main" id="{BDFADFB3-3D44-49A8-AE3B-A87C61607F7E}"/>
+              </a:ext>
+              <a:ext uri="{C183D7F6-B498-43B3-948B-1728B52AA6E4}">
+                <adec:decorative xmlns:adec="http://schemas.microsoft.com/office/drawing/2017/decorative" val="1"/>
+              </a:ext>
+            </a:extLst>
+          </p:cNvPr>
+          <p:cNvPicPr>
+            <a:picLocks noGrp="1" noRot="1" noChangeAspect="1" noMove="1" noResize="1" noEditPoints="1" noAdjustHandles="1" noChangeArrowheads="1" noChangeShapeType="1" noCrop="1"/>
+          </p:cNvPicPr>
+          <p:nvPr>
+            <p:extLst>
+              <p:ext uri="{386F3935-93C4-4BCD-93E2-E3B085C9AB24}">
+                <p16:designElem xmlns:p16="http://schemas.microsoft.com/office/powerpoint/2015/main" val="1"/>
+              </p:ext>
+            </p:extLst>
+          </p:nvPr>
+        </p:nvPicPr>
+        <p:blipFill>
+          <a:blip r:embed="rId2">
+            <a:extLst>
+              <a:ext uri="{28A0092B-C50C-407E-A947-70E740481C1C}">
+                <a14:useLocalDpi xmlns:a14="http://schemas.microsoft.com/office/drawing/2010/main" val="0"/>
+              </a:ext>
+            </a:extLst>
+          </a:blip>
+          <a:stretch>
+            <a:fillRect/>
+          </a:stretch>
+        </p:blipFill>
+        <p:spPr>
+          <a:xfrm>
+            <a:off x="0" y="0"/>
+            <a:ext cx="12192000" cy="1441450"/>
+          </a:xfrm>
+          <a:prstGeom prst="rect">
+            <a:avLst/>
+          </a:prstGeom>
+        </p:spPr>
+      </p:pic>
+      <p:pic>
+        <p:nvPicPr>
+          <p:cNvPr id="28" name="Picture 27">
+            <a:extLst>
+              <a:ext uri="{FF2B5EF4-FFF2-40B4-BE49-F238E27FC236}">
+                <a16:creationId xmlns:a16="http://schemas.microsoft.com/office/drawing/2014/main" id="{BB912AE0-CAD9-4F8F-A2A2-BDF07D4EDD22}"/>
+              </a:ext>
+              <a:ext uri="{C183D7F6-B498-43B3-948B-1728B52AA6E4}">
+                <adec:decorative xmlns:adec="http://schemas.microsoft.com/office/drawing/2017/decorative" val="1"/>
+              </a:ext>
+            </a:extLst>
+          </p:cNvPr>
+          <p:cNvPicPr>
+            <a:picLocks noGrp="1" noRot="1" noChangeAspect="1" noMove="1" noResize="1" noEditPoints="1" noAdjustHandles="1" noChangeArrowheads="1" noChangeShapeType="1" noCrop="1"/>
+          </p:cNvPicPr>
+          <p:nvPr>
+            <p:extLst>
+              <p:ext uri="{386F3935-93C4-4BCD-93E2-E3B085C9AB24}">
+                <p16:designElem xmlns:p16="http://schemas.microsoft.com/office/powerpoint/2015/main" val="1"/>
+              </p:ext>
+            </p:extLst>
+          </p:nvPr>
+        </p:nvPicPr>
+        <p:blipFill>
+          <a:blip r:embed="rId3">
+            <a:extLst>
+              <a:ext uri="{28A0092B-C50C-407E-A947-70E740481C1C}">
+                <a14:useLocalDpi xmlns:a14="http://schemas.microsoft.com/office/drawing/2010/main" val="0"/>
+              </a:ext>
+            </a:extLst>
+          </a:blip>
+          <a:stretch>
+            <a:fillRect/>
+          </a:stretch>
+        </p:blipFill>
+        <p:spPr>
+          <a:xfrm>
+            <a:off x="0" y="4375150"/>
+            <a:ext cx="12192000" cy="2482850"/>
+          </a:xfrm>
+          <a:prstGeom prst="rect">
+            <a:avLst/>
+          </a:prstGeom>
+        </p:spPr>
+      </p:pic>
+      <p:sp useBgFill="1">
+        <p:nvSpPr>
+          <p:cNvPr id="30" name="Rectangle 29">
+            <a:extLst>
+              <a:ext uri="{FF2B5EF4-FFF2-40B4-BE49-F238E27FC236}">
+                <a16:creationId xmlns:a16="http://schemas.microsoft.com/office/drawing/2014/main" id="{BD7C2DEF-63C5-495B-BBE5-720E5D12B4D2}"/>
+              </a:ext>
+              <a:ext uri="{C183D7F6-B498-43B3-948B-1728B52AA6E4}">
+                <adec:decorative xmlns:adec="http://schemas.microsoft.com/office/drawing/2017/decorative" val="1"/>
+              </a:ext>
+            </a:extLst>
+          </p:cNvPr>
+          <p:cNvSpPr>
+            <a:spLocks noGrp="1" noRot="1" noChangeAspect="1" noMove="1" noResize="1" noEditPoints="1" noAdjustHandles="1" noChangeArrowheads="1" noChangeShapeType="1" noTextEdit="1"/>
+          </p:cNvSpPr>
+          <p:nvPr>
+            <p:extLst>
+              <p:ext uri="{386F3935-93C4-4BCD-93E2-E3B085C9AB24}">
+                <p16:designElem xmlns:p16="http://schemas.microsoft.com/office/powerpoint/2015/main" val="1"/>
+              </p:ext>
+            </p:extLst>
+          </p:nvPr>
+        </p:nvSpPr>
+        <p:spPr>
+          <a:xfrm>
+            <a:off x="0" y="0"/>
+            <a:ext cx="12192000" cy="6858000"/>
+          </a:xfrm>
+          <a:prstGeom prst="rect">
+            <a:avLst/>
+          </a:prstGeom>
+          <a:ln>
+            <a:noFill/>
+          </a:ln>
+        </p:spPr>
+        <p:style>
+          <a:lnRef idx="2">
+            <a:schemeClr val="accent1">
+              <a:shade val="50000"/>
+            </a:schemeClr>
+          </a:lnRef>
+          <a:fillRef idx="1">
+            <a:schemeClr val="accent1"/>
+          </a:fillRef>
+          <a:effectRef idx="0">
+            <a:schemeClr val="accent1"/>
+          </a:effectRef>
+          <a:fontRef idx="minor">
+            <a:schemeClr val="lt1"/>
+          </a:fontRef>
+        </p:style>
+        <p:txBody>
+          <a:bodyPr rtlCol="0" anchor="ctr"/>
+          <a:lstStyle/>
+          <a:p>
+            <a:pPr algn="ctr"/>
+            <a:endParaRPr lang="en-US"/>
+          </a:p>
+        </p:txBody>
+      </p:sp>
+      <p:pic>
+        <p:nvPicPr>
+          <p:cNvPr id="32" name="Picture 31">
+            <a:extLst>
+              <a:ext uri="{FF2B5EF4-FFF2-40B4-BE49-F238E27FC236}">
+                <a16:creationId xmlns:a16="http://schemas.microsoft.com/office/drawing/2014/main" id="{FE21E403-0B61-4473-BE57-AB0F16379674}"/>
+              </a:ext>
+              <a:ext uri="{C183D7F6-B498-43B3-948B-1728B52AA6E4}">
+                <adec:decorative xmlns:adec="http://schemas.microsoft.com/office/drawing/2017/decorative" val="1"/>
+              </a:ext>
+            </a:extLst>
+          </p:cNvPr>
+          <p:cNvPicPr>
+            <a:picLocks noGrp="1" noRot="1" noChangeAspect="1" noMove="1" noResize="1" noEditPoints="1" noAdjustHandles="1" noChangeArrowheads="1" noChangeShapeType="1" noCrop="1"/>
+          </p:cNvPicPr>
+          <p:nvPr>
+            <p:extLst>
+              <p:ext uri="{386F3935-93C4-4BCD-93E2-E3B085C9AB24}">
+                <p16:designElem xmlns:p16="http://schemas.microsoft.com/office/powerpoint/2015/main" val="1"/>
+              </p:ext>
+            </p:extLst>
+          </p:nvPr>
+        </p:nvPicPr>
+        <p:blipFill>
+          <a:blip r:embed="rId2">
+            <a:extLst>
+              <a:ext uri="{28A0092B-C50C-407E-A947-70E740481C1C}">
+                <a14:useLocalDpi xmlns:a14="http://schemas.microsoft.com/office/drawing/2010/main" val="0"/>
+              </a:ext>
+            </a:extLst>
+          </a:blip>
+          <a:stretch>
+            <a:fillRect/>
+          </a:stretch>
+        </p:blipFill>
+        <p:spPr>
+          <a:xfrm>
+            <a:off x="0" y="0"/>
+            <a:ext cx="12192000" cy="1441450"/>
+          </a:xfrm>
+          <a:prstGeom prst="rect">
+            <a:avLst/>
+          </a:prstGeom>
+        </p:spPr>
+      </p:pic>
       <p:sp>
         <p:nvSpPr>
           <p:cNvPr id="2" name="Title 1">
             <a:extLst>
               <a:ext uri="{FF2B5EF4-FFF2-40B4-BE49-F238E27FC236}">
-                <a16:creationId xmlns:a16="http://schemas.microsoft.com/office/drawing/2014/main" id="{262BF243-BE9F-42A7-A7CE-DCACE8A87BA1}"/>
+                <a16:creationId xmlns:a16="http://schemas.microsoft.com/office/drawing/2014/main" id="{EF1F61EF-C1F5-4815-B895-A8AA2BE8D5F1}"/>
               </a:ext>
             </a:extLst>
           </p:cNvPr>
@@ -5772,47 +5982,64 @@
             <p:ph type="title"/>
           </p:nvPr>
         </p:nvSpPr>
-        <p:spPr/>
-        <p:txBody>
-          <a:bodyPr/>
-          <a:lstStyle/>
-          <a:p>
-            <a:r>
-              <a:rPr lang="en-US" dirty="0"/>
-              <a:t>Law of continuation</a:t>
-            </a:r>
-          </a:p>
-        </p:txBody>
-      </p:sp>
-      <p:sp>
-        <p:nvSpPr>
-          <p:cNvPr id="3" name="Content Placeholder 2">
+        <p:spPr>
+          <a:xfrm>
+            <a:off x="636696" y="643464"/>
+            <a:ext cx="3761964" cy="3273061"/>
+          </a:xfrm>
+          <a:noFill/>
+          <a:ln w="19050">
+            <a:noFill/>
+            <a:prstDash val="dash"/>
+          </a:ln>
+        </p:spPr>
+        <p:txBody>
+          <a:bodyPr vert="horz" lIns="91440" tIns="45720" rIns="91440" bIns="45720" rtlCol="0" anchor="b">
+            <a:normAutofit/>
+          </a:bodyPr>
+          <a:lstStyle/>
+          <a:p>
+            <a:r>
+              <a:rPr lang="en-US" sz="4800"/>
+              <a:t>Law of common fate</a:t>
+            </a:r>
+          </a:p>
+        </p:txBody>
+      </p:sp>
+      <p:pic>
+        <p:nvPicPr>
+          <p:cNvPr id="4" name="Picture 3">
             <a:extLst>
               <a:ext uri="{FF2B5EF4-FFF2-40B4-BE49-F238E27FC236}">
-                <a16:creationId xmlns:a16="http://schemas.microsoft.com/office/drawing/2014/main" id="{110D33BB-F09D-4AAC-89BE-4CA78E032925}"/>
+                <a16:creationId xmlns:a16="http://schemas.microsoft.com/office/drawing/2014/main" id="{AD40C7C9-45F2-4A9C-8560-988988CF0771}"/>
               </a:ext>
             </a:extLst>
           </p:cNvPr>
-          <p:cNvSpPr>
-            <a:spLocks noGrp="1"/>
-          </p:cNvSpPr>
-          <p:nvPr>
-            <p:ph idx="1"/>
-          </p:nvPr>
-        </p:nvSpPr>
-        <p:spPr/>
-        <p:txBody>
-          <a:bodyPr/>
-          <a:lstStyle/>
-          <a:p>
-            <a:endParaRPr lang="en-US"/>
-          </a:p>
-        </p:txBody>
-      </p:sp>
+          <p:cNvPicPr>
+            <a:picLocks noChangeAspect="1"/>
+          </p:cNvPicPr>
+          <p:nvPr/>
+        </p:nvPicPr>
+        <p:blipFill>
+          <a:blip r:embed="rId4"/>
+          <a:stretch>
+            <a:fillRect/>
+          </a:stretch>
+        </p:blipFill>
+        <p:spPr>
+          <a:xfrm>
+            <a:off x="5545723" y="941122"/>
+            <a:ext cx="5179796" cy="5115048"/>
+          </a:xfrm>
+          <a:prstGeom prst="rect">
+            <a:avLst/>
+          </a:prstGeom>
+        </p:spPr>
+      </p:pic>
     </p:spTree>
     <p:extLst>
       <p:ext uri="{BB962C8B-B14F-4D97-AF65-F5344CB8AC3E}">
-        <p14:creationId xmlns:p14="http://schemas.microsoft.com/office/powerpoint/2010/main" val="89905317"/>
+        <p14:creationId xmlns:p14="http://schemas.microsoft.com/office/powerpoint/2010/main" val="84306195"/>
       </p:ext>
     </p:extLst>
   </p:cSld>
@@ -5825,6 +6052,14 @@
 <file path=ppt/slides/slide11.xml><?xml version="1.0" encoding="utf-8"?>
 <p:sld xmlns:a="http://schemas.openxmlformats.org/drawingml/2006/main" xmlns:r="http://schemas.openxmlformats.org/officeDocument/2006/relationships" xmlns:p="http://schemas.openxmlformats.org/presentationml/2006/main">
   <p:cSld>
+    <p:bg>
+      <p:bgPr>
+        <a:solidFill>
+          <a:schemeClr val="bg1"/>
+        </a:solidFill>
+        <a:effectLst/>
+      </p:bgPr>
+    </p:bg>
     <p:spTree>
       <p:nvGrpSpPr>
         <p:cNvPr id="1" name=""/>
@@ -5839,12 +6074,207 @@
           <a:chExt cx="0" cy="0"/>
         </a:xfrm>
       </p:grpSpPr>
+      <p:pic>
+        <p:nvPicPr>
+          <p:cNvPr id="48" name="Picture 47">
+            <a:extLst>
+              <a:ext uri="{FF2B5EF4-FFF2-40B4-BE49-F238E27FC236}">
+                <a16:creationId xmlns:a16="http://schemas.microsoft.com/office/drawing/2014/main" id="{BDFADFB3-3D44-49A8-AE3B-A87C61607F7E}"/>
+              </a:ext>
+              <a:ext uri="{C183D7F6-B498-43B3-948B-1728B52AA6E4}">
+                <adec:decorative xmlns:adec="http://schemas.microsoft.com/office/drawing/2017/decorative" val="1"/>
+              </a:ext>
+            </a:extLst>
+          </p:cNvPr>
+          <p:cNvPicPr>
+            <a:picLocks noGrp="1" noRot="1" noChangeAspect="1" noMove="1" noResize="1" noEditPoints="1" noAdjustHandles="1" noChangeArrowheads="1" noChangeShapeType="1" noCrop="1"/>
+          </p:cNvPicPr>
+          <p:nvPr>
+            <p:extLst>
+              <p:ext uri="{386F3935-93C4-4BCD-93E2-E3B085C9AB24}">
+                <p16:designElem xmlns:p16="http://schemas.microsoft.com/office/powerpoint/2015/main" val="1"/>
+              </p:ext>
+            </p:extLst>
+          </p:nvPr>
+        </p:nvPicPr>
+        <p:blipFill>
+          <a:blip r:embed="rId2">
+            <a:extLst>
+              <a:ext uri="{28A0092B-C50C-407E-A947-70E740481C1C}">
+                <a14:useLocalDpi xmlns:a14="http://schemas.microsoft.com/office/drawing/2010/main" val="0"/>
+              </a:ext>
+            </a:extLst>
+          </a:blip>
+          <a:stretch>
+            <a:fillRect/>
+          </a:stretch>
+        </p:blipFill>
+        <p:spPr>
+          <a:xfrm>
+            <a:off x="0" y="0"/>
+            <a:ext cx="12192000" cy="1441450"/>
+          </a:xfrm>
+          <a:prstGeom prst="rect">
+            <a:avLst/>
+          </a:prstGeom>
+        </p:spPr>
+      </p:pic>
+      <p:pic>
+        <p:nvPicPr>
+          <p:cNvPr id="50" name="Picture 49">
+            <a:extLst>
+              <a:ext uri="{FF2B5EF4-FFF2-40B4-BE49-F238E27FC236}">
+                <a16:creationId xmlns:a16="http://schemas.microsoft.com/office/drawing/2014/main" id="{BB912AE0-CAD9-4F8F-A2A2-BDF07D4EDD22}"/>
+              </a:ext>
+              <a:ext uri="{C183D7F6-B498-43B3-948B-1728B52AA6E4}">
+                <adec:decorative xmlns:adec="http://schemas.microsoft.com/office/drawing/2017/decorative" val="1"/>
+              </a:ext>
+            </a:extLst>
+          </p:cNvPr>
+          <p:cNvPicPr>
+            <a:picLocks noGrp="1" noRot="1" noChangeAspect="1" noMove="1" noResize="1" noEditPoints="1" noAdjustHandles="1" noChangeArrowheads="1" noChangeShapeType="1" noCrop="1"/>
+          </p:cNvPicPr>
+          <p:nvPr>
+            <p:extLst>
+              <p:ext uri="{386F3935-93C4-4BCD-93E2-E3B085C9AB24}">
+                <p16:designElem xmlns:p16="http://schemas.microsoft.com/office/powerpoint/2015/main" val="1"/>
+              </p:ext>
+            </p:extLst>
+          </p:nvPr>
+        </p:nvPicPr>
+        <p:blipFill>
+          <a:blip r:embed="rId3">
+            <a:extLst>
+              <a:ext uri="{28A0092B-C50C-407E-A947-70E740481C1C}">
+                <a14:useLocalDpi xmlns:a14="http://schemas.microsoft.com/office/drawing/2010/main" val="0"/>
+              </a:ext>
+            </a:extLst>
+          </a:blip>
+          <a:stretch>
+            <a:fillRect/>
+          </a:stretch>
+        </p:blipFill>
+        <p:spPr>
+          <a:xfrm>
+            <a:off x="0" y="4375150"/>
+            <a:ext cx="12192000" cy="2482850"/>
+          </a:xfrm>
+          <a:prstGeom prst="rect">
+            <a:avLst/>
+          </a:prstGeom>
+        </p:spPr>
+      </p:pic>
+      <p:sp useBgFill="1">
+        <p:nvSpPr>
+          <p:cNvPr id="52" name="Rectangle 51">
+            <a:extLst>
+              <a:ext uri="{FF2B5EF4-FFF2-40B4-BE49-F238E27FC236}">
+                <a16:creationId xmlns:a16="http://schemas.microsoft.com/office/drawing/2014/main" id="{BD7C2DEF-63C5-495B-BBE5-720E5D12B4D2}"/>
+              </a:ext>
+              <a:ext uri="{C183D7F6-B498-43B3-948B-1728B52AA6E4}">
+                <adec:decorative xmlns:adec="http://schemas.microsoft.com/office/drawing/2017/decorative" val="1"/>
+              </a:ext>
+            </a:extLst>
+          </p:cNvPr>
+          <p:cNvSpPr>
+            <a:spLocks noGrp="1" noRot="1" noChangeAspect="1" noMove="1" noResize="1" noEditPoints="1" noAdjustHandles="1" noChangeArrowheads="1" noChangeShapeType="1" noTextEdit="1"/>
+          </p:cNvSpPr>
+          <p:nvPr>
+            <p:extLst>
+              <p:ext uri="{386F3935-93C4-4BCD-93E2-E3B085C9AB24}">
+                <p16:designElem xmlns:p16="http://schemas.microsoft.com/office/powerpoint/2015/main" val="1"/>
+              </p:ext>
+            </p:extLst>
+          </p:nvPr>
+        </p:nvSpPr>
+        <p:spPr>
+          <a:xfrm>
+            <a:off x="0" y="0"/>
+            <a:ext cx="12192000" cy="6858000"/>
+          </a:xfrm>
+          <a:prstGeom prst="rect">
+            <a:avLst/>
+          </a:prstGeom>
+          <a:ln>
+            <a:noFill/>
+          </a:ln>
+        </p:spPr>
+        <p:style>
+          <a:lnRef idx="2">
+            <a:schemeClr val="accent1">
+              <a:shade val="50000"/>
+            </a:schemeClr>
+          </a:lnRef>
+          <a:fillRef idx="1">
+            <a:schemeClr val="accent1"/>
+          </a:fillRef>
+          <a:effectRef idx="0">
+            <a:schemeClr val="accent1"/>
+          </a:effectRef>
+          <a:fontRef idx="minor">
+            <a:schemeClr val="lt1"/>
+          </a:fontRef>
+        </p:style>
+        <p:txBody>
+          <a:bodyPr rtlCol="0" anchor="ctr"/>
+          <a:lstStyle/>
+          <a:p>
+            <a:pPr algn="ctr"/>
+            <a:endParaRPr lang="en-US"/>
+          </a:p>
+        </p:txBody>
+      </p:sp>
+      <p:pic>
+        <p:nvPicPr>
+          <p:cNvPr id="54" name="Picture 53">
+            <a:extLst>
+              <a:ext uri="{FF2B5EF4-FFF2-40B4-BE49-F238E27FC236}">
+                <a16:creationId xmlns:a16="http://schemas.microsoft.com/office/drawing/2014/main" id="{FE21E403-0B61-4473-BE57-AB0F16379674}"/>
+              </a:ext>
+              <a:ext uri="{C183D7F6-B498-43B3-948B-1728B52AA6E4}">
+                <adec:decorative xmlns:adec="http://schemas.microsoft.com/office/drawing/2017/decorative" val="1"/>
+              </a:ext>
+            </a:extLst>
+          </p:cNvPr>
+          <p:cNvPicPr>
+            <a:picLocks noGrp="1" noRot="1" noChangeAspect="1" noMove="1" noResize="1" noEditPoints="1" noAdjustHandles="1" noChangeArrowheads="1" noChangeShapeType="1" noCrop="1"/>
+          </p:cNvPicPr>
+          <p:nvPr>
+            <p:extLst>
+              <p:ext uri="{386F3935-93C4-4BCD-93E2-E3B085C9AB24}">
+                <p16:designElem xmlns:p16="http://schemas.microsoft.com/office/powerpoint/2015/main" val="1"/>
+              </p:ext>
+            </p:extLst>
+          </p:nvPr>
+        </p:nvPicPr>
+        <p:blipFill>
+          <a:blip r:embed="rId2">
+            <a:extLst>
+              <a:ext uri="{28A0092B-C50C-407E-A947-70E740481C1C}">
+                <a14:useLocalDpi xmlns:a14="http://schemas.microsoft.com/office/drawing/2010/main" val="0"/>
+              </a:ext>
+            </a:extLst>
+          </a:blip>
+          <a:stretch>
+            <a:fillRect/>
+          </a:stretch>
+        </p:blipFill>
+        <p:spPr>
+          <a:xfrm>
+            <a:off x="0" y="0"/>
+            <a:ext cx="12192000" cy="1441450"/>
+          </a:xfrm>
+          <a:prstGeom prst="rect">
+            <a:avLst/>
+          </a:prstGeom>
+        </p:spPr>
+      </p:pic>
       <p:sp>
         <p:nvSpPr>
           <p:cNvPr id="2" name="Title 1">
             <a:extLst>
               <a:ext uri="{FF2B5EF4-FFF2-40B4-BE49-F238E27FC236}">
-                <a16:creationId xmlns:a16="http://schemas.microsoft.com/office/drawing/2014/main" id="{F39A2DB7-2675-488F-A8FD-A769AB78F6F9}"/>
+                <a16:creationId xmlns:a16="http://schemas.microsoft.com/office/drawing/2014/main" id="{EF1F61EF-C1F5-4815-B895-A8AA2BE8D5F1}"/>
               </a:ext>
             </a:extLst>
           </p:cNvPr>
@@ -5855,47 +6285,64 @@
             <p:ph type="title"/>
           </p:nvPr>
         </p:nvSpPr>
-        <p:spPr/>
-        <p:txBody>
-          <a:bodyPr/>
-          <a:lstStyle/>
-          <a:p>
-            <a:r>
-              <a:rPr lang="en-US" dirty="0"/>
-              <a:t>Law of closure</a:t>
-            </a:r>
-          </a:p>
-        </p:txBody>
-      </p:sp>
-      <p:sp>
-        <p:nvSpPr>
-          <p:cNvPr id="3" name="Content Placeholder 2">
+        <p:spPr>
+          <a:xfrm>
+            <a:off x="636696" y="643464"/>
+            <a:ext cx="3761964" cy="3273061"/>
+          </a:xfrm>
+          <a:noFill/>
+          <a:ln w="19050">
+            <a:noFill/>
+            <a:prstDash val="dash"/>
+          </a:ln>
+        </p:spPr>
+        <p:txBody>
+          <a:bodyPr vert="horz" lIns="91440" tIns="45720" rIns="91440" bIns="45720" rtlCol="0" anchor="b">
+            <a:normAutofit/>
+          </a:bodyPr>
+          <a:lstStyle/>
+          <a:p>
+            <a:r>
+              <a:rPr lang="en-US" sz="4800"/>
+              <a:t>Law of common fate</a:t>
+            </a:r>
+          </a:p>
+        </p:txBody>
+      </p:sp>
+      <p:pic>
+        <p:nvPicPr>
+          <p:cNvPr id="7" name="Picture 6">
             <a:extLst>
               <a:ext uri="{FF2B5EF4-FFF2-40B4-BE49-F238E27FC236}">
-                <a16:creationId xmlns:a16="http://schemas.microsoft.com/office/drawing/2014/main" id="{139AFEEA-DAA2-4CBC-BE4D-1AF5ADA49DC8}"/>
+                <a16:creationId xmlns:a16="http://schemas.microsoft.com/office/drawing/2014/main" id="{C5862DDD-6168-4B39-BEF2-AEA67308D1CA}"/>
               </a:ext>
             </a:extLst>
           </p:cNvPr>
-          <p:cNvSpPr>
-            <a:spLocks noGrp="1"/>
-          </p:cNvSpPr>
-          <p:nvPr>
-            <p:ph idx="1"/>
-          </p:nvPr>
-        </p:nvSpPr>
-        <p:spPr/>
-        <p:txBody>
-          <a:bodyPr/>
-          <a:lstStyle/>
-          <a:p>
-            <a:endParaRPr lang="en-US"/>
-          </a:p>
-        </p:txBody>
-      </p:sp>
+          <p:cNvPicPr>
+            <a:picLocks noChangeAspect="1"/>
+          </p:cNvPicPr>
+          <p:nvPr/>
+        </p:nvPicPr>
+        <p:blipFill>
+          <a:blip r:embed="rId4"/>
+          <a:stretch>
+            <a:fillRect/>
+          </a:stretch>
+        </p:blipFill>
+        <p:spPr>
+          <a:xfrm>
+            <a:off x="5485337" y="941122"/>
+            <a:ext cx="5300568" cy="5115048"/>
+          </a:xfrm>
+          <a:prstGeom prst="rect">
+            <a:avLst/>
+          </a:prstGeom>
+        </p:spPr>
+      </p:pic>
     </p:spTree>
     <p:extLst>
       <p:ext uri="{BB962C8B-B14F-4D97-AF65-F5344CB8AC3E}">
-        <p14:creationId xmlns:p14="http://schemas.microsoft.com/office/powerpoint/2010/main" val="3343798539"/>
+        <p14:creationId xmlns:p14="http://schemas.microsoft.com/office/powerpoint/2010/main" val="4211250767"/>
       </p:ext>
     </p:extLst>
   </p:cSld>
@@ -5908,6 +6355,14 @@
 <file path=ppt/slides/slide12.xml><?xml version="1.0" encoding="utf-8"?>
 <p:sld xmlns:a="http://schemas.openxmlformats.org/drawingml/2006/main" xmlns:r="http://schemas.openxmlformats.org/officeDocument/2006/relationships" xmlns:p="http://schemas.openxmlformats.org/presentationml/2006/main">
   <p:cSld>
+    <p:bg>
+      <p:bgPr>
+        <a:solidFill>
+          <a:schemeClr val="bg1"/>
+        </a:solidFill>
+        <a:effectLst/>
+      </p:bgPr>
+    </p:bg>
     <p:spTree>
       <p:nvGrpSpPr>
         <p:cNvPr id="1" name=""/>
@@ -5922,12 +6377,165 @@
           <a:chExt cx="0" cy="0"/>
         </a:xfrm>
       </p:grpSpPr>
+      <p:pic>
+        <p:nvPicPr>
+          <p:cNvPr id="10" name="Picture 9">
+            <a:extLst>
+              <a:ext uri="{FF2B5EF4-FFF2-40B4-BE49-F238E27FC236}">
+                <a16:creationId xmlns:a16="http://schemas.microsoft.com/office/drawing/2014/main" id="{CFD580F5-E7BF-4C1D-BEFD-4A4601EBA876}"/>
+              </a:ext>
+              <a:ext uri="{C183D7F6-B498-43B3-948B-1728B52AA6E4}">
+                <adec:decorative xmlns:adec="http://schemas.microsoft.com/office/drawing/2017/decorative" val="1"/>
+              </a:ext>
+            </a:extLst>
+          </p:cNvPr>
+          <p:cNvPicPr>
+            <a:picLocks noGrp="1" noRot="1" noChangeAspect="1" noMove="1" noResize="1" noEditPoints="1" noAdjustHandles="1" noChangeArrowheads="1" noChangeShapeType="1" noCrop="1"/>
+          </p:cNvPicPr>
+          <p:nvPr>
+            <p:extLst>
+              <p:ext uri="{386F3935-93C4-4BCD-93E2-E3B085C9AB24}">
+                <p16:designElem xmlns:p16="http://schemas.microsoft.com/office/powerpoint/2015/main" val="1"/>
+              </p:ext>
+            </p:extLst>
+          </p:nvPr>
+        </p:nvPicPr>
+        <p:blipFill>
+          <a:blip r:embed="rId2">
+            <a:extLst>
+              <a:ext uri="{28A0092B-C50C-407E-A947-70E740481C1C}">
+                <a14:useLocalDpi xmlns:a14="http://schemas.microsoft.com/office/drawing/2010/main" val="0"/>
+              </a:ext>
+            </a:extLst>
+          </a:blip>
+          <a:stretch>
+            <a:fillRect/>
+          </a:stretch>
+        </p:blipFill>
+        <p:spPr>
+          <a:xfrm>
+            <a:off x="0" y="0"/>
+            <a:ext cx="12192000" cy="1441450"/>
+          </a:xfrm>
+          <a:prstGeom prst="rect">
+            <a:avLst/>
+          </a:prstGeom>
+        </p:spPr>
+      </p:pic>
+      <p:pic>
+        <p:nvPicPr>
+          <p:cNvPr id="12" name="Picture 11">
+            <a:extLst>
+              <a:ext uri="{FF2B5EF4-FFF2-40B4-BE49-F238E27FC236}">
+                <a16:creationId xmlns:a16="http://schemas.microsoft.com/office/drawing/2014/main" id="{F0F06750-78FE-4472-8DA5-14CF3336F811}"/>
+              </a:ext>
+              <a:ext uri="{C183D7F6-B498-43B3-948B-1728B52AA6E4}">
+                <adec:decorative xmlns:adec="http://schemas.microsoft.com/office/drawing/2017/decorative" val="1"/>
+              </a:ext>
+            </a:extLst>
+          </p:cNvPr>
+          <p:cNvPicPr>
+            <a:picLocks noGrp="1" noRot="1" noChangeAspect="1" noMove="1" noResize="1" noEditPoints="1" noAdjustHandles="1" noChangeArrowheads="1" noChangeShapeType="1" noCrop="1"/>
+          </p:cNvPicPr>
+          <p:nvPr>
+            <p:extLst>
+              <p:ext uri="{386F3935-93C4-4BCD-93E2-E3B085C9AB24}">
+                <p16:designElem xmlns:p16="http://schemas.microsoft.com/office/powerpoint/2015/main" val="1"/>
+              </p:ext>
+            </p:extLst>
+          </p:nvPr>
+        </p:nvPicPr>
+        <p:blipFill>
+          <a:blip r:embed="rId3">
+            <a:extLst>
+              <a:ext uri="{28A0092B-C50C-407E-A947-70E740481C1C}">
+                <a14:useLocalDpi xmlns:a14="http://schemas.microsoft.com/office/drawing/2010/main" val="0"/>
+              </a:ext>
+            </a:extLst>
+          </a:blip>
+          <a:stretch>
+            <a:fillRect/>
+          </a:stretch>
+        </p:blipFill>
+        <p:spPr>
+          <a:xfrm>
+            <a:off x="0" y="4375150"/>
+            <a:ext cx="12192000" cy="2482850"/>
+          </a:xfrm>
+          <a:prstGeom prst="rect">
+            <a:avLst/>
+          </a:prstGeom>
+        </p:spPr>
+      </p:pic>
+      <p:sp>
+        <p:nvSpPr>
+          <p:cNvPr id="14" name="Rectangle 13">
+            <a:extLst>
+              <a:ext uri="{FF2B5EF4-FFF2-40B4-BE49-F238E27FC236}">
+                <a16:creationId xmlns:a16="http://schemas.microsoft.com/office/drawing/2014/main" id="{05B7B068-8178-428D-927D-52BF95F4A2D6}"/>
+              </a:ext>
+              <a:ext uri="{C183D7F6-B498-43B3-948B-1728B52AA6E4}">
+                <adec:decorative xmlns:adec="http://schemas.microsoft.com/office/drawing/2017/decorative" val="1"/>
+              </a:ext>
+            </a:extLst>
+          </p:cNvPr>
+          <p:cNvSpPr>
+            <a:spLocks noGrp="1" noRot="1" noChangeAspect="1" noMove="1" noResize="1" noEditPoints="1" noAdjustHandles="1" noChangeArrowheads="1" noChangeShapeType="1" noTextEdit="1"/>
+          </p:cNvSpPr>
+          <p:nvPr>
+            <p:extLst>
+              <p:ext uri="{386F3935-93C4-4BCD-93E2-E3B085C9AB24}">
+                <p16:designElem xmlns:p16="http://schemas.microsoft.com/office/powerpoint/2015/main" val="1"/>
+              </p:ext>
+            </p:extLst>
+          </p:nvPr>
+        </p:nvSpPr>
+        <p:spPr bwMode="white">
+          <a:xfrm>
+            <a:off x="0" y="4360126"/>
+            <a:ext cx="12192000" cy="2497873"/>
+          </a:xfrm>
+          <a:prstGeom prst="rect">
+            <a:avLst/>
+          </a:prstGeom>
+          <a:solidFill>
+            <a:schemeClr val="bg1"/>
+          </a:solidFill>
+          <a:ln>
+            <a:noFill/>
+          </a:ln>
+        </p:spPr>
+        <p:style>
+          <a:lnRef idx="2">
+            <a:schemeClr val="accent1">
+              <a:shade val="50000"/>
+            </a:schemeClr>
+          </a:lnRef>
+          <a:fillRef idx="1">
+            <a:schemeClr val="accent1"/>
+          </a:fillRef>
+          <a:effectRef idx="0">
+            <a:schemeClr val="accent1"/>
+          </a:effectRef>
+          <a:fontRef idx="minor">
+            <a:schemeClr val="lt1"/>
+          </a:fontRef>
+        </p:style>
+        <p:txBody>
+          <a:bodyPr rtlCol="0" anchor="ctr"/>
+          <a:lstStyle/>
+          <a:p>
+            <a:pPr algn="ctr"/>
+            <a:endParaRPr lang="en-US"/>
+          </a:p>
+        </p:txBody>
+      </p:sp>
       <p:sp>
         <p:nvSpPr>
           <p:cNvPr id="2" name="Title 1">
             <a:extLst>
               <a:ext uri="{FF2B5EF4-FFF2-40B4-BE49-F238E27FC236}">
-                <a16:creationId xmlns:a16="http://schemas.microsoft.com/office/drawing/2014/main" id="{32A3A571-95AF-44D7-ACA9-BE94DBE5A254}"/>
+                <a16:creationId xmlns:a16="http://schemas.microsoft.com/office/drawing/2014/main" id="{262BF243-BE9F-42A7-A7CE-DCACE8A87BA1}"/>
               </a:ext>
             </a:extLst>
           </p:cNvPr>
@@ -5938,52 +6546,64 @@
             <p:ph type="title"/>
           </p:nvPr>
         </p:nvSpPr>
-        <p:spPr/>
-        <p:txBody>
-          <a:bodyPr/>
-          <a:lstStyle/>
-          <a:p>
-            <a:r>
-              <a:rPr lang="en-US" dirty="0"/>
+        <p:spPr>
+          <a:xfrm>
+            <a:off x="685800" y="4698999"/>
+            <a:ext cx="10820400" cy="821268"/>
+          </a:xfrm>
+        </p:spPr>
+        <p:txBody>
+          <a:bodyPr vert="horz" lIns="91440" tIns="45720" rIns="91440" bIns="45720" rtlCol="0" anchor="b">
+            <a:normAutofit/>
+          </a:bodyPr>
+          <a:lstStyle/>
+          <a:p>
+            <a:pPr algn="l"/>
+            <a:r>
+              <a:rPr lang="en-US" sz="4400" dirty="0"/>
               <a:t>Law of Uniform </a:t>
             </a:r>
             <a:r>
-              <a:rPr lang="en-US" dirty="0" err="1"/>
-              <a:t>correctedness</a:t>
-            </a:r>
-            <a:endParaRPr lang="en-US" dirty="0"/>
-          </a:p>
-        </p:txBody>
-      </p:sp>
-      <p:sp>
-        <p:nvSpPr>
-          <p:cNvPr id="3" name="Content Placeholder 2">
+              <a:rPr lang="en-US" sz="4400" dirty="0" err="1"/>
+              <a:t>CorrectedNess</a:t>
+            </a:r>
+            <a:endParaRPr lang="en-US" sz="4400" dirty="0"/>
+          </a:p>
+        </p:txBody>
+      </p:sp>
+      <p:pic>
+        <p:nvPicPr>
+          <p:cNvPr id="5" name="Picture 4">
             <a:extLst>
               <a:ext uri="{FF2B5EF4-FFF2-40B4-BE49-F238E27FC236}">
-                <a16:creationId xmlns:a16="http://schemas.microsoft.com/office/drawing/2014/main" id="{C72F58E8-514B-4469-9A6E-B755E4573923}"/>
+                <a16:creationId xmlns:a16="http://schemas.microsoft.com/office/drawing/2014/main" id="{E60CEED2-C761-46EE-A74A-2C8E03CDE06B}"/>
               </a:ext>
             </a:extLst>
           </p:cNvPr>
-          <p:cNvSpPr>
-            <a:spLocks noGrp="1"/>
-          </p:cNvSpPr>
-          <p:nvPr>
-            <p:ph idx="1"/>
-          </p:nvPr>
-        </p:nvSpPr>
-        <p:spPr/>
-        <p:txBody>
-          <a:bodyPr/>
-          <a:lstStyle/>
-          <a:p>
-            <a:endParaRPr lang="en-US"/>
-          </a:p>
-        </p:txBody>
-      </p:sp>
+          <p:cNvPicPr>
+            <a:picLocks noChangeAspect="1"/>
+          </p:cNvPicPr>
+          <p:nvPr/>
+        </p:nvPicPr>
+        <p:blipFill rotWithShape="1">
+          <a:blip r:embed="rId4"/>
+          <a:srcRect t="15628" r="1" b="18434"/>
+          <a:stretch/>
+        </p:blipFill>
+        <p:spPr>
+          <a:xfrm>
+            <a:off x="681727" y="712832"/>
+            <a:ext cx="10820290" cy="3478161"/>
+          </a:xfrm>
+          <a:prstGeom prst="rect">
+            <a:avLst/>
+          </a:prstGeom>
+        </p:spPr>
+      </p:pic>
     </p:spTree>
     <p:extLst>
       <p:ext uri="{BB962C8B-B14F-4D97-AF65-F5344CB8AC3E}">
-        <p14:creationId xmlns:p14="http://schemas.microsoft.com/office/powerpoint/2010/main" val="2357159446"/>
+        <p14:creationId xmlns:p14="http://schemas.microsoft.com/office/powerpoint/2010/main" val="89905317"/>
       </p:ext>
     </p:extLst>
   </p:cSld>
@@ -6015,6 +6635,658 @@
           <p:cNvPr id="2" name="Title 1">
             <a:extLst>
               <a:ext uri="{FF2B5EF4-FFF2-40B4-BE49-F238E27FC236}">
+                <a16:creationId xmlns:a16="http://schemas.microsoft.com/office/drawing/2014/main" id="{32A3A571-95AF-44D7-ACA9-BE94DBE5A254}"/>
+              </a:ext>
+            </a:extLst>
+          </p:cNvPr>
+          <p:cNvSpPr>
+            <a:spLocks noGrp="1"/>
+          </p:cNvSpPr>
+          <p:nvPr>
+            <p:ph type="title"/>
+          </p:nvPr>
+        </p:nvSpPr>
+        <p:spPr/>
+        <p:txBody>
+          <a:bodyPr/>
+          <a:lstStyle/>
+          <a:p>
+            <a:r>
+              <a:rPr lang="en-US" dirty="0"/>
+              <a:t>Law </a:t>
+            </a:r>
+            <a:r>
+              <a:rPr lang="en-US"/>
+              <a:t>of continuation</a:t>
+            </a:r>
+            <a:endParaRPr lang="en-US" dirty="0"/>
+          </a:p>
+        </p:txBody>
+      </p:sp>
+      <p:sp>
+        <p:nvSpPr>
+          <p:cNvPr id="3" name="Content Placeholder 2">
+            <a:extLst>
+              <a:ext uri="{FF2B5EF4-FFF2-40B4-BE49-F238E27FC236}">
+                <a16:creationId xmlns:a16="http://schemas.microsoft.com/office/drawing/2014/main" id="{C72F58E8-514B-4469-9A6E-B755E4573923}"/>
+              </a:ext>
+            </a:extLst>
+          </p:cNvPr>
+          <p:cNvSpPr>
+            <a:spLocks noGrp="1"/>
+          </p:cNvSpPr>
+          <p:nvPr>
+            <p:ph idx="1"/>
+          </p:nvPr>
+        </p:nvSpPr>
+        <p:spPr/>
+        <p:txBody>
+          <a:bodyPr/>
+          <a:lstStyle/>
+          <a:p>
+            <a:pPr marL="0" indent="0">
+              <a:buNone/>
+            </a:pPr>
+            <a:endParaRPr lang="en-US" dirty="0"/>
+          </a:p>
+          <a:p>
+            <a:pPr marL="0" indent="0">
+              <a:buNone/>
+            </a:pPr>
+            <a:endParaRPr lang="en-US" dirty="0"/>
+          </a:p>
+        </p:txBody>
+      </p:sp>
+    </p:spTree>
+    <p:extLst>
+      <p:ext uri="{BB962C8B-B14F-4D97-AF65-F5344CB8AC3E}">
+        <p14:creationId xmlns:p14="http://schemas.microsoft.com/office/powerpoint/2010/main" val="2357159446"/>
+      </p:ext>
+    </p:extLst>
+  </p:cSld>
+  <p:clrMapOvr>
+    <a:masterClrMapping/>
+  </p:clrMapOvr>
+</p:sld>
+</file>
+
+<file path=ppt/slides/slide14.xml><?xml version="1.0" encoding="utf-8"?>
+<p:sld xmlns:a="http://schemas.openxmlformats.org/drawingml/2006/main" xmlns:r="http://schemas.openxmlformats.org/officeDocument/2006/relationships" xmlns:p="http://schemas.openxmlformats.org/presentationml/2006/main">
+  <p:cSld>
+    <p:bg>
+      <p:bgPr>
+        <a:solidFill>
+          <a:schemeClr val="bg1"/>
+        </a:solidFill>
+        <a:effectLst/>
+      </p:bgPr>
+    </p:bg>
+    <p:spTree>
+      <p:nvGrpSpPr>
+        <p:cNvPr id="1" name=""/>
+        <p:cNvGrpSpPr/>
+        <p:nvPr/>
+      </p:nvGrpSpPr>
+      <p:grpSpPr>
+        <a:xfrm>
+          <a:off x="0" y="0"/>
+          <a:ext cx="0" cy="0"/>
+          <a:chOff x="0" y="0"/>
+          <a:chExt cx="0" cy="0"/>
+        </a:xfrm>
+      </p:grpSpPr>
+      <p:pic>
+        <p:nvPicPr>
+          <p:cNvPr id="71" name="Picture 70">
+            <a:extLst>
+              <a:ext uri="{FF2B5EF4-FFF2-40B4-BE49-F238E27FC236}">
+                <a16:creationId xmlns:a16="http://schemas.microsoft.com/office/drawing/2014/main" id="{BDFADFB3-3D44-49A8-AE3B-A87C61607F7E}"/>
+              </a:ext>
+              <a:ext uri="{C183D7F6-B498-43B3-948B-1728B52AA6E4}">
+                <adec:decorative xmlns:adec="http://schemas.microsoft.com/office/drawing/2017/decorative" val="1"/>
+              </a:ext>
+            </a:extLst>
+          </p:cNvPr>
+          <p:cNvPicPr>
+            <a:picLocks noGrp="1" noRot="1" noChangeAspect="1" noMove="1" noResize="1" noEditPoints="1" noAdjustHandles="1" noChangeArrowheads="1" noChangeShapeType="1" noCrop="1"/>
+          </p:cNvPicPr>
+          <p:nvPr>
+            <p:extLst>
+              <p:ext uri="{386F3935-93C4-4BCD-93E2-E3B085C9AB24}">
+                <p16:designElem xmlns:p16="http://schemas.microsoft.com/office/powerpoint/2015/main" val="1"/>
+              </p:ext>
+            </p:extLst>
+          </p:nvPr>
+        </p:nvPicPr>
+        <p:blipFill>
+          <a:blip r:embed="rId2">
+            <a:extLst>
+              <a:ext uri="{28A0092B-C50C-407E-A947-70E740481C1C}">
+                <a14:useLocalDpi xmlns:a14="http://schemas.microsoft.com/office/drawing/2010/main" val="0"/>
+              </a:ext>
+            </a:extLst>
+          </a:blip>
+          <a:stretch>
+            <a:fillRect/>
+          </a:stretch>
+        </p:blipFill>
+        <p:spPr>
+          <a:xfrm>
+            <a:off x="0" y="0"/>
+            <a:ext cx="12192000" cy="1441450"/>
+          </a:xfrm>
+          <a:prstGeom prst="rect">
+            <a:avLst/>
+          </a:prstGeom>
+        </p:spPr>
+      </p:pic>
+      <p:pic>
+        <p:nvPicPr>
+          <p:cNvPr id="73" name="Picture 72">
+            <a:extLst>
+              <a:ext uri="{FF2B5EF4-FFF2-40B4-BE49-F238E27FC236}">
+                <a16:creationId xmlns:a16="http://schemas.microsoft.com/office/drawing/2014/main" id="{BB912AE0-CAD9-4F8F-A2A2-BDF07D4EDD22}"/>
+              </a:ext>
+              <a:ext uri="{C183D7F6-B498-43B3-948B-1728B52AA6E4}">
+                <adec:decorative xmlns:adec="http://schemas.microsoft.com/office/drawing/2017/decorative" val="1"/>
+              </a:ext>
+            </a:extLst>
+          </p:cNvPr>
+          <p:cNvPicPr>
+            <a:picLocks noGrp="1" noRot="1" noChangeAspect="1" noMove="1" noResize="1" noEditPoints="1" noAdjustHandles="1" noChangeArrowheads="1" noChangeShapeType="1" noCrop="1"/>
+          </p:cNvPicPr>
+          <p:nvPr>
+            <p:extLst>
+              <p:ext uri="{386F3935-93C4-4BCD-93E2-E3B085C9AB24}">
+                <p16:designElem xmlns:p16="http://schemas.microsoft.com/office/powerpoint/2015/main" val="1"/>
+              </p:ext>
+            </p:extLst>
+          </p:nvPr>
+        </p:nvPicPr>
+        <p:blipFill>
+          <a:blip r:embed="rId3">
+            <a:extLst>
+              <a:ext uri="{28A0092B-C50C-407E-A947-70E740481C1C}">
+                <a14:useLocalDpi xmlns:a14="http://schemas.microsoft.com/office/drawing/2010/main" val="0"/>
+              </a:ext>
+            </a:extLst>
+          </a:blip>
+          <a:stretch>
+            <a:fillRect/>
+          </a:stretch>
+        </p:blipFill>
+        <p:spPr>
+          <a:xfrm>
+            <a:off x="0" y="4375150"/>
+            <a:ext cx="12192000" cy="2482850"/>
+          </a:xfrm>
+          <a:prstGeom prst="rect">
+            <a:avLst/>
+          </a:prstGeom>
+        </p:spPr>
+      </p:pic>
+      <p:sp>
+        <p:nvSpPr>
+          <p:cNvPr id="75" name="Rectangle 74">
+            <a:extLst>
+              <a:ext uri="{FF2B5EF4-FFF2-40B4-BE49-F238E27FC236}">
+                <a16:creationId xmlns:a16="http://schemas.microsoft.com/office/drawing/2014/main" id="{674220BB-5395-4F54-8045-343633A1BC8A}"/>
+              </a:ext>
+              <a:ext uri="{C183D7F6-B498-43B3-948B-1728B52AA6E4}">
+                <adec:decorative xmlns:adec="http://schemas.microsoft.com/office/drawing/2017/decorative" val="1"/>
+              </a:ext>
+            </a:extLst>
+          </p:cNvPr>
+          <p:cNvSpPr>
+            <a:spLocks noGrp="1" noRot="1" noChangeAspect="1" noMove="1" noResize="1" noEditPoints="1" noAdjustHandles="1" noChangeArrowheads="1" noChangeShapeType="1" noTextEdit="1"/>
+          </p:cNvSpPr>
+          <p:nvPr>
+            <p:extLst>
+              <p:ext uri="{386F3935-93C4-4BCD-93E2-E3B085C9AB24}">
+                <p16:designElem xmlns:p16="http://schemas.microsoft.com/office/powerpoint/2015/main" val="1"/>
+              </p:ext>
+            </p:extLst>
+          </p:nvPr>
+        </p:nvSpPr>
+        <p:spPr>
+          <a:xfrm>
+            <a:off x="7946782" y="-1"/>
+            <a:ext cx="4245218" cy="6858001"/>
+          </a:xfrm>
+          <a:prstGeom prst="rect">
+            <a:avLst/>
+          </a:prstGeom>
+          <a:solidFill>
+            <a:schemeClr val="tx1"/>
+          </a:solidFill>
+          <a:ln>
+            <a:noFill/>
+          </a:ln>
+        </p:spPr>
+        <p:style>
+          <a:lnRef idx="2">
+            <a:schemeClr val="accent1">
+              <a:shade val="50000"/>
+            </a:schemeClr>
+          </a:lnRef>
+          <a:fillRef idx="1">
+            <a:schemeClr val="accent1"/>
+          </a:fillRef>
+          <a:effectRef idx="0">
+            <a:schemeClr val="accent1"/>
+          </a:effectRef>
+          <a:fontRef idx="minor">
+            <a:schemeClr val="lt1"/>
+          </a:fontRef>
+        </p:style>
+        <p:txBody>
+          <a:bodyPr rtlCol="0" anchor="ctr"/>
+          <a:lstStyle/>
+          <a:p>
+            <a:pPr algn="ctr"/>
+            <a:endParaRPr lang="en-US"/>
+          </a:p>
+        </p:txBody>
+      </p:sp>
+      <p:sp>
+        <p:nvSpPr>
+          <p:cNvPr id="2" name="Title 1">
+            <a:extLst>
+              <a:ext uri="{FF2B5EF4-FFF2-40B4-BE49-F238E27FC236}">
+                <a16:creationId xmlns:a16="http://schemas.microsoft.com/office/drawing/2014/main" id="{F39A2DB7-2675-488F-A8FD-A769AB78F6F9}"/>
+              </a:ext>
+            </a:extLst>
+          </p:cNvPr>
+          <p:cNvSpPr>
+            <a:spLocks noGrp="1"/>
+          </p:cNvSpPr>
+          <p:nvPr>
+            <p:ph type="title"/>
+          </p:nvPr>
+        </p:nvSpPr>
+        <p:spPr>
+          <a:xfrm>
+            <a:off x="8266820" y="673240"/>
+            <a:ext cx="3300981" cy="3446373"/>
+          </a:xfrm>
+          <a:noFill/>
+          <a:ln w="19050">
+            <a:noFill/>
+            <a:prstDash val="dash"/>
+          </a:ln>
+        </p:spPr>
+        <p:txBody>
+          <a:bodyPr vert="horz" lIns="91440" tIns="45720" rIns="91440" bIns="45720" rtlCol="0" anchor="b">
+            <a:normAutofit/>
+          </a:bodyPr>
+          <a:lstStyle/>
+          <a:p>
+            <a:pPr algn="l"/>
+            <a:r>
+              <a:rPr lang="en-US" sz="4800">
+                <a:solidFill>
+                  <a:schemeClr val="bg1"/>
+                </a:solidFill>
+              </a:rPr>
+              <a:t>Law of closure</a:t>
+            </a:r>
+          </a:p>
+        </p:txBody>
+      </p:sp>
+      <p:pic>
+        <p:nvPicPr>
+          <p:cNvPr id="77" name="Picture 76">
+            <a:extLst>
+              <a:ext uri="{FF2B5EF4-FFF2-40B4-BE49-F238E27FC236}">
+                <a16:creationId xmlns:a16="http://schemas.microsoft.com/office/drawing/2014/main" id="{9D892AF3-0287-4CB0-AD2F-775B64C6FDA5}"/>
+              </a:ext>
+              <a:ext uri="{C183D7F6-B498-43B3-948B-1728B52AA6E4}">
+                <adec:decorative xmlns:adec="http://schemas.microsoft.com/office/drawing/2017/decorative" val="1"/>
+              </a:ext>
+            </a:extLst>
+          </p:cNvPr>
+          <p:cNvPicPr>
+            <a:picLocks noGrp="1" noRot="1" noChangeAspect="1" noMove="1" noResize="1" noEditPoints="1" noAdjustHandles="1" noChangeArrowheads="1" noChangeShapeType="1" noCrop="1"/>
+          </p:cNvPicPr>
+          <p:nvPr>
+            <p:extLst>
+              <p:ext uri="{386F3935-93C4-4BCD-93E2-E3B085C9AB24}">
+                <p16:designElem xmlns:p16="http://schemas.microsoft.com/office/powerpoint/2015/main" val="1"/>
+              </p:ext>
+            </p:extLst>
+          </p:nvPr>
+        </p:nvPicPr>
+        <p:blipFill>
+          <a:blip r:embed="rId3">
+            <a:extLst>
+              <a:ext uri="{28A0092B-C50C-407E-A947-70E740481C1C}">
+                <a14:useLocalDpi xmlns:a14="http://schemas.microsoft.com/office/drawing/2010/main" val="0"/>
+              </a:ext>
+            </a:extLst>
+          </a:blip>
+          <a:stretch>
+            <a:fillRect/>
+          </a:stretch>
+        </p:blipFill>
+        <p:spPr>
+          <a:xfrm>
+            <a:off x="0" y="4375150"/>
+            <a:ext cx="12192000" cy="2482850"/>
+          </a:xfrm>
+          <a:prstGeom prst="rect">
+            <a:avLst/>
+          </a:prstGeom>
+        </p:spPr>
+      </p:pic>
+      <p:sp>
+        <p:nvSpPr>
+          <p:cNvPr id="79" name="Rectangle 78">
+            <a:extLst>
+              <a:ext uri="{FF2B5EF4-FFF2-40B4-BE49-F238E27FC236}">
+                <a16:creationId xmlns:a16="http://schemas.microsoft.com/office/drawing/2014/main" id="{D477AA7E-6F59-438B-AE81-F002D625899E}"/>
+              </a:ext>
+              <a:ext uri="{C183D7F6-B498-43B3-948B-1728B52AA6E4}">
+                <adec:decorative xmlns:adec="http://schemas.microsoft.com/office/drawing/2017/decorative" val="1"/>
+              </a:ext>
+            </a:extLst>
+          </p:cNvPr>
+          <p:cNvSpPr>
+            <a:spLocks noGrp="1" noRot="1" noChangeAspect="1" noMove="1" noResize="1" noEditPoints="1" noAdjustHandles="1" noChangeArrowheads="1" noChangeShapeType="1" noTextEdit="1"/>
+          </p:cNvSpPr>
+          <p:nvPr>
+            <p:extLst>
+              <p:ext uri="{386F3935-93C4-4BCD-93E2-E3B085C9AB24}">
+                <p16:designElem xmlns:p16="http://schemas.microsoft.com/office/powerpoint/2015/main" val="1"/>
+              </p:ext>
+            </p:extLst>
+          </p:nvPr>
+        </p:nvSpPr>
+        <p:spPr>
+          <a:xfrm>
+            <a:off x="-1" y="0"/>
+            <a:ext cx="7946781" cy="6858000"/>
+          </a:xfrm>
+          <a:prstGeom prst="rect">
+            <a:avLst/>
+          </a:prstGeom>
+          <a:solidFill>
+            <a:schemeClr val="tx1"/>
+          </a:solidFill>
+          <a:ln>
+            <a:noFill/>
+          </a:ln>
+        </p:spPr>
+        <p:style>
+          <a:lnRef idx="2">
+            <a:schemeClr val="accent1">
+              <a:shade val="50000"/>
+            </a:schemeClr>
+          </a:lnRef>
+          <a:fillRef idx="1">
+            <a:schemeClr val="accent1"/>
+          </a:fillRef>
+          <a:effectRef idx="0">
+            <a:schemeClr val="accent1"/>
+          </a:effectRef>
+          <a:fontRef idx="minor">
+            <a:schemeClr val="lt1"/>
+          </a:fontRef>
+        </p:style>
+        <p:txBody>
+          <a:bodyPr rtlCol="0" anchor="ctr"/>
+          <a:lstStyle/>
+          <a:p>
+            <a:pPr algn="ctr"/>
+            <a:endParaRPr lang="en-US"/>
+          </a:p>
+        </p:txBody>
+      </p:sp>
+      <p:sp useBgFill="1">
+        <p:nvSpPr>
+          <p:cNvPr id="81" name="Rounded Rectangle 11">
+            <a:extLst>
+              <a:ext uri="{FF2B5EF4-FFF2-40B4-BE49-F238E27FC236}">
+                <a16:creationId xmlns:a16="http://schemas.microsoft.com/office/drawing/2014/main" id="{C84439A1-773C-4E21-A179-0417A18640E9}"/>
+              </a:ext>
+              <a:ext uri="{C183D7F6-B498-43B3-948B-1728B52AA6E4}">
+                <adec:decorative xmlns:adec="http://schemas.microsoft.com/office/drawing/2017/decorative" val="1"/>
+              </a:ext>
+            </a:extLst>
+          </p:cNvPr>
+          <p:cNvSpPr>
+            <a:spLocks noGrp="1" noRot="1" noChangeAspect="1" noMove="1" noResize="1" noEditPoints="1" noAdjustHandles="1" noChangeArrowheads="1" noChangeShapeType="1" noTextEdit="1"/>
+          </p:cNvSpPr>
+          <p:nvPr>
+            <p:extLst>
+              <p:ext uri="{386F3935-93C4-4BCD-93E2-E3B085C9AB24}">
+                <p16:designElem xmlns:p16="http://schemas.microsoft.com/office/powerpoint/2015/main" val="1"/>
+              </p:ext>
+            </p:extLst>
+          </p:nvPr>
+        </p:nvSpPr>
+        <p:spPr>
+          <a:xfrm>
+            <a:off x="643338" y="643464"/>
+            <a:ext cx="6638814" cy="5571072"/>
+          </a:xfrm>
+          <a:prstGeom prst="roundRect">
+            <a:avLst>
+              <a:gd name="adj" fmla="val 2403"/>
+            </a:avLst>
+          </a:prstGeom>
+          <a:ln>
+            <a:noFill/>
+          </a:ln>
+          <a:effectLst>
+            <a:innerShdw blurRad="114300">
+              <a:prstClr val="black"/>
+            </a:innerShdw>
+          </a:effectLst>
+        </p:spPr>
+        <p:style>
+          <a:lnRef idx="2">
+            <a:schemeClr val="accent1">
+              <a:shade val="50000"/>
+            </a:schemeClr>
+          </a:lnRef>
+          <a:fillRef idx="1">
+            <a:schemeClr val="accent1"/>
+          </a:fillRef>
+          <a:effectRef idx="0">
+            <a:schemeClr val="accent1"/>
+          </a:effectRef>
+          <a:fontRef idx="minor">
+            <a:schemeClr val="lt1"/>
+          </a:fontRef>
+        </p:style>
+        <p:txBody>
+          <a:bodyPr rtlCol="0" anchor="ctr"/>
+          <a:lstStyle/>
+          <a:p>
+            <a:pPr algn="ctr"/>
+            <a:endParaRPr lang="en-US"/>
+          </a:p>
+        </p:txBody>
+      </p:sp>
+      <p:pic>
+        <p:nvPicPr>
+          <p:cNvPr id="2050" name="Picture 2">
+            <a:extLst>
+              <a:ext uri="{FF2B5EF4-FFF2-40B4-BE49-F238E27FC236}">
+                <a16:creationId xmlns:a16="http://schemas.microsoft.com/office/drawing/2014/main" id="{E3070670-1114-4296-B66C-3D9ADA61E96B}"/>
+              </a:ext>
+            </a:extLst>
+          </p:cNvPr>
+          <p:cNvPicPr>
+            <a:picLocks noChangeAspect="1" noChangeArrowheads="1"/>
+          </p:cNvPicPr>
+          <p:nvPr/>
+        </p:nvPicPr>
+        <p:blipFill>
+          <a:blip r:embed="rId4">
+            <a:extLst>
+              <a:ext uri="{28A0092B-C50C-407E-A947-70E740481C1C}">
+                <a14:useLocalDpi xmlns:a14="http://schemas.microsoft.com/office/drawing/2010/main" val="0"/>
+              </a:ext>
+            </a:extLst>
+          </a:blip>
+          <a:stretch>
+            <a:fillRect/>
+          </a:stretch>
+        </p:blipFill>
+        <p:spPr bwMode="auto">
+          <a:xfrm>
+            <a:off x="1959169" y="1286928"/>
+            <a:ext cx="4007152" cy="4284145"/>
+          </a:xfrm>
+          <a:prstGeom prst="rect">
+            <a:avLst/>
+          </a:prstGeom>
+          <a:noFill/>
+          <a:extLst>
+            <a:ext uri="{909E8E84-426E-40DD-AFC4-6F175D3DCCD1}">
+              <a14:hiddenFill xmlns:a14="http://schemas.microsoft.com/office/drawing/2010/main">
+                <a:solidFill>
+                  <a:srgbClr val="FFFFFF"/>
+                </a:solidFill>
+              </a14:hiddenFill>
+            </a:ext>
+          </a:extLst>
+        </p:spPr>
+      </p:pic>
+    </p:spTree>
+    <p:extLst>
+      <p:ext uri="{BB962C8B-B14F-4D97-AF65-F5344CB8AC3E}">
+        <p14:creationId xmlns:p14="http://schemas.microsoft.com/office/powerpoint/2010/main" val="3343798539"/>
+      </p:ext>
+    </p:extLst>
+  </p:cSld>
+  <p:clrMapOvr>
+    <a:overrideClrMapping bg1="lt1" tx1="dk1" bg2="lt2" tx2="dk2" accent1="accent1" accent2="accent2" accent3="accent3" accent4="accent4" accent5="accent5" accent6="accent6" hlink="hlink" folHlink="folHlink"/>
+  </p:clrMapOvr>
+</p:sld>
+</file>
+
+<file path=ppt/slides/slide15.xml><?xml version="1.0" encoding="utf-8"?>
+<p:sld xmlns:a="http://schemas.openxmlformats.org/drawingml/2006/main" xmlns:r="http://schemas.openxmlformats.org/officeDocument/2006/relationships" xmlns:p="http://schemas.openxmlformats.org/presentationml/2006/main">
+  <p:cSld>
+    <p:bg>
+      <p:bgPr>
+        <a:solidFill>
+          <a:schemeClr val="bg1"/>
+        </a:solidFill>
+        <a:effectLst/>
+      </p:bgPr>
+    </p:bg>
+    <p:spTree>
+      <p:nvGrpSpPr>
+        <p:cNvPr id="1" name=""/>
+        <p:cNvGrpSpPr/>
+        <p:nvPr/>
+      </p:nvGrpSpPr>
+      <p:grpSpPr>
+        <a:xfrm>
+          <a:off x="0" y="0"/>
+          <a:ext cx="0" cy="0"/>
+          <a:chOff x="0" y="0"/>
+          <a:chExt cx="0" cy="0"/>
+        </a:xfrm>
+      </p:grpSpPr>
+      <p:pic>
+        <p:nvPicPr>
+          <p:cNvPr id="71" name="Picture 70">
+            <a:extLst>
+              <a:ext uri="{FF2B5EF4-FFF2-40B4-BE49-F238E27FC236}">
+                <a16:creationId xmlns:a16="http://schemas.microsoft.com/office/drawing/2014/main" id="{BDFADFB3-3D44-49A8-AE3B-A87C61607F7E}"/>
+              </a:ext>
+              <a:ext uri="{C183D7F6-B498-43B3-948B-1728B52AA6E4}">
+                <adec:decorative xmlns:adec="http://schemas.microsoft.com/office/drawing/2017/decorative" val="1"/>
+              </a:ext>
+            </a:extLst>
+          </p:cNvPr>
+          <p:cNvPicPr>
+            <a:picLocks noGrp="1" noRot="1" noChangeAspect="1" noMove="1" noResize="1" noEditPoints="1" noAdjustHandles="1" noChangeArrowheads="1" noChangeShapeType="1" noCrop="1"/>
+          </p:cNvPicPr>
+          <p:nvPr>
+            <p:extLst>
+              <p:ext uri="{386F3935-93C4-4BCD-93E2-E3B085C9AB24}">
+                <p16:designElem xmlns:p16="http://schemas.microsoft.com/office/powerpoint/2015/main" val="1"/>
+              </p:ext>
+            </p:extLst>
+          </p:nvPr>
+        </p:nvPicPr>
+        <p:blipFill>
+          <a:blip r:embed="rId2">
+            <a:extLst>
+              <a:ext uri="{28A0092B-C50C-407E-A947-70E740481C1C}">
+                <a14:useLocalDpi xmlns:a14="http://schemas.microsoft.com/office/drawing/2010/main" val="0"/>
+              </a:ext>
+            </a:extLst>
+          </a:blip>
+          <a:stretch>
+            <a:fillRect/>
+          </a:stretch>
+        </p:blipFill>
+        <p:spPr>
+          <a:xfrm>
+            <a:off x="0" y="0"/>
+            <a:ext cx="12192000" cy="1441450"/>
+          </a:xfrm>
+          <a:prstGeom prst="rect">
+            <a:avLst/>
+          </a:prstGeom>
+        </p:spPr>
+      </p:pic>
+      <p:pic>
+        <p:nvPicPr>
+          <p:cNvPr id="73" name="Picture 72">
+            <a:extLst>
+              <a:ext uri="{FF2B5EF4-FFF2-40B4-BE49-F238E27FC236}">
+                <a16:creationId xmlns:a16="http://schemas.microsoft.com/office/drawing/2014/main" id="{BB912AE0-CAD9-4F8F-A2A2-BDF07D4EDD22}"/>
+              </a:ext>
+              <a:ext uri="{C183D7F6-B498-43B3-948B-1728B52AA6E4}">
+                <adec:decorative xmlns:adec="http://schemas.microsoft.com/office/drawing/2017/decorative" val="1"/>
+              </a:ext>
+            </a:extLst>
+          </p:cNvPr>
+          <p:cNvPicPr>
+            <a:picLocks noGrp="1" noRot="1" noChangeAspect="1" noMove="1" noResize="1" noEditPoints="1" noAdjustHandles="1" noChangeArrowheads="1" noChangeShapeType="1" noCrop="1"/>
+          </p:cNvPicPr>
+          <p:nvPr>
+            <p:extLst>
+              <p:ext uri="{386F3935-93C4-4BCD-93E2-E3B085C9AB24}">
+                <p16:designElem xmlns:p16="http://schemas.microsoft.com/office/powerpoint/2015/main" val="1"/>
+              </p:ext>
+            </p:extLst>
+          </p:nvPr>
+        </p:nvPicPr>
+        <p:blipFill>
+          <a:blip r:embed="rId3">
+            <a:extLst>
+              <a:ext uri="{28A0092B-C50C-407E-A947-70E740481C1C}">
+                <a14:useLocalDpi xmlns:a14="http://schemas.microsoft.com/office/drawing/2010/main" val="0"/>
+              </a:ext>
+            </a:extLst>
+          </a:blip>
+          <a:stretch>
+            <a:fillRect/>
+          </a:stretch>
+        </p:blipFill>
+        <p:spPr>
+          <a:xfrm>
+            <a:off x="0" y="4375150"/>
+            <a:ext cx="12192000" cy="2482850"/>
+          </a:xfrm>
+          <a:prstGeom prst="rect">
+            <a:avLst/>
+          </a:prstGeom>
+        </p:spPr>
+      </p:pic>
+      <p:sp>
+        <p:nvSpPr>
+          <p:cNvPr id="2" name="Title 1">
+            <a:extLst>
+              <a:ext uri="{FF2B5EF4-FFF2-40B4-BE49-F238E27FC236}">
                 <a16:creationId xmlns:a16="http://schemas.microsoft.com/office/drawing/2014/main" id="{FBE41156-2E3D-4714-97D5-BE55845EF5A2}"/>
               </a:ext>
             </a:extLst>
@@ -6026,48 +7298,196 @@
             <p:ph type="title"/>
           </p:nvPr>
         </p:nvSpPr>
-        <p:spPr/>
-        <p:txBody>
-          <a:bodyPr/>
-          <a:lstStyle/>
-          <a:p>
-            <a:r>
-              <a:rPr lang="en-US" dirty="0"/>
-              <a:t>Law of </a:t>
-            </a:r>
-            <a:r>
-              <a:rPr lang="en-US" dirty="0" err="1"/>
-              <a:t>pragnanz</a:t>
-            </a:r>
-            <a:endParaRPr lang="en-US" dirty="0"/>
-          </a:p>
-        </p:txBody>
-      </p:sp>
-      <p:sp>
-        <p:nvSpPr>
-          <p:cNvPr id="3" name="Content Placeholder 2">
+        <p:spPr>
+          <a:xfrm>
+            <a:off x="7056808" y="673240"/>
+            <a:ext cx="4510994" cy="3446373"/>
+          </a:xfrm>
+          <a:noFill/>
+          <a:ln w="19050">
+            <a:noFill/>
+            <a:prstDash val="dash"/>
+          </a:ln>
+        </p:spPr>
+        <p:txBody>
+          <a:bodyPr vert="horz" lIns="91440" tIns="45720" rIns="91440" bIns="45720" rtlCol="0" anchor="b">
+            <a:normAutofit/>
+          </a:bodyPr>
+          <a:lstStyle/>
+          <a:p>
+            <a:r>
+              <a:rPr lang="en-US" sz="4800"/>
+              <a:t>Law of pragnanz</a:t>
+            </a:r>
+          </a:p>
+        </p:txBody>
+      </p:sp>
+      <p:sp useBgFill="1">
+        <p:nvSpPr>
+          <p:cNvPr id="75" name="Rectangle 74">
             <a:extLst>
               <a:ext uri="{FF2B5EF4-FFF2-40B4-BE49-F238E27FC236}">
-                <a16:creationId xmlns:a16="http://schemas.microsoft.com/office/drawing/2014/main" id="{54867E84-6013-498D-B7E1-E70888C4A7AF}"/>
+                <a16:creationId xmlns:a16="http://schemas.microsoft.com/office/drawing/2014/main" id="{A6621E27-B4D3-4EEA-8F4D-BB759FD2479C}"/>
+              </a:ext>
+              <a:ext uri="{C183D7F6-B498-43B3-948B-1728B52AA6E4}">
+                <adec:decorative xmlns:adec="http://schemas.microsoft.com/office/drawing/2017/decorative" val="1"/>
               </a:ext>
             </a:extLst>
           </p:cNvPr>
           <p:cNvSpPr>
-            <a:spLocks noGrp="1"/>
-          </p:cNvSpPr>
-          <p:nvPr>
-            <p:ph idx="1"/>
-          </p:nvPr>
-        </p:nvSpPr>
-        <p:spPr/>
-        <p:txBody>
-          <a:bodyPr/>
-          <a:lstStyle/>
-          <a:p>
+            <a:spLocks noGrp="1" noRot="1" noChangeAspect="1" noMove="1" noResize="1" noEditPoints="1" noAdjustHandles="1" noChangeArrowheads="1" noChangeShapeType="1" noTextEdit="1"/>
+          </p:cNvSpPr>
+          <p:nvPr>
+            <p:extLst>
+              <p:ext uri="{386F3935-93C4-4BCD-93E2-E3B085C9AB24}">
+                <p16:designElem xmlns:p16="http://schemas.microsoft.com/office/powerpoint/2015/main" val="1"/>
+              </p:ext>
+            </p:extLst>
+          </p:nvPr>
+        </p:nvSpPr>
+        <p:spPr>
+          <a:xfrm>
+            <a:off x="6485641" y="-1"/>
+            <a:ext cx="5706359" cy="643465"/>
+          </a:xfrm>
+          <a:prstGeom prst="rect">
+            <a:avLst/>
+          </a:prstGeom>
+          <a:ln>
+            <a:noFill/>
+          </a:ln>
+        </p:spPr>
+        <p:style>
+          <a:lnRef idx="2">
+            <a:schemeClr val="accent1">
+              <a:shade val="50000"/>
+            </a:schemeClr>
+          </a:lnRef>
+          <a:fillRef idx="1">
+            <a:schemeClr val="accent1"/>
+          </a:fillRef>
+          <a:effectRef idx="0">
+            <a:schemeClr val="accent1"/>
+          </a:effectRef>
+          <a:fontRef idx="minor">
+            <a:schemeClr val="lt1"/>
+          </a:fontRef>
+        </p:style>
+        <p:txBody>
+          <a:bodyPr rtlCol="0" anchor="ctr"/>
+          <a:lstStyle/>
+          <a:p>
+            <a:pPr algn="ctr"/>
             <a:endParaRPr lang="en-US"/>
           </a:p>
         </p:txBody>
       </p:sp>
+      <p:sp useBgFill="1">
+        <p:nvSpPr>
+          <p:cNvPr id="77" name="Rectangle 76">
+            <a:extLst>
+              <a:ext uri="{FF2B5EF4-FFF2-40B4-BE49-F238E27FC236}">
+                <a16:creationId xmlns:a16="http://schemas.microsoft.com/office/drawing/2014/main" id="{9DCD9119-A5D2-4D09-BCB2-70ABD368DB30}"/>
+              </a:ext>
+              <a:ext uri="{C183D7F6-B498-43B3-948B-1728B52AA6E4}">
+                <adec:decorative xmlns:adec="http://schemas.microsoft.com/office/drawing/2017/decorative" val="1"/>
+              </a:ext>
+            </a:extLst>
+          </p:cNvPr>
+          <p:cNvSpPr>
+            <a:spLocks noGrp="1" noRot="1" noChangeAspect="1" noMove="1" noResize="1" noEditPoints="1" noAdjustHandles="1" noChangeArrowheads="1" noChangeShapeType="1" noTextEdit="1"/>
+          </p:cNvSpPr>
+          <p:nvPr>
+            <p:extLst>
+              <p:ext uri="{386F3935-93C4-4BCD-93E2-E3B085C9AB24}">
+                <p16:designElem xmlns:p16="http://schemas.microsoft.com/office/powerpoint/2015/main" val="1"/>
+              </p:ext>
+            </p:extLst>
+          </p:nvPr>
+        </p:nvSpPr>
+        <p:spPr>
+          <a:xfrm>
+            <a:off x="-1" y="0"/>
+            <a:ext cx="6746233" cy="6858000"/>
+          </a:xfrm>
+          <a:prstGeom prst="rect">
+            <a:avLst/>
+          </a:prstGeom>
+          <a:ln>
+            <a:noFill/>
+          </a:ln>
+        </p:spPr>
+        <p:style>
+          <a:lnRef idx="2">
+            <a:schemeClr val="accent1">
+              <a:shade val="50000"/>
+            </a:schemeClr>
+          </a:lnRef>
+          <a:fillRef idx="1">
+            <a:schemeClr val="accent1"/>
+          </a:fillRef>
+          <a:effectRef idx="0">
+            <a:schemeClr val="accent1"/>
+          </a:effectRef>
+          <a:fontRef idx="minor">
+            <a:schemeClr val="lt1"/>
+          </a:fontRef>
+        </p:style>
+        <p:txBody>
+          <a:bodyPr rtlCol="0" anchor="ctr"/>
+          <a:lstStyle/>
+          <a:p>
+            <a:pPr algn="ctr"/>
+            <a:endParaRPr lang="en-US"/>
+          </a:p>
+        </p:txBody>
+      </p:sp>
+      <p:pic>
+        <p:nvPicPr>
+          <p:cNvPr id="1026" name="Picture 2" descr="Olympics Clipart Black And White - ClipArt Best | Olympic rings, Ring icon,  Clipart black and white">
+            <a:extLst>
+              <a:ext uri="{FF2B5EF4-FFF2-40B4-BE49-F238E27FC236}">
+                <a16:creationId xmlns:a16="http://schemas.microsoft.com/office/drawing/2014/main" id="{05984468-D5B6-4709-9BA1-73B5D7FF94B1}"/>
+              </a:ext>
+            </a:extLst>
+          </p:cNvPr>
+          <p:cNvPicPr>
+            <a:picLocks noChangeAspect="1" noChangeArrowheads="1"/>
+          </p:cNvPicPr>
+          <p:nvPr/>
+        </p:nvPicPr>
+        <p:blipFill>
+          <a:blip r:embed="rId4">
+            <a:extLst>
+              <a:ext uri="{28A0092B-C50C-407E-A947-70E740481C1C}">
+                <a14:useLocalDpi xmlns:a14="http://schemas.microsoft.com/office/drawing/2010/main" val="0"/>
+              </a:ext>
+            </a:extLst>
+          </a:blip>
+          <a:stretch>
+            <a:fillRect/>
+          </a:stretch>
+        </p:blipFill>
+        <p:spPr bwMode="auto">
+          <a:xfrm>
+            <a:off x="643468" y="2174377"/>
+            <a:ext cx="5475672" cy="2505119"/>
+          </a:xfrm>
+          <a:prstGeom prst="rect">
+            <a:avLst/>
+          </a:prstGeom>
+          <a:noFill/>
+          <a:extLst>
+            <a:ext uri="{909E8E84-426E-40DD-AFC4-6F175D3DCCD1}">
+              <a14:hiddenFill xmlns:a14="http://schemas.microsoft.com/office/drawing/2010/main">
+                <a:solidFill>
+                  <a:srgbClr val="FFFFFF"/>
+                </a:solidFill>
+              </a14:hiddenFill>
+            </a:ext>
+          </a:extLst>
+        </p:spPr>
+      </p:pic>
     </p:spTree>
     <p:extLst>
       <p:ext uri="{BB962C8B-B14F-4D97-AF65-F5344CB8AC3E}">
@@ -6081,7 +7501,7 @@
 </p:sld>
 </file>
 
-<file path=ppt/slides/slide14.xml><?xml version="1.0" encoding="utf-8"?>
+<file path=ppt/slides/slide16.xml><?xml version="1.0" encoding="utf-8"?>
 <p:sld xmlns:a="http://schemas.openxmlformats.org/drawingml/2006/main" xmlns:r="http://schemas.openxmlformats.org/officeDocument/2006/relationships" xmlns:p="http://schemas.openxmlformats.org/presentationml/2006/main">
   <p:cSld>
     <p:spTree>
@@ -6167,6 +7587,38 @@
 <file path=ppt/slides/slide2.xml><?xml version="1.0" encoding="utf-8"?>
 <p:sld xmlns:a="http://schemas.openxmlformats.org/drawingml/2006/main" xmlns:r="http://schemas.openxmlformats.org/officeDocument/2006/relationships" xmlns:p="http://schemas.openxmlformats.org/presentationml/2006/main">
   <p:cSld>
+    <p:bg>
+      <p:bgPr>
+        <a:gradFill rotWithShape="1">
+          <a:gsLst>
+            <a:gs pos="0">
+              <a:schemeClr val="bg1">
+                <a:tint val="93000"/>
+                <a:shade val="98000"/>
+                <a:satMod val="150000"/>
+                <a:lumMod val="102000"/>
+              </a:schemeClr>
+            </a:gs>
+            <a:gs pos="50000">
+              <a:schemeClr val="bg1">
+                <a:tint val="98000"/>
+                <a:shade val="90000"/>
+                <a:satMod val="130000"/>
+                <a:lumMod val="103000"/>
+              </a:schemeClr>
+            </a:gs>
+            <a:gs pos="100000">
+              <a:schemeClr val="bg1">
+                <a:shade val="63000"/>
+                <a:satMod val="120000"/>
+              </a:schemeClr>
+            </a:gs>
+          </a:gsLst>
+          <a:lin ang="5400000" scaled="0"/>
+        </a:gradFill>
+        <a:effectLst/>
+      </p:bgPr>
+    </p:bg>
     <p:spTree>
       <p:nvGrpSpPr>
         <p:cNvPr id="1" name=""/>
@@ -6181,6 +7633,96 @@
           <a:chExt cx="0" cy="0"/>
         </a:xfrm>
       </p:grpSpPr>
+      <p:sp useBgFill="1">
+        <p:nvSpPr>
+          <p:cNvPr id="8" name="Rectangle 7">
+            <a:extLst>
+              <a:ext uri="{FF2B5EF4-FFF2-40B4-BE49-F238E27FC236}">
+                <a16:creationId xmlns:a16="http://schemas.microsoft.com/office/drawing/2014/main" id="{24C41CF4-4A13-4AA9-9300-CB7A2E37C861}"/>
+              </a:ext>
+              <a:ext uri="{C183D7F6-B498-43B3-948B-1728B52AA6E4}">
+                <adec:decorative xmlns:adec="http://schemas.microsoft.com/office/drawing/2017/decorative" val="1"/>
+              </a:ext>
+            </a:extLst>
+          </p:cNvPr>
+          <p:cNvSpPr>
+            <a:spLocks noGrp="1" noRot="1" noChangeAspect="1" noMove="1" noResize="1" noEditPoints="1" noAdjustHandles="1" noChangeArrowheads="1" noChangeShapeType="1" noTextEdit="1"/>
+          </p:cNvSpPr>
+          <p:nvPr>
+            <p:extLst>
+              <p:ext uri="{386F3935-93C4-4BCD-93E2-E3B085C9AB24}">
+                <p16:designElem xmlns:p16="http://schemas.microsoft.com/office/powerpoint/2015/main" val="1"/>
+              </p:ext>
+            </p:extLst>
+          </p:nvPr>
+        </p:nvSpPr>
+        <p:spPr>
+          <a:xfrm>
+            <a:off x="1" y="0"/>
+            <a:ext cx="12192000" cy="6858000"/>
+          </a:xfrm>
+          <a:prstGeom prst="rect">
+            <a:avLst/>
+          </a:prstGeom>
+          <a:ln>
+            <a:noFill/>
+          </a:ln>
+          <a:effectLst/>
+        </p:spPr>
+        <p:style>
+          <a:lnRef idx="2">
+            <a:schemeClr val="accent1">
+              <a:shade val="50000"/>
+            </a:schemeClr>
+          </a:lnRef>
+          <a:fillRef idx="1">
+            <a:schemeClr val="accent1"/>
+          </a:fillRef>
+          <a:effectRef idx="0">
+            <a:schemeClr val="accent1"/>
+          </a:effectRef>
+          <a:fontRef idx="minor">
+            <a:schemeClr val="lt1"/>
+          </a:fontRef>
+        </p:style>
+        <p:txBody>
+          <a:bodyPr rtlCol="0" anchor="ctr"/>
+          <a:lstStyle/>
+          <a:p>
+            <a:pPr marL="0" marR="0" lvl="0" indent="0" algn="ctr" defTabSz="457200" rtl="0" eaLnBrk="1" fontAlgn="auto" latinLnBrk="0" hangingPunct="1">
+              <a:lnSpc>
+                <a:spcPct val="100000"/>
+              </a:lnSpc>
+              <a:spcBef>
+                <a:spcPts val="0"/>
+              </a:spcBef>
+              <a:spcAft>
+                <a:spcPts val="0"/>
+              </a:spcAft>
+              <a:buClrTx/>
+              <a:buSzTx/>
+              <a:buFontTx/>
+              <a:buNone/>
+              <a:tabLst/>
+              <a:defRPr/>
+            </a:pPr>
+            <a:endParaRPr kumimoji="0" lang="en-US" sz="1800" b="0" i="0" u="none" strike="noStrike" kern="1200" cap="none" spc="0" normalizeH="0" baseline="0" noProof="0">
+              <a:ln>
+                <a:noFill/>
+              </a:ln>
+              <a:solidFill>
+                <a:prstClr val="white"/>
+              </a:solidFill>
+              <a:effectLst/>
+              <a:uLnTx/>
+              <a:uFillTx/>
+              <a:latin typeface="Century Gothic" panose="020B0502020202020204"/>
+              <a:ea typeface="+mn-ea"/>
+              <a:cs typeface="+mn-cs"/>
+            </a:endParaRPr>
+          </a:p>
+        </p:txBody>
+      </p:sp>
       <p:sp>
         <p:nvSpPr>
           <p:cNvPr id="2" name="Title 1">
@@ -6197,18 +7739,78 @@
             <p:ph type="title"/>
           </p:nvPr>
         </p:nvSpPr>
-        <p:spPr/>
-        <p:txBody>
-          <a:bodyPr/>
-          <a:lstStyle/>
-          <a:p>
-            <a:r>
-              <a:rPr lang="en-US" dirty="0"/>
+        <p:spPr>
+          <a:xfrm>
+            <a:off x="683609" y="764372"/>
+            <a:ext cx="3173688" cy="5216013"/>
+          </a:xfrm>
+        </p:spPr>
+        <p:txBody>
+          <a:bodyPr>
+            <a:normAutofit/>
+          </a:bodyPr>
+          <a:lstStyle/>
+          <a:p>
+            <a:r>
+              <a:rPr lang="en-US"/>
               <a:t>History</a:t>
             </a:r>
-          </a:p>
-        </p:txBody>
-      </p:sp>
+            <a:endParaRPr lang="en-US" dirty="0"/>
+          </a:p>
+        </p:txBody>
+      </p:sp>
+      <p:cxnSp>
+        <p:nvCxnSpPr>
+          <p:cNvPr id="10" name="Straight Connector 9">
+            <a:extLst>
+              <a:ext uri="{FF2B5EF4-FFF2-40B4-BE49-F238E27FC236}">
+                <a16:creationId xmlns:a16="http://schemas.microsoft.com/office/drawing/2014/main" id="{7A77B115-9FF3-46AE-AE08-826DEB9A6246}"/>
+              </a:ext>
+              <a:ext uri="{C183D7F6-B498-43B3-948B-1728B52AA6E4}">
+                <adec:decorative xmlns:adec="http://schemas.microsoft.com/office/drawing/2017/decorative" val="1"/>
+              </a:ext>
+            </a:extLst>
+          </p:cNvPr>
+          <p:cNvCxnSpPr>
+            <a:cxnSpLocks noGrp="1" noRot="1" noChangeAspect="1" noMove="1" noResize="1" noEditPoints="1" noAdjustHandles="1" noChangeArrowheads="1" noChangeShapeType="1"/>
+          </p:cNvCxnSpPr>
+          <p:nvPr>
+            <p:extLst>
+              <p:ext uri="{386F3935-93C4-4BCD-93E2-E3B085C9AB24}">
+                <p16:designElem xmlns:p16="http://schemas.microsoft.com/office/powerpoint/2015/main" val="1"/>
+              </p:ext>
+            </p:extLst>
+          </p:nvPr>
+        </p:nvCxnSpPr>
+        <p:spPr>
+          <a:xfrm>
+            <a:off x="4127197" y="1923563"/>
+            <a:ext cx="0" cy="3017520"/>
+          </a:xfrm>
+          <a:prstGeom prst="line">
+            <a:avLst/>
+          </a:prstGeom>
+          <a:ln w="19050">
+            <a:solidFill>
+              <a:schemeClr val="accent1"/>
+            </a:solidFill>
+          </a:ln>
+        </p:spPr>
+        <p:style>
+          <a:lnRef idx="1">
+            <a:schemeClr val="accent1"/>
+          </a:lnRef>
+          <a:fillRef idx="0">
+            <a:schemeClr val="accent1"/>
+          </a:fillRef>
+          <a:effectRef idx="0">
+            <a:schemeClr val="accent1"/>
+          </a:effectRef>
+          <a:fontRef idx="minor">
+            <a:schemeClr val="tx1"/>
+          </a:fontRef>
+        </p:style>
+      </p:cxnSp>
       <p:sp>
         <p:nvSpPr>
           <p:cNvPr id="3" name="Content Placeholder 2">
@@ -6225,28 +7827,35 @@
             <p:ph idx="1"/>
           </p:nvPr>
         </p:nvSpPr>
-        <p:spPr/>
-        <p:txBody>
-          <a:bodyPr/>
-          <a:lstStyle/>
-          <a:p>
-            <a:r>
-              <a:rPr lang="en-US" dirty="0"/>
+        <p:spPr>
+          <a:xfrm>
+            <a:off x="4370138" y="764372"/>
+            <a:ext cx="7086600" cy="5216013"/>
+          </a:xfrm>
+        </p:spPr>
+        <p:txBody>
+          <a:bodyPr anchor="ctr">
+            <a:normAutofit/>
+          </a:bodyPr>
+          <a:lstStyle/>
+          <a:p>
+            <a:r>
+              <a:rPr lang="en-US" sz="2000"/>
               <a:t>1920s </a:t>
             </a:r>
           </a:p>
           <a:p>
             <a:r>
-              <a:rPr lang="en-US" dirty="0"/>
+              <a:rPr lang="en-US" sz="2000"/>
               <a:t>Unified whole</a:t>
             </a:r>
           </a:p>
           <a:p>
             <a:r>
-              <a:rPr lang="de-DE" dirty="0"/>
+              <a:rPr lang="de-DE" sz="2000"/>
               <a:t>Max Wertheimer, Kurt Koffka and Wolfgang Kohler</a:t>
             </a:r>
-            <a:endParaRPr lang="en-US" dirty="0"/>
+            <a:endParaRPr lang="en-US" sz="2000"/>
           </a:p>
         </p:txBody>
       </p:sp>
@@ -6385,9 +7994,10 @@
           <a:lstStyle/>
           <a:p>
             <a:r>
-              <a:rPr lang="en-US" dirty="0"/>
+              <a:rPr lang="en-US"/>
               <a:t>Law of Proximity</a:t>
             </a:r>
+            <a:endParaRPr lang="en-US" dirty="0"/>
           </a:p>
         </p:txBody>
       </p:sp>
@@ -7348,6 +8958,14 @@
 <file path=ppt/slides/slide7.xml><?xml version="1.0" encoding="utf-8"?>
 <p:sld xmlns:a="http://schemas.openxmlformats.org/drawingml/2006/main" xmlns:r="http://schemas.openxmlformats.org/officeDocument/2006/relationships" xmlns:p="http://schemas.openxmlformats.org/presentationml/2006/main">
   <p:cSld>
+    <p:bg>
+      <p:bgPr>
+        <a:solidFill>
+          <a:schemeClr val="bg1"/>
+        </a:solidFill>
+        <a:effectLst/>
+      </p:bgPr>
+    </p:bg>
     <p:spTree>
       <p:nvGrpSpPr>
         <p:cNvPr id="1" name=""/>
@@ -7362,6 +8980,96 @@
           <a:chExt cx="0" cy="0"/>
         </a:xfrm>
       </p:grpSpPr>
+      <p:pic>
+        <p:nvPicPr>
+          <p:cNvPr id="12" name="Picture 11">
+            <a:extLst>
+              <a:ext uri="{FF2B5EF4-FFF2-40B4-BE49-F238E27FC236}">
+                <a16:creationId xmlns:a16="http://schemas.microsoft.com/office/drawing/2014/main" id="{BDFADFB3-3D44-49A8-AE3B-A87C61607F7E}"/>
+              </a:ext>
+              <a:ext uri="{C183D7F6-B498-43B3-948B-1728B52AA6E4}">
+                <adec:decorative xmlns:adec="http://schemas.microsoft.com/office/drawing/2017/decorative" val="1"/>
+              </a:ext>
+            </a:extLst>
+          </p:cNvPr>
+          <p:cNvPicPr>
+            <a:picLocks noGrp="1" noRot="1" noChangeAspect="1" noMove="1" noResize="1" noEditPoints="1" noAdjustHandles="1" noChangeArrowheads="1" noChangeShapeType="1" noCrop="1"/>
+          </p:cNvPicPr>
+          <p:nvPr>
+            <p:extLst>
+              <p:ext uri="{386F3935-93C4-4BCD-93E2-E3B085C9AB24}">
+                <p16:designElem xmlns:p16="http://schemas.microsoft.com/office/powerpoint/2015/main" val="1"/>
+              </p:ext>
+            </p:extLst>
+          </p:nvPr>
+        </p:nvPicPr>
+        <p:blipFill>
+          <a:blip r:embed="rId2">
+            <a:extLst>
+              <a:ext uri="{28A0092B-C50C-407E-A947-70E740481C1C}">
+                <a14:useLocalDpi xmlns:a14="http://schemas.microsoft.com/office/drawing/2010/main" val="0"/>
+              </a:ext>
+            </a:extLst>
+          </a:blip>
+          <a:stretch>
+            <a:fillRect/>
+          </a:stretch>
+        </p:blipFill>
+        <p:spPr>
+          <a:xfrm>
+            <a:off x="0" y="0"/>
+            <a:ext cx="12192000" cy="1441450"/>
+          </a:xfrm>
+          <a:prstGeom prst="rect">
+            <a:avLst/>
+          </a:prstGeom>
+        </p:spPr>
+      </p:pic>
+      <p:pic>
+        <p:nvPicPr>
+          <p:cNvPr id="14" name="Picture 13">
+            <a:extLst>
+              <a:ext uri="{FF2B5EF4-FFF2-40B4-BE49-F238E27FC236}">
+                <a16:creationId xmlns:a16="http://schemas.microsoft.com/office/drawing/2014/main" id="{BB912AE0-CAD9-4F8F-A2A2-BDF07D4EDD22}"/>
+              </a:ext>
+              <a:ext uri="{C183D7F6-B498-43B3-948B-1728B52AA6E4}">
+                <adec:decorative xmlns:adec="http://schemas.microsoft.com/office/drawing/2017/decorative" val="1"/>
+              </a:ext>
+            </a:extLst>
+          </p:cNvPr>
+          <p:cNvPicPr>
+            <a:picLocks noGrp="1" noRot="1" noChangeAspect="1" noMove="1" noResize="1" noEditPoints="1" noAdjustHandles="1" noChangeArrowheads="1" noChangeShapeType="1" noCrop="1"/>
+          </p:cNvPicPr>
+          <p:nvPr>
+            <p:extLst>
+              <p:ext uri="{386F3935-93C4-4BCD-93E2-E3B085C9AB24}">
+                <p16:designElem xmlns:p16="http://schemas.microsoft.com/office/powerpoint/2015/main" val="1"/>
+              </p:ext>
+            </p:extLst>
+          </p:nvPr>
+        </p:nvPicPr>
+        <p:blipFill>
+          <a:blip r:embed="rId3">
+            <a:extLst>
+              <a:ext uri="{28A0092B-C50C-407E-A947-70E740481C1C}">
+                <a14:useLocalDpi xmlns:a14="http://schemas.microsoft.com/office/drawing/2010/main" val="0"/>
+              </a:ext>
+            </a:extLst>
+          </a:blip>
+          <a:stretch>
+            <a:fillRect/>
+          </a:stretch>
+        </p:blipFill>
+        <p:spPr>
+          <a:xfrm>
+            <a:off x="0" y="4375150"/>
+            <a:ext cx="12192000" cy="2482850"/>
+          </a:xfrm>
+          <a:prstGeom prst="rect">
+            <a:avLst/>
+          </a:prstGeom>
+        </p:spPr>
+      </p:pic>
       <p:sp>
         <p:nvSpPr>
           <p:cNvPr id="2" name="Title 1">
@@ -7378,43 +9086,180 @@
             <p:ph type="title"/>
           </p:nvPr>
         </p:nvSpPr>
-        <p:spPr/>
-        <p:txBody>
-          <a:bodyPr/>
-          <a:lstStyle/>
-          <a:p>
-            <a:r>
-              <a:rPr lang="en-US" dirty="0"/>
+        <p:spPr>
+          <a:xfrm>
+            <a:off x="7056808" y="673240"/>
+            <a:ext cx="4510994" cy="3446373"/>
+          </a:xfrm>
+          <a:noFill/>
+          <a:ln w="19050">
+            <a:noFill/>
+            <a:prstDash val="dash"/>
+          </a:ln>
+        </p:spPr>
+        <p:txBody>
+          <a:bodyPr vert="horz" lIns="91440" tIns="45720" rIns="91440" bIns="45720" rtlCol="0" anchor="b">
+            <a:normAutofit/>
+          </a:bodyPr>
+          <a:lstStyle/>
+          <a:p>
+            <a:r>
+              <a:rPr lang="en-US" sz="4800"/>
               <a:t>Law of similarity</a:t>
             </a:r>
           </a:p>
         </p:txBody>
       </p:sp>
-      <p:sp>
-        <p:nvSpPr>
-          <p:cNvPr id="3" name="Content Placeholder 2">
+      <p:sp useBgFill="1">
+        <p:nvSpPr>
+          <p:cNvPr id="16" name="Rectangle 15">
             <a:extLst>
               <a:ext uri="{FF2B5EF4-FFF2-40B4-BE49-F238E27FC236}">
-                <a16:creationId xmlns:a16="http://schemas.microsoft.com/office/drawing/2014/main" id="{656DF4B6-2DCF-4273-A3C1-1B5BF2509C0F}"/>
+                <a16:creationId xmlns:a16="http://schemas.microsoft.com/office/drawing/2014/main" id="{A6621E27-B4D3-4EEA-8F4D-BB759FD2479C}"/>
+              </a:ext>
+              <a:ext uri="{C183D7F6-B498-43B3-948B-1728B52AA6E4}">
+                <adec:decorative xmlns:adec="http://schemas.microsoft.com/office/drawing/2017/decorative" val="1"/>
               </a:ext>
             </a:extLst>
           </p:cNvPr>
           <p:cNvSpPr>
-            <a:spLocks noGrp="1"/>
-          </p:cNvSpPr>
-          <p:nvPr>
-            <p:ph idx="1"/>
-          </p:nvPr>
-        </p:nvSpPr>
-        <p:spPr/>
-        <p:txBody>
-          <a:bodyPr/>
-          <a:lstStyle/>
-          <a:p>
-            <a:endParaRPr lang="en-US" dirty="0"/>
-          </a:p>
-        </p:txBody>
-      </p:sp>
+            <a:spLocks noGrp="1" noRot="1" noChangeAspect="1" noMove="1" noResize="1" noEditPoints="1" noAdjustHandles="1" noChangeArrowheads="1" noChangeShapeType="1" noTextEdit="1"/>
+          </p:cNvSpPr>
+          <p:nvPr>
+            <p:extLst>
+              <p:ext uri="{386F3935-93C4-4BCD-93E2-E3B085C9AB24}">
+                <p16:designElem xmlns:p16="http://schemas.microsoft.com/office/powerpoint/2015/main" val="1"/>
+              </p:ext>
+            </p:extLst>
+          </p:nvPr>
+        </p:nvSpPr>
+        <p:spPr>
+          <a:xfrm>
+            <a:off x="6485641" y="-1"/>
+            <a:ext cx="5706359" cy="643465"/>
+          </a:xfrm>
+          <a:prstGeom prst="rect">
+            <a:avLst/>
+          </a:prstGeom>
+          <a:ln>
+            <a:noFill/>
+          </a:ln>
+        </p:spPr>
+        <p:style>
+          <a:lnRef idx="2">
+            <a:schemeClr val="accent1">
+              <a:shade val="50000"/>
+            </a:schemeClr>
+          </a:lnRef>
+          <a:fillRef idx="1">
+            <a:schemeClr val="accent1"/>
+          </a:fillRef>
+          <a:effectRef idx="0">
+            <a:schemeClr val="accent1"/>
+          </a:effectRef>
+          <a:fontRef idx="minor">
+            <a:schemeClr val="lt1"/>
+          </a:fontRef>
+        </p:style>
+        <p:txBody>
+          <a:bodyPr rtlCol="0" anchor="ctr"/>
+          <a:lstStyle/>
+          <a:p>
+            <a:pPr algn="ctr"/>
+            <a:endParaRPr lang="en-US"/>
+          </a:p>
+        </p:txBody>
+      </p:sp>
+      <p:sp useBgFill="1">
+        <p:nvSpPr>
+          <p:cNvPr id="18" name="Rectangle 17">
+            <a:extLst>
+              <a:ext uri="{FF2B5EF4-FFF2-40B4-BE49-F238E27FC236}">
+                <a16:creationId xmlns:a16="http://schemas.microsoft.com/office/drawing/2014/main" id="{9DCD9119-A5D2-4D09-BCB2-70ABD368DB30}"/>
+              </a:ext>
+              <a:ext uri="{C183D7F6-B498-43B3-948B-1728B52AA6E4}">
+                <adec:decorative xmlns:adec="http://schemas.microsoft.com/office/drawing/2017/decorative" val="1"/>
+              </a:ext>
+            </a:extLst>
+          </p:cNvPr>
+          <p:cNvSpPr>
+            <a:spLocks noGrp="1" noRot="1" noChangeAspect="1" noMove="1" noResize="1" noEditPoints="1" noAdjustHandles="1" noChangeArrowheads="1" noChangeShapeType="1" noTextEdit="1"/>
+          </p:cNvSpPr>
+          <p:nvPr>
+            <p:extLst>
+              <p:ext uri="{386F3935-93C4-4BCD-93E2-E3B085C9AB24}">
+                <p16:designElem xmlns:p16="http://schemas.microsoft.com/office/powerpoint/2015/main" val="1"/>
+              </p:ext>
+            </p:extLst>
+          </p:nvPr>
+        </p:nvSpPr>
+        <p:spPr>
+          <a:xfrm>
+            <a:off x="-1" y="0"/>
+            <a:ext cx="6746233" cy="6858000"/>
+          </a:xfrm>
+          <a:prstGeom prst="rect">
+            <a:avLst/>
+          </a:prstGeom>
+          <a:ln>
+            <a:noFill/>
+          </a:ln>
+        </p:spPr>
+        <p:style>
+          <a:lnRef idx="2">
+            <a:schemeClr val="accent1">
+              <a:shade val="50000"/>
+            </a:schemeClr>
+          </a:lnRef>
+          <a:fillRef idx="1">
+            <a:schemeClr val="accent1"/>
+          </a:fillRef>
+          <a:effectRef idx="0">
+            <a:schemeClr val="accent1"/>
+          </a:effectRef>
+          <a:fontRef idx="minor">
+            <a:schemeClr val="lt1"/>
+          </a:fontRef>
+        </p:style>
+        <p:txBody>
+          <a:bodyPr rtlCol="0" anchor="ctr"/>
+          <a:lstStyle/>
+          <a:p>
+            <a:pPr algn="ctr"/>
+            <a:endParaRPr lang="en-US"/>
+          </a:p>
+        </p:txBody>
+      </p:sp>
+      <p:pic>
+        <p:nvPicPr>
+          <p:cNvPr id="7" name="Picture 6">
+            <a:extLst>
+              <a:ext uri="{FF2B5EF4-FFF2-40B4-BE49-F238E27FC236}">
+                <a16:creationId xmlns:a16="http://schemas.microsoft.com/office/drawing/2014/main" id="{F1400C17-6B59-4328-A280-2EBDE053EF95}"/>
+              </a:ext>
+            </a:extLst>
+          </p:cNvPr>
+          <p:cNvPicPr>
+            <a:picLocks noChangeAspect="1"/>
+          </p:cNvPicPr>
+          <p:nvPr/>
+        </p:nvPicPr>
+        <p:blipFill>
+          <a:blip r:embed="rId4"/>
+          <a:stretch>
+            <a:fillRect/>
+          </a:stretch>
+        </p:blipFill>
+        <p:spPr>
+          <a:xfrm>
+            <a:off x="643468" y="2174377"/>
+            <a:ext cx="5475672" cy="2505120"/>
+          </a:xfrm>
+          <a:prstGeom prst="rect">
+            <a:avLst/>
+          </a:prstGeom>
+        </p:spPr>
+      </p:pic>
     </p:spTree>
     <p:extLst>
       <p:ext uri="{BB962C8B-B14F-4D97-AF65-F5344CB8AC3E}">
@@ -7455,7 +9300,7 @@
       </p:grpSpPr>
       <p:pic>
         <p:nvPicPr>
-          <p:cNvPr id="9" name="Picture 8">
+          <p:cNvPr id="24" name="Picture 23">
             <a:extLst>
               <a:ext uri="{FF2B5EF4-FFF2-40B4-BE49-F238E27FC236}">
                 <a16:creationId xmlns:a16="http://schemas.microsoft.com/office/drawing/2014/main" id="{BDFADFB3-3D44-49A8-AE3B-A87C61607F7E}"/>
@@ -7500,7 +9345,7 @@
       </p:pic>
       <p:pic>
         <p:nvPicPr>
-          <p:cNvPr id="11" name="Picture 10">
+          <p:cNvPr id="26" name="Picture 25">
             <a:extLst>
               <a:ext uri="{FF2B5EF4-FFF2-40B4-BE49-F238E27FC236}">
                 <a16:creationId xmlns:a16="http://schemas.microsoft.com/office/drawing/2014/main" id="{BB912AE0-CAD9-4F8F-A2A2-BDF07D4EDD22}"/>
@@ -7545,7 +9390,7 @@
       </p:pic>
       <p:sp>
         <p:nvSpPr>
-          <p:cNvPr id="13" name="Rectangle 12">
+          <p:cNvPr id="28" name="Rectangle 27">
             <a:extLst>
               <a:ext uri="{FF2B5EF4-FFF2-40B4-BE49-F238E27FC236}">
                 <a16:creationId xmlns:a16="http://schemas.microsoft.com/office/drawing/2014/main" id="{674220BB-5395-4F54-8045-343633A1BC8A}"/>
@@ -7653,7 +9498,7 @@
       </p:sp>
       <p:pic>
         <p:nvPicPr>
-          <p:cNvPr id="15" name="Picture 14">
+          <p:cNvPr id="30" name="Picture 29">
             <a:extLst>
               <a:ext uri="{FF2B5EF4-FFF2-40B4-BE49-F238E27FC236}">
                 <a16:creationId xmlns:a16="http://schemas.microsoft.com/office/drawing/2014/main" id="{9D892AF3-0287-4CB0-AD2F-775B64C6FDA5}"/>
@@ -7698,7 +9543,7 @@
       </p:pic>
       <p:sp>
         <p:nvSpPr>
-          <p:cNvPr id="17" name="Rectangle 16">
+          <p:cNvPr id="32" name="Rectangle 31">
             <a:extLst>
               <a:ext uri="{FF2B5EF4-FFF2-40B4-BE49-F238E27FC236}">
                 <a16:creationId xmlns:a16="http://schemas.microsoft.com/office/drawing/2014/main" id="{D477AA7E-6F59-438B-AE81-F002D625899E}"/>
@@ -7761,7 +9606,7 @@
       </p:sp>
       <p:sp useBgFill="1">
         <p:nvSpPr>
-          <p:cNvPr id="19" name="Rounded Rectangle 11">
+          <p:cNvPr id="34" name="Rounded Rectangle 11">
             <a:extLst>
               <a:ext uri="{FF2B5EF4-FFF2-40B4-BE49-F238E27FC236}">
                 <a16:creationId xmlns:a16="http://schemas.microsoft.com/office/drawing/2014/main" id="{C84439A1-773C-4E21-A179-0417A18640E9}"/>
@@ -7828,10 +9673,10 @@
       </p:sp>
       <p:pic>
         <p:nvPicPr>
-          <p:cNvPr id="6" name="Picture 5">
+          <p:cNvPr id="4" name="Picture 3">
             <a:extLst>
               <a:ext uri="{FF2B5EF4-FFF2-40B4-BE49-F238E27FC236}">
-                <a16:creationId xmlns:a16="http://schemas.microsoft.com/office/drawing/2014/main" id="{F375E1B0-02BA-4F03-A136-8F93748ED396}"/>
+                <a16:creationId xmlns:a16="http://schemas.microsoft.com/office/drawing/2014/main" id="{DE79DAF0-8EF2-495D-AE38-665133AEA773}"/>
               </a:ext>
             </a:extLst>
           </p:cNvPr>
@@ -7848,8 +9693,8 @@
         </p:blipFill>
         <p:spPr>
           <a:xfrm>
-            <a:off x="2340236" y="904633"/>
-            <a:ext cx="3245017" cy="4711942"/>
+            <a:off x="2077721" y="1286928"/>
+            <a:ext cx="3770047" cy="4284145"/>
           </a:xfrm>
           <a:prstGeom prst="rect">
             <a:avLst/>
@@ -7872,6 +9717,14 @@
 <file path=ppt/slides/slide9.xml><?xml version="1.0" encoding="utf-8"?>
 <p:sld xmlns:a="http://schemas.openxmlformats.org/drawingml/2006/main" xmlns:r="http://schemas.openxmlformats.org/officeDocument/2006/relationships" xmlns:p="http://schemas.openxmlformats.org/presentationml/2006/main">
   <p:cSld>
+    <p:bg>
+      <p:bgPr>
+        <a:solidFill>
+          <a:schemeClr val="bg1"/>
+        </a:solidFill>
+        <a:effectLst/>
+      </p:bgPr>
+    </p:bg>
     <p:spTree>
       <p:nvGrpSpPr>
         <p:cNvPr id="1" name=""/>
@@ -7886,6 +9739,201 @@
           <a:chExt cx="0" cy="0"/>
         </a:xfrm>
       </p:grpSpPr>
+      <p:pic>
+        <p:nvPicPr>
+          <p:cNvPr id="18" name="Picture 9">
+            <a:extLst>
+              <a:ext uri="{FF2B5EF4-FFF2-40B4-BE49-F238E27FC236}">
+                <a16:creationId xmlns:a16="http://schemas.microsoft.com/office/drawing/2014/main" id="{BDFADFB3-3D44-49A8-AE3B-A87C61607F7E}"/>
+              </a:ext>
+              <a:ext uri="{C183D7F6-B498-43B3-948B-1728B52AA6E4}">
+                <adec:decorative xmlns:adec="http://schemas.microsoft.com/office/drawing/2017/decorative" val="1"/>
+              </a:ext>
+            </a:extLst>
+          </p:cNvPr>
+          <p:cNvPicPr>
+            <a:picLocks noGrp="1" noRot="1" noChangeAspect="1" noMove="1" noResize="1" noEditPoints="1" noAdjustHandles="1" noChangeArrowheads="1" noChangeShapeType="1" noCrop="1"/>
+          </p:cNvPicPr>
+          <p:nvPr>
+            <p:extLst>
+              <p:ext uri="{386F3935-93C4-4BCD-93E2-E3B085C9AB24}">
+                <p16:designElem xmlns:p16="http://schemas.microsoft.com/office/powerpoint/2015/main" val="1"/>
+              </p:ext>
+            </p:extLst>
+          </p:nvPr>
+        </p:nvPicPr>
+        <p:blipFill>
+          <a:blip r:embed="rId2">
+            <a:extLst>
+              <a:ext uri="{28A0092B-C50C-407E-A947-70E740481C1C}">
+                <a14:useLocalDpi xmlns:a14="http://schemas.microsoft.com/office/drawing/2010/main" val="0"/>
+              </a:ext>
+            </a:extLst>
+          </a:blip>
+          <a:stretch>
+            <a:fillRect/>
+          </a:stretch>
+        </p:blipFill>
+        <p:spPr>
+          <a:xfrm>
+            <a:off x="0" y="0"/>
+            <a:ext cx="12192000" cy="1441450"/>
+          </a:xfrm>
+          <a:prstGeom prst="rect">
+            <a:avLst/>
+          </a:prstGeom>
+        </p:spPr>
+      </p:pic>
+      <p:pic>
+        <p:nvPicPr>
+          <p:cNvPr id="19" name="Picture 11">
+            <a:extLst>
+              <a:ext uri="{FF2B5EF4-FFF2-40B4-BE49-F238E27FC236}">
+                <a16:creationId xmlns:a16="http://schemas.microsoft.com/office/drawing/2014/main" id="{BB912AE0-CAD9-4F8F-A2A2-BDF07D4EDD22}"/>
+              </a:ext>
+              <a:ext uri="{C183D7F6-B498-43B3-948B-1728B52AA6E4}">
+                <adec:decorative xmlns:adec="http://schemas.microsoft.com/office/drawing/2017/decorative" val="1"/>
+              </a:ext>
+            </a:extLst>
+          </p:cNvPr>
+          <p:cNvPicPr>
+            <a:picLocks noGrp="1" noRot="1" noChangeAspect="1" noMove="1" noResize="1" noEditPoints="1" noAdjustHandles="1" noChangeArrowheads="1" noChangeShapeType="1" noCrop="1"/>
+          </p:cNvPicPr>
+          <p:nvPr>
+            <p:extLst>
+              <p:ext uri="{386F3935-93C4-4BCD-93E2-E3B085C9AB24}">
+                <p16:designElem xmlns:p16="http://schemas.microsoft.com/office/powerpoint/2015/main" val="1"/>
+              </p:ext>
+            </p:extLst>
+          </p:nvPr>
+        </p:nvPicPr>
+        <p:blipFill>
+          <a:blip r:embed="rId3">
+            <a:extLst>
+              <a:ext uri="{28A0092B-C50C-407E-A947-70E740481C1C}">
+                <a14:useLocalDpi xmlns:a14="http://schemas.microsoft.com/office/drawing/2010/main" val="0"/>
+              </a:ext>
+            </a:extLst>
+          </a:blip>
+          <a:stretch>
+            <a:fillRect/>
+          </a:stretch>
+        </p:blipFill>
+        <p:spPr>
+          <a:xfrm>
+            <a:off x="0" y="4375150"/>
+            <a:ext cx="12192000" cy="2482850"/>
+          </a:xfrm>
+          <a:prstGeom prst="rect">
+            <a:avLst/>
+          </a:prstGeom>
+        </p:spPr>
+      </p:pic>
+      <p:sp useBgFill="1">
+        <p:nvSpPr>
+          <p:cNvPr id="20" name="Rectangle 13">
+            <a:extLst>
+              <a:ext uri="{FF2B5EF4-FFF2-40B4-BE49-F238E27FC236}">
+                <a16:creationId xmlns:a16="http://schemas.microsoft.com/office/drawing/2014/main" id="{BD7C2DEF-63C5-495B-BBE5-720E5D12B4D2}"/>
+              </a:ext>
+              <a:ext uri="{C183D7F6-B498-43B3-948B-1728B52AA6E4}">
+                <adec:decorative xmlns:adec="http://schemas.microsoft.com/office/drawing/2017/decorative" val="1"/>
+              </a:ext>
+            </a:extLst>
+          </p:cNvPr>
+          <p:cNvSpPr>
+            <a:spLocks noGrp="1" noRot="1" noChangeAspect="1" noMove="1" noResize="1" noEditPoints="1" noAdjustHandles="1" noChangeArrowheads="1" noChangeShapeType="1" noTextEdit="1"/>
+          </p:cNvSpPr>
+          <p:nvPr>
+            <p:extLst>
+              <p:ext uri="{386F3935-93C4-4BCD-93E2-E3B085C9AB24}">
+                <p16:designElem xmlns:p16="http://schemas.microsoft.com/office/powerpoint/2015/main" val="1"/>
+              </p:ext>
+            </p:extLst>
+          </p:nvPr>
+        </p:nvSpPr>
+        <p:spPr>
+          <a:xfrm>
+            <a:off x="0" y="0"/>
+            <a:ext cx="12192000" cy="6858000"/>
+          </a:xfrm>
+          <a:prstGeom prst="rect">
+            <a:avLst/>
+          </a:prstGeom>
+          <a:ln>
+            <a:noFill/>
+          </a:ln>
+        </p:spPr>
+        <p:style>
+          <a:lnRef idx="2">
+            <a:schemeClr val="accent1">
+              <a:shade val="50000"/>
+            </a:schemeClr>
+          </a:lnRef>
+          <a:fillRef idx="1">
+            <a:schemeClr val="accent1"/>
+          </a:fillRef>
+          <a:effectRef idx="0">
+            <a:schemeClr val="accent1"/>
+          </a:effectRef>
+          <a:fontRef idx="minor">
+            <a:schemeClr val="lt1"/>
+          </a:fontRef>
+        </p:style>
+        <p:txBody>
+          <a:bodyPr rtlCol="0" anchor="ctr"/>
+          <a:lstStyle/>
+          <a:p>
+            <a:pPr algn="ctr"/>
+            <a:endParaRPr lang="en-US"/>
+          </a:p>
+        </p:txBody>
+      </p:sp>
+      <p:pic>
+        <p:nvPicPr>
+          <p:cNvPr id="21" name="Picture 15">
+            <a:extLst>
+              <a:ext uri="{FF2B5EF4-FFF2-40B4-BE49-F238E27FC236}">
+                <a16:creationId xmlns:a16="http://schemas.microsoft.com/office/drawing/2014/main" id="{FE21E403-0B61-4473-BE57-AB0F16379674}"/>
+              </a:ext>
+              <a:ext uri="{C183D7F6-B498-43B3-948B-1728B52AA6E4}">
+                <adec:decorative xmlns:adec="http://schemas.microsoft.com/office/drawing/2017/decorative" val="1"/>
+              </a:ext>
+            </a:extLst>
+          </p:cNvPr>
+          <p:cNvPicPr>
+            <a:picLocks noGrp="1" noRot="1" noChangeAspect="1" noMove="1" noResize="1" noEditPoints="1" noAdjustHandles="1" noChangeArrowheads="1" noChangeShapeType="1" noCrop="1"/>
+          </p:cNvPicPr>
+          <p:nvPr>
+            <p:extLst>
+              <p:ext uri="{386F3935-93C4-4BCD-93E2-E3B085C9AB24}">
+                <p16:designElem xmlns:p16="http://schemas.microsoft.com/office/powerpoint/2015/main" val="1"/>
+              </p:ext>
+            </p:extLst>
+          </p:nvPr>
+        </p:nvPicPr>
+        <p:blipFill>
+          <a:blip r:embed="rId2">
+            <a:extLst>
+              <a:ext uri="{28A0092B-C50C-407E-A947-70E740481C1C}">
+                <a14:useLocalDpi xmlns:a14="http://schemas.microsoft.com/office/drawing/2010/main" val="0"/>
+              </a:ext>
+            </a:extLst>
+          </a:blip>
+          <a:stretch>
+            <a:fillRect/>
+          </a:stretch>
+        </p:blipFill>
+        <p:spPr>
+          <a:xfrm>
+            <a:off x="0" y="0"/>
+            <a:ext cx="12192000" cy="1441450"/>
+          </a:xfrm>
+          <a:prstGeom prst="rect">
+            <a:avLst/>
+          </a:prstGeom>
+        </p:spPr>
+      </p:pic>
       <p:sp>
         <p:nvSpPr>
           <p:cNvPr id="2" name="Title 1">
@@ -7902,43 +9950,60 @@
             <p:ph type="title"/>
           </p:nvPr>
         </p:nvSpPr>
-        <p:spPr/>
-        <p:txBody>
-          <a:bodyPr/>
-          <a:lstStyle/>
-          <a:p>
-            <a:r>
-              <a:rPr lang="en-US" dirty="0"/>
+        <p:spPr>
+          <a:xfrm>
+            <a:off x="636696" y="643464"/>
+            <a:ext cx="3761964" cy="3273061"/>
+          </a:xfrm>
+          <a:noFill/>
+          <a:ln w="19050">
+            <a:noFill/>
+            <a:prstDash val="dash"/>
+          </a:ln>
+        </p:spPr>
+        <p:txBody>
+          <a:bodyPr vert="horz" lIns="91440" tIns="45720" rIns="91440" bIns="45720" rtlCol="0" anchor="b">
+            <a:normAutofit/>
+          </a:bodyPr>
+          <a:lstStyle/>
+          <a:p>
+            <a:r>
+              <a:rPr lang="en-US" sz="4800"/>
               <a:t>Law of common fate</a:t>
             </a:r>
           </a:p>
         </p:txBody>
       </p:sp>
-      <p:sp>
-        <p:nvSpPr>
-          <p:cNvPr id="3" name="Content Placeholder 2">
+      <p:pic>
+        <p:nvPicPr>
+          <p:cNvPr id="5" name="Picture 4">
             <a:extLst>
               <a:ext uri="{FF2B5EF4-FFF2-40B4-BE49-F238E27FC236}">
-                <a16:creationId xmlns:a16="http://schemas.microsoft.com/office/drawing/2014/main" id="{71077F33-3B25-4924-9390-969494B8670C}"/>
+                <a16:creationId xmlns:a16="http://schemas.microsoft.com/office/drawing/2014/main" id="{99B79A7C-DEF2-457A-BF96-C4B5C433690C}"/>
               </a:ext>
             </a:extLst>
           </p:cNvPr>
-          <p:cNvSpPr>
-            <a:spLocks noGrp="1"/>
-          </p:cNvSpPr>
-          <p:nvPr>
-            <p:ph idx="1"/>
-          </p:nvPr>
-        </p:nvSpPr>
-        <p:spPr/>
-        <p:txBody>
-          <a:bodyPr/>
-          <a:lstStyle/>
-          <a:p>
-            <a:endParaRPr lang="en-US"/>
-          </a:p>
-        </p:txBody>
-      </p:sp>
+          <p:cNvPicPr>
+            <a:picLocks noChangeAspect="1"/>
+          </p:cNvPicPr>
+          <p:nvPr/>
+        </p:nvPicPr>
+        <p:blipFill>
+          <a:blip r:embed="rId4"/>
+          <a:stretch>
+            <a:fillRect/>
+          </a:stretch>
+        </p:blipFill>
+        <p:spPr>
+          <a:xfrm>
+            <a:off x="5552263" y="941122"/>
+            <a:ext cx="5166716" cy="5115048"/>
+          </a:xfrm>
+          <a:prstGeom prst="rect">
+            <a:avLst/>
+          </a:prstGeom>
+        </p:spPr>
+      </p:pic>
     </p:spTree>
     <p:extLst>
       <p:ext uri="{BB962C8B-B14F-4D97-AF65-F5344CB8AC3E}">

--- a/Gestalt.pptx
+++ b/Gestalt.pptx
@@ -8,19 +8,19 @@
     <p:sldId id="256" r:id="rId2"/>
     <p:sldId id="257" r:id="rId3"/>
     <p:sldId id="262" r:id="rId4"/>
-    <p:sldId id="259" r:id="rId5"/>
-    <p:sldId id="267" r:id="rId6"/>
-    <p:sldId id="268" r:id="rId7"/>
-    <p:sldId id="258" r:id="rId8"/>
-    <p:sldId id="269" r:id="rId9"/>
-    <p:sldId id="265" r:id="rId10"/>
-    <p:sldId id="270" r:id="rId11"/>
-    <p:sldId id="271" r:id="rId12"/>
-    <p:sldId id="261" r:id="rId13"/>
-    <p:sldId id="260" r:id="rId14"/>
-    <p:sldId id="264" r:id="rId15"/>
-    <p:sldId id="263" r:id="rId16"/>
-    <p:sldId id="266" r:id="rId17"/>
+    <p:sldId id="272" r:id="rId5"/>
+    <p:sldId id="259" r:id="rId6"/>
+    <p:sldId id="267" r:id="rId7"/>
+    <p:sldId id="268" r:id="rId8"/>
+    <p:sldId id="258" r:id="rId9"/>
+    <p:sldId id="269" r:id="rId10"/>
+    <p:sldId id="265" r:id="rId11"/>
+    <p:sldId id="270" r:id="rId12"/>
+    <p:sldId id="271" r:id="rId13"/>
+    <p:sldId id="261" r:id="rId14"/>
+    <p:sldId id="260" r:id="rId15"/>
+    <p:sldId id="264" r:id="rId16"/>
+    <p:sldId id="263" r:id="rId17"/>
   </p:sldIdLst>
   <p:sldSz cx="12192000" cy="6858000"/>
   <p:notesSz cx="6858000" cy="9144000"/>
@@ -297,7 +297,7 @@
           <a:p>
             <a:fld id="{48A87A34-81AB-432B-8DAE-1953F412C126}" type="datetimeFigureOut">
               <a:rPr lang="en-US" dirty="0"/>
-              <a:t>4/12/2021</a:t>
+              <a:t>4/13/2021</a:t>
             </a:fld>
             <a:endParaRPr lang="en-US" dirty="0"/>
           </a:p>
@@ -559,7 +559,7 @@
           <a:p>
             <a:fld id="{48A87A34-81AB-432B-8DAE-1953F412C126}" type="datetimeFigureOut">
               <a:rPr lang="en-US" dirty="0"/>
-              <a:t>4/12/2021</a:t>
+              <a:t>4/13/2021</a:t>
             </a:fld>
             <a:endParaRPr lang="en-US" dirty="0"/>
           </a:p>
@@ -786,7 +786,7 @@
             <a:fld id="{48A87A34-81AB-432B-8DAE-1953F412C126}" type="datetimeFigureOut">
               <a:rPr lang="en-US" dirty="0"/>
               <a:pPr/>
-              <a:t>4/12/2021</a:t>
+              <a:t>4/13/2021</a:t>
             </a:fld>
             <a:endParaRPr lang="en-US" dirty="0"/>
           </a:p>
@@ -1092,7 +1092,7 @@
             <a:fld id="{48A87A34-81AB-432B-8DAE-1953F412C126}" type="datetimeFigureOut">
               <a:rPr lang="en-US" dirty="0"/>
               <a:pPr/>
-              <a:t>4/12/2021</a:t>
+              <a:t>4/13/2021</a:t>
             </a:fld>
             <a:endParaRPr lang="en-US" dirty="0"/>
           </a:p>
@@ -1561,7 +1561,7 @@
             <a:fld id="{48A87A34-81AB-432B-8DAE-1953F412C126}" type="datetimeFigureOut">
               <a:rPr lang="en-US" dirty="0"/>
               <a:pPr/>
-              <a:t>4/12/2021</a:t>
+              <a:t>4/13/2021</a:t>
             </a:fld>
             <a:endParaRPr lang="en-US" dirty="0"/>
           </a:p>
@@ -2103,7 +2103,7 @@
           <a:p>
             <a:fld id="{48A87A34-81AB-432B-8DAE-1953F412C126}" type="datetimeFigureOut">
               <a:rPr lang="en-US" dirty="0"/>
-              <a:t>4/12/2021</a:t>
+              <a:t>4/13/2021</a:t>
             </a:fld>
             <a:endParaRPr lang="en-US" dirty="0"/>
           </a:p>
@@ -2872,7 +2872,7 @@
           <a:p>
             <a:fld id="{48A87A34-81AB-432B-8DAE-1953F412C126}" type="datetimeFigureOut">
               <a:rPr lang="en-US" dirty="0"/>
-              <a:t>4/12/2021</a:t>
+              <a:t>4/13/2021</a:t>
             </a:fld>
             <a:endParaRPr lang="en-US" dirty="0"/>
           </a:p>
@@ -3042,7 +3042,7 @@
           <a:p>
             <a:fld id="{48A87A34-81AB-432B-8DAE-1953F412C126}" type="datetimeFigureOut">
               <a:rPr lang="en-US" dirty="0"/>
-              <a:t>4/12/2021</a:t>
+              <a:t>4/13/2021</a:t>
             </a:fld>
             <a:endParaRPr lang="en-US" dirty="0"/>
           </a:p>
@@ -3261,7 +3261,7 @@
             <a:fld id="{48A87A34-81AB-432B-8DAE-1953F412C126}" type="datetimeFigureOut">
               <a:rPr lang="en-US" dirty="0"/>
               <a:pPr/>
-              <a:t>4/12/2021</a:t>
+              <a:t>4/13/2021</a:t>
             </a:fld>
             <a:endParaRPr lang="en-US" dirty="0"/>
           </a:p>
@@ -3436,7 +3436,7 @@
           <a:p>
             <a:fld id="{48A87A34-81AB-432B-8DAE-1953F412C126}" type="datetimeFigureOut">
               <a:rPr lang="en-US" dirty="0"/>
-              <a:t>4/12/2021</a:t>
+              <a:t>4/13/2021</a:t>
             </a:fld>
             <a:endParaRPr lang="en-US" dirty="0"/>
           </a:p>
@@ -3721,7 +3721,7 @@
             <a:fld id="{48A87A34-81AB-432B-8DAE-1953F412C126}" type="datetimeFigureOut">
               <a:rPr lang="en-US" dirty="0"/>
               <a:pPr/>
-              <a:t>4/12/2021</a:t>
+              <a:t>4/13/2021</a:t>
             </a:fld>
             <a:endParaRPr lang="en-US" dirty="0"/>
           </a:p>
@@ -3958,7 +3958,7 @@
           <a:p>
             <a:fld id="{48A87A34-81AB-432B-8DAE-1953F412C126}" type="datetimeFigureOut">
               <a:rPr lang="en-US" dirty="0"/>
-              <a:t>4/12/2021</a:t>
+              <a:t>4/13/2021</a:t>
             </a:fld>
             <a:endParaRPr lang="en-US" dirty="0"/>
           </a:p>
@@ -4332,7 +4332,7 @@
           <a:p>
             <a:fld id="{48A87A34-81AB-432B-8DAE-1953F412C126}" type="datetimeFigureOut">
               <a:rPr lang="en-US" dirty="0"/>
-              <a:t>4/12/2021</a:t>
+              <a:t>4/13/2021</a:t>
             </a:fld>
             <a:endParaRPr lang="en-US" dirty="0"/>
           </a:p>
@@ -4445,7 +4445,7 @@
           <a:p>
             <a:fld id="{48A87A34-81AB-432B-8DAE-1953F412C126}" type="datetimeFigureOut">
               <a:rPr lang="en-US" dirty="0"/>
-              <a:t>4/12/2021</a:t>
+              <a:t>4/13/2021</a:t>
             </a:fld>
             <a:endParaRPr lang="en-US" dirty="0"/>
           </a:p>
@@ -4535,7 +4535,7 @@
           <a:p>
             <a:fld id="{48A87A34-81AB-432B-8DAE-1953F412C126}" type="datetimeFigureOut">
               <a:rPr lang="en-US" dirty="0"/>
-              <a:t>4/12/2021</a:t>
+              <a:t>4/13/2021</a:t>
             </a:fld>
             <a:endParaRPr lang="en-US" dirty="0"/>
           </a:p>
@@ -4779,7 +4779,7 @@
           <a:p>
             <a:fld id="{48A87A34-81AB-432B-8DAE-1953F412C126}" type="datetimeFigureOut">
               <a:rPr lang="en-US" dirty="0"/>
-              <a:t>4/12/2021</a:t>
+              <a:t>4/13/2021</a:t>
             </a:fld>
             <a:endParaRPr lang="en-US" dirty="0"/>
           </a:p>
@@ -5031,7 +5031,7 @@
           <a:p>
             <a:fld id="{48A87A34-81AB-432B-8DAE-1953F412C126}" type="datetimeFigureOut">
               <a:rPr lang="en-US" dirty="0"/>
-              <a:t>4/12/2021</a:t>
+              <a:t>4/13/2021</a:t>
             </a:fld>
             <a:endParaRPr lang="en-US" dirty="0"/>
           </a:p>
@@ -5270,7 +5270,7 @@
             <a:fld id="{48A87A34-81AB-432B-8DAE-1953F412C126}" type="datetimeFigureOut">
               <a:rPr lang="en-US" dirty="0"/>
               <a:pPr/>
-              <a:t>4/12/2021</a:t>
+              <a:t>4/13/2021</a:t>
             </a:fld>
             <a:endParaRPr lang="en-US" dirty="0"/>
           </a:p>
@@ -5773,7 +5773,7 @@
       </p:grpSpPr>
       <p:pic>
         <p:nvPicPr>
-          <p:cNvPr id="26" name="Picture 25">
+          <p:cNvPr id="37" name="Picture 36">
             <a:extLst>
               <a:ext uri="{FF2B5EF4-FFF2-40B4-BE49-F238E27FC236}">
                 <a16:creationId xmlns:a16="http://schemas.microsoft.com/office/drawing/2014/main" id="{BDFADFB3-3D44-49A8-AE3B-A87C61607F7E}"/>
@@ -5818,7 +5818,7 @@
       </p:pic>
       <p:pic>
         <p:nvPicPr>
-          <p:cNvPr id="28" name="Picture 27">
+          <p:cNvPr id="39" name="Picture 38">
             <a:extLst>
               <a:ext uri="{FF2B5EF4-FFF2-40B4-BE49-F238E27FC236}">
                 <a16:creationId xmlns:a16="http://schemas.microsoft.com/office/drawing/2014/main" id="{BB912AE0-CAD9-4F8F-A2A2-BDF07D4EDD22}"/>
@@ -5863,7 +5863,7 @@
       </p:pic>
       <p:sp useBgFill="1">
         <p:nvSpPr>
-          <p:cNvPr id="30" name="Rectangle 29">
+          <p:cNvPr id="41" name="Rectangle 40">
             <a:extLst>
               <a:ext uri="{FF2B5EF4-FFF2-40B4-BE49-F238E27FC236}">
                 <a16:creationId xmlns:a16="http://schemas.microsoft.com/office/drawing/2014/main" id="{BD7C2DEF-63C5-495B-BBE5-720E5D12B4D2}"/>
@@ -5923,7 +5923,7 @@
       </p:sp>
       <p:pic>
         <p:nvPicPr>
-          <p:cNvPr id="32" name="Picture 31">
+          <p:cNvPr id="43" name="Picture 42">
             <a:extLst>
               <a:ext uri="{FF2B5EF4-FFF2-40B4-BE49-F238E27FC236}">
                 <a16:creationId xmlns:a16="http://schemas.microsoft.com/office/drawing/2014/main" id="{FE21E403-0B61-4473-BE57-AB0F16379674}"/>
@@ -6008,10 +6008,10 @@
       </p:sp>
       <p:pic>
         <p:nvPicPr>
-          <p:cNvPr id="4" name="Picture 3">
+          <p:cNvPr id="7" name="Picture 6">
             <a:extLst>
               <a:ext uri="{FF2B5EF4-FFF2-40B4-BE49-F238E27FC236}">
-                <a16:creationId xmlns:a16="http://schemas.microsoft.com/office/drawing/2014/main" id="{AD40C7C9-45F2-4A9C-8560-988988CF0771}"/>
+                <a16:creationId xmlns:a16="http://schemas.microsoft.com/office/drawing/2014/main" id="{9B25B4FA-822C-4C26-853B-29941D4B07FC}"/>
               </a:ext>
             </a:extLst>
           </p:cNvPr>
@@ -6028,8 +6028,8 @@
         </p:blipFill>
         <p:spPr>
           <a:xfrm>
-            <a:off x="5545723" y="941122"/>
-            <a:ext cx="5179796" cy="5115048"/>
+            <a:off x="5635642" y="941122"/>
+            <a:ext cx="4999959" cy="5115048"/>
           </a:xfrm>
           <a:prstGeom prst="rect">
             <a:avLst/>
@@ -6039,7 +6039,7 @@
     </p:spTree>
     <p:extLst>
       <p:ext uri="{BB962C8B-B14F-4D97-AF65-F5344CB8AC3E}">
-        <p14:creationId xmlns:p14="http://schemas.microsoft.com/office/powerpoint/2010/main" val="84306195"/>
+        <p14:creationId xmlns:p14="http://schemas.microsoft.com/office/powerpoint/2010/main" val="2219890349"/>
       </p:ext>
     </p:extLst>
   </p:cSld>
@@ -6076,7 +6076,7 @@
       </p:grpSpPr>
       <p:pic>
         <p:nvPicPr>
-          <p:cNvPr id="48" name="Picture 47">
+          <p:cNvPr id="37" name="Picture 36">
             <a:extLst>
               <a:ext uri="{FF2B5EF4-FFF2-40B4-BE49-F238E27FC236}">
                 <a16:creationId xmlns:a16="http://schemas.microsoft.com/office/drawing/2014/main" id="{BDFADFB3-3D44-49A8-AE3B-A87C61607F7E}"/>
@@ -6121,7 +6121,7 @@
       </p:pic>
       <p:pic>
         <p:nvPicPr>
-          <p:cNvPr id="50" name="Picture 49">
+          <p:cNvPr id="39" name="Picture 38">
             <a:extLst>
               <a:ext uri="{FF2B5EF4-FFF2-40B4-BE49-F238E27FC236}">
                 <a16:creationId xmlns:a16="http://schemas.microsoft.com/office/drawing/2014/main" id="{BB912AE0-CAD9-4F8F-A2A2-BDF07D4EDD22}"/>
@@ -6166,7 +6166,7 @@
       </p:pic>
       <p:sp useBgFill="1">
         <p:nvSpPr>
-          <p:cNvPr id="52" name="Rectangle 51">
+          <p:cNvPr id="41" name="Rectangle 40">
             <a:extLst>
               <a:ext uri="{FF2B5EF4-FFF2-40B4-BE49-F238E27FC236}">
                 <a16:creationId xmlns:a16="http://schemas.microsoft.com/office/drawing/2014/main" id="{BD7C2DEF-63C5-495B-BBE5-720E5D12B4D2}"/>
@@ -6226,7 +6226,7 @@
       </p:sp>
       <p:pic>
         <p:nvPicPr>
-          <p:cNvPr id="54" name="Picture 53">
+          <p:cNvPr id="43" name="Picture 42">
             <a:extLst>
               <a:ext uri="{FF2B5EF4-FFF2-40B4-BE49-F238E27FC236}">
                 <a16:creationId xmlns:a16="http://schemas.microsoft.com/office/drawing/2014/main" id="{FE21E403-0B61-4473-BE57-AB0F16379674}"/>
@@ -6311,10 +6311,10 @@
       </p:sp>
       <p:pic>
         <p:nvPicPr>
-          <p:cNvPr id="7" name="Picture 6">
+          <p:cNvPr id="8" name="Picture 7">
             <a:extLst>
               <a:ext uri="{FF2B5EF4-FFF2-40B4-BE49-F238E27FC236}">
-                <a16:creationId xmlns:a16="http://schemas.microsoft.com/office/drawing/2014/main" id="{C5862DDD-6168-4B39-BEF2-AEA67308D1CA}"/>
+                <a16:creationId xmlns:a16="http://schemas.microsoft.com/office/drawing/2014/main" id="{9D3B97B2-5FF7-400F-B53D-6666A62EE076}"/>
               </a:ext>
             </a:extLst>
           </p:cNvPr>
@@ -6331,8 +6331,8 @@
         </p:blipFill>
         <p:spPr>
           <a:xfrm>
-            <a:off x="5485337" y="941122"/>
-            <a:ext cx="5300568" cy="5115048"/>
+            <a:off x="5590885" y="941122"/>
+            <a:ext cx="5089472" cy="5115048"/>
           </a:xfrm>
           <a:prstGeom prst="rect">
             <a:avLst/>
@@ -6342,7 +6342,7 @@
     </p:spTree>
     <p:extLst>
       <p:ext uri="{BB962C8B-B14F-4D97-AF65-F5344CB8AC3E}">
-        <p14:creationId xmlns:p14="http://schemas.microsoft.com/office/powerpoint/2010/main" val="4211250767"/>
+        <p14:creationId xmlns:p14="http://schemas.microsoft.com/office/powerpoint/2010/main" val="84306195"/>
       </p:ext>
     </p:extLst>
   </p:cSld>
@@ -6379,10 +6379,10 @@
       </p:grpSpPr>
       <p:pic>
         <p:nvPicPr>
-          <p:cNvPr id="10" name="Picture 9">
+          <p:cNvPr id="59" name="Picture 58">
             <a:extLst>
               <a:ext uri="{FF2B5EF4-FFF2-40B4-BE49-F238E27FC236}">
-                <a16:creationId xmlns:a16="http://schemas.microsoft.com/office/drawing/2014/main" id="{CFD580F5-E7BF-4C1D-BEFD-4A4601EBA876}"/>
+                <a16:creationId xmlns:a16="http://schemas.microsoft.com/office/drawing/2014/main" id="{BDFADFB3-3D44-49A8-AE3B-A87C61607F7E}"/>
               </a:ext>
               <a:ext uri="{C183D7F6-B498-43B3-948B-1728B52AA6E4}">
                 <adec:decorative xmlns:adec="http://schemas.microsoft.com/office/drawing/2017/decorative" val="1"/>
@@ -6424,10 +6424,10 @@
       </p:pic>
       <p:pic>
         <p:nvPicPr>
-          <p:cNvPr id="12" name="Picture 11">
+          <p:cNvPr id="61" name="Picture 60">
             <a:extLst>
               <a:ext uri="{FF2B5EF4-FFF2-40B4-BE49-F238E27FC236}">
-                <a16:creationId xmlns:a16="http://schemas.microsoft.com/office/drawing/2014/main" id="{F0F06750-78FE-4472-8DA5-14CF3336F811}"/>
+                <a16:creationId xmlns:a16="http://schemas.microsoft.com/office/drawing/2014/main" id="{BB912AE0-CAD9-4F8F-A2A2-BDF07D4EDD22}"/>
               </a:ext>
               <a:ext uri="{C183D7F6-B498-43B3-948B-1728B52AA6E4}">
                 <adec:decorative xmlns:adec="http://schemas.microsoft.com/office/drawing/2017/decorative" val="1"/>
@@ -6467,12 +6467,12 @@
           </a:prstGeom>
         </p:spPr>
       </p:pic>
-      <p:sp>
-        <p:nvSpPr>
-          <p:cNvPr id="14" name="Rectangle 13">
+      <p:sp useBgFill="1">
+        <p:nvSpPr>
+          <p:cNvPr id="63" name="Rectangle 62">
             <a:extLst>
               <a:ext uri="{FF2B5EF4-FFF2-40B4-BE49-F238E27FC236}">
-                <a16:creationId xmlns:a16="http://schemas.microsoft.com/office/drawing/2014/main" id="{05B7B068-8178-428D-927D-52BF95F4A2D6}"/>
+                <a16:creationId xmlns:a16="http://schemas.microsoft.com/office/drawing/2014/main" id="{BD7C2DEF-63C5-495B-BBE5-720E5D12B4D2}"/>
               </a:ext>
               <a:ext uri="{C183D7F6-B498-43B3-948B-1728B52AA6E4}">
                 <adec:decorative xmlns:adec="http://schemas.microsoft.com/office/drawing/2017/decorative" val="1"/>
@@ -6490,17 +6490,14 @@
             </p:extLst>
           </p:nvPr>
         </p:nvSpPr>
-        <p:spPr bwMode="white">
-          <a:xfrm>
-            <a:off x="0" y="4360126"/>
-            <a:ext cx="12192000" cy="2497873"/>
+        <p:spPr>
+          <a:xfrm>
+            <a:off x="0" y="0"/>
+            <a:ext cx="12192000" cy="6858000"/>
           </a:xfrm>
           <a:prstGeom prst="rect">
             <a:avLst/>
           </a:prstGeom>
-          <a:solidFill>
-            <a:schemeClr val="bg1"/>
-          </a:solidFill>
           <a:ln>
             <a:noFill/>
           </a:ln>
@@ -6530,12 +6527,57 @@
           </a:p>
         </p:txBody>
       </p:sp>
+      <p:pic>
+        <p:nvPicPr>
+          <p:cNvPr id="65" name="Picture 64">
+            <a:extLst>
+              <a:ext uri="{FF2B5EF4-FFF2-40B4-BE49-F238E27FC236}">
+                <a16:creationId xmlns:a16="http://schemas.microsoft.com/office/drawing/2014/main" id="{FE21E403-0B61-4473-BE57-AB0F16379674}"/>
+              </a:ext>
+              <a:ext uri="{C183D7F6-B498-43B3-948B-1728B52AA6E4}">
+                <adec:decorative xmlns:adec="http://schemas.microsoft.com/office/drawing/2017/decorative" val="1"/>
+              </a:ext>
+            </a:extLst>
+          </p:cNvPr>
+          <p:cNvPicPr>
+            <a:picLocks noGrp="1" noRot="1" noChangeAspect="1" noMove="1" noResize="1" noEditPoints="1" noAdjustHandles="1" noChangeArrowheads="1" noChangeShapeType="1" noCrop="1"/>
+          </p:cNvPicPr>
+          <p:nvPr>
+            <p:extLst>
+              <p:ext uri="{386F3935-93C4-4BCD-93E2-E3B085C9AB24}">
+                <p16:designElem xmlns:p16="http://schemas.microsoft.com/office/powerpoint/2015/main" val="1"/>
+              </p:ext>
+            </p:extLst>
+          </p:nvPr>
+        </p:nvPicPr>
+        <p:blipFill>
+          <a:blip r:embed="rId2">
+            <a:extLst>
+              <a:ext uri="{28A0092B-C50C-407E-A947-70E740481C1C}">
+                <a14:useLocalDpi xmlns:a14="http://schemas.microsoft.com/office/drawing/2010/main" val="0"/>
+              </a:ext>
+            </a:extLst>
+          </a:blip>
+          <a:stretch>
+            <a:fillRect/>
+          </a:stretch>
+        </p:blipFill>
+        <p:spPr>
+          <a:xfrm>
+            <a:off x="0" y="0"/>
+            <a:ext cx="12192000" cy="1441450"/>
+          </a:xfrm>
+          <a:prstGeom prst="rect">
+            <a:avLst/>
+          </a:prstGeom>
+        </p:spPr>
+      </p:pic>
       <p:sp>
         <p:nvSpPr>
           <p:cNvPr id="2" name="Title 1">
             <a:extLst>
               <a:ext uri="{FF2B5EF4-FFF2-40B4-BE49-F238E27FC236}">
-                <a16:creationId xmlns:a16="http://schemas.microsoft.com/office/drawing/2014/main" id="{262BF243-BE9F-42A7-A7CE-DCACE8A87BA1}"/>
+                <a16:creationId xmlns:a16="http://schemas.microsoft.com/office/drawing/2014/main" id="{EF1F61EF-C1F5-4815-B895-A8AA2BE8D5F1}"/>
               </a:ext>
             </a:extLst>
           </p:cNvPr>
@@ -6548,9 +6590,14 @@
         </p:nvSpPr>
         <p:spPr>
           <a:xfrm>
-            <a:off x="685800" y="4698999"/>
-            <a:ext cx="10820400" cy="821268"/>
-          </a:xfrm>
+            <a:off x="636696" y="643464"/>
+            <a:ext cx="3761964" cy="3273061"/>
+          </a:xfrm>
+          <a:noFill/>
+          <a:ln w="19050">
+            <a:noFill/>
+            <a:prstDash val="dash"/>
+          </a:ln>
         </p:spPr>
         <p:txBody>
           <a:bodyPr vert="horz" lIns="91440" tIns="45720" rIns="91440" bIns="45720" rtlCol="0" anchor="b">
@@ -6558,25 +6605,19 @@
           </a:bodyPr>
           <a:lstStyle/>
           <a:p>
-            <a:pPr algn="l"/>
-            <a:r>
-              <a:rPr lang="en-US" sz="4400" dirty="0"/>
-              <a:t>Law of Uniform </a:t>
-            </a:r>
-            <a:r>
-              <a:rPr lang="en-US" sz="4400" dirty="0" err="1"/>
-              <a:t>CorrectedNess</a:t>
-            </a:r>
-            <a:endParaRPr lang="en-US" sz="4400" dirty="0"/>
+            <a:r>
+              <a:rPr lang="en-US" sz="4800"/>
+              <a:t>Law of common fate</a:t>
+            </a:r>
           </a:p>
         </p:txBody>
       </p:sp>
       <p:pic>
         <p:nvPicPr>
-          <p:cNvPr id="5" name="Picture 4">
+          <p:cNvPr id="4" name="Picture 3">
             <a:extLst>
               <a:ext uri="{FF2B5EF4-FFF2-40B4-BE49-F238E27FC236}">
-                <a16:creationId xmlns:a16="http://schemas.microsoft.com/office/drawing/2014/main" id="{E60CEED2-C761-46EE-A74A-2C8E03CDE06B}"/>
+                <a16:creationId xmlns:a16="http://schemas.microsoft.com/office/drawing/2014/main" id="{8B2FEC70-52E0-45C9-BDA4-4BA6893C211C}"/>
               </a:ext>
             </a:extLst>
           </p:cNvPr>
@@ -6585,15 +6626,16 @@
           </p:cNvPicPr>
           <p:nvPr/>
         </p:nvPicPr>
-        <p:blipFill rotWithShape="1">
+        <p:blipFill>
           <a:blip r:embed="rId4"/>
-          <a:srcRect t="15628" r="1" b="18434"/>
-          <a:stretch/>
+          <a:stretch>
+            <a:fillRect/>
+          </a:stretch>
         </p:blipFill>
         <p:spPr>
           <a:xfrm>
-            <a:off x="681727" y="712832"/>
-            <a:ext cx="10820290" cy="3478161"/>
+            <a:off x="5422068" y="941122"/>
+            <a:ext cx="5427107" cy="5115048"/>
           </a:xfrm>
           <a:prstGeom prst="rect">
             <a:avLst/>
@@ -6603,7 +6645,7 @@
     </p:spTree>
     <p:extLst>
       <p:ext uri="{BB962C8B-B14F-4D97-AF65-F5344CB8AC3E}">
-        <p14:creationId xmlns:p14="http://schemas.microsoft.com/office/powerpoint/2010/main" val="89905317"/>
+        <p14:creationId xmlns:p14="http://schemas.microsoft.com/office/powerpoint/2010/main" val="4211250767"/>
       </p:ext>
     </p:extLst>
   </p:cSld>
@@ -6614,103 +6656,6 @@
 </file>
 
 <file path=ppt/slides/slide13.xml><?xml version="1.0" encoding="utf-8"?>
-<p:sld xmlns:a="http://schemas.openxmlformats.org/drawingml/2006/main" xmlns:r="http://schemas.openxmlformats.org/officeDocument/2006/relationships" xmlns:p="http://schemas.openxmlformats.org/presentationml/2006/main">
-  <p:cSld>
-    <p:spTree>
-      <p:nvGrpSpPr>
-        <p:cNvPr id="1" name=""/>
-        <p:cNvGrpSpPr/>
-        <p:nvPr/>
-      </p:nvGrpSpPr>
-      <p:grpSpPr>
-        <a:xfrm>
-          <a:off x="0" y="0"/>
-          <a:ext cx="0" cy="0"/>
-          <a:chOff x="0" y="0"/>
-          <a:chExt cx="0" cy="0"/>
-        </a:xfrm>
-      </p:grpSpPr>
-      <p:sp>
-        <p:nvSpPr>
-          <p:cNvPr id="2" name="Title 1">
-            <a:extLst>
-              <a:ext uri="{FF2B5EF4-FFF2-40B4-BE49-F238E27FC236}">
-                <a16:creationId xmlns:a16="http://schemas.microsoft.com/office/drawing/2014/main" id="{32A3A571-95AF-44D7-ACA9-BE94DBE5A254}"/>
-              </a:ext>
-            </a:extLst>
-          </p:cNvPr>
-          <p:cNvSpPr>
-            <a:spLocks noGrp="1"/>
-          </p:cNvSpPr>
-          <p:nvPr>
-            <p:ph type="title"/>
-          </p:nvPr>
-        </p:nvSpPr>
-        <p:spPr/>
-        <p:txBody>
-          <a:bodyPr/>
-          <a:lstStyle/>
-          <a:p>
-            <a:r>
-              <a:rPr lang="en-US" dirty="0"/>
-              <a:t>Law </a:t>
-            </a:r>
-            <a:r>
-              <a:rPr lang="en-US"/>
-              <a:t>of continuation</a:t>
-            </a:r>
-            <a:endParaRPr lang="en-US" dirty="0"/>
-          </a:p>
-        </p:txBody>
-      </p:sp>
-      <p:sp>
-        <p:nvSpPr>
-          <p:cNvPr id="3" name="Content Placeholder 2">
-            <a:extLst>
-              <a:ext uri="{FF2B5EF4-FFF2-40B4-BE49-F238E27FC236}">
-                <a16:creationId xmlns:a16="http://schemas.microsoft.com/office/drawing/2014/main" id="{C72F58E8-514B-4469-9A6E-B755E4573923}"/>
-              </a:ext>
-            </a:extLst>
-          </p:cNvPr>
-          <p:cNvSpPr>
-            <a:spLocks noGrp="1"/>
-          </p:cNvSpPr>
-          <p:nvPr>
-            <p:ph idx="1"/>
-          </p:nvPr>
-        </p:nvSpPr>
-        <p:spPr/>
-        <p:txBody>
-          <a:bodyPr/>
-          <a:lstStyle/>
-          <a:p>
-            <a:pPr marL="0" indent="0">
-              <a:buNone/>
-            </a:pPr>
-            <a:endParaRPr lang="en-US" dirty="0"/>
-          </a:p>
-          <a:p>
-            <a:pPr marL="0" indent="0">
-              <a:buNone/>
-            </a:pPr>
-            <a:endParaRPr lang="en-US" dirty="0"/>
-          </a:p>
-        </p:txBody>
-      </p:sp>
-    </p:spTree>
-    <p:extLst>
-      <p:ext uri="{BB962C8B-B14F-4D97-AF65-F5344CB8AC3E}">
-        <p14:creationId xmlns:p14="http://schemas.microsoft.com/office/powerpoint/2010/main" val="2357159446"/>
-      </p:ext>
-    </p:extLst>
-  </p:cSld>
-  <p:clrMapOvr>
-    <a:masterClrMapping/>
-  </p:clrMapOvr>
-</p:sld>
-</file>
-
-<file path=ppt/slides/slide14.xml><?xml version="1.0" encoding="utf-8"?>
 <p:sld xmlns:a="http://schemas.openxmlformats.org/drawingml/2006/main" xmlns:r="http://schemas.openxmlformats.org/officeDocument/2006/relationships" xmlns:p="http://schemas.openxmlformats.org/presentationml/2006/main">
   <p:cSld>
     <p:bg>
@@ -6737,10 +6682,10 @@
       </p:grpSpPr>
       <p:pic>
         <p:nvPicPr>
-          <p:cNvPr id="71" name="Picture 70">
+          <p:cNvPr id="10" name="Picture 9">
             <a:extLst>
               <a:ext uri="{FF2B5EF4-FFF2-40B4-BE49-F238E27FC236}">
-                <a16:creationId xmlns:a16="http://schemas.microsoft.com/office/drawing/2014/main" id="{BDFADFB3-3D44-49A8-AE3B-A87C61607F7E}"/>
+                <a16:creationId xmlns:a16="http://schemas.microsoft.com/office/drawing/2014/main" id="{CFD580F5-E7BF-4C1D-BEFD-4A4601EBA876}"/>
               </a:ext>
               <a:ext uri="{C183D7F6-B498-43B3-948B-1728B52AA6E4}">
                 <adec:decorative xmlns:adec="http://schemas.microsoft.com/office/drawing/2017/decorative" val="1"/>
@@ -6782,10 +6727,10 @@
       </p:pic>
       <p:pic>
         <p:nvPicPr>
-          <p:cNvPr id="73" name="Picture 72">
+          <p:cNvPr id="12" name="Picture 11">
             <a:extLst>
               <a:ext uri="{FF2B5EF4-FFF2-40B4-BE49-F238E27FC236}">
-                <a16:creationId xmlns:a16="http://schemas.microsoft.com/office/drawing/2014/main" id="{BB912AE0-CAD9-4F8F-A2A2-BDF07D4EDD22}"/>
+                <a16:creationId xmlns:a16="http://schemas.microsoft.com/office/drawing/2014/main" id="{F0F06750-78FE-4472-8DA5-14CF3336F811}"/>
               </a:ext>
               <a:ext uri="{C183D7F6-B498-43B3-948B-1728B52AA6E4}">
                 <adec:decorative xmlns:adec="http://schemas.microsoft.com/office/drawing/2017/decorative" val="1"/>
@@ -6827,10 +6772,10 @@
       </p:pic>
       <p:sp>
         <p:nvSpPr>
-          <p:cNvPr id="75" name="Rectangle 74">
+          <p:cNvPr id="14" name="Rectangle 13">
             <a:extLst>
               <a:ext uri="{FF2B5EF4-FFF2-40B4-BE49-F238E27FC236}">
-                <a16:creationId xmlns:a16="http://schemas.microsoft.com/office/drawing/2014/main" id="{674220BB-5395-4F54-8045-343633A1BC8A}"/>
+                <a16:creationId xmlns:a16="http://schemas.microsoft.com/office/drawing/2014/main" id="{05B7B068-8178-428D-927D-52BF95F4A2D6}"/>
               </a:ext>
               <a:ext uri="{C183D7F6-B498-43B3-948B-1728B52AA6E4}">
                 <adec:decorative xmlns:adec="http://schemas.microsoft.com/office/drawing/2017/decorative" val="1"/>
@@ -6848,16 +6793,16 @@
             </p:extLst>
           </p:nvPr>
         </p:nvSpPr>
-        <p:spPr>
-          <a:xfrm>
-            <a:off x="7946782" y="-1"/>
-            <a:ext cx="4245218" cy="6858001"/>
+        <p:spPr bwMode="white">
+          <a:xfrm>
+            <a:off x="0" y="4360126"/>
+            <a:ext cx="12192000" cy="2497873"/>
           </a:xfrm>
           <a:prstGeom prst="rect">
             <a:avLst/>
           </a:prstGeom>
           <a:solidFill>
-            <a:schemeClr val="tx1"/>
+            <a:schemeClr val="bg1"/>
           </a:solidFill>
           <a:ln>
             <a:noFill/>
@@ -6893,7 +6838,7 @@
           <p:cNvPr id="2" name="Title 1">
             <a:extLst>
               <a:ext uri="{FF2B5EF4-FFF2-40B4-BE49-F238E27FC236}">
-                <a16:creationId xmlns:a16="http://schemas.microsoft.com/office/drawing/2014/main" id="{F39A2DB7-2675-488F-A8FD-A769AB78F6F9}"/>
+                <a16:creationId xmlns:a16="http://schemas.microsoft.com/office/drawing/2014/main" id="{262BF243-BE9F-42A7-A7CE-DCACE8A87BA1}"/>
               </a:ext>
             </a:extLst>
           </p:cNvPr>
@@ -6906,14 +6851,9 @@
         </p:nvSpPr>
         <p:spPr>
           <a:xfrm>
-            <a:off x="8266820" y="673240"/>
-            <a:ext cx="3300981" cy="3446373"/>
-          </a:xfrm>
-          <a:noFill/>
-          <a:ln w="19050">
-            <a:noFill/>
-            <a:prstDash val="dash"/>
-          </a:ln>
+            <a:off x="685800" y="4698999"/>
+            <a:ext cx="10820400" cy="821268"/>
+          </a:xfrm>
         </p:spPr>
         <p:txBody>
           <a:bodyPr vert="horz" lIns="91440" tIns="45720" rIns="91440" bIns="45720" rtlCol="0" anchor="b">
@@ -6923,246 +6863,152 @@
           <a:p>
             <a:pPr algn="l"/>
             <a:r>
-              <a:rPr lang="en-US" sz="4800">
-                <a:solidFill>
-                  <a:schemeClr val="bg1"/>
-                </a:solidFill>
-              </a:rPr>
-              <a:t>Law of closure</a:t>
-            </a:r>
+              <a:rPr lang="en-US" sz="4400" dirty="0"/>
+              <a:t>Law of Uniform </a:t>
+            </a:r>
+            <a:r>
+              <a:rPr lang="en-US" sz="4400" dirty="0" err="1"/>
+              <a:t>CorrectedNess</a:t>
+            </a:r>
+            <a:endParaRPr lang="en-US" sz="4400" dirty="0"/>
           </a:p>
         </p:txBody>
       </p:sp>
       <p:pic>
         <p:nvPicPr>
-          <p:cNvPr id="77" name="Picture 76">
+          <p:cNvPr id="5" name="Picture 4">
             <a:extLst>
               <a:ext uri="{FF2B5EF4-FFF2-40B4-BE49-F238E27FC236}">
-                <a16:creationId xmlns:a16="http://schemas.microsoft.com/office/drawing/2014/main" id="{9D892AF3-0287-4CB0-AD2F-775B64C6FDA5}"/>
-              </a:ext>
-              <a:ext uri="{C183D7F6-B498-43B3-948B-1728B52AA6E4}">
-                <adec:decorative xmlns:adec="http://schemas.microsoft.com/office/drawing/2017/decorative" val="1"/>
+                <a16:creationId xmlns:a16="http://schemas.microsoft.com/office/drawing/2014/main" id="{E60CEED2-C761-46EE-A74A-2C8E03CDE06B}"/>
               </a:ext>
             </a:extLst>
           </p:cNvPr>
           <p:cNvPicPr>
-            <a:picLocks noGrp="1" noRot="1" noChangeAspect="1" noMove="1" noResize="1" noEditPoints="1" noAdjustHandles="1" noChangeArrowheads="1" noChangeShapeType="1" noCrop="1"/>
+            <a:picLocks noChangeAspect="1"/>
           </p:cNvPicPr>
-          <p:nvPr>
-            <p:extLst>
-              <p:ext uri="{386F3935-93C4-4BCD-93E2-E3B085C9AB24}">
-                <p16:designElem xmlns:p16="http://schemas.microsoft.com/office/powerpoint/2015/main" val="1"/>
-              </p:ext>
-            </p:extLst>
-          </p:nvPr>
+          <p:nvPr/>
         </p:nvPicPr>
-        <p:blipFill>
-          <a:blip r:embed="rId3">
-            <a:extLst>
-              <a:ext uri="{28A0092B-C50C-407E-A947-70E740481C1C}">
-                <a14:useLocalDpi xmlns:a14="http://schemas.microsoft.com/office/drawing/2010/main" val="0"/>
-              </a:ext>
-            </a:extLst>
-          </a:blip>
-          <a:stretch>
-            <a:fillRect/>
-          </a:stretch>
+        <p:blipFill rotWithShape="1">
+          <a:blip r:embed="rId4"/>
+          <a:srcRect t="15628" r="1" b="18434"/>
+          <a:stretch/>
         </p:blipFill>
         <p:spPr>
           <a:xfrm>
-            <a:off x="0" y="4375150"/>
-            <a:ext cx="12192000" cy="2482850"/>
+            <a:off x="681727" y="712832"/>
+            <a:ext cx="10820290" cy="3478161"/>
           </a:xfrm>
           <a:prstGeom prst="rect">
             <a:avLst/>
           </a:prstGeom>
-        </p:spPr>
-      </p:pic>
-      <p:sp>
-        <p:nvSpPr>
-          <p:cNvPr id="79" name="Rectangle 78">
-            <a:extLst>
-              <a:ext uri="{FF2B5EF4-FFF2-40B4-BE49-F238E27FC236}">
-                <a16:creationId xmlns:a16="http://schemas.microsoft.com/office/drawing/2014/main" id="{D477AA7E-6F59-438B-AE81-F002D625899E}"/>
-              </a:ext>
-              <a:ext uri="{C183D7F6-B498-43B3-948B-1728B52AA6E4}">
-                <adec:decorative xmlns:adec="http://schemas.microsoft.com/office/drawing/2017/decorative" val="1"/>
-              </a:ext>
-            </a:extLst>
-          </p:cNvPr>
-          <p:cNvSpPr>
-            <a:spLocks noGrp="1" noRot="1" noChangeAspect="1" noMove="1" noResize="1" noEditPoints="1" noAdjustHandles="1" noChangeArrowheads="1" noChangeShapeType="1" noTextEdit="1"/>
-          </p:cNvSpPr>
-          <p:nvPr>
-            <p:extLst>
-              <p:ext uri="{386F3935-93C4-4BCD-93E2-E3B085C9AB24}">
-                <p16:designElem xmlns:p16="http://schemas.microsoft.com/office/powerpoint/2015/main" val="1"/>
-              </p:ext>
-            </p:extLst>
-          </p:nvPr>
-        </p:nvSpPr>
-        <p:spPr>
-          <a:xfrm>
-            <a:off x="-1" y="0"/>
-            <a:ext cx="7946781" cy="6858000"/>
-          </a:xfrm>
-          <a:prstGeom prst="rect">
-            <a:avLst/>
-          </a:prstGeom>
-          <a:solidFill>
-            <a:schemeClr val="tx1"/>
-          </a:solidFill>
-          <a:ln>
-            <a:noFill/>
-          </a:ln>
-        </p:spPr>
-        <p:style>
-          <a:lnRef idx="2">
-            <a:schemeClr val="accent1">
-              <a:shade val="50000"/>
-            </a:schemeClr>
-          </a:lnRef>
-          <a:fillRef idx="1">
-            <a:schemeClr val="accent1"/>
-          </a:fillRef>
-          <a:effectRef idx="0">
-            <a:schemeClr val="accent1"/>
-          </a:effectRef>
-          <a:fontRef idx="minor">
-            <a:schemeClr val="lt1"/>
-          </a:fontRef>
-        </p:style>
-        <p:txBody>
-          <a:bodyPr rtlCol="0" anchor="ctr"/>
-          <a:lstStyle/>
-          <a:p>
-            <a:pPr algn="ctr"/>
-            <a:endParaRPr lang="en-US"/>
-          </a:p>
-        </p:txBody>
-      </p:sp>
-      <p:sp useBgFill="1">
-        <p:nvSpPr>
-          <p:cNvPr id="81" name="Rounded Rectangle 11">
-            <a:extLst>
-              <a:ext uri="{FF2B5EF4-FFF2-40B4-BE49-F238E27FC236}">
-                <a16:creationId xmlns:a16="http://schemas.microsoft.com/office/drawing/2014/main" id="{C84439A1-773C-4E21-A179-0417A18640E9}"/>
-              </a:ext>
-              <a:ext uri="{C183D7F6-B498-43B3-948B-1728B52AA6E4}">
-                <adec:decorative xmlns:adec="http://schemas.microsoft.com/office/drawing/2017/decorative" val="1"/>
-              </a:ext>
-            </a:extLst>
-          </p:cNvPr>
-          <p:cNvSpPr>
-            <a:spLocks noGrp="1" noRot="1" noChangeAspect="1" noMove="1" noResize="1" noEditPoints="1" noAdjustHandles="1" noChangeArrowheads="1" noChangeShapeType="1" noTextEdit="1"/>
-          </p:cNvSpPr>
-          <p:nvPr>
-            <p:extLst>
-              <p:ext uri="{386F3935-93C4-4BCD-93E2-E3B085C9AB24}">
-                <p16:designElem xmlns:p16="http://schemas.microsoft.com/office/powerpoint/2015/main" val="1"/>
-              </p:ext>
-            </p:extLst>
-          </p:nvPr>
-        </p:nvSpPr>
-        <p:spPr>
-          <a:xfrm>
-            <a:off x="643338" y="643464"/>
-            <a:ext cx="6638814" cy="5571072"/>
-          </a:xfrm>
-          <a:prstGeom prst="roundRect">
-            <a:avLst>
-              <a:gd name="adj" fmla="val 2403"/>
-            </a:avLst>
-          </a:prstGeom>
-          <a:ln>
-            <a:noFill/>
-          </a:ln>
-          <a:effectLst>
-            <a:innerShdw blurRad="114300">
-              <a:prstClr val="black"/>
-            </a:innerShdw>
-          </a:effectLst>
-        </p:spPr>
-        <p:style>
-          <a:lnRef idx="2">
-            <a:schemeClr val="accent1">
-              <a:shade val="50000"/>
-            </a:schemeClr>
-          </a:lnRef>
-          <a:fillRef idx="1">
-            <a:schemeClr val="accent1"/>
-          </a:fillRef>
-          <a:effectRef idx="0">
-            <a:schemeClr val="accent1"/>
-          </a:effectRef>
-          <a:fontRef idx="minor">
-            <a:schemeClr val="lt1"/>
-          </a:fontRef>
-        </p:style>
-        <p:txBody>
-          <a:bodyPr rtlCol="0" anchor="ctr"/>
-          <a:lstStyle/>
-          <a:p>
-            <a:pPr algn="ctr"/>
-            <a:endParaRPr lang="en-US"/>
-          </a:p>
-        </p:txBody>
-      </p:sp>
-      <p:pic>
-        <p:nvPicPr>
-          <p:cNvPr id="2050" name="Picture 2">
-            <a:extLst>
-              <a:ext uri="{FF2B5EF4-FFF2-40B4-BE49-F238E27FC236}">
-                <a16:creationId xmlns:a16="http://schemas.microsoft.com/office/drawing/2014/main" id="{E3070670-1114-4296-B66C-3D9ADA61E96B}"/>
-              </a:ext>
-            </a:extLst>
-          </p:cNvPr>
-          <p:cNvPicPr>
-            <a:picLocks noChangeAspect="1" noChangeArrowheads="1"/>
-          </p:cNvPicPr>
-          <p:nvPr/>
-        </p:nvPicPr>
-        <p:blipFill>
-          <a:blip r:embed="rId4">
-            <a:extLst>
-              <a:ext uri="{28A0092B-C50C-407E-A947-70E740481C1C}">
-                <a14:useLocalDpi xmlns:a14="http://schemas.microsoft.com/office/drawing/2010/main" val="0"/>
-              </a:ext>
-            </a:extLst>
-          </a:blip>
-          <a:stretch>
-            <a:fillRect/>
-          </a:stretch>
-        </p:blipFill>
-        <p:spPr bwMode="auto">
-          <a:xfrm>
-            <a:off x="1959169" y="1286928"/>
-            <a:ext cx="4007152" cy="4284145"/>
-          </a:xfrm>
-          <a:prstGeom prst="rect">
-            <a:avLst/>
-          </a:prstGeom>
-          <a:noFill/>
-          <a:extLst>
-            <a:ext uri="{909E8E84-426E-40DD-AFC4-6F175D3DCCD1}">
-              <a14:hiddenFill xmlns:a14="http://schemas.microsoft.com/office/drawing/2010/main">
-                <a:solidFill>
-                  <a:srgbClr val="FFFFFF"/>
-                </a:solidFill>
-              </a14:hiddenFill>
-            </a:ext>
-          </a:extLst>
         </p:spPr>
       </p:pic>
     </p:spTree>
     <p:extLst>
       <p:ext uri="{BB962C8B-B14F-4D97-AF65-F5344CB8AC3E}">
-        <p14:creationId xmlns:p14="http://schemas.microsoft.com/office/powerpoint/2010/main" val="3343798539"/>
+        <p14:creationId xmlns:p14="http://schemas.microsoft.com/office/powerpoint/2010/main" val="89905317"/>
       </p:ext>
     </p:extLst>
   </p:cSld>
   <p:clrMapOvr>
-    <a:overrideClrMapping bg1="lt1" tx1="dk1" bg2="lt2" tx2="dk2" accent1="accent1" accent2="accent2" accent3="accent3" accent4="accent4" accent5="accent5" accent6="accent6" hlink="hlink" folHlink="folHlink"/>
+    <a:masterClrMapping/>
+  </p:clrMapOvr>
+</p:sld>
+</file>
+
+<file path=ppt/slides/slide14.xml><?xml version="1.0" encoding="utf-8"?>
+<p:sld xmlns:a="http://schemas.openxmlformats.org/drawingml/2006/main" xmlns:r="http://schemas.openxmlformats.org/officeDocument/2006/relationships" xmlns:p="http://schemas.openxmlformats.org/presentationml/2006/main">
+  <p:cSld>
+    <p:spTree>
+      <p:nvGrpSpPr>
+        <p:cNvPr id="1" name=""/>
+        <p:cNvGrpSpPr/>
+        <p:nvPr/>
+      </p:nvGrpSpPr>
+      <p:grpSpPr>
+        <a:xfrm>
+          <a:off x="0" y="0"/>
+          <a:ext cx="0" cy="0"/>
+          <a:chOff x="0" y="0"/>
+          <a:chExt cx="0" cy="0"/>
+        </a:xfrm>
+      </p:grpSpPr>
+      <p:sp>
+        <p:nvSpPr>
+          <p:cNvPr id="2" name="Title 1">
+            <a:extLst>
+              <a:ext uri="{FF2B5EF4-FFF2-40B4-BE49-F238E27FC236}">
+                <a16:creationId xmlns:a16="http://schemas.microsoft.com/office/drawing/2014/main" id="{32A3A571-95AF-44D7-ACA9-BE94DBE5A254}"/>
+              </a:ext>
+            </a:extLst>
+          </p:cNvPr>
+          <p:cNvSpPr>
+            <a:spLocks noGrp="1"/>
+          </p:cNvSpPr>
+          <p:nvPr>
+            <p:ph type="title"/>
+          </p:nvPr>
+        </p:nvSpPr>
+        <p:spPr/>
+        <p:txBody>
+          <a:bodyPr/>
+          <a:lstStyle/>
+          <a:p>
+            <a:r>
+              <a:rPr lang="en-US" dirty="0"/>
+              <a:t>Law </a:t>
+            </a:r>
+            <a:r>
+              <a:rPr lang="en-US"/>
+              <a:t>of continuation</a:t>
+            </a:r>
+            <a:endParaRPr lang="en-US" dirty="0"/>
+          </a:p>
+        </p:txBody>
+      </p:sp>
+      <p:sp>
+        <p:nvSpPr>
+          <p:cNvPr id="3" name="Content Placeholder 2">
+            <a:extLst>
+              <a:ext uri="{FF2B5EF4-FFF2-40B4-BE49-F238E27FC236}">
+                <a16:creationId xmlns:a16="http://schemas.microsoft.com/office/drawing/2014/main" id="{C72F58E8-514B-4469-9A6E-B755E4573923}"/>
+              </a:ext>
+            </a:extLst>
+          </p:cNvPr>
+          <p:cNvSpPr>
+            <a:spLocks noGrp="1"/>
+          </p:cNvSpPr>
+          <p:nvPr>
+            <p:ph idx="1"/>
+          </p:nvPr>
+        </p:nvSpPr>
+        <p:spPr/>
+        <p:txBody>
+          <a:bodyPr/>
+          <a:lstStyle/>
+          <a:p>
+            <a:pPr marL="0" indent="0">
+              <a:buNone/>
+            </a:pPr>
+            <a:endParaRPr lang="en-US" dirty="0"/>
+          </a:p>
+          <a:p>
+            <a:pPr marL="0" indent="0">
+              <a:buNone/>
+            </a:pPr>
+            <a:endParaRPr lang="en-US" dirty="0"/>
+          </a:p>
+        </p:txBody>
+      </p:sp>
+    </p:spTree>
+    <p:extLst>
+      <p:ext uri="{BB962C8B-B14F-4D97-AF65-F5344CB8AC3E}">
+        <p14:creationId xmlns:p14="http://schemas.microsoft.com/office/powerpoint/2010/main" val="2357159446"/>
+      </p:ext>
+    </p:extLst>
+  </p:cSld>
+  <p:clrMapOvr>
+    <a:masterClrMapping/>
   </p:clrMapOvr>
 </p:sld>
 </file>
@@ -7284,50 +7130,10 @@
       </p:pic>
       <p:sp>
         <p:nvSpPr>
-          <p:cNvPr id="2" name="Title 1">
+          <p:cNvPr id="75" name="Rectangle 74">
             <a:extLst>
               <a:ext uri="{FF2B5EF4-FFF2-40B4-BE49-F238E27FC236}">
-                <a16:creationId xmlns:a16="http://schemas.microsoft.com/office/drawing/2014/main" id="{FBE41156-2E3D-4714-97D5-BE55845EF5A2}"/>
-              </a:ext>
-            </a:extLst>
-          </p:cNvPr>
-          <p:cNvSpPr>
-            <a:spLocks noGrp="1"/>
-          </p:cNvSpPr>
-          <p:nvPr>
-            <p:ph type="title"/>
-          </p:nvPr>
-        </p:nvSpPr>
-        <p:spPr>
-          <a:xfrm>
-            <a:off x="7056808" y="673240"/>
-            <a:ext cx="4510994" cy="3446373"/>
-          </a:xfrm>
-          <a:noFill/>
-          <a:ln w="19050">
-            <a:noFill/>
-            <a:prstDash val="dash"/>
-          </a:ln>
-        </p:spPr>
-        <p:txBody>
-          <a:bodyPr vert="horz" lIns="91440" tIns="45720" rIns="91440" bIns="45720" rtlCol="0" anchor="b">
-            <a:normAutofit/>
-          </a:bodyPr>
-          <a:lstStyle/>
-          <a:p>
-            <a:r>
-              <a:rPr lang="en-US" sz="4800"/>
-              <a:t>Law of pragnanz</a:t>
-            </a:r>
-          </a:p>
-        </p:txBody>
-      </p:sp>
-      <p:sp useBgFill="1">
-        <p:nvSpPr>
-          <p:cNvPr id="75" name="Rectangle 74">
-            <a:extLst>
-              <a:ext uri="{FF2B5EF4-FFF2-40B4-BE49-F238E27FC236}">
-                <a16:creationId xmlns:a16="http://schemas.microsoft.com/office/drawing/2014/main" id="{A6621E27-B4D3-4EEA-8F4D-BB759FD2479C}"/>
+                <a16:creationId xmlns:a16="http://schemas.microsoft.com/office/drawing/2014/main" id="{674220BB-5395-4F54-8045-343633A1BC8A}"/>
               </a:ext>
               <a:ext uri="{C183D7F6-B498-43B3-948B-1728B52AA6E4}">
                 <adec:decorative xmlns:adec="http://schemas.microsoft.com/office/drawing/2017/decorative" val="1"/>
@@ -7347,12 +7153,15 @@
         </p:nvSpPr>
         <p:spPr>
           <a:xfrm>
-            <a:off x="6485641" y="-1"/>
-            <a:ext cx="5706359" cy="643465"/>
+            <a:off x="7946782" y="-1"/>
+            <a:ext cx="4245218" cy="6858001"/>
           </a:xfrm>
           <a:prstGeom prst="rect">
             <a:avLst/>
           </a:prstGeom>
+          <a:solidFill>
+            <a:schemeClr val="tx1"/>
+          </a:solidFill>
           <a:ln>
             <a:noFill/>
           </a:ln>
@@ -7382,21 +7191,66 @@
           </a:p>
         </p:txBody>
       </p:sp>
-      <p:sp useBgFill="1">
-        <p:nvSpPr>
-          <p:cNvPr id="77" name="Rectangle 76">
+      <p:sp>
+        <p:nvSpPr>
+          <p:cNvPr id="2" name="Title 1">
             <a:extLst>
               <a:ext uri="{FF2B5EF4-FFF2-40B4-BE49-F238E27FC236}">
-                <a16:creationId xmlns:a16="http://schemas.microsoft.com/office/drawing/2014/main" id="{9DCD9119-A5D2-4D09-BCB2-70ABD368DB30}"/>
+                <a16:creationId xmlns:a16="http://schemas.microsoft.com/office/drawing/2014/main" id="{F39A2DB7-2675-488F-A8FD-A769AB78F6F9}"/>
+              </a:ext>
+            </a:extLst>
+          </p:cNvPr>
+          <p:cNvSpPr>
+            <a:spLocks noGrp="1"/>
+          </p:cNvSpPr>
+          <p:nvPr>
+            <p:ph type="title"/>
+          </p:nvPr>
+        </p:nvSpPr>
+        <p:spPr>
+          <a:xfrm>
+            <a:off x="8266820" y="673240"/>
+            <a:ext cx="3300981" cy="3446373"/>
+          </a:xfrm>
+          <a:noFill/>
+          <a:ln w="19050">
+            <a:noFill/>
+            <a:prstDash val="dash"/>
+          </a:ln>
+        </p:spPr>
+        <p:txBody>
+          <a:bodyPr vert="horz" lIns="91440" tIns="45720" rIns="91440" bIns="45720" rtlCol="0" anchor="b">
+            <a:normAutofit/>
+          </a:bodyPr>
+          <a:lstStyle/>
+          <a:p>
+            <a:pPr algn="l"/>
+            <a:r>
+              <a:rPr lang="en-US" sz="4800">
+                <a:solidFill>
+                  <a:schemeClr val="bg1"/>
+                </a:solidFill>
+              </a:rPr>
+              <a:t>Law of closure</a:t>
+            </a:r>
+          </a:p>
+        </p:txBody>
+      </p:sp>
+      <p:pic>
+        <p:nvPicPr>
+          <p:cNvPr id="77" name="Picture 76">
+            <a:extLst>
+              <a:ext uri="{FF2B5EF4-FFF2-40B4-BE49-F238E27FC236}">
+                <a16:creationId xmlns:a16="http://schemas.microsoft.com/office/drawing/2014/main" id="{9D892AF3-0287-4CB0-AD2F-775B64C6FDA5}"/>
               </a:ext>
               <a:ext uri="{C183D7F6-B498-43B3-948B-1728B52AA6E4}">
                 <adec:decorative xmlns:adec="http://schemas.microsoft.com/office/drawing/2017/decorative" val="1"/>
               </a:ext>
             </a:extLst>
           </p:cNvPr>
-          <p:cNvSpPr>
-            <a:spLocks noGrp="1" noRot="1" noChangeAspect="1" noMove="1" noResize="1" noEditPoints="1" noAdjustHandles="1" noChangeArrowheads="1" noChangeShapeType="1" noTextEdit="1"/>
-          </p:cNvSpPr>
+          <p:cNvPicPr>
+            <a:picLocks noGrp="1" noRot="1" noChangeAspect="1" noMove="1" noResize="1" noEditPoints="1" noAdjustHandles="1" noChangeArrowheads="1" noChangeShapeType="1" noCrop="1"/>
+          </p:cNvPicPr>
           <p:nvPr>
             <p:extLst>
               <p:ext uri="{386F3935-93C4-4BCD-93E2-E3B085C9AB24}">
@@ -7404,15 +7258,63 @@
               </p:ext>
             </p:extLst>
           </p:nvPr>
-        </p:nvSpPr>
-        <p:spPr>
-          <a:xfrm>
-            <a:off x="-1" y="0"/>
-            <a:ext cx="6746233" cy="6858000"/>
+        </p:nvPicPr>
+        <p:blipFill>
+          <a:blip r:embed="rId3">
+            <a:extLst>
+              <a:ext uri="{28A0092B-C50C-407E-A947-70E740481C1C}">
+                <a14:useLocalDpi xmlns:a14="http://schemas.microsoft.com/office/drawing/2010/main" val="0"/>
+              </a:ext>
+            </a:extLst>
+          </a:blip>
+          <a:stretch>
+            <a:fillRect/>
+          </a:stretch>
+        </p:blipFill>
+        <p:spPr>
+          <a:xfrm>
+            <a:off x="0" y="4375150"/>
+            <a:ext cx="12192000" cy="2482850"/>
           </a:xfrm>
           <a:prstGeom prst="rect">
             <a:avLst/>
           </a:prstGeom>
+        </p:spPr>
+      </p:pic>
+      <p:sp>
+        <p:nvSpPr>
+          <p:cNvPr id="79" name="Rectangle 78">
+            <a:extLst>
+              <a:ext uri="{FF2B5EF4-FFF2-40B4-BE49-F238E27FC236}">
+                <a16:creationId xmlns:a16="http://schemas.microsoft.com/office/drawing/2014/main" id="{D477AA7E-6F59-438B-AE81-F002D625899E}"/>
+              </a:ext>
+              <a:ext uri="{C183D7F6-B498-43B3-948B-1728B52AA6E4}">
+                <adec:decorative xmlns:adec="http://schemas.microsoft.com/office/drawing/2017/decorative" val="1"/>
+              </a:ext>
+            </a:extLst>
+          </p:cNvPr>
+          <p:cNvSpPr>
+            <a:spLocks noGrp="1" noRot="1" noChangeAspect="1" noMove="1" noResize="1" noEditPoints="1" noAdjustHandles="1" noChangeArrowheads="1" noChangeShapeType="1" noTextEdit="1"/>
+          </p:cNvSpPr>
+          <p:nvPr>
+            <p:extLst>
+              <p:ext uri="{386F3935-93C4-4BCD-93E2-E3B085C9AB24}">
+                <p16:designElem xmlns:p16="http://schemas.microsoft.com/office/powerpoint/2015/main" val="1"/>
+              </p:ext>
+            </p:extLst>
+          </p:nvPr>
+        </p:nvSpPr>
+        <p:spPr>
+          <a:xfrm>
+            <a:off x="-1" y="0"/>
+            <a:ext cx="7946781" cy="6858000"/>
+          </a:xfrm>
+          <a:prstGeom prst="rect">
+            <a:avLst/>
+          </a:prstGeom>
+          <a:solidFill>
+            <a:schemeClr val="tx1"/>
+          </a:solidFill>
           <a:ln>
             <a:noFill/>
           </a:ln>
@@ -7442,12 +7344,79 @@
           </a:p>
         </p:txBody>
       </p:sp>
+      <p:sp useBgFill="1">
+        <p:nvSpPr>
+          <p:cNvPr id="81" name="Rounded Rectangle 11">
+            <a:extLst>
+              <a:ext uri="{FF2B5EF4-FFF2-40B4-BE49-F238E27FC236}">
+                <a16:creationId xmlns:a16="http://schemas.microsoft.com/office/drawing/2014/main" id="{C84439A1-773C-4E21-A179-0417A18640E9}"/>
+              </a:ext>
+              <a:ext uri="{C183D7F6-B498-43B3-948B-1728B52AA6E4}">
+                <adec:decorative xmlns:adec="http://schemas.microsoft.com/office/drawing/2017/decorative" val="1"/>
+              </a:ext>
+            </a:extLst>
+          </p:cNvPr>
+          <p:cNvSpPr>
+            <a:spLocks noGrp="1" noRot="1" noChangeAspect="1" noMove="1" noResize="1" noEditPoints="1" noAdjustHandles="1" noChangeArrowheads="1" noChangeShapeType="1" noTextEdit="1"/>
+          </p:cNvSpPr>
+          <p:nvPr>
+            <p:extLst>
+              <p:ext uri="{386F3935-93C4-4BCD-93E2-E3B085C9AB24}">
+                <p16:designElem xmlns:p16="http://schemas.microsoft.com/office/powerpoint/2015/main" val="1"/>
+              </p:ext>
+            </p:extLst>
+          </p:nvPr>
+        </p:nvSpPr>
+        <p:spPr>
+          <a:xfrm>
+            <a:off x="643338" y="643464"/>
+            <a:ext cx="6638814" cy="5571072"/>
+          </a:xfrm>
+          <a:prstGeom prst="roundRect">
+            <a:avLst>
+              <a:gd name="adj" fmla="val 2403"/>
+            </a:avLst>
+          </a:prstGeom>
+          <a:ln>
+            <a:noFill/>
+          </a:ln>
+          <a:effectLst>
+            <a:innerShdw blurRad="114300">
+              <a:prstClr val="black"/>
+            </a:innerShdw>
+          </a:effectLst>
+        </p:spPr>
+        <p:style>
+          <a:lnRef idx="2">
+            <a:schemeClr val="accent1">
+              <a:shade val="50000"/>
+            </a:schemeClr>
+          </a:lnRef>
+          <a:fillRef idx="1">
+            <a:schemeClr val="accent1"/>
+          </a:fillRef>
+          <a:effectRef idx="0">
+            <a:schemeClr val="accent1"/>
+          </a:effectRef>
+          <a:fontRef idx="minor">
+            <a:schemeClr val="lt1"/>
+          </a:fontRef>
+        </p:style>
+        <p:txBody>
+          <a:bodyPr rtlCol="0" anchor="ctr"/>
+          <a:lstStyle/>
+          <a:p>
+            <a:pPr algn="ctr"/>
+            <a:endParaRPr lang="en-US"/>
+          </a:p>
+        </p:txBody>
+      </p:sp>
       <p:pic>
         <p:nvPicPr>
-          <p:cNvPr id="1026" name="Picture 2" descr="Olympics Clipart Black And White - ClipArt Best | Olympic rings, Ring icon,  Clipart black and white">
+          <p:cNvPr id="2050" name="Picture 2">
             <a:extLst>
               <a:ext uri="{FF2B5EF4-FFF2-40B4-BE49-F238E27FC236}">
-                <a16:creationId xmlns:a16="http://schemas.microsoft.com/office/drawing/2014/main" id="{05984468-D5B6-4709-9BA1-73B5D7FF94B1}"/>
+                <a16:creationId xmlns:a16="http://schemas.microsoft.com/office/drawing/2014/main" id="{E3070670-1114-4296-B66C-3D9ADA61E96B}"/>
               </a:ext>
             </a:extLst>
           </p:cNvPr>
@@ -7470,8 +7439,8 @@
         </p:blipFill>
         <p:spPr bwMode="auto">
           <a:xfrm>
-            <a:off x="643468" y="2174377"/>
-            <a:ext cx="5475672" cy="2505119"/>
+            <a:off x="1959169" y="1286928"/>
+            <a:ext cx="4007152" cy="4284145"/>
           </a:xfrm>
           <a:prstGeom prst="rect">
             <a:avLst/>
@@ -7491,12 +7460,12 @@
     </p:spTree>
     <p:extLst>
       <p:ext uri="{BB962C8B-B14F-4D97-AF65-F5344CB8AC3E}">
-        <p14:creationId xmlns:p14="http://schemas.microsoft.com/office/powerpoint/2010/main" val="3670938544"/>
+        <p14:creationId xmlns:p14="http://schemas.microsoft.com/office/powerpoint/2010/main" val="3343798539"/>
       </p:ext>
     </p:extLst>
   </p:cSld>
   <p:clrMapOvr>
-    <a:masterClrMapping/>
+    <a:overrideClrMapping bg1="lt1" tx1="dk1" bg2="lt2" tx2="dk2" accent1="accent1" accent2="accent2" accent3="accent3" accent4="accent4" accent5="accent5" accent6="accent6" hlink="hlink" folHlink="folHlink"/>
   </p:clrMapOvr>
 </p:sld>
 </file>
@@ -7504,6 +7473,14 @@
 <file path=ppt/slides/slide16.xml><?xml version="1.0" encoding="utf-8"?>
 <p:sld xmlns:a="http://schemas.openxmlformats.org/drawingml/2006/main" xmlns:r="http://schemas.openxmlformats.org/officeDocument/2006/relationships" xmlns:p="http://schemas.openxmlformats.org/presentationml/2006/main">
   <p:cSld>
+    <p:bg>
+      <p:bgPr>
+        <a:solidFill>
+          <a:schemeClr val="bg1"/>
+        </a:solidFill>
+        <a:effectLst/>
+      </p:bgPr>
+    </p:bg>
     <p:spTree>
       <p:nvGrpSpPr>
         <p:cNvPr id="1" name=""/>
@@ -7518,12 +7495,102 @@
           <a:chExt cx="0" cy="0"/>
         </a:xfrm>
       </p:grpSpPr>
+      <p:pic>
+        <p:nvPicPr>
+          <p:cNvPr id="71" name="Picture 70">
+            <a:extLst>
+              <a:ext uri="{FF2B5EF4-FFF2-40B4-BE49-F238E27FC236}">
+                <a16:creationId xmlns:a16="http://schemas.microsoft.com/office/drawing/2014/main" id="{BDFADFB3-3D44-49A8-AE3B-A87C61607F7E}"/>
+              </a:ext>
+              <a:ext uri="{C183D7F6-B498-43B3-948B-1728B52AA6E4}">
+                <adec:decorative xmlns:adec="http://schemas.microsoft.com/office/drawing/2017/decorative" val="1"/>
+              </a:ext>
+            </a:extLst>
+          </p:cNvPr>
+          <p:cNvPicPr>
+            <a:picLocks noGrp="1" noRot="1" noChangeAspect="1" noMove="1" noResize="1" noEditPoints="1" noAdjustHandles="1" noChangeArrowheads="1" noChangeShapeType="1" noCrop="1"/>
+          </p:cNvPicPr>
+          <p:nvPr>
+            <p:extLst>
+              <p:ext uri="{386F3935-93C4-4BCD-93E2-E3B085C9AB24}">
+                <p16:designElem xmlns:p16="http://schemas.microsoft.com/office/powerpoint/2015/main" val="1"/>
+              </p:ext>
+            </p:extLst>
+          </p:nvPr>
+        </p:nvPicPr>
+        <p:blipFill>
+          <a:blip r:embed="rId2">
+            <a:extLst>
+              <a:ext uri="{28A0092B-C50C-407E-A947-70E740481C1C}">
+                <a14:useLocalDpi xmlns:a14="http://schemas.microsoft.com/office/drawing/2010/main" val="0"/>
+              </a:ext>
+            </a:extLst>
+          </a:blip>
+          <a:stretch>
+            <a:fillRect/>
+          </a:stretch>
+        </p:blipFill>
+        <p:spPr>
+          <a:xfrm>
+            <a:off x="0" y="0"/>
+            <a:ext cx="12192000" cy="1441450"/>
+          </a:xfrm>
+          <a:prstGeom prst="rect">
+            <a:avLst/>
+          </a:prstGeom>
+        </p:spPr>
+      </p:pic>
+      <p:pic>
+        <p:nvPicPr>
+          <p:cNvPr id="73" name="Picture 72">
+            <a:extLst>
+              <a:ext uri="{FF2B5EF4-FFF2-40B4-BE49-F238E27FC236}">
+                <a16:creationId xmlns:a16="http://schemas.microsoft.com/office/drawing/2014/main" id="{BB912AE0-CAD9-4F8F-A2A2-BDF07D4EDD22}"/>
+              </a:ext>
+              <a:ext uri="{C183D7F6-B498-43B3-948B-1728B52AA6E4}">
+                <adec:decorative xmlns:adec="http://schemas.microsoft.com/office/drawing/2017/decorative" val="1"/>
+              </a:ext>
+            </a:extLst>
+          </p:cNvPr>
+          <p:cNvPicPr>
+            <a:picLocks noGrp="1" noRot="1" noChangeAspect="1" noMove="1" noResize="1" noEditPoints="1" noAdjustHandles="1" noChangeArrowheads="1" noChangeShapeType="1" noCrop="1"/>
+          </p:cNvPicPr>
+          <p:nvPr>
+            <p:extLst>
+              <p:ext uri="{386F3935-93C4-4BCD-93E2-E3B085C9AB24}">
+                <p16:designElem xmlns:p16="http://schemas.microsoft.com/office/powerpoint/2015/main" val="1"/>
+              </p:ext>
+            </p:extLst>
+          </p:nvPr>
+        </p:nvPicPr>
+        <p:blipFill>
+          <a:blip r:embed="rId3">
+            <a:extLst>
+              <a:ext uri="{28A0092B-C50C-407E-A947-70E740481C1C}">
+                <a14:useLocalDpi xmlns:a14="http://schemas.microsoft.com/office/drawing/2010/main" val="0"/>
+              </a:ext>
+            </a:extLst>
+          </a:blip>
+          <a:stretch>
+            <a:fillRect/>
+          </a:stretch>
+        </p:blipFill>
+        <p:spPr>
+          <a:xfrm>
+            <a:off x="0" y="4375150"/>
+            <a:ext cx="12192000" cy="2482850"/>
+          </a:xfrm>
+          <a:prstGeom prst="rect">
+            <a:avLst/>
+          </a:prstGeom>
+        </p:spPr>
+      </p:pic>
       <p:sp>
         <p:nvSpPr>
           <p:cNvPr id="2" name="Title 1">
             <a:extLst>
               <a:ext uri="{FF2B5EF4-FFF2-40B4-BE49-F238E27FC236}">
-                <a16:creationId xmlns:a16="http://schemas.microsoft.com/office/drawing/2014/main" id="{B861C682-3AA9-47BA-A722-3079D4D16D22}"/>
+                <a16:creationId xmlns:a16="http://schemas.microsoft.com/office/drawing/2014/main" id="{FBE41156-2E3D-4714-97D5-BE55845EF5A2}"/>
               </a:ext>
             </a:extLst>
           </p:cNvPr>
@@ -7534,47 +7601,200 @@
             <p:ph type="title"/>
           </p:nvPr>
         </p:nvSpPr>
-        <p:spPr/>
-        <p:txBody>
-          <a:bodyPr/>
+        <p:spPr>
+          <a:xfrm>
+            <a:off x="7056808" y="673240"/>
+            <a:ext cx="4510994" cy="3446373"/>
+          </a:xfrm>
+          <a:noFill/>
+          <a:ln w="19050">
+            <a:noFill/>
+            <a:prstDash val="dash"/>
+          </a:ln>
+        </p:spPr>
+        <p:txBody>
+          <a:bodyPr vert="horz" lIns="91440" tIns="45720" rIns="91440" bIns="45720" rtlCol="0" anchor="b">
+            <a:normAutofit/>
+          </a:bodyPr>
           <a:lstStyle/>
           <a:p>
             <a:r>
-              <a:rPr lang="en-US" dirty="0"/>
-              <a:t>Law of synchrony</a:t>
-            </a:r>
-          </a:p>
-        </p:txBody>
-      </p:sp>
-      <p:sp>
-        <p:nvSpPr>
-          <p:cNvPr id="3" name="Content Placeholder 2">
+              <a:rPr lang="en-US" sz="4800"/>
+              <a:t>Law of pragnanz</a:t>
+            </a:r>
+          </a:p>
+        </p:txBody>
+      </p:sp>
+      <p:sp useBgFill="1">
+        <p:nvSpPr>
+          <p:cNvPr id="75" name="Rectangle 74">
             <a:extLst>
               <a:ext uri="{FF2B5EF4-FFF2-40B4-BE49-F238E27FC236}">
-                <a16:creationId xmlns:a16="http://schemas.microsoft.com/office/drawing/2014/main" id="{4CFF3EA0-C671-4DB3-A4B5-A02925B27F57}"/>
+                <a16:creationId xmlns:a16="http://schemas.microsoft.com/office/drawing/2014/main" id="{A6621E27-B4D3-4EEA-8F4D-BB759FD2479C}"/>
+              </a:ext>
+              <a:ext uri="{C183D7F6-B498-43B3-948B-1728B52AA6E4}">
+                <adec:decorative xmlns:adec="http://schemas.microsoft.com/office/drawing/2017/decorative" val="1"/>
               </a:ext>
             </a:extLst>
           </p:cNvPr>
           <p:cNvSpPr>
-            <a:spLocks noGrp="1"/>
-          </p:cNvSpPr>
-          <p:nvPr>
-            <p:ph idx="1"/>
-          </p:nvPr>
-        </p:nvSpPr>
-        <p:spPr/>
-        <p:txBody>
-          <a:bodyPr/>
+            <a:spLocks noGrp="1" noRot="1" noChangeAspect="1" noMove="1" noResize="1" noEditPoints="1" noAdjustHandles="1" noChangeArrowheads="1" noChangeShapeType="1" noTextEdit="1"/>
+          </p:cNvSpPr>
+          <p:nvPr>
+            <p:extLst>
+              <p:ext uri="{386F3935-93C4-4BCD-93E2-E3B085C9AB24}">
+                <p16:designElem xmlns:p16="http://schemas.microsoft.com/office/powerpoint/2015/main" val="1"/>
+              </p:ext>
+            </p:extLst>
+          </p:nvPr>
+        </p:nvSpPr>
+        <p:spPr>
+          <a:xfrm>
+            <a:off x="6485641" y="-1"/>
+            <a:ext cx="5706359" cy="643465"/>
+          </a:xfrm>
+          <a:prstGeom prst="rect">
+            <a:avLst/>
+          </a:prstGeom>
+          <a:ln>
+            <a:noFill/>
+          </a:ln>
+        </p:spPr>
+        <p:style>
+          <a:lnRef idx="2">
+            <a:schemeClr val="accent1">
+              <a:shade val="50000"/>
+            </a:schemeClr>
+          </a:lnRef>
+          <a:fillRef idx="1">
+            <a:schemeClr val="accent1"/>
+          </a:fillRef>
+          <a:effectRef idx="0">
+            <a:schemeClr val="accent1"/>
+          </a:effectRef>
+          <a:fontRef idx="minor">
+            <a:schemeClr val="lt1"/>
+          </a:fontRef>
+        </p:style>
+        <p:txBody>
+          <a:bodyPr rtlCol="0" anchor="ctr"/>
           <a:lstStyle/>
           <a:p>
-            <a:endParaRPr lang="en-US" dirty="0"/>
-          </a:p>
-        </p:txBody>
-      </p:sp>
+            <a:pPr algn="ctr"/>
+            <a:endParaRPr lang="en-US"/>
+          </a:p>
+        </p:txBody>
+      </p:sp>
+      <p:sp useBgFill="1">
+        <p:nvSpPr>
+          <p:cNvPr id="77" name="Rectangle 76">
+            <a:extLst>
+              <a:ext uri="{FF2B5EF4-FFF2-40B4-BE49-F238E27FC236}">
+                <a16:creationId xmlns:a16="http://schemas.microsoft.com/office/drawing/2014/main" id="{9DCD9119-A5D2-4D09-BCB2-70ABD368DB30}"/>
+              </a:ext>
+              <a:ext uri="{C183D7F6-B498-43B3-948B-1728B52AA6E4}">
+                <adec:decorative xmlns:adec="http://schemas.microsoft.com/office/drawing/2017/decorative" val="1"/>
+              </a:ext>
+            </a:extLst>
+          </p:cNvPr>
+          <p:cNvSpPr>
+            <a:spLocks noGrp="1" noRot="1" noChangeAspect="1" noMove="1" noResize="1" noEditPoints="1" noAdjustHandles="1" noChangeArrowheads="1" noChangeShapeType="1" noTextEdit="1"/>
+          </p:cNvSpPr>
+          <p:nvPr>
+            <p:extLst>
+              <p:ext uri="{386F3935-93C4-4BCD-93E2-E3B085C9AB24}">
+                <p16:designElem xmlns:p16="http://schemas.microsoft.com/office/powerpoint/2015/main" val="1"/>
+              </p:ext>
+            </p:extLst>
+          </p:nvPr>
+        </p:nvSpPr>
+        <p:spPr>
+          <a:xfrm>
+            <a:off x="-1" y="0"/>
+            <a:ext cx="6746233" cy="6858000"/>
+          </a:xfrm>
+          <a:prstGeom prst="rect">
+            <a:avLst/>
+          </a:prstGeom>
+          <a:ln>
+            <a:noFill/>
+          </a:ln>
+        </p:spPr>
+        <p:style>
+          <a:lnRef idx="2">
+            <a:schemeClr val="accent1">
+              <a:shade val="50000"/>
+            </a:schemeClr>
+          </a:lnRef>
+          <a:fillRef idx="1">
+            <a:schemeClr val="accent1"/>
+          </a:fillRef>
+          <a:effectRef idx="0">
+            <a:schemeClr val="accent1"/>
+          </a:effectRef>
+          <a:fontRef idx="minor">
+            <a:schemeClr val="lt1"/>
+          </a:fontRef>
+        </p:style>
+        <p:txBody>
+          <a:bodyPr rtlCol="0" anchor="ctr"/>
+          <a:lstStyle/>
+          <a:p>
+            <a:pPr algn="ctr"/>
+            <a:endParaRPr lang="en-US"/>
+          </a:p>
+        </p:txBody>
+      </p:sp>
+      <p:pic>
+        <p:nvPicPr>
+          <p:cNvPr id="1026" name="Picture 2" descr="Olympics Clipart Black And White - ClipArt Best | Olympic rings, Ring icon,  Clipart black and white">
+            <a:extLst>
+              <a:ext uri="{FF2B5EF4-FFF2-40B4-BE49-F238E27FC236}">
+                <a16:creationId xmlns:a16="http://schemas.microsoft.com/office/drawing/2014/main" id="{05984468-D5B6-4709-9BA1-73B5D7FF94B1}"/>
+              </a:ext>
+            </a:extLst>
+          </p:cNvPr>
+          <p:cNvPicPr>
+            <a:picLocks noChangeAspect="1" noChangeArrowheads="1"/>
+          </p:cNvPicPr>
+          <p:nvPr/>
+        </p:nvPicPr>
+        <p:blipFill>
+          <a:blip r:embed="rId4">
+            <a:extLst>
+              <a:ext uri="{28A0092B-C50C-407E-A947-70E740481C1C}">
+                <a14:useLocalDpi xmlns:a14="http://schemas.microsoft.com/office/drawing/2010/main" val="0"/>
+              </a:ext>
+            </a:extLst>
+          </a:blip>
+          <a:stretch>
+            <a:fillRect/>
+          </a:stretch>
+        </p:blipFill>
+        <p:spPr bwMode="auto">
+          <a:xfrm>
+            <a:off x="643468" y="2174377"/>
+            <a:ext cx="5475672" cy="2505119"/>
+          </a:xfrm>
+          <a:prstGeom prst="rect">
+            <a:avLst/>
+          </a:prstGeom>
+          <a:noFill/>
+          <a:extLst>
+            <a:ext uri="{909E8E84-426E-40DD-AFC4-6F175D3DCCD1}">
+              <a14:hiddenFill xmlns:a14="http://schemas.microsoft.com/office/drawing/2010/main">
+                <a:solidFill>
+                  <a:srgbClr val="FFFFFF"/>
+                </a:solidFill>
+              </a14:hiddenFill>
+            </a:ext>
+          </a:extLst>
+        </p:spPr>
+      </p:pic>
     </p:spTree>
     <p:extLst>
       <p:ext uri="{BB962C8B-B14F-4D97-AF65-F5344CB8AC3E}">
-        <p14:creationId xmlns:p14="http://schemas.microsoft.com/office/powerpoint/2010/main" val="3151624679"/>
+        <p14:creationId xmlns:p14="http://schemas.microsoft.com/office/powerpoint/2010/main" val="3670938544"/>
       </p:ext>
     </p:extLst>
   </p:cSld>
@@ -7875,6 +8095,14 @@
 <file path=ppt/slides/slide3.xml><?xml version="1.0" encoding="utf-8"?>
 <p:sld xmlns:a="http://schemas.openxmlformats.org/drawingml/2006/main" xmlns:r="http://schemas.openxmlformats.org/officeDocument/2006/relationships" xmlns:p="http://schemas.openxmlformats.org/presentationml/2006/main">
   <p:cSld>
+    <p:bg>
+      <p:bgPr>
+        <a:solidFill>
+          <a:schemeClr val="bg1"/>
+        </a:solidFill>
+        <a:effectLst/>
+      </p:bgPr>
+    </p:bg>
     <p:spTree>
       <p:nvGrpSpPr>
         <p:cNvPr id="1" name=""/>
@@ -7889,6 +8117,96 @@
           <a:chExt cx="0" cy="0"/>
         </a:xfrm>
       </p:grpSpPr>
+      <p:pic>
+        <p:nvPicPr>
+          <p:cNvPr id="71" name="Picture 70">
+            <a:extLst>
+              <a:ext uri="{FF2B5EF4-FFF2-40B4-BE49-F238E27FC236}">
+                <a16:creationId xmlns:a16="http://schemas.microsoft.com/office/drawing/2014/main" id="{BDFADFB3-3D44-49A8-AE3B-A87C61607F7E}"/>
+              </a:ext>
+              <a:ext uri="{C183D7F6-B498-43B3-948B-1728B52AA6E4}">
+                <adec:decorative xmlns:adec="http://schemas.microsoft.com/office/drawing/2017/decorative" val="1"/>
+              </a:ext>
+            </a:extLst>
+          </p:cNvPr>
+          <p:cNvPicPr>
+            <a:picLocks noGrp="1" noRot="1" noChangeAspect="1" noMove="1" noResize="1" noEditPoints="1" noAdjustHandles="1" noChangeArrowheads="1" noChangeShapeType="1" noCrop="1"/>
+          </p:cNvPicPr>
+          <p:nvPr>
+            <p:extLst>
+              <p:ext uri="{386F3935-93C4-4BCD-93E2-E3B085C9AB24}">
+                <p16:designElem xmlns:p16="http://schemas.microsoft.com/office/powerpoint/2015/main" val="1"/>
+              </p:ext>
+            </p:extLst>
+          </p:nvPr>
+        </p:nvPicPr>
+        <p:blipFill>
+          <a:blip r:embed="rId2">
+            <a:extLst>
+              <a:ext uri="{28A0092B-C50C-407E-A947-70E740481C1C}">
+                <a14:useLocalDpi xmlns:a14="http://schemas.microsoft.com/office/drawing/2010/main" val="0"/>
+              </a:ext>
+            </a:extLst>
+          </a:blip>
+          <a:stretch>
+            <a:fillRect/>
+          </a:stretch>
+        </p:blipFill>
+        <p:spPr>
+          <a:xfrm>
+            <a:off x="0" y="0"/>
+            <a:ext cx="12192000" cy="1441450"/>
+          </a:xfrm>
+          <a:prstGeom prst="rect">
+            <a:avLst/>
+          </a:prstGeom>
+        </p:spPr>
+      </p:pic>
+      <p:pic>
+        <p:nvPicPr>
+          <p:cNvPr id="73" name="Picture 72">
+            <a:extLst>
+              <a:ext uri="{FF2B5EF4-FFF2-40B4-BE49-F238E27FC236}">
+                <a16:creationId xmlns:a16="http://schemas.microsoft.com/office/drawing/2014/main" id="{BB912AE0-CAD9-4F8F-A2A2-BDF07D4EDD22}"/>
+              </a:ext>
+              <a:ext uri="{C183D7F6-B498-43B3-948B-1728B52AA6E4}">
+                <adec:decorative xmlns:adec="http://schemas.microsoft.com/office/drawing/2017/decorative" val="1"/>
+              </a:ext>
+            </a:extLst>
+          </p:cNvPr>
+          <p:cNvPicPr>
+            <a:picLocks noGrp="1" noRot="1" noChangeAspect="1" noMove="1" noResize="1" noEditPoints="1" noAdjustHandles="1" noChangeArrowheads="1" noChangeShapeType="1" noCrop="1"/>
+          </p:cNvPicPr>
+          <p:nvPr>
+            <p:extLst>
+              <p:ext uri="{386F3935-93C4-4BCD-93E2-E3B085C9AB24}">
+                <p16:designElem xmlns:p16="http://schemas.microsoft.com/office/powerpoint/2015/main" val="1"/>
+              </p:ext>
+            </p:extLst>
+          </p:nvPr>
+        </p:nvPicPr>
+        <p:blipFill>
+          <a:blip r:embed="rId3">
+            <a:extLst>
+              <a:ext uri="{28A0092B-C50C-407E-A947-70E740481C1C}">
+                <a14:useLocalDpi xmlns:a14="http://schemas.microsoft.com/office/drawing/2010/main" val="0"/>
+              </a:ext>
+            </a:extLst>
+          </a:blip>
+          <a:stretch>
+            <a:fillRect/>
+          </a:stretch>
+        </p:blipFill>
+        <p:spPr>
+          <a:xfrm>
+            <a:off x="0" y="4375150"/>
+            <a:ext cx="12192000" cy="2482850"/>
+          </a:xfrm>
+          <a:prstGeom prst="rect">
+            <a:avLst/>
+          </a:prstGeom>
+        </p:spPr>
+      </p:pic>
       <p:sp>
         <p:nvSpPr>
           <p:cNvPr id="2" name="Title 1">
@@ -7905,43 +8223,196 @@
             <p:ph type="title"/>
           </p:nvPr>
         </p:nvSpPr>
-        <p:spPr/>
-        <p:txBody>
-          <a:bodyPr/>
+        <p:spPr>
+          <a:xfrm>
+            <a:off x="7056808" y="673240"/>
+            <a:ext cx="4510994" cy="3446373"/>
+          </a:xfrm>
+          <a:noFill/>
+          <a:ln w="19050">
+            <a:noFill/>
+            <a:prstDash val="dash"/>
+          </a:ln>
+        </p:spPr>
+        <p:txBody>
+          <a:bodyPr vert="horz" lIns="91440" tIns="45720" rIns="91440" bIns="45720" rtlCol="0" anchor="b">
+            <a:normAutofit/>
+          </a:bodyPr>
           <a:lstStyle/>
           <a:p>
             <a:r>
-              <a:rPr lang="en-US" dirty="0"/>
+              <a:rPr lang="en-US" sz="4100"/>
               <a:t>Law of figure/ground</a:t>
             </a:r>
           </a:p>
         </p:txBody>
       </p:sp>
-      <p:sp>
-        <p:nvSpPr>
-          <p:cNvPr id="3" name="Content Placeholder 2">
+      <p:sp useBgFill="1">
+        <p:nvSpPr>
+          <p:cNvPr id="75" name="Rectangle 74">
             <a:extLst>
               <a:ext uri="{FF2B5EF4-FFF2-40B4-BE49-F238E27FC236}">
-                <a16:creationId xmlns:a16="http://schemas.microsoft.com/office/drawing/2014/main" id="{F973BB82-D880-4720-A583-210CAF3FDA46}"/>
+                <a16:creationId xmlns:a16="http://schemas.microsoft.com/office/drawing/2014/main" id="{A6621E27-B4D3-4EEA-8F4D-BB759FD2479C}"/>
+              </a:ext>
+              <a:ext uri="{C183D7F6-B498-43B3-948B-1728B52AA6E4}">
+                <adec:decorative xmlns:adec="http://schemas.microsoft.com/office/drawing/2017/decorative" val="1"/>
               </a:ext>
             </a:extLst>
           </p:cNvPr>
           <p:cNvSpPr>
-            <a:spLocks noGrp="1"/>
-          </p:cNvSpPr>
-          <p:nvPr>
-            <p:ph idx="1"/>
-          </p:nvPr>
-        </p:nvSpPr>
-        <p:spPr/>
-        <p:txBody>
-          <a:bodyPr/>
+            <a:spLocks noGrp="1" noRot="1" noChangeAspect="1" noMove="1" noResize="1" noEditPoints="1" noAdjustHandles="1" noChangeArrowheads="1" noChangeShapeType="1" noTextEdit="1"/>
+          </p:cNvSpPr>
+          <p:nvPr>
+            <p:extLst>
+              <p:ext uri="{386F3935-93C4-4BCD-93E2-E3B085C9AB24}">
+                <p16:designElem xmlns:p16="http://schemas.microsoft.com/office/powerpoint/2015/main" val="1"/>
+              </p:ext>
+            </p:extLst>
+          </p:nvPr>
+        </p:nvSpPr>
+        <p:spPr>
+          <a:xfrm>
+            <a:off x="6485641" y="-1"/>
+            <a:ext cx="5706359" cy="643465"/>
+          </a:xfrm>
+          <a:prstGeom prst="rect">
+            <a:avLst/>
+          </a:prstGeom>
+          <a:ln>
+            <a:noFill/>
+          </a:ln>
+        </p:spPr>
+        <p:style>
+          <a:lnRef idx="2">
+            <a:schemeClr val="accent1">
+              <a:shade val="50000"/>
+            </a:schemeClr>
+          </a:lnRef>
+          <a:fillRef idx="1">
+            <a:schemeClr val="accent1"/>
+          </a:fillRef>
+          <a:effectRef idx="0">
+            <a:schemeClr val="accent1"/>
+          </a:effectRef>
+          <a:fontRef idx="minor">
+            <a:schemeClr val="lt1"/>
+          </a:fontRef>
+        </p:style>
+        <p:txBody>
+          <a:bodyPr rtlCol="0" anchor="ctr"/>
           <a:lstStyle/>
           <a:p>
+            <a:pPr algn="ctr"/>
             <a:endParaRPr lang="en-US"/>
           </a:p>
         </p:txBody>
       </p:sp>
+      <p:sp useBgFill="1">
+        <p:nvSpPr>
+          <p:cNvPr id="77" name="Rectangle 76">
+            <a:extLst>
+              <a:ext uri="{FF2B5EF4-FFF2-40B4-BE49-F238E27FC236}">
+                <a16:creationId xmlns:a16="http://schemas.microsoft.com/office/drawing/2014/main" id="{9DCD9119-A5D2-4D09-BCB2-70ABD368DB30}"/>
+              </a:ext>
+              <a:ext uri="{C183D7F6-B498-43B3-948B-1728B52AA6E4}">
+                <adec:decorative xmlns:adec="http://schemas.microsoft.com/office/drawing/2017/decorative" val="1"/>
+              </a:ext>
+            </a:extLst>
+          </p:cNvPr>
+          <p:cNvSpPr>
+            <a:spLocks noGrp="1" noRot="1" noChangeAspect="1" noMove="1" noResize="1" noEditPoints="1" noAdjustHandles="1" noChangeArrowheads="1" noChangeShapeType="1" noTextEdit="1"/>
+          </p:cNvSpPr>
+          <p:nvPr>
+            <p:extLst>
+              <p:ext uri="{386F3935-93C4-4BCD-93E2-E3B085C9AB24}">
+                <p16:designElem xmlns:p16="http://schemas.microsoft.com/office/powerpoint/2015/main" val="1"/>
+              </p:ext>
+            </p:extLst>
+          </p:nvPr>
+        </p:nvSpPr>
+        <p:spPr>
+          <a:xfrm>
+            <a:off x="-1" y="0"/>
+            <a:ext cx="6746233" cy="6858000"/>
+          </a:xfrm>
+          <a:prstGeom prst="rect">
+            <a:avLst/>
+          </a:prstGeom>
+          <a:ln>
+            <a:noFill/>
+          </a:ln>
+        </p:spPr>
+        <p:style>
+          <a:lnRef idx="2">
+            <a:schemeClr val="accent1">
+              <a:shade val="50000"/>
+            </a:schemeClr>
+          </a:lnRef>
+          <a:fillRef idx="1">
+            <a:schemeClr val="accent1"/>
+          </a:fillRef>
+          <a:effectRef idx="0">
+            <a:schemeClr val="accent1"/>
+          </a:effectRef>
+          <a:fontRef idx="minor">
+            <a:schemeClr val="lt1"/>
+          </a:fontRef>
+        </p:style>
+        <p:txBody>
+          <a:bodyPr rtlCol="0" anchor="ctr"/>
+          <a:lstStyle/>
+          <a:p>
+            <a:pPr algn="ctr"/>
+            <a:endParaRPr lang="en-US"/>
+          </a:p>
+        </p:txBody>
+      </p:sp>
+      <p:pic>
+        <p:nvPicPr>
+          <p:cNvPr id="1026" name="Picture 2" descr="Do you see the face or the vase in this image? - BrandStory">
+            <a:extLst>
+              <a:ext uri="{FF2B5EF4-FFF2-40B4-BE49-F238E27FC236}">
+                <a16:creationId xmlns:a16="http://schemas.microsoft.com/office/drawing/2014/main" id="{7D9321D3-8F74-4005-84D8-C142474D8AF6}"/>
+              </a:ext>
+            </a:extLst>
+          </p:cNvPr>
+          <p:cNvPicPr>
+            <a:picLocks noChangeAspect="1" noChangeArrowheads="1"/>
+          </p:cNvPicPr>
+          <p:nvPr/>
+        </p:nvPicPr>
+        <p:blipFill>
+          <a:blip r:embed="rId4">
+            <a:extLst>
+              <a:ext uri="{28A0092B-C50C-407E-A947-70E740481C1C}">
+                <a14:useLocalDpi xmlns:a14="http://schemas.microsoft.com/office/drawing/2010/main" val="0"/>
+              </a:ext>
+            </a:extLst>
+          </a:blip>
+          <a:stretch>
+            <a:fillRect/>
+          </a:stretch>
+        </p:blipFill>
+        <p:spPr bwMode="auto">
+          <a:xfrm>
+            <a:off x="643468" y="834549"/>
+            <a:ext cx="5475672" cy="5184776"/>
+          </a:xfrm>
+          <a:prstGeom prst="rect">
+            <a:avLst/>
+          </a:prstGeom>
+          <a:noFill/>
+          <a:extLst>
+            <a:ext uri="{909E8E84-426E-40DD-AFC4-6F175D3DCCD1}">
+              <a14:hiddenFill xmlns:a14="http://schemas.microsoft.com/office/drawing/2010/main">
+                <a:solidFill>
+                  <a:srgbClr val="FFFFFF"/>
+                </a:solidFill>
+              </a14:hiddenFill>
+            </a:ext>
+          </a:extLst>
+        </p:spPr>
+      </p:pic>
     </p:spTree>
     <p:extLst>
       <p:ext uri="{BB962C8B-B14F-4D97-AF65-F5344CB8AC3E}">
@@ -7956,94 +8427,6 @@
 </file>
 
 <file path=ppt/slides/slide4.xml><?xml version="1.0" encoding="utf-8"?>
-<p:sld xmlns:a="http://schemas.openxmlformats.org/drawingml/2006/main" xmlns:r="http://schemas.openxmlformats.org/officeDocument/2006/relationships" xmlns:p="http://schemas.openxmlformats.org/presentationml/2006/main">
-  <p:cSld>
-    <p:spTree>
-      <p:nvGrpSpPr>
-        <p:cNvPr id="1" name=""/>
-        <p:cNvGrpSpPr/>
-        <p:nvPr/>
-      </p:nvGrpSpPr>
-      <p:grpSpPr>
-        <a:xfrm>
-          <a:off x="0" y="0"/>
-          <a:ext cx="0" cy="0"/>
-          <a:chOff x="0" y="0"/>
-          <a:chExt cx="0" cy="0"/>
-        </a:xfrm>
-      </p:grpSpPr>
-      <p:sp>
-        <p:nvSpPr>
-          <p:cNvPr id="2" name="Title 1">
-            <a:extLst>
-              <a:ext uri="{FF2B5EF4-FFF2-40B4-BE49-F238E27FC236}">
-                <a16:creationId xmlns:a16="http://schemas.microsoft.com/office/drawing/2014/main" id="{2FBD7DB3-C9B6-4E79-B24D-A2C1AD5B9C1C}"/>
-              </a:ext>
-            </a:extLst>
-          </p:cNvPr>
-          <p:cNvSpPr>
-            <a:spLocks noGrp="1"/>
-          </p:cNvSpPr>
-          <p:nvPr>
-            <p:ph type="title"/>
-          </p:nvPr>
-        </p:nvSpPr>
-        <p:spPr/>
-        <p:txBody>
-          <a:bodyPr/>
-          <a:lstStyle/>
-          <a:p>
-            <a:r>
-              <a:rPr lang="en-US"/>
-              <a:t>Law of Proximity</a:t>
-            </a:r>
-            <a:endParaRPr lang="en-US" dirty="0"/>
-          </a:p>
-        </p:txBody>
-      </p:sp>
-      <p:pic>
-        <p:nvPicPr>
-          <p:cNvPr id="5" name="Content Placeholder 4">
-            <a:extLst>
-              <a:ext uri="{FF2B5EF4-FFF2-40B4-BE49-F238E27FC236}">
-                <a16:creationId xmlns:a16="http://schemas.microsoft.com/office/drawing/2014/main" id="{899D6A67-41B4-47C7-BC30-910E51850616}"/>
-              </a:ext>
-            </a:extLst>
-          </p:cNvPr>
-          <p:cNvPicPr>
-            <a:picLocks noGrp="1" noChangeAspect="1"/>
-          </p:cNvPicPr>
-          <p:nvPr>
-            <p:ph idx="1"/>
-          </p:nvPr>
-        </p:nvPicPr>
-        <p:blipFill>
-          <a:blip r:embed="rId2"/>
-          <a:stretch>
-            <a:fillRect/>
-          </a:stretch>
-        </p:blipFill>
-        <p:spPr>
-          <a:xfrm>
-            <a:off x="3686051" y="3126526"/>
-            <a:ext cx="4819898" cy="2159111"/>
-          </a:xfrm>
-        </p:spPr>
-      </p:pic>
-    </p:spTree>
-    <p:extLst>
-      <p:ext uri="{BB962C8B-B14F-4D97-AF65-F5344CB8AC3E}">
-        <p14:creationId xmlns:p14="http://schemas.microsoft.com/office/powerpoint/2010/main" val="2571113191"/>
-      </p:ext>
-    </p:extLst>
-  </p:cSld>
-  <p:clrMapOvr>
-    <a:masterClrMapping/>
-  </p:clrMapOvr>
-</p:sld>
-</file>
-
-<file path=ppt/slides/slide5.xml><?xml version="1.0" encoding="utf-8"?>
 <p:sld xmlns:a="http://schemas.openxmlformats.org/drawingml/2006/main" xmlns:r="http://schemas.openxmlformats.org/officeDocument/2006/relationships" xmlns:p="http://schemas.openxmlformats.org/presentationml/2006/main">
   <p:cSld>
     <p:bg>
@@ -8070,10 +8453,10 @@
       </p:grpSpPr>
       <p:pic>
         <p:nvPicPr>
-          <p:cNvPr id="9" name="Picture 8">
+          <p:cNvPr id="82" name="Picture 81">
             <a:extLst>
               <a:ext uri="{FF2B5EF4-FFF2-40B4-BE49-F238E27FC236}">
-                <a16:creationId xmlns:a16="http://schemas.microsoft.com/office/drawing/2014/main" id="{BDFADFB3-3D44-49A8-AE3B-A87C61607F7E}"/>
+                <a16:creationId xmlns:a16="http://schemas.microsoft.com/office/drawing/2014/main" id="{CFD580F5-E7BF-4C1D-BEFD-4A4601EBA876}"/>
               </a:ext>
               <a:ext uri="{C183D7F6-B498-43B3-948B-1728B52AA6E4}">
                 <adec:decorative xmlns:adec="http://schemas.microsoft.com/office/drawing/2017/decorative" val="1"/>
@@ -8115,10 +8498,10 @@
       </p:pic>
       <p:pic>
         <p:nvPicPr>
-          <p:cNvPr id="11" name="Picture 10">
+          <p:cNvPr id="84" name="Picture 83">
             <a:extLst>
               <a:ext uri="{FF2B5EF4-FFF2-40B4-BE49-F238E27FC236}">
-                <a16:creationId xmlns:a16="http://schemas.microsoft.com/office/drawing/2014/main" id="{BB912AE0-CAD9-4F8F-A2A2-BDF07D4EDD22}"/>
+                <a16:creationId xmlns:a16="http://schemas.microsoft.com/office/drawing/2014/main" id="{F0F06750-78FE-4472-8DA5-14CF3336F811}"/>
               </a:ext>
               <a:ext uri="{C183D7F6-B498-43B3-948B-1728B52AA6E4}">
                 <adec:decorative xmlns:adec="http://schemas.microsoft.com/office/drawing/2017/decorative" val="1"/>
@@ -8160,10 +8543,10 @@
       </p:pic>
       <p:sp>
         <p:nvSpPr>
-          <p:cNvPr id="13" name="Rectangle 12">
+          <p:cNvPr id="86" name="Rectangle 85">
             <a:extLst>
               <a:ext uri="{FF2B5EF4-FFF2-40B4-BE49-F238E27FC236}">
-                <a16:creationId xmlns:a16="http://schemas.microsoft.com/office/drawing/2014/main" id="{674220BB-5395-4F54-8045-343633A1BC8A}"/>
+                <a16:creationId xmlns:a16="http://schemas.microsoft.com/office/drawing/2014/main" id="{077D6507-8E8D-40E1-A7B9-63012EF9492F}"/>
               </a:ext>
               <a:ext uri="{C183D7F6-B498-43B3-948B-1728B52AA6E4}">
                 <adec:decorative xmlns:adec="http://schemas.microsoft.com/office/drawing/2017/decorative" val="1"/>
@@ -8183,14 +8566,14 @@
         </p:nvSpPr>
         <p:spPr>
           <a:xfrm>
-            <a:off x="7946782" y="-1"/>
-            <a:ext cx="4245218" cy="6858001"/>
+            <a:off x="0" y="0"/>
+            <a:ext cx="12192000" cy="6858000"/>
           </a:xfrm>
           <a:prstGeom prst="rect">
             <a:avLst/>
           </a:prstGeom>
           <a:solidFill>
-            <a:schemeClr val="tx1"/>
+            <a:schemeClr val="bg1"/>
           </a:solidFill>
           <a:ln>
             <a:noFill/>
@@ -8221,232 +8604,12 @@
           </a:p>
         </p:txBody>
       </p:sp>
-      <p:sp>
-        <p:nvSpPr>
-          <p:cNvPr id="2" name="Title 1">
-            <a:extLst>
-              <a:ext uri="{FF2B5EF4-FFF2-40B4-BE49-F238E27FC236}">
-                <a16:creationId xmlns:a16="http://schemas.microsoft.com/office/drawing/2014/main" id="{2FBD7DB3-C9B6-4E79-B24D-A2C1AD5B9C1C}"/>
-              </a:ext>
-            </a:extLst>
-          </p:cNvPr>
-          <p:cNvSpPr>
-            <a:spLocks noGrp="1"/>
-          </p:cNvSpPr>
-          <p:nvPr>
-            <p:ph type="title"/>
-          </p:nvPr>
-        </p:nvSpPr>
-        <p:spPr>
-          <a:xfrm>
-            <a:off x="8266820" y="673240"/>
-            <a:ext cx="3300981" cy="3446373"/>
-          </a:xfrm>
-          <a:noFill/>
-          <a:ln w="19050">
-            <a:noFill/>
-            <a:prstDash val="dash"/>
-          </a:ln>
-        </p:spPr>
-        <p:txBody>
-          <a:bodyPr vert="horz" lIns="91440" tIns="45720" rIns="91440" bIns="45720" rtlCol="0" anchor="b">
-            <a:normAutofit/>
-          </a:bodyPr>
-          <a:lstStyle/>
-          <a:p>
-            <a:pPr algn="l"/>
-            <a:r>
-              <a:rPr lang="en-US" sz="4800">
-                <a:solidFill>
-                  <a:schemeClr val="bg1"/>
-                </a:solidFill>
-              </a:rPr>
-              <a:t>Law of Proximity</a:t>
-            </a:r>
-          </a:p>
-        </p:txBody>
-      </p:sp>
-      <p:pic>
-        <p:nvPicPr>
-          <p:cNvPr id="15" name="Picture 14">
-            <a:extLst>
-              <a:ext uri="{FF2B5EF4-FFF2-40B4-BE49-F238E27FC236}">
-                <a16:creationId xmlns:a16="http://schemas.microsoft.com/office/drawing/2014/main" id="{9D892AF3-0287-4CB0-AD2F-775B64C6FDA5}"/>
-              </a:ext>
-              <a:ext uri="{C183D7F6-B498-43B3-948B-1728B52AA6E4}">
-                <adec:decorative xmlns:adec="http://schemas.microsoft.com/office/drawing/2017/decorative" val="1"/>
-              </a:ext>
-            </a:extLst>
-          </p:cNvPr>
-          <p:cNvPicPr>
-            <a:picLocks noGrp="1" noRot="1" noChangeAspect="1" noMove="1" noResize="1" noEditPoints="1" noAdjustHandles="1" noChangeArrowheads="1" noChangeShapeType="1" noCrop="1"/>
-          </p:cNvPicPr>
-          <p:nvPr>
-            <p:extLst>
-              <p:ext uri="{386F3935-93C4-4BCD-93E2-E3B085C9AB24}">
-                <p16:designElem xmlns:p16="http://schemas.microsoft.com/office/powerpoint/2015/main" val="1"/>
-              </p:ext>
-            </p:extLst>
-          </p:nvPr>
-        </p:nvPicPr>
-        <p:blipFill>
-          <a:blip r:embed="rId3">
-            <a:extLst>
-              <a:ext uri="{28A0092B-C50C-407E-A947-70E740481C1C}">
-                <a14:useLocalDpi xmlns:a14="http://schemas.microsoft.com/office/drawing/2010/main" val="0"/>
-              </a:ext>
-            </a:extLst>
-          </a:blip>
-          <a:stretch>
-            <a:fillRect/>
-          </a:stretch>
-        </p:blipFill>
-        <p:spPr>
-          <a:xfrm>
-            <a:off x="0" y="4375150"/>
-            <a:ext cx="12192000" cy="2482850"/>
-          </a:xfrm>
-          <a:prstGeom prst="rect">
-            <a:avLst/>
-          </a:prstGeom>
-        </p:spPr>
-      </p:pic>
-      <p:sp>
-        <p:nvSpPr>
-          <p:cNvPr id="17" name="Rectangle 16">
-            <a:extLst>
-              <a:ext uri="{FF2B5EF4-FFF2-40B4-BE49-F238E27FC236}">
-                <a16:creationId xmlns:a16="http://schemas.microsoft.com/office/drawing/2014/main" id="{D477AA7E-6F59-438B-AE81-F002D625899E}"/>
-              </a:ext>
-              <a:ext uri="{C183D7F6-B498-43B3-948B-1728B52AA6E4}">
-                <adec:decorative xmlns:adec="http://schemas.microsoft.com/office/drawing/2017/decorative" val="1"/>
-              </a:ext>
-            </a:extLst>
-          </p:cNvPr>
-          <p:cNvSpPr>
-            <a:spLocks noGrp="1" noRot="1" noChangeAspect="1" noMove="1" noResize="1" noEditPoints="1" noAdjustHandles="1" noChangeArrowheads="1" noChangeShapeType="1" noTextEdit="1"/>
-          </p:cNvSpPr>
-          <p:nvPr>
-            <p:extLst>
-              <p:ext uri="{386F3935-93C4-4BCD-93E2-E3B085C9AB24}">
-                <p16:designElem xmlns:p16="http://schemas.microsoft.com/office/powerpoint/2015/main" val="1"/>
-              </p:ext>
-            </p:extLst>
-          </p:nvPr>
-        </p:nvSpPr>
-        <p:spPr>
-          <a:xfrm>
-            <a:off x="-1" y="0"/>
-            <a:ext cx="7946781" cy="6858000"/>
-          </a:xfrm>
-          <a:prstGeom prst="rect">
-            <a:avLst/>
-          </a:prstGeom>
-          <a:solidFill>
-            <a:schemeClr val="tx1"/>
-          </a:solidFill>
-          <a:ln>
-            <a:noFill/>
-          </a:ln>
-        </p:spPr>
-        <p:style>
-          <a:lnRef idx="2">
-            <a:schemeClr val="accent1">
-              <a:shade val="50000"/>
-            </a:schemeClr>
-          </a:lnRef>
-          <a:fillRef idx="1">
-            <a:schemeClr val="accent1"/>
-          </a:fillRef>
-          <a:effectRef idx="0">
-            <a:schemeClr val="accent1"/>
-          </a:effectRef>
-          <a:fontRef idx="minor">
-            <a:schemeClr val="lt1"/>
-          </a:fontRef>
-        </p:style>
-        <p:txBody>
-          <a:bodyPr rtlCol="0" anchor="ctr"/>
-          <a:lstStyle/>
-          <a:p>
-            <a:pPr algn="ctr"/>
-            <a:endParaRPr lang="en-US"/>
-          </a:p>
-        </p:txBody>
-      </p:sp>
-      <p:sp useBgFill="1">
-        <p:nvSpPr>
-          <p:cNvPr id="19" name="Rounded Rectangle 11">
-            <a:extLst>
-              <a:ext uri="{FF2B5EF4-FFF2-40B4-BE49-F238E27FC236}">
-                <a16:creationId xmlns:a16="http://schemas.microsoft.com/office/drawing/2014/main" id="{C84439A1-773C-4E21-A179-0417A18640E9}"/>
-              </a:ext>
-              <a:ext uri="{C183D7F6-B498-43B3-948B-1728B52AA6E4}">
-                <adec:decorative xmlns:adec="http://schemas.microsoft.com/office/drawing/2017/decorative" val="1"/>
-              </a:ext>
-            </a:extLst>
-          </p:cNvPr>
-          <p:cNvSpPr>
-            <a:spLocks noGrp="1" noRot="1" noChangeAspect="1" noMove="1" noResize="1" noEditPoints="1" noAdjustHandles="1" noChangeArrowheads="1" noChangeShapeType="1" noTextEdit="1"/>
-          </p:cNvSpPr>
-          <p:nvPr>
-            <p:extLst>
-              <p:ext uri="{386F3935-93C4-4BCD-93E2-E3B085C9AB24}">
-                <p16:designElem xmlns:p16="http://schemas.microsoft.com/office/powerpoint/2015/main" val="1"/>
-              </p:ext>
-            </p:extLst>
-          </p:nvPr>
-        </p:nvSpPr>
-        <p:spPr>
-          <a:xfrm>
-            <a:off x="643338" y="643464"/>
-            <a:ext cx="6638814" cy="5571072"/>
-          </a:xfrm>
-          <a:prstGeom prst="roundRect">
-            <a:avLst>
-              <a:gd name="adj" fmla="val 2403"/>
-            </a:avLst>
-          </a:prstGeom>
-          <a:ln>
-            <a:noFill/>
-          </a:ln>
-          <a:effectLst>
-            <a:innerShdw blurRad="114300">
-              <a:prstClr val="black"/>
-            </a:innerShdw>
-          </a:effectLst>
-        </p:spPr>
-        <p:style>
-          <a:lnRef idx="2">
-            <a:schemeClr val="accent1">
-              <a:shade val="50000"/>
-            </a:schemeClr>
-          </a:lnRef>
-          <a:fillRef idx="1">
-            <a:schemeClr val="accent1"/>
-          </a:fillRef>
-          <a:effectRef idx="0">
-            <a:schemeClr val="accent1"/>
-          </a:effectRef>
-          <a:fontRef idx="minor">
-            <a:schemeClr val="lt1"/>
-          </a:fontRef>
-        </p:style>
-        <p:txBody>
-          <a:bodyPr rtlCol="0" anchor="ctr"/>
-          <a:lstStyle/>
-          <a:p>
-            <a:pPr algn="ctr"/>
-            <a:endParaRPr lang="en-US"/>
-          </a:p>
-        </p:txBody>
-      </p:sp>
       <p:pic>
         <p:nvPicPr>
           <p:cNvPr id="4" name="Picture 3">
             <a:extLst>
               <a:ext uri="{FF2B5EF4-FFF2-40B4-BE49-F238E27FC236}">
-                <a16:creationId xmlns:a16="http://schemas.microsoft.com/office/drawing/2014/main" id="{36739A90-4ED2-4C0F-B6AA-4D9E3AA0F2EF}"/>
+                <a16:creationId xmlns:a16="http://schemas.microsoft.com/office/drawing/2014/main" id="{39605C03-A8D7-4725-B07B-079A4B9A3E79}"/>
               </a:ext>
             </a:extLst>
           </p:cNvPr>
@@ -8455,31 +8618,528 @@
           </p:cNvPicPr>
           <p:nvPr/>
         </p:nvPicPr>
+        <p:blipFill rotWithShape="1">
+          <a:blip r:embed="rId4">
+            <a:alphaModFix amt="40000"/>
+          </a:blip>
+          <a:srcRect t="5883" r="9091" b="6704"/>
+          <a:stretch/>
+        </p:blipFill>
+        <p:spPr>
+          <a:xfrm>
+            <a:off x="20" y="10"/>
+            <a:ext cx="12191980" cy="6857990"/>
+          </a:xfrm>
+          <a:prstGeom prst="rect">
+            <a:avLst/>
+          </a:prstGeom>
+        </p:spPr>
+      </p:pic>
+      <p:pic>
+        <p:nvPicPr>
+          <p:cNvPr id="88" name="Picture 87">
+            <a:extLst>
+              <a:ext uri="{FF2B5EF4-FFF2-40B4-BE49-F238E27FC236}">
+                <a16:creationId xmlns:a16="http://schemas.microsoft.com/office/drawing/2014/main" id="{23FF3D86-2916-4F9F-9752-304810CF59AE}"/>
+              </a:ext>
+              <a:ext uri="{C183D7F6-B498-43B3-948B-1728B52AA6E4}">
+                <adec:decorative xmlns:adec="http://schemas.microsoft.com/office/drawing/2017/decorative" val="1"/>
+              </a:ext>
+            </a:extLst>
+          </p:cNvPr>
+          <p:cNvPicPr>
+            <a:picLocks noGrp="1" noRot="1" noChangeAspect="1" noMove="1" noResize="1" noEditPoints="1" noAdjustHandles="1" noChangeArrowheads="1" noChangeShapeType="1" noCrop="1"/>
+          </p:cNvPicPr>
+          <p:nvPr>
+            <p:extLst>
+              <p:ext uri="{386F3935-93C4-4BCD-93E2-E3B085C9AB24}">
+                <p16:designElem xmlns:p16="http://schemas.microsoft.com/office/powerpoint/2015/main" val="1"/>
+              </p:ext>
+            </p:extLst>
+          </p:nvPr>
+        </p:nvPicPr>
         <p:blipFill>
-          <a:blip r:embed="rId4"/>
+          <a:blip r:embed="rId2">
+            <a:extLst>
+              <a:ext uri="{28A0092B-C50C-407E-A947-70E740481C1C}">
+                <a14:useLocalDpi xmlns:a14="http://schemas.microsoft.com/office/drawing/2010/main" val="0"/>
+              </a:ext>
+            </a:extLst>
+          </a:blip>
           <a:stretch>
             <a:fillRect/>
           </a:stretch>
         </p:blipFill>
         <p:spPr>
           <a:xfrm>
-            <a:off x="2158049" y="1286928"/>
-            <a:ext cx="3609391" cy="4284145"/>
+            <a:off x="0" y="0"/>
+            <a:ext cx="12192000" cy="1441450"/>
           </a:xfrm>
           <a:prstGeom prst="rect">
             <a:avLst/>
           </a:prstGeom>
+        </p:spPr>
+      </p:pic>
+      <p:pic>
+        <p:nvPicPr>
+          <p:cNvPr id="90" name="Picture 89">
+            <a:extLst>
+              <a:ext uri="{FF2B5EF4-FFF2-40B4-BE49-F238E27FC236}">
+                <a16:creationId xmlns:a16="http://schemas.microsoft.com/office/drawing/2014/main" id="{AB048875-14D1-4CC7-8AC3-7ABC73AAAF14}"/>
+              </a:ext>
+              <a:ext uri="{C183D7F6-B498-43B3-948B-1728B52AA6E4}">
+                <adec:decorative xmlns:adec="http://schemas.microsoft.com/office/drawing/2017/decorative" val="1"/>
+              </a:ext>
+            </a:extLst>
+          </p:cNvPr>
+          <p:cNvPicPr>
+            <a:picLocks noGrp="1" noRot="1" noChangeAspect="1" noMove="1" noResize="1" noEditPoints="1" noAdjustHandles="1" noChangeArrowheads="1" noChangeShapeType="1" noCrop="1"/>
+          </p:cNvPicPr>
+          <p:nvPr>
+            <p:extLst>
+              <p:ext uri="{386F3935-93C4-4BCD-93E2-E3B085C9AB24}">
+                <p16:designElem xmlns:p16="http://schemas.microsoft.com/office/powerpoint/2015/main" val="1"/>
+              </p:ext>
+            </p:extLst>
+          </p:nvPr>
+        </p:nvPicPr>
+        <p:blipFill>
+          <a:blip r:embed="rId3">
+            <a:extLst>
+              <a:ext uri="{28A0092B-C50C-407E-A947-70E740481C1C}">
+                <a14:useLocalDpi xmlns:a14="http://schemas.microsoft.com/office/drawing/2010/main" val="0"/>
+              </a:ext>
+            </a:extLst>
+          </a:blip>
+          <a:stretch>
+            <a:fillRect/>
+          </a:stretch>
+        </p:blipFill>
+        <p:spPr>
+          <a:xfrm>
+            <a:off x="0" y="4375150"/>
+            <a:ext cx="12192000" cy="2482850"/>
+          </a:xfrm>
+          <a:prstGeom prst="rect">
+            <a:avLst/>
+          </a:prstGeom>
+        </p:spPr>
+      </p:pic>
+      <p:sp>
+        <p:nvSpPr>
+          <p:cNvPr id="2" name="Title 1">
+            <a:extLst>
+              <a:ext uri="{FF2B5EF4-FFF2-40B4-BE49-F238E27FC236}">
+                <a16:creationId xmlns:a16="http://schemas.microsoft.com/office/drawing/2014/main" id="{953FF938-E3B9-4465-9248-2EFB14A77AF7}"/>
+              </a:ext>
+            </a:extLst>
+          </p:cNvPr>
+          <p:cNvSpPr>
+            <a:spLocks noGrp="1"/>
+          </p:cNvSpPr>
+          <p:nvPr>
+            <p:ph type="title"/>
+          </p:nvPr>
+        </p:nvSpPr>
+        <p:spPr>
+          <a:xfrm>
+            <a:off x="1371600" y="3014139"/>
+            <a:ext cx="9448800" cy="1825096"/>
+          </a:xfrm>
+        </p:spPr>
+        <p:txBody>
+          <a:bodyPr vert="horz" lIns="91440" tIns="45720" rIns="91440" bIns="45720" rtlCol="0" anchor="b">
+            <a:normAutofit/>
+          </a:bodyPr>
+          <a:lstStyle/>
+          <a:p>
+            <a:pPr algn="l"/>
+            <a:r>
+              <a:rPr lang="en-US" sz="6000"/>
+              <a:t>Law of figure/ground</a:t>
+            </a:r>
+          </a:p>
+        </p:txBody>
+      </p:sp>
+    </p:spTree>
+    <p:extLst>
+      <p:ext uri="{BB962C8B-B14F-4D97-AF65-F5344CB8AC3E}">
+        <p14:creationId xmlns:p14="http://schemas.microsoft.com/office/powerpoint/2010/main" val="3653631190"/>
+      </p:ext>
+    </p:extLst>
+  </p:cSld>
+  <p:clrMapOvr>
+    <a:masterClrMapping/>
+  </p:clrMapOvr>
+  <p:timing>
+    <p:tnLst>
+      <p:par>
+        <p:cTn id="1" dur="indefinite" restart="never" nodeType="tmRoot">
+          <p:childTnLst>
+            <p:seq concurrent="1" nextAc="seek">
+              <p:cTn id="2" dur="indefinite" nodeType="mainSeq">
+                <p:childTnLst>
+                  <p:par>
+                    <p:cTn id="3" fill="hold">
+                      <p:stCondLst>
+                        <p:cond delay="indefinite"/>
+                        <p:cond evt="onBegin" delay="0">
+                          <p:tn val="2"/>
+                        </p:cond>
+                      </p:stCondLst>
+                      <p:childTnLst>
+                        <p:par>
+                          <p:cTn id="4" fill="hold">
+                            <p:stCondLst>
+                              <p:cond delay="0"/>
+                            </p:stCondLst>
+                            <p:childTnLst>
+                              <p:par>
+                                <p:cTn id="5" presetID="10" presetClass="entr" presetSubtype="0" fill="hold" grpId="0" nodeType="withEffect">
+                                  <p:stCondLst>
+                                    <p:cond delay="1000"/>
+                                  </p:stCondLst>
+                                  <p:iterate type="lt">
+                                    <p:tmPct val="10000"/>
+                                  </p:iterate>
+                                  <p:childTnLst>
+                                    <p:set>
+                                      <p:cBhvr>
+                                        <p:cTn id="6" dur="1" fill="hold">
+                                          <p:stCondLst>
+                                            <p:cond delay="0"/>
+                                          </p:stCondLst>
+                                        </p:cTn>
+                                        <p:tgtEl>
+                                          <p:spTgt spid="2"/>
+                                        </p:tgtEl>
+                                        <p:attrNameLst>
+                                          <p:attrName>style.visibility</p:attrName>
+                                        </p:attrNameLst>
+                                      </p:cBhvr>
+                                      <p:to>
+                                        <p:strVal val="visible"/>
+                                      </p:to>
+                                    </p:set>
+                                    <p:animEffect transition="in" filter="fade">
+                                      <p:cBhvr>
+                                        <p:cTn id="7" dur="400"/>
+                                        <p:tgtEl>
+                                          <p:spTgt spid="2"/>
+                                        </p:tgtEl>
+                                      </p:cBhvr>
+                                    </p:animEffect>
+                                  </p:childTnLst>
+                                </p:cTn>
+                              </p:par>
+                              <p:par>
+                                <p:cTn id="8" presetID="10" presetClass="entr" presetSubtype="0" fill="hold" nodeType="withEffect">
+                                  <p:stCondLst>
+                                    <p:cond delay="0"/>
+                                  </p:stCondLst>
+                                  <p:iterate>
+                                    <p:tmPct val="10000"/>
+                                  </p:iterate>
+                                  <p:childTnLst>
+                                    <p:set>
+                                      <p:cBhvr>
+                                        <p:cTn id="9" dur="1" fill="hold">
+                                          <p:stCondLst>
+                                            <p:cond delay="0"/>
+                                          </p:stCondLst>
+                                        </p:cTn>
+                                        <p:tgtEl>
+                                          <p:spTgt spid="90"/>
+                                        </p:tgtEl>
+                                        <p:attrNameLst>
+                                          <p:attrName>style.visibility</p:attrName>
+                                        </p:attrNameLst>
+                                      </p:cBhvr>
+                                      <p:to>
+                                        <p:strVal val="visible"/>
+                                      </p:to>
+                                    </p:set>
+                                    <p:animEffect transition="in" filter="fade">
+                                      <p:cBhvr>
+                                        <p:cTn id="10" dur="700"/>
+                                        <p:tgtEl>
+                                          <p:spTgt spid="90"/>
+                                        </p:tgtEl>
+                                      </p:cBhvr>
+                                    </p:animEffect>
+                                  </p:childTnLst>
+                                </p:cTn>
+                              </p:par>
+                              <p:par>
+                                <p:cTn id="11" presetID="10" presetClass="entr" presetSubtype="0" fill="hold" nodeType="withEffect">
+                                  <p:stCondLst>
+                                    <p:cond delay="0"/>
+                                  </p:stCondLst>
+                                  <p:iterate>
+                                    <p:tmPct val="10000"/>
+                                  </p:iterate>
+                                  <p:childTnLst>
+                                    <p:set>
+                                      <p:cBhvr>
+                                        <p:cTn id="12" dur="1" fill="hold">
+                                          <p:stCondLst>
+                                            <p:cond delay="0"/>
+                                          </p:stCondLst>
+                                        </p:cTn>
+                                        <p:tgtEl>
+                                          <p:spTgt spid="88"/>
+                                        </p:tgtEl>
+                                        <p:attrNameLst>
+                                          <p:attrName>style.visibility</p:attrName>
+                                        </p:attrNameLst>
+                                      </p:cBhvr>
+                                      <p:to>
+                                        <p:strVal val="visible"/>
+                                      </p:to>
+                                    </p:set>
+                                    <p:animEffect transition="in" filter="fade">
+                                      <p:cBhvr>
+                                        <p:cTn id="13" dur="700"/>
+                                        <p:tgtEl>
+                                          <p:spTgt spid="88"/>
+                                        </p:tgtEl>
+                                      </p:cBhvr>
+                                    </p:animEffect>
+                                  </p:childTnLst>
+                                </p:cTn>
+                              </p:par>
+                              <p:par>
+                                <p:cTn id="14" presetID="10" presetClass="entr" presetSubtype="0" fill="hold" nodeType="withEffect">
+                                  <p:stCondLst>
+                                    <p:cond delay="0"/>
+                                  </p:stCondLst>
+                                  <p:iterate>
+                                    <p:tmPct val="10000"/>
+                                  </p:iterate>
+                                  <p:childTnLst>
+                                    <p:set>
+                                      <p:cBhvr>
+                                        <p:cTn id="15" dur="1" fill="hold">
+                                          <p:stCondLst>
+                                            <p:cond delay="0"/>
+                                          </p:stCondLst>
+                                        </p:cTn>
+                                        <p:tgtEl>
+                                          <p:spTgt spid="4"/>
+                                        </p:tgtEl>
+                                        <p:attrNameLst>
+                                          <p:attrName>style.visibility</p:attrName>
+                                        </p:attrNameLst>
+                                      </p:cBhvr>
+                                      <p:to>
+                                        <p:strVal val="visible"/>
+                                      </p:to>
+                                    </p:set>
+                                    <p:animEffect transition="in" filter="fade">
+                                      <p:cBhvr>
+                                        <p:cTn id="16" dur="700"/>
+                                        <p:tgtEl>
+                                          <p:spTgt spid="4"/>
+                                        </p:tgtEl>
+                                      </p:cBhvr>
+                                    </p:animEffect>
+                                  </p:childTnLst>
+                                </p:cTn>
+                              </p:par>
+                              <p:par>
+                                <p:cTn id="17" presetID="10" presetClass="entr" presetSubtype="0" fill="hold" nodeType="withEffect">
+                                  <p:stCondLst>
+                                    <p:cond delay="0"/>
+                                  </p:stCondLst>
+                                  <p:iterate>
+                                    <p:tmPct val="10000"/>
+                                  </p:iterate>
+                                  <p:childTnLst>
+                                    <p:set>
+                                      <p:cBhvr>
+                                        <p:cTn id="18" dur="1" fill="hold">
+                                          <p:stCondLst>
+                                            <p:cond delay="0"/>
+                                          </p:stCondLst>
+                                        </p:cTn>
+                                        <p:tgtEl>
+                                          <p:spTgt spid="84"/>
+                                        </p:tgtEl>
+                                        <p:attrNameLst>
+                                          <p:attrName>style.visibility</p:attrName>
+                                        </p:attrNameLst>
+                                      </p:cBhvr>
+                                      <p:to>
+                                        <p:strVal val="visible"/>
+                                      </p:to>
+                                    </p:set>
+                                    <p:animEffect transition="in" filter="fade">
+                                      <p:cBhvr>
+                                        <p:cTn id="19" dur="700"/>
+                                        <p:tgtEl>
+                                          <p:spTgt spid="84"/>
+                                        </p:tgtEl>
+                                      </p:cBhvr>
+                                    </p:animEffect>
+                                  </p:childTnLst>
+                                </p:cTn>
+                              </p:par>
+                              <p:par>
+                                <p:cTn id="20" presetID="10" presetClass="entr" presetSubtype="0" fill="hold" nodeType="withEffect">
+                                  <p:stCondLst>
+                                    <p:cond delay="0"/>
+                                  </p:stCondLst>
+                                  <p:iterate>
+                                    <p:tmPct val="10000"/>
+                                  </p:iterate>
+                                  <p:childTnLst>
+                                    <p:set>
+                                      <p:cBhvr>
+                                        <p:cTn id="21" dur="1" fill="hold">
+                                          <p:stCondLst>
+                                            <p:cond delay="0"/>
+                                          </p:stCondLst>
+                                        </p:cTn>
+                                        <p:tgtEl>
+                                          <p:spTgt spid="82"/>
+                                        </p:tgtEl>
+                                        <p:attrNameLst>
+                                          <p:attrName>style.visibility</p:attrName>
+                                        </p:attrNameLst>
+                                      </p:cBhvr>
+                                      <p:to>
+                                        <p:strVal val="visible"/>
+                                      </p:to>
+                                    </p:set>
+                                    <p:animEffect transition="in" filter="fade">
+                                      <p:cBhvr>
+                                        <p:cTn id="22" dur="700"/>
+                                        <p:tgtEl>
+                                          <p:spTgt spid="82"/>
+                                        </p:tgtEl>
+                                      </p:cBhvr>
+                                    </p:animEffect>
+                                  </p:childTnLst>
+                                </p:cTn>
+                              </p:par>
+                            </p:childTnLst>
+                          </p:cTn>
+                        </p:par>
+                      </p:childTnLst>
+                    </p:cTn>
+                  </p:par>
+                </p:childTnLst>
+              </p:cTn>
+              <p:prevCondLst>
+                <p:cond evt="onPrev" delay="0">
+                  <p:tgtEl>
+                    <p:sldTgt/>
+                  </p:tgtEl>
+                </p:cond>
+              </p:prevCondLst>
+              <p:nextCondLst>
+                <p:cond evt="onNext" delay="0">
+                  <p:tgtEl>
+                    <p:sldTgt/>
+                  </p:tgtEl>
+                </p:cond>
+              </p:nextCondLst>
+            </p:seq>
+          </p:childTnLst>
+        </p:cTn>
+      </p:par>
+    </p:tnLst>
+    <p:bldLst>
+      <p:bldP spid="2" grpId="0"/>
+    </p:bldLst>
+  </p:timing>
+</p:sld>
+</file>
+
+<file path=ppt/slides/slide5.xml><?xml version="1.0" encoding="utf-8"?>
+<p:sld xmlns:a="http://schemas.openxmlformats.org/drawingml/2006/main" xmlns:r="http://schemas.openxmlformats.org/officeDocument/2006/relationships" xmlns:p="http://schemas.openxmlformats.org/presentationml/2006/main">
+  <p:cSld>
+    <p:spTree>
+      <p:nvGrpSpPr>
+        <p:cNvPr id="1" name=""/>
+        <p:cNvGrpSpPr/>
+        <p:nvPr/>
+      </p:nvGrpSpPr>
+      <p:grpSpPr>
+        <a:xfrm>
+          <a:off x="0" y="0"/>
+          <a:ext cx="0" cy="0"/>
+          <a:chOff x="0" y="0"/>
+          <a:chExt cx="0" cy="0"/>
+        </a:xfrm>
+      </p:grpSpPr>
+      <p:sp>
+        <p:nvSpPr>
+          <p:cNvPr id="2" name="Title 1">
+            <a:extLst>
+              <a:ext uri="{FF2B5EF4-FFF2-40B4-BE49-F238E27FC236}">
+                <a16:creationId xmlns:a16="http://schemas.microsoft.com/office/drawing/2014/main" id="{2FBD7DB3-C9B6-4E79-B24D-A2C1AD5B9C1C}"/>
+              </a:ext>
+            </a:extLst>
+          </p:cNvPr>
+          <p:cNvSpPr>
+            <a:spLocks noGrp="1"/>
+          </p:cNvSpPr>
+          <p:nvPr>
+            <p:ph type="title"/>
+          </p:nvPr>
+        </p:nvSpPr>
+        <p:spPr/>
+        <p:txBody>
+          <a:bodyPr/>
+          <a:lstStyle/>
+          <a:p>
+            <a:r>
+              <a:rPr lang="en-US"/>
+              <a:t>Law of Proximity</a:t>
+            </a:r>
+            <a:endParaRPr lang="en-US" dirty="0"/>
+          </a:p>
+        </p:txBody>
+      </p:sp>
+      <p:pic>
+        <p:nvPicPr>
+          <p:cNvPr id="5" name="Content Placeholder 4">
+            <a:extLst>
+              <a:ext uri="{FF2B5EF4-FFF2-40B4-BE49-F238E27FC236}">
+                <a16:creationId xmlns:a16="http://schemas.microsoft.com/office/drawing/2014/main" id="{899D6A67-41B4-47C7-BC30-910E51850616}"/>
+              </a:ext>
+            </a:extLst>
+          </p:cNvPr>
+          <p:cNvPicPr>
+            <a:picLocks noGrp="1" noChangeAspect="1"/>
+          </p:cNvPicPr>
+          <p:nvPr>
+            <p:ph idx="1"/>
+          </p:nvPr>
+        </p:nvPicPr>
+        <p:blipFill>
+          <a:blip r:embed="rId2"/>
+          <a:stretch>
+            <a:fillRect/>
+          </a:stretch>
+        </p:blipFill>
+        <p:spPr>
+          <a:xfrm>
+            <a:off x="3686051" y="3126526"/>
+            <a:ext cx="4819898" cy="2159111"/>
+          </a:xfrm>
         </p:spPr>
       </p:pic>
     </p:spTree>
     <p:extLst>
       <p:ext uri="{BB962C8B-B14F-4D97-AF65-F5344CB8AC3E}">
-        <p14:creationId xmlns:p14="http://schemas.microsoft.com/office/powerpoint/2010/main" val="3750622239"/>
+        <p14:creationId xmlns:p14="http://schemas.microsoft.com/office/powerpoint/2010/main" val="2571113191"/>
       </p:ext>
     </p:extLst>
   </p:cSld>
   <p:clrMapOvr>
-    <a:overrideClrMapping bg1="lt1" tx1="dk1" bg2="lt2" tx2="dk2" accent1="accent1" accent2="accent2" accent3="accent3" accent4="accent4" accent5="accent5" accent6="accent6" hlink="hlink" folHlink="folHlink"/>
+    <a:masterClrMapping/>
   </p:clrMapOvr>
 </p:sld>
 </file>
@@ -8912,40 +9572,10 @@
           </a:prstGeom>
         </p:spPr>
       </p:pic>
-      <p:pic>
-        <p:nvPicPr>
-          <p:cNvPr id="5" name="Picture 4">
-            <a:extLst>
-              <a:ext uri="{FF2B5EF4-FFF2-40B4-BE49-F238E27FC236}">
-                <a16:creationId xmlns:a16="http://schemas.microsoft.com/office/drawing/2014/main" id="{E27F5D69-C5FC-44B3-AF43-C5FAF28B2C56}"/>
-              </a:ext>
-            </a:extLst>
-          </p:cNvPr>
-          <p:cNvPicPr>
-            <a:picLocks noChangeAspect="1"/>
-          </p:cNvPicPr>
-          <p:nvPr/>
-        </p:nvPicPr>
-        <p:blipFill>
-          <a:blip r:embed="rId5"/>
-          <a:stretch>
-            <a:fillRect/>
-          </a:stretch>
-        </p:blipFill>
-        <p:spPr>
-          <a:xfrm>
-            <a:off x="2378337" y="1365143"/>
-            <a:ext cx="3168813" cy="4127712"/>
-          </a:xfrm>
-          <a:prstGeom prst="rect">
-            <a:avLst/>
-          </a:prstGeom>
-        </p:spPr>
-      </p:pic>
     </p:spTree>
     <p:extLst>
       <p:ext uri="{BB962C8B-B14F-4D97-AF65-F5344CB8AC3E}">
-        <p14:creationId xmlns:p14="http://schemas.microsoft.com/office/powerpoint/2010/main" val="3521958648"/>
+        <p14:creationId xmlns:p14="http://schemas.microsoft.com/office/powerpoint/2010/main" val="3750622239"/>
       </p:ext>
     </p:extLst>
   </p:cSld>
@@ -8982,7 +9612,7 @@
       </p:grpSpPr>
       <p:pic>
         <p:nvPicPr>
-          <p:cNvPr id="12" name="Picture 11">
+          <p:cNvPr id="9" name="Picture 8">
             <a:extLst>
               <a:ext uri="{FF2B5EF4-FFF2-40B4-BE49-F238E27FC236}">
                 <a16:creationId xmlns:a16="http://schemas.microsoft.com/office/drawing/2014/main" id="{BDFADFB3-3D44-49A8-AE3B-A87C61607F7E}"/>
@@ -9027,7 +9657,7 @@
       </p:pic>
       <p:pic>
         <p:nvPicPr>
-          <p:cNvPr id="14" name="Picture 13">
+          <p:cNvPr id="11" name="Picture 10">
             <a:extLst>
               <a:ext uri="{FF2B5EF4-FFF2-40B4-BE49-F238E27FC236}">
                 <a16:creationId xmlns:a16="http://schemas.microsoft.com/office/drawing/2014/main" id="{BB912AE0-CAD9-4F8F-A2A2-BDF07D4EDD22}"/>
@@ -9072,50 +9702,10 @@
       </p:pic>
       <p:sp>
         <p:nvSpPr>
-          <p:cNvPr id="2" name="Title 1">
+          <p:cNvPr id="13" name="Rectangle 12">
             <a:extLst>
               <a:ext uri="{FF2B5EF4-FFF2-40B4-BE49-F238E27FC236}">
-                <a16:creationId xmlns:a16="http://schemas.microsoft.com/office/drawing/2014/main" id="{181B882F-1B5D-436E-83A7-D8159ED081C2}"/>
-              </a:ext>
-            </a:extLst>
-          </p:cNvPr>
-          <p:cNvSpPr>
-            <a:spLocks noGrp="1"/>
-          </p:cNvSpPr>
-          <p:nvPr>
-            <p:ph type="title"/>
-          </p:nvPr>
-        </p:nvSpPr>
-        <p:spPr>
-          <a:xfrm>
-            <a:off x="7056808" y="673240"/>
-            <a:ext cx="4510994" cy="3446373"/>
-          </a:xfrm>
-          <a:noFill/>
-          <a:ln w="19050">
-            <a:noFill/>
-            <a:prstDash val="dash"/>
-          </a:ln>
-        </p:spPr>
-        <p:txBody>
-          <a:bodyPr vert="horz" lIns="91440" tIns="45720" rIns="91440" bIns="45720" rtlCol="0" anchor="b">
-            <a:normAutofit/>
-          </a:bodyPr>
-          <a:lstStyle/>
-          <a:p>
-            <a:r>
-              <a:rPr lang="en-US" sz="4800"/>
-              <a:t>Law of similarity</a:t>
-            </a:r>
-          </a:p>
-        </p:txBody>
-      </p:sp>
-      <p:sp useBgFill="1">
-        <p:nvSpPr>
-          <p:cNvPr id="16" name="Rectangle 15">
-            <a:extLst>
-              <a:ext uri="{FF2B5EF4-FFF2-40B4-BE49-F238E27FC236}">
-                <a16:creationId xmlns:a16="http://schemas.microsoft.com/office/drawing/2014/main" id="{A6621E27-B4D3-4EEA-8F4D-BB759FD2479C}"/>
+                <a16:creationId xmlns:a16="http://schemas.microsoft.com/office/drawing/2014/main" id="{674220BB-5395-4F54-8045-343633A1BC8A}"/>
               </a:ext>
               <a:ext uri="{C183D7F6-B498-43B3-948B-1728B52AA6E4}">
                 <adec:decorative xmlns:adec="http://schemas.microsoft.com/office/drawing/2017/decorative" val="1"/>
@@ -9135,12 +9725,15 @@
         </p:nvSpPr>
         <p:spPr>
           <a:xfrm>
-            <a:off x="6485641" y="-1"/>
-            <a:ext cx="5706359" cy="643465"/>
+            <a:off x="7946782" y="-1"/>
+            <a:ext cx="4245218" cy="6858001"/>
           </a:xfrm>
           <a:prstGeom prst="rect">
             <a:avLst/>
           </a:prstGeom>
+          <a:solidFill>
+            <a:schemeClr val="tx1"/>
+          </a:solidFill>
           <a:ln>
             <a:noFill/>
           </a:ln>
@@ -9170,21 +9763,66 @@
           </a:p>
         </p:txBody>
       </p:sp>
-      <p:sp useBgFill="1">
-        <p:nvSpPr>
-          <p:cNvPr id="18" name="Rectangle 17">
+      <p:sp>
+        <p:nvSpPr>
+          <p:cNvPr id="2" name="Title 1">
             <a:extLst>
               <a:ext uri="{FF2B5EF4-FFF2-40B4-BE49-F238E27FC236}">
-                <a16:creationId xmlns:a16="http://schemas.microsoft.com/office/drawing/2014/main" id="{9DCD9119-A5D2-4D09-BCB2-70ABD368DB30}"/>
+                <a16:creationId xmlns:a16="http://schemas.microsoft.com/office/drawing/2014/main" id="{2FBD7DB3-C9B6-4E79-B24D-A2C1AD5B9C1C}"/>
+              </a:ext>
+            </a:extLst>
+          </p:cNvPr>
+          <p:cNvSpPr>
+            <a:spLocks noGrp="1"/>
+          </p:cNvSpPr>
+          <p:nvPr>
+            <p:ph type="title"/>
+          </p:nvPr>
+        </p:nvSpPr>
+        <p:spPr>
+          <a:xfrm>
+            <a:off x="8266820" y="673240"/>
+            <a:ext cx="3300981" cy="3446373"/>
+          </a:xfrm>
+          <a:noFill/>
+          <a:ln w="19050">
+            <a:noFill/>
+            <a:prstDash val="dash"/>
+          </a:ln>
+        </p:spPr>
+        <p:txBody>
+          <a:bodyPr vert="horz" lIns="91440" tIns="45720" rIns="91440" bIns="45720" rtlCol="0" anchor="b">
+            <a:normAutofit/>
+          </a:bodyPr>
+          <a:lstStyle/>
+          <a:p>
+            <a:pPr algn="l"/>
+            <a:r>
+              <a:rPr lang="en-US" sz="4800">
+                <a:solidFill>
+                  <a:schemeClr val="bg1"/>
+                </a:solidFill>
+              </a:rPr>
+              <a:t>Law of Proximity</a:t>
+            </a:r>
+          </a:p>
+        </p:txBody>
+      </p:sp>
+      <p:pic>
+        <p:nvPicPr>
+          <p:cNvPr id="15" name="Picture 14">
+            <a:extLst>
+              <a:ext uri="{FF2B5EF4-FFF2-40B4-BE49-F238E27FC236}">
+                <a16:creationId xmlns:a16="http://schemas.microsoft.com/office/drawing/2014/main" id="{9D892AF3-0287-4CB0-AD2F-775B64C6FDA5}"/>
               </a:ext>
               <a:ext uri="{C183D7F6-B498-43B3-948B-1728B52AA6E4}">
                 <adec:decorative xmlns:adec="http://schemas.microsoft.com/office/drawing/2017/decorative" val="1"/>
               </a:ext>
             </a:extLst>
           </p:cNvPr>
-          <p:cNvSpPr>
-            <a:spLocks noGrp="1" noRot="1" noChangeAspect="1" noMove="1" noResize="1" noEditPoints="1" noAdjustHandles="1" noChangeArrowheads="1" noChangeShapeType="1" noTextEdit="1"/>
-          </p:cNvSpPr>
+          <p:cNvPicPr>
+            <a:picLocks noGrp="1" noRot="1" noChangeAspect="1" noMove="1" noResize="1" noEditPoints="1" noAdjustHandles="1" noChangeArrowheads="1" noChangeShapeType="1" noCrop="1"/>
+          </p:cNvPicPr>
           <p:nvPr>
             <p:extLst>
               <p:ext uri="{386F3935-93C4-4BCD-93E2-E3B085C9AB24}">
@@ -9192,15 +9830,63 @@
               </p:ext>
             </p:extLst>
           </p:nvPr>
-        </p:nvSpPr>
-        <p:spPr>
-          <a:xfrm>
-            <a:off x="-1" y="0"/>
-            <a:ext cx="6746233" cy="6858000"/>
+        </p:nvPicPr>
+        <p:blipFill>
+          <a:blip r:embed="rId3">
+            <a:extLst>
+              <a:ext uri="{28A0092B-C50C-407E-A947-70E740481C1C}">
+                <a14:useLocalDpi xmlns:a14="http://schemas.microsoft.com/office/drawing/2010/main" val="0"/>
+              </a:ext>
+            </a:extLst>
+          </a:blip>
+          <a:stretch>
+            <a:fillRect/>
+          </a:stretch>
+        </p:blipFill>
+        <p:spPr>
+          <a:xfrm>
+            <a:off x="0" y="4375150"/>
+            <a:ext cx="12192000" cy="2482850"/>
           </a:xfrm>
           <a:prstGeom prst="rect">
             <a:avLst/>
           </a:prstGeom>
+        </p:spPr>
+      </p:pic>
+      <p:sp>
+        <p:nvSpPr>
+          <p:cNvPr id="17" name="Rectangle 16">
+            <a:extLst>
+              <a:ext uri="{FF2B5EF4-FFF2-40B4-BE49-F238E27FC236}">
+                <a16:creationId xmlns:a16="http://schemas.microsoft.com/office/drawing/2014/main" id="{D477AA7E-6F59-438B-AE81-F002D625899E}"/>
+              </a:ext>
+              <a:ext uri="{C183D7F6-B498-43B3-948B-1728B52AA6E4}">
+                <adec:decorative xmlns:adec="http://schemas.microsoft.com/office/drawing/2017/decorative" val="1"/>
+              </a:ext>
+            </a:extLst>
+          </p:cNvPr>
+          <p:cNvSpPr>
+            <a:spLocks noGrp="1" noRot="1" noChangeAspect="1" noMove="1" noResize="1" noEditPoints="1" noAdjustHandles="1" noChangeArrowheads="1" noChangeShapeType="1" noTextEdit="1"/>
+          </p:cNvSpPr>
+          <p:nvPr>
+            <p:extLst>
+              <p:ext uri="{386F3935-93C4-4BCD-93E2-E3B085C9AB24}">
+                <p16:designElem xmlns:p16="http://schemas.microsoft.com/office/powerpoint/2015/main" val="1"/>
+              </p:ext>
+            </p:extLst>
+          </p:nvPr>
+        </p:nvSpPr>
+        <p:spPr>
+          <a:xfrm>
+            <a:off x="-1" y="0"/>
+            <a:ext cx="7946781" cy="6858000"/>
+          </a:xfrm>
+          <a:prstGeom prst="rect">
+            <a:avLst/>
+          </a:prstGeom>
+          <a:solidFill>
+            <a:schemeClr val="tx1"/>
+          </a:solidFill>
           <a:ln>
             <a:noFill/>
           </a:ln>
@@ -9230,12 +9916,79 @@
           </a:p>
         </p:txBody>
       </p:sp>
+      <p:sp useBgFill="1">
+        <p:nvSpPr>
+          <p:cNvPr id="19" name="Rounded Rectangle 11">
+            <a:extLst>
+              <a:ext uri="{FF2B5EF4-FFF2-40B4-BE49-F238E27FC236}">
+                <a16:creationId xmlns:a16="http://schemas.microsoft.com/office/drawing/2014/main" id="{C84439A1-773C-4E21-A179-0417A18640E9}"/>
+              </a:ext>
+              <a:ext uri="{C183D7F6-B498-43B3-948B-1728B52AA6E4}">
+                <adec:decorative xmlns:adec="http://schemas.microsoft.com/office/drawing/2017/decorative" val="1"/>
+              </a:ext>
+            </a:extLst>
+          </p:cNvPr>
+          <p:cNvSpPr>
+            <a:spLocks noGrp="1" noRot="1" noChangeAspect="1" noMove="1" noResize="1" noEditPoints="1" noAdjustHandles="1" noChangeArrowheads="1" noChangeShapeType="1" noTextEdit="1"/>
+          </p:cNvSpPr>
+          <p:nvPr>
+            <p:extLst>
+              <p:ext uri="{386F3935-93C4-4BCD-93E2-E3B085C9AB24}">
+                <p16:designElem xmlns:p16="http://schemas.microsoft.com/office/powerpoint/2015/main" val="1"/>
+              </p:ext>
+            </p:extLst>
+          </p:nvPr>
+        </p:nvSpPr>
+        <p:spPr>
+          <a:xfrm>
+            <a:off x="643338" y="643464"/>
+            <a:ext cx="6638814" cy="5571072"/>
+          </a:xfrm>
+          <a:prstGeom prst="roundRect">
+            <a:avLst>
+              <a:gd name="adj" fmla="val 2403"/>
+            </a:avLst>
+          </a:prstGeom>
+          <a:ln>
+            <a:noFill/>
+          </a:ln>
+          <a:effectLst>
+            <a:innerShdw blurRad="114300">
+              <a:prstClr val="black"/>
+            </a:innerShdw>
+          </a:effectLst>
+        </p:spPr>
+        <p:style>
+          <a:lnRef idx="2">
+            <a:schemeClr val="accent1">
+              <a:shade val="50000"/>
+            </a:schemeClr>
+          </a:lnRef>
+          <a:fillRef idx="1">
+            <a:schemeClr val="accent1"/>
+          </a:fillRef>
+          <a:effectRef idx="0">
+            <a:schemeClr val="accent1"/>
+          </a:effectRef>
+          <a:fontRef idx="minor">
+            <a:schemeClr val="lt1"/>
+          </a:fontRef>
+        </p:style>
+        <p:txBody>
+          <a:bodyPr rtlCol="0" anchor="ctr"/>
+          <a:lstStyle/>
+          <a:p>
+            <a:pPr algn="ctr"/>
+            <a:endParaRPr lang="en-US"/>
+          </a:p>
+        </p:txBody>
+      </p:sp>
       <p:pic>
         <p:nvPicPr>
-          <p:cNvPr id="7" name="Picture 6">
+          <p:cNvPr id="4" name="Picture 3">
             <a:extLst>
               <a:ext uri="{FF2B5EF4-FFF2-40B4-BE49-F238E27FC236}">
-                <a16:creationId xmlns:a16="http://schemas.microsoft.com/office/drawing/2014/main" id="{F1400C17-6B59-4328-A280-2EBDE053EF95}"/>
+                <a16:creationId xmlns:a16="http://schemas.microsoft.com/office/drawing/2014/main" id="{36739A90-4ED2-4C0F-B6AA-4D9E3AA0F2EF}"/>
               </a:ext>
             </a:extLst>
           </p:cNvPr>
@@ -9252,8 +10005,38 @@
         </p:blipFill>
         <p:spPr>
           <a:xfrm>
-            <a:off x="643468" y="2174377"/>
-            <a:ext cx="5475672" cy="2505120"/>
+            <a:off x="2158049" y="1286928"/>
+            <a:ext cx="3609391" cy="4284145"/>
+          </a:xfrm>
+          <a:prstGeom prst="rect">
+            <a:avLst/>
+          </a:prstGeom>
+        </p:spPr>
+      </p:pic>
+      <p:pic>
+        <p:nvPicPr>
+          <p:cNvPr id="5" name="Picture 4">
+            <a:extLst>
+              <a:ext uri="{FF2B5EF4-FFF2-40B4-BE49-F238E27FC236}">
+                <a16:creationId xmlns:a16="http://schemas.microsoft.com/office/drawing/2014/main" id="{E27F5D69-C5FC-44B3-AF43-C5FAF28B2C56}"/>
+              </a:ext>
+            </a:extLst>
+          </p:cNvPr>
+          <p:cNvPicPr>
+            <a:picLocks noChangeAspect="1"/>
+          </p:cNvPicPr>
+          <p:nvPr/>
+        </p:nvPicPr>
+        <p:blipFill>
+          <a:blip r:embed="rId5"/>
+          <a:stretch>
+            <a:fillRect/>
+          </a:stretch>
+        </p:blipFill>
+        <p:spPr>
+          <a:xfrm>
+            <a:off x="2378337" y="1365143"/>
+            <a:ext cx="3168813" cy="4127712"/>
           </a:xfrm>
           <a:prstGeom prst="rect">
             <a:avLst/>
@@ -9263,12 +10046,12 @@
     </p:spTree>
     <p:extLst>
       <p:ext uri="{BB962C8B-B14F-4D97-AF65-F5344CB8AC3E}">
-        <p14:creationId xmlns:p14="http://schemas.microsoft.com/office/powerpoint/2010/main" val="2452405803"/>
+        <p14:creationId xmlns:p14="http://schemas.microsoft.com/office/powerpoint/2010/main" val="3521958648"/>
       </p:ext>
     </p:extLst>
   </p:cSld>
   <p:clrMapOvr>
-    <a:masterClrMapping/>
+    <a:overrideClrMapping bg1="lt1" tx1="dk1" bg2="lt2" tx2="dk2" accent1="accent1" accent2="accent2" accent3="accent3" accent4="accent4" accent5="accent5" accent6="accent6" hlink="hlink" folHlink="folHlink"/>
   </p:clrMapOvr>
 </p:sld>
 </file>
@@ -9300,7 +10083,7 @@
       </p:grpSpPr>
       <p:pic>
         <p:nvPicPr>
-          <p:cNvPr id="24" name="Picture 23">
+          <p:cNvPr id="12" name="Picture 11">
             <a:extLst>
               <a:ext uri="{FF2B5EF4-FFF2-40B4-BE49-F238E27FC236}">
                 <a16:creationId xmlns:a16="http://schemas.microsoft.com/office/drawing/2014/main" id="{BDFADFB3-3D44-49A8-AE3B-A87C61607F7E}"/>
@@ -9345,7 +10128,7 @@
       </p:pic>
       <p:pic>
         <p:nvPicPr>
-          <p:cNvPr id="26" name="Picture 25">
+          <p:cNvPr id="14" name="Picture 13">
             <a:extLst>
               <a:ext uri="{FF2B5EF4-FFF2-40B4-BE49-F238E27FC236}">
                 <a16:creationId xmlns:a16="http://schemas.microsoft.com/office/drawing/2014/main" id="{BB912AE0-CAD9-4F8F-A2A2-BDF07D4EDD22}"/>
@@ -9390,10 +10173,50 @@
       </p:pic>
       <p:sp>
         <p:nvSpPr>
-          <p:cNvPr id="28" name="Rectangle 27">
+          <p:cNvPr id="2" name="Title 1">
             <a:extLst>
               <a:ext uri="{FF2B5EF4-FFF2-40B4-BE49-F238E27FC236}">
-                <a16:creationId xmlns:a16="http://schemas.microsoft.com/office/drawing/2014/main" id="{674220BB-5395-4F54-8045-343633A1BC8A}"/>
+                <a16:creationId xmlns:a16="http://schemas.microsoft.com/office/drawing/2014/main" id="{181B882F-1B5D-436E-83A7-D8159ED081C2}"/>
+              </a:ext>
+            </a:extLst>
+          </p:cNvPr>
+          <p:cNvSpPr>
+            <a:spLocks noGrp="1"/>
+          </p:cNvSpPr>
+          <p:nvPr>
+            <p:ph type="title"/>
+          </p:nvPr>
+        </p:nvSpPr>
+        <p:spPr>
+          <a:xfrm>
+            <a:off x="7056808" y="673240"/>
+            <a:ext cx="4510994" cy="3446373"/>
+          </a:xfrm>
+          <a:noFill/>
+          <a:ln w="19050">
+            <a:noFill/>
+            <a:prstDash val="dash"/>
+          </a:ln>
+        </p:spPr>
+        <p:txBody>
+          <a:bodyPr vert="horz" lIns="91440" tIns="45720" rIns="91440" bIns="45720" rtlCol="0" anchor="b">
+            <a:normAutofit/>
+          </a:bodyPr>
+          <a:lstStyle/>
+          <a:p>
+            <a:r>
+              <a:rPr lang="en-US" sz="4800"/>
+              <a:t>Law of similarity</a:t>
+            </a:r>
+          </a:p>
+        </p:txBody>
+      </p:sp>
+      <p:sp useBgFill="1">
+        <p:nvSpPr>
+          <p:cNvPr id="16" name="Rectangle 15">
+            <a:extLst>
+              <a:ext uri="{FF2B5EF4-FFF2-40B4-BE49-F238E27FC236}">
+                <a16:creationId xmlns:a16="http://schemas.microsoft.com/office/drawing/2014/main" id="{A6621E27-B4D3-4EEA-8F4D-BB759FD2479C}"/>
               </a:ext>
               <a:ext uri="{C183D7F6-B498-43B3-948B-1728B52AA6E4}">
                 <adec:decorative xmlns:adec="http://schemas.microsoft.com/office/drawing/2017/decorative" val="1"/>
@@ -9413,15 +10236,12 @@
         </p:nvSpPr>
         <p:spPr>
           <a:xfrm>
-            <a:off x="7946782" y="-1"/>
-            <a:ext cx="4245218" cy="6858001"/>
+            <a:off x="6485641" y="-1"/>
+            <a:ext cx="5706359" cy="643465"/>
           </a:xfrm>
           <a:prstGeom prst="rect">
             <a:avLst/>
           </a:prstGeom>
-          <a:solidFill>
-            <a:schemeClr val="tx1"/>
-          </a:solidFill>
           <a:ln>
             <a:noFill/>
           </a:ln>
@@ -9451,66 +10271,21 @@
           </a:p>
         </p:txBody>
       </p:sp>
-      <p:sp>
-        <p:nvSpPr>
-          <p:cNvPr id="2" name="Title 1">
+      <p:sp useBgFill="1">
+        <p:nvSpPr>
+          <p:cNvPr id="18" name="Rectangle 17">
             <a:extLst>
               <a:ext uri="{FF2B5EF4-FFF2-40B4-BE49-F238E27FC236}">
-                <a16:creationId xmlns:a16="http://schemas.microsoft.com/office/drawing/2014/main" id="{2FBD7DB3-C9B6-4E79-B24D-A2C1AD5B9C1C}"/>
-              </a:ext>
-            </a:extLst>
-          </p:cNvPr>
-          <p:cNvSpPr>
-            <a:spLocks noGrp="1"/>
-          </p:cNvSpPr>
-          <p:nvPr>
-            <p:ph type="title"/>
-          </p:nvPr>
-        </p:nvSpPr>
-        <p:spPr>
-          <a:xfrm>
-            <a:off x="8266820" y="673240"/>
-            <a:ext cx="3300981" cy="3446373"/>
-          </a:xfrm>
-          <a:noFill/>
-          <a:ln w="19050">
-            <a:noFill/>
-            <a:prstDash val="dash"/>
-          </a:ln>
-        </p:spPr>
-        <p:txBody>
-          <a:bodyPr vert="horz" lIns="91440" tIns="45720" rIns="91440" bIns="45720" rtlCol="0" anchor="b">
-            <a:normAutofit/>
-          </a:bodyPr>
-          <a:lstStyle/>
-          <a:p>
-            <a:pPr algn="l"/>
-            <a:r>
-              <a:rPr lang="en-US" sz="4800" dirty="0">
-                <a:solidFill>
-                  <a:schemeClr val="bg1"/>
-                </a:solidFill>
-              </a:rPr>
-              <a:t>Law of similarity</a:t>
-            </a:r>
-          </a:p>
-        </p:txBody>
-      </p:sp>
-      <p:pic>
-        <p:nvPicPr>
-          <p:cNvPr id="30" name="Picture 29">
-            <a:extLst>
-              <a:ext uri="{FF2B5EF4-FFF2-40B4-BE49-F238E27FC236}">
-                <a16:creationId xmlns:a16="http://schemas.microsoft.com/office/drawing/2014/main" id="{9D892AF3-0287-4CB0-AD2F-775B64C6FDA5}"/>
+                <a16:creationId xmlns:a16="http://schemas.microsoft.com/office/drawing/2014/main" id="{9DCD9119-A5D2-4D09-BCB2-70ABD368DB30}"/>
               </a:ext>
               <a:ext uri="{C183D7F6-B498-43B3-948B-1728B52AA6E4}">
                 <adec:decorative xmlns:adec="http://schemas.microsoft.com/office/drawing/2017/decorative" val="1"/>
               </a:ext>
             </a:extLst>
           </p:cNvPr>
-          <p:cNvPicPr>
-            <a:picLocks noGrp="1" noRot="1" noChangeAspect="1" noMove="1" noResize="1" noEditPoints="1" noAdjustHandles="1" noChangeArrowheads="1" noChangeShapeType="1" noCrop="1"/>
-          </p:cNvPicPr>
+          <p:cNvSpPr>
+            <a:spLocks noGrp="1" noRot="1" noChangeAspect="1" noMove="1" noResize="1" noEditPoints="1" noAdjustHandles="1" noChangeArrowheads="1" noChangeShapeType="1" noTextEdit="1"/>
+          </p:cNvSpPr>
           <p:nvPr>
             <p:extLst>
               <p:ext uri="{386F3935-93C4-4BCD-93E2-E3B085C9AB24}">
@@ -9518,63 +10293,15 @@
               </p:ext>
             </p:extLst>
           </p:nvPr>
-        </p:nvPicPr>
-        <p:blipFill>
-          <a:blip r:embed="rId3">
-            <a:extLst>
-              <a:ext uri="{28A0092B-C50C-407E-A947-70E740481C1C}">
-                <a14:useLocalDpi xmlns:a14="http://schemas.microsoft.com/office/drawing/2010/main" val="0"/>
-              </a:ext>
-            </a:extLst>
-          </a:blip>
-          <a:stretch>
-            <a:fillRect/>
-          </a:stretch>
-        </p:blipFill>
-        <p:spPr>
-          <a:xfrm>
-            <a:off x="0" y="4375150"/>
-            <a:ext cx="12192000" cy="2482850"/>
+        </p:nvSpPr>
+        <p:spPr>
+          <a:xfrm>
+            <a:off x="-1" y="0"/>
+            <a:ext cx="6746233" cy="6858000"/>
           </a:xfrm>
           <a:prstGeom prst="rect">
             <a:avLst/>
           </a:prstGeom>
-        </p:spPr>
-      </p:pic>
-      <p:sp>
-        <p:nvSpPr>
-          <p:cNvPr id="32" name="Rectangle 31">
-            <a:extLst>
-              <a:ext uri="{FF2B5EF4-FFF2-40B4-BE49-F238E27FC236}">
-                <a16:creationId xmlns:a16="http://schemas.microsoft.com/office/drawing/2014/main" id="{D477AA7E-6F59-438B-AE81-F002D625899E}"/>
-              </a:ext>
-              <a:ext uri="{C183D7F6-B498-43B3-948B-1728B52AA6E4}">
-                <adec:decorative xmlns:adec="http://schemas.microsoft.com/office/drawing/2017/decorative" val="1"/>
-              </a:ext>
-            </a:extLst>
-          </p:cNvPr>
-          <p:cNvSpPr>
-            <a:spLocks noGrp="1" noRot="1" noChangeAspect="1" noMove="1" noResize="1" noEditPoints="1" noAdjustHandles="1" noChangeArrowheads="1" noChangeShapeType="1" noTextEdit="1"/>
-          </p:cNvSpPr>
-          <p:nvPr>
-            <p:extLst>
-              <p:ext uri="{386F3935-93C4-4BCD-93E2-E3B085C9AB24}">
-                <p16:designElem xmlns:p16="http://schemas.microsoft.com/office/powerpoint/2015/main" val="1"/>
-              </p:ext>
-            </p:extLst>
-          </p:nvPr>
-        </p:nvSpPr>
-        <p:spPr>
-          <a:xfrm>
-            <a:off x="-1" y="0"/>
-            <a:ext cx="7946781" cy="6858000"/>
-          </a:xfrm>
-          <a:prstGeom prst="rect">
-            <a:avLst/>
-          </a:prstGeom>
-          <a:solidFill>
-            <a:schemeClr val="tx1"/>
-          </a:solidFill>
           <a:ln>
             <a:noFill/>
           </a:ln>
@@ -9604,79 +10331,12 @@
           </a:p>
         </p:txBody>
       </p:sp>
-      <p:sp useBgFill="1">
-        <p:nvSpPr>
-          <p:cNvPr id="34" name="Rounded Rectangle 11">
-            <a:extLst>
-              <a:ext uri="{FF2B5EF4-FFF2-40B4-BE49-F238E27FC236}">
-                <a16:creationId xmlns:a16="http://schemas.microsoft.com/office/drawing/2014/main" id="{C84439A1-773C-4E21-A179-0417A18640E9}"/>
-              </a:ext>
-              <a:ext uri="{C183D7F6-B498-43B3-948B-1728B52AA6E4}">
-                <adec:decorative xmlns:adec="http://schemas.microsoft.com/office/drawing/2017/decorative" val="1"/>
-              </a:ext>
-            </a:extLst>
-          </p:cNvPr>
-          <p:cNvSpPr>
-            <a:spLocks noGrp="1" noRot="1" noChangeAspect="1" noMove="1" noResize="1" noEditPoints="1" noAdjustHandles="1" noChangeArrowheads="1" noChangeShapeType="1" noTextEdit="1"/>
-          </p:cNvSpPr>
-          <p:nvPr>
-            <p:extLst>
-              <p:ext uri="{386F3935-93C4-4BCD-93E2-E3B085C9AB24}">
-                <p16:designElem xmlns:p16="http://schemas.microsoft.com/office/powerpoint/2015/main" val="1"/>
-              </p:ext>
-            </p:extLst>
-          </p:nvPr>
-        </p:nvSpPr>
-        <p:spPr>
-          <a:xfrm>
-            <a:off x="643338" y="643464"/>
-            <a:ext cx="6638814" cy="5571072"/>
-          </a:xfrm>
-          <a:prstGeom prst="roundRect">
-            <a:avLst>
-              <a:gd name="adj" fmla="val 2403"/>
-            </a:avLst>
-          </a:prstGeom>
-          <a:ln>
-            <a:noFill/>
-          </a:ln>
-          <a:effectLst>
-            <a:innerShdw blurRad="114300">
-              <a:prstClr val="black"/>
-            </a:innerShdw>
-          </a:effectLst>
-        </p:spPr>
-        <p:style>
-          <a:lnRef idx="2">
-            <a:schemeClr val="accent1">
-              <a:shade val="50000"/>
-            </a:schemeClr>
-          </a:lnRef>
-          <a:fillRef idx="1">
-            <a:schemeClr val="accent1"/>
-          </a:fillRef>
-          <a:effectRef idx="0">
-            <a:schemeClr val="accent1"/>
-          </a:effectRef>
-          <a:fontRef idx="minor">
-            <a:schemeClr val="lt1"/>
-          </a:fontRef>
-        </p:style>
-        <p:txBody>
-          <a:bodyPr rtlCol="0" anchor="ctr"/>
-          <a:lstStyle/>
-          <a:p>
-            <a:pPr algn="ctr"/>
-            <a:endParaRPr lang="en-US"/>
-          </a:p>
-        </p:txBody>
-      </p:sp>
       <p:pic>
         <p:nvPicPr>
-          <p:cNvPr id="4" name="Picture 3">
+          <p:cNvPr id="7" name="Picture 6">
             <a:extLst>
               <a:ext uri="{FF2B5EF4-FFF2-40B4-BE49-F238E27FC236}">
-                <a16:creationId xmlns:a16="http://schemas.microsoft.com/office/drawing/2014/main" id="{DE79DAF0-8EF2-495D-AE38-665133AEA773}"/>
+                <a16:creationId xmlns:a16="http://schemas.microsoft.com/office/drawing/2014/main" id="{F1400C17-6B59-4328-A280-2EBDE053EF95}"/>
               </a:ext>
             </a:extLst>
           </p:cNvPr>
@@ -9693,8 +10353,8 @@
         </p:blipFill>
         <p:spPr>
           <a:xfrm>
-            <a:off x="2077721" y="1286928"/>
-            <a:ext cx="3770047" cy="4284145"/>
+            <a:off x="643468" y="2174377"/>
+            <a:ext cx="5475672" cy="2505120"/>
           </a:xfrm>
           <a:prstGeom prst="rect">
             <a:avLst/>
@@ -9704,12 +10364,12 @@
     </p:spTree>
     <p:extLst>
       <p:ext uri="{BB962C8B-B14F-4D97-AF65-F5344CB8AC3E}">
-        <p14:creationId xmlns:p14="http://schemas.microsoft.com/office/powerpoint/2010/main" val="3852701768"/>
+        <p14:creationId xmlns:p14="http://schemas.microsoft.com/office/powerpoint/2010/main" val="2452405803"/>
       </p:ext>
     </p:extLst>
   </p:cSld>
   <p:clrMapOvr>
-    <a:overrideClrMapping bg1="lt1" tx1="dk1" bg2="lt2" tx2="dk2" accent1="accent1" accent2="accent2" accent3="accent3" accent4="accent4" accent5="accent5" accent6="accent6" hlink="hlink" folHlink="folHlink"/>
+    <a:masterClrMapping/>
   </p:clrMapOvr>
 </p:sld>
 </file>
@@ -9741,7 +10401,7 @@
       </p:grpSpPr>
       <p:pic>
         <p:nvPicPr>
-          <p:cNvPr id="18" name="Picture 9">
+          <p:cNvPr id="24" name="Picture 23">
             <a:extLst>
               <a:ext uri="{FF2B5EF4-FFF2-40B4-BE49-F238E27FC236}">
                 <a16:creationId xmlns:a16="http://schemas.microsoft.com/office/drawing/2014/main" id="{BDFADFB3-3D44-49A8-AE3B-A87C61607F7E}"/>
@@ -9786,7 +10446,7 @@
       </p:pic>
       <p:pic>
         <p:nvPicPr>
-          <p:cNvPr id="19" name="Picture 11">
+          <p:cNvPr id="26" name="Picture 25">
             <a:extLst>
               <a:ext uri="{FF2B5EF4-FFF2-40B4-BE49-F238E27FC236}">
                 <a16:creationId xmlns:a16="http://schemas.microsoft.com/office/drawing/2014/main" id="{BB912AE0-CAD9-4F8F-A2A2-BDF07D4EDD22}"/>
@@ -9829,12 +10489,12 @@
           </a:prstGeom>
         </p:spPr>
       </p:pic>
-      <p:sp useBgFill="1">
-        <p:nvSpPr>
-          <p:cNvPr id="20" name="Rectangle 13">
+      <p:sp>
+        <p:nvSpPr>
+          <p:cNvPr id="28" name="Rectangle 27">
             <a:extLst>
               <a:ext uri="{FF2B5EF4-FFF2-40B4-BE49-F238E27FC236}">
-                <a16:creationId xmlns:a16="http://schemas.microsoft.com/office/drawing/2014/main" id="{BD7C2DEF-63C5-495B-BBE5-720E5D12B4D2}"/>
+                <a16:creationId xmlns:a16="http://schemas.microsoft.com/office/drawing/2014/main" id="{674220BB-5395-4F54-8045-343633A1BC8A}"/>
               </a:ext>
               <a:ext uri="{C183D7F6-B498-43B3-948B-1728B52AA6E4}">
                 <adec:decorative xmlns:adec="http://schemas.microsoft.com/office/drawing/2017/decorative" val="1"/>
@@ -9854,12 +10514,15 @@
         </p:nvSpPr>
         <p:spPr>
           <a:xfrm>
-            <a:off x="0" y="0"/>
-            <a:ext cx="12192000" cy="6858000"/>
+            <a:off x="7946782" y="-1"/>
+            <a:ext cx="4245218" cy="6858001"/>
           </a:xfrm>
           <a:prstGeom prst="rect">
             <a:avLst/>
           </a:prstGeom>
+          <a:solidFill>
+            <a:schemeClr val="tx1"/>
+          </a:solidFill>
           <a:ln>
             <a:noFill/>
           </a:ln>
@@ -9889,12 +10552,57 @@
           </a:p>
         </p:txBody>
       </p:sp>
+      <p:sp>
+        <p:nvSpPr>
+          <p:cNvPr id="2" name="Title 1">
+            <a:extLst>
+              <a:ext uri="{FF2B5EF4-FFF2-40B4-BE49-F238E27FC236}">
+                <a16:creationId xmlns:a16="http://schemas.microsoft.com/office/drawing/2014/main" id="{2FBD7DB3-C9B6-4E79-B24D-A2C1AD5B9C1C}"/>
+              </a:ext>
+            </a:extLst>
+          </p:cNvPr>
+          <p:cNvSpPr>
+            <a:spLocks noGrp="1"/>
+          </p:cNvSpPr>
+          <p:nvPr>
+            <p:ph type="title"/>
+          </p:nvPr>
+        </p:nvSpPr>
+        <p:spPr>
+          <a:xfrm>
+            <a:off x="8266820" y="673240"/>
+            <a:ext cx="3300981" cy="3446373"/>
+          </a:xfrm>
+          <a:noFill/>
+          <a:ln w="19050">
+            <a:noFill/>
+            <a:prstDash val="dash"/>
+          </a:ln>
+        </p:spPr>
+        <p:txBody>
+          <a:bodyPr vert="horz" lIns="91440" tIns="45720" rIns="91440" bIns="45720" rtlCol="0" anchor="b">
+            <a:normAutofit/>
+          </a:bodyPr>
+          <a:lstStyle/>
+          <a:p>
+            <a:pPr algn="l"/>
+            <a:r>
+              <a:rPr lang="en-US" sz="4800" dirty="0">
+                <a:solidFill>
+                  <a:schemeClr val="bg1"/>
+                </a:solidFill>
+              </a:rPr>
+              <a:t>Law of similarity</a:t>
+            </a:r>
+          </a:p>
+        </p:txBody>
+      </p:sp>
       <p:pic>
         <p:nvPicPr>
-          <p:cNvPr id="21" name="Picture 15">
+          <p:cNvPr id="30" name="Picture 29">
             <a:extLst>
               <a:ext uri="{FF2B5EF4-FFF2-40B4-BE49-F238E27FC236}">
-                <a16:creationId xmlns:a16="http://schemas.microsoft.com/office/drawing/2014/main" id="{FE21E403-0B61-4473-BE57-AB0F16379674}"/>
+                <a16:creationId xmlns:a16="http://schemas.microsoft.com/office/drawing/2014/main" id="{9D892AF3-0287-4CB0-AD2F-775B64C6FDA5}"/>
               </a:ext>
               <a:ext uri="{C183D7F6-B498-43B3-948B-1728B52AA6E4}">
                 <adec:decorative xmlns:adec="http://schemas.microsoft.com/office/drawing/2017/decorative" val="1"/>
@@ -9913,7 +10621,7 @@
           </p:nvPr>
         </p:nvPicPr>
         <p:blipFill>
-          <a:blip r:embed="rId2">
+          <a:blip r:embed="rId3">
             <a:extLst>
               <a:ext uri="{28A0092B-C50C-407E-A947-70E740481C1C}">
                 <a14:useLocalDpi xmlns:a14="http://schemas.microsoft.com/office/drawing/2010/main" val="0"/>
@@ -9926,8 +10634,8 @@
         </p:blipFill>
         <p:spPr>
           <a:xfrm>
-            <a:off x="0" y="0"/>
-            <a:ext cx="12192000" cy="1441450"/>
+            <a:off x="0" y="4375150"/>
+            <a:ext cx="12192000" cy="2482850"/>
           </a:xfrm>
           <a:prstGeom prst="rect">
             <a:avLst/>
@@ -9936,50 +10644,140 @@
       </p:pic>
       <p:sp>
         <p:nvSpPr>
-          <p:cNvPr id="2" name="Title 1">
+          <p:cNvPr id="32" name="Rectangle 31">
             <a:extLst>
               <a:ext uri="{FF2B5EF4-FFF2-40B4-BE49-F238E27FC236}">
-                <a16:creationId xmlns:a16="http://schemas.microsoft.com/office/drawing/2014/main" id="{EF1F61EF-C1F5-4815-B895-A8AA2BE8D5F1}"/>
+                <a16:creationId xmlns:a16="http://schemas.microsoft.com/office/drawing/2014/main" id="{D477AA7E-6F59-438B-AE81-F002D625899E}"/>
+              </a:ext>
+              <a:ext uri="{C183D7F6-B498-43B3-948B-1728B52AA6E4}">
+                <adec:decorative xmlns:adec="http://schemas.microsoft.com/office/drawing/2017/decorative" val="1"/>
               </a:ext>
             </a:extLst>
           </p:cNvPr>
           <p:cNvSpPr>
-            <a:spLocks noGrp="1"/>
-          </p:cNvSpPr>
-          <p:nvPr>
-            <p:ph type="title"/>
-          </p:nvPr>
-        </p:nvSpPr>
-        <p:spPr>
-          <a:xfrm>
-            <a:off x="636696" y="643464"/>
-            <a:ext cx="3761964" cy="3273061"/>
-          </a:xfrm>
-          <a:noFill/>
-          <a:ln w="19050">
+            <a:spLocks noGrp="1" noRot="1" noChangeAspect="1" noMove="1" noResize="1" noEditPoints="1" noAdjustHandles="1" noChangeArrowheads="1" noChangeShapeType="1" noTextEdit="1"/>
+          </p:cNvSpPr>
+          <p:nvPr>
+            <p:extLst>
+              <p:ext uri="{386F3935-93C4-4BCD-93E2-E3B085C9AB24}">
+                <p16:designElem xmlns:p16="http://schemas.microsoft.com/office/powerpoint/2015/main" val="1"/>
+              </p:ext>
+            </p:extLst>
+          </p:nvPr>
+        </p:nvSpPr>
+        <p:spPr>
+          <a:xfrm>
+            <a:off x="-1" y="0"/>
+            <a:ext cx="7946781" cy="6858000"/>
+          </a:xfrm>
+          <a:prstGeom prst="rect">
+            <a:avLst/>
+          </a:prstGeom>
+          <a:solidFill>
+            <a:schemeClr val="tx1"/>
+          </a:solidFill>
+          <a:ln>
             <a:noFill/>
-            <a:prstDash val="dash"/>
           </a:ln>
         </p:spPr>
-        <p:txBody>
-          <a:bodyPr vert="horz" lIns="91440" tIns="45720" rIns="91440" bIns="45720" rtlCol="0" anchor="b">
-            <a:normAutofit/>
-          </a:bodyPr>
+        <p:style>
+          <a:lnRef idx="2">
+            <a:schemeClr val="accent1">
+              <a:shade val="50000"/>
+            </a:schemeClr>
+          </a:lnRef>
+          <a:fillRef idx="1">
+            <a:schemeClr val="accent1"/>
+          </a:fillRef>
+          <a:effectRef idx="0">
+            <a:schemeClr val="accent1"/>
+          </a:effectRef>
+          <a:fontRef idx="minor">
+            <a:schemeClr val="lt1"/>
+          </a:fontRef>
+        </p:style>
+        <p:txBody>
+          <a:bodyPr rtlCol="0" anchor="ctr"/>
           <a:lstStyle/>
           <a:p>
-            <a:r>
-              <a:rPr lang="en-US" sz="4800"/>
-              <a:t>Law of common fate</a:t>
-            </a:r>
+            <a:pPr algn="ctr"/>
+            <a:endParaRPr lang="en-US"/>
+          </a:p>
+        </p:txBody>
+      </p:sp>
+      <p:sp useBgFill="1">
+        <p:nvSpPr>
+          <p:cNvPr id="34" name="Rounded Rectangle 11">
+            <a:extLst>
+              <a:ext uri="{FF2B5EF4-FFF2-40B4-BE49-F238E27FC236}">
+                <a16:creationId xmlns:a16="http://schemas.microsoft.com/office/drawing/2014/main" id="{C84439A1-773C-4E21-A179-0417A18640E9}"/>
+              </a:ext>
+              <a:ext uri="{C183D7F6-B498-43B3-948B-1728B52AA6E4}">
+                <adec:decorative xmlns:adec="http://schemas.microsoft.com/office/drawing/2017/decorative" val="1"/>
+              </a:ext>
+            </a:extLst>
+          </p:cNvPr>
+          <p:cNvSpPr>
+            <a:spLocks noGrp="1" noRot="1" noChangeAspect="1" noMove="1" noResize="1" noEditPoints="1" noAdjustHandles="1" noChangeArrowheads="1" noChangeShapeType="1" noTextEdit="1"/>
+          </p:cNvSpPr>
+          <p:nvPr>
+            <p:extLst>
+              <p:ext uri="{386F3935-93C4-4BCD-93E2-E3B085C9AB24}">
+                <p16:designElem xmlns:p16="http://schemas.microsoft.com/office/powerpoint/2015/main" val="1"/>
+              </p:ext>
+            </p:extLst>
+          </p:nvPr>
+        </p:nvSpPr>
+        <p:spPr>
+          <a:xfrm>
+            <a:off x="643338" y="643464"/>
+            <a:ext cx="6638814" cy="5571072"/>
+          </a:xfrm>
+          <a:prstGeom prst="roundRect">
+            <a:avLst>
+              <a:gd name="adj" fmla="val 2403"/>
+            </a:avLst>
+          </a:prstGeom>
+          <a:ln>
+            <a:noFill/>
+          </a:ln>
+          <a:effectLst>
+            <a:innerShdw blurRad="114300">
+              <a:prstClr val="black"/>
+            </a:innerShdw>
+          </a:effectLst>
+        </p:spPr>
+        <p:style>
+          <a:lnRef idx="2">
+            <a:schemeClr val="accent1">
+              <a:shade val="50000"/>
+            </a:schemeClr>
+          </a:lnRef>
+          <a:fillRef idx="1">
+            <a:schemeClr val="accent1"/>
+          </a:fillRef>
+          <a:effectRef idx="0">
+            <a:schemeClr val="accent1"/>
+          </a:effectRef>
+          <a:fontRef idx="minor">
+            <a:schemeClr val="lt1"/>
+          </a:fontRef>
+        </p:style>
+        <p:txBody>
+          <a:bodyPr rtlCol="0" anchor="ctr"/>
+          <a:lstStyle/>
+          <a:p>
+            <a:pPr algn="ctr"/>
+            <a:endParaRPr lang="en-US"/>
           </a:p>
         </p:txBody>
       </p:sp>
       <p:pic>
         <p:nvPicPr>
-          <p:cNvPr id="5" name="Picture 4">
+          <p:cNvPr id="4" name="Picture 3">
             <a:extLst>
               <a:ext uri="{FF2B5EF4-FFF2-40B4-BE49-F238E27FC236}">
-                <a16:creationId xmlns:a16="http://schemas.microsoft.com/office/drawing/2014/main" id="{99B79A7C-DEF2-457A-BF96-C4B5C433690C}"/>
+                <a16:creationId xmlns:a16="http://schemas.microsoft.com/office/drawing/2014/main" id="{DE79DAF0-8EF2-495D-AE38-665133AEA773}"/>
               </a:ext>
             </a:extLst>
           </p:cNvPr>
@@ -9996,8 +10794,8 @@
         </p:blipFill>
         <p:spPr>
           <a:xfrm>
-            <a:off x="5552263" y="941122"/>
-            <a:ext cx="5166716" cy="5115048"/>
+            <a:off x="2077721" y="1286928"/>
+            <a:ext cx="3770047" cy="4284145"/>
           </a:xfrm>
           <a:prstGeom prst="rect">
             <a:avLst/>
@@ -10007,12 +10805,12 @@
     </p:spTree>
     <p:extLst>
       <p:ext uri="{BB962C8B-B14F-4D97-AF65-F5344CB8AC3E}">
-        <p14:creationId xmlns:p14="http://schemas.microsoft.com/office/powerpoint/2010/main" val="2219890349"/>
+        <p14:creationId xmlns:p14="http://schemas.microsoft.com/office/powerpoint/2010/main" val="3852701768"/>
       </p:ext>
     </p:extLst>
   </p:cSld>
   <p:clrMapOvr>
-    <a:masterClrMapping/>
+    <a:overrideClrMapping bg1="lt1" tx1="dk1" bg2="lt2" tx2="dk2" accent1="accent1" accent2="accent2" accent3="accent3" accent4="accent4" accent5="accent5" accent6="accent6" hlink="hlink" folHlink="folHlink"/>
   </p:clrMapOvr>
 </p:sld>
 </file>

--- a/Gestalt.pptx
+++ b/Gestalt.pptx
@@ -4,23 +4,30 @@
   <p:sldMasterIdLst>
     <p:sldMasterId id="2147483648" r:id="rId1"/>
   </p:sldMasterIdLst>
+  <p:notesMasterIdLst>
+    <p:notesMasterId r:id="rId22"/>
+  </p:notesMasterIdLst>
   <p:sldIdLst>
     <p:sldId id="256" r:id="rId2"/>
     <p:sldId id="257" r:id="rId3"/>
-    <p:sldId id="262" r:id="rId4"/>
-    <p:sldId id="272" r:id="rId5"/>
-    <p:sldId id="259" r:id="rId6"/>
-    <p:sldId id="267" r:id="rId7"/>
+    <p:sldId id="273" r:id="rId4"/>
+    <p:sldId id="262" r:id="rId5"/>
+    <p:sldId id="272" r:id="rId6"/>
+    <p:sldId id="259" r:id="rId7"/>
     <p:sldId id="268" r:id="rId8"/>
-    <p:sldId id="258" r:id="rId9"/>
-    <p:sldId id="269" r:id="rId10"/>
-    <p:sldId id="265" r:id="rId11"/>
-    <p:sldId id="270" r:id="rId12"/>
-    <p:sldId id="271" r:id="rId13"/>
-    <p:sldId id="261" r:id="rId14"/>
+    <p:sldId id="267" r:id="rId9"/>
+    <p:sldId id="258" r:id="rId10"/>
+    <p:sldId id="269" r:id="rId11"/>
+    <p:sldId id="265" r:id="rId12"/>
+    <p:sldId id="270" r:id="rId13"/>
+    <p:sldId id="271" r:id="rId14"/>
     <p:sldId id="260" r:id="rId15"/>
-    <p:sldId id="264" r:id="rId16"/>
-    <p:sldId id="263" r:id="rId17"/>
+    <p:sldId id="275" r:id="rId16"/>
+    <p:sldId id="261" r:id="rId17"/>
+    <p:sldId id="264" r:id="rId18"/>
+    <p:sldId id="274" r:id="rId19"/>
+    <p:sldId id="263" r:id="rId20"/>
+    <p:sldId id="276" r:id="rId21"/>
   </p:sldIdLst>
   <p:sldSz cx="12192000" cy="6858000"/>
   <p:notesSz cx="6858000" cy="9144000"/>
@@ -127,6 +134,3684 @@
 </p:presentation>
 </file>
 
+<file path=ppt/diagrams/colors1.xml><?xml version="1.0" encoding="utf-8"?>
+<dgm:colorsDef xmlns:dgm="http://schemas.openxmlformats.org/drawingml/2006/diagram" xmlns:a="http://schemas.openxmlformats.org/drawingml/2006/main" uniqueId="urn:microsoft.com/office/officeart/2005/8/colors/colorful2">
+  <dgm:title val=""/>
+  <dgm:desc val=""/>
+  <dgm:catLst>
+    <dgm:cat type="colorful" pri="10200"/>
+  </dgm:catLst>
+  <dgm:styleLbl name="node0">
+    <dgm:fillClrLst meth="repeat">
+      <a:schemeClr val="accent1"/>
+    </dgm:fillClrLst>
+    <dgm:linClrLst meth="repeat">
+      <a:schemeClr val="lt1"/>
+    </dgm:linClrLst>
+    <dgm:effectClrLst/>
+    <dgm:txLinClrLst/>
+    <dgm:txFillClrLst/>
+    <dgm:txEffectClrLst/>
+  </dgm:styleLbl>
+  <dgm:styleLbl name="node1">
+    <dgm:fillClrLst>
+      <a:schemeClr val="accent2"/>
+      <a:schemeClr val="accent3"/>
+    </dgm:fillClrLst>
+    <dgm:linClrLst meth="repeat">
+      <a:schemeClr val="lt1"/>
+    </dgm:linClrLst>
+    <dgm:effectClrLst/>
+    <dgm:txLinClrLst/>
+    <dgm:txFillClrLst/>
+    <dgm:txEffectClrLst/>
+  </dgm:styleLbl>
+  <dgm:styleLbl name="alignNode1">
+    <dgm:fillClrLst>
+      <a:schemeClr val="accent2"/>
+      <a:schemeClr val="accent3"/>
+    </dgm:fillClrLst>
+    <dgm:linClrLst>
+      <a:schemeClr val="accent2"/>
+      <a:schemeClr val="accent3"/>
+    </dgm:linClrLst>
+    <dgm:effectClrLst/>
+    <dgm:txLinClrLst/>
+    <dgm:txFillClrLst/>
+    <dgm:txEffectClrLst/>
+  </dgm:styleLbl>
+  <dgm:styleLbl name="lnNode1">
+    <dgm:fillClrLst>
+      <a:schemeClr val="accent2"/>
+      <a:schemeClr val="accent3"/>
+    </dgm:fillClrLst>
+    <dgm:linClrLst meth="repeat">
+      <a:schemeClr val="lt1"/>
+    </dgm:linClrLst>
+    <dgm:effectClrLst/>
+    <dgm:txLinClrLst/>
+    <dgm:txFillClrLst/>
+    <dgm:txEffectClrLst/>
+  </dgm:styleLbl>
+  <dgm:styleLbl name="vennNode1">
+    <dgm:fillClrLst>
+      <a:schemeClr val="accent2">
+        <a:alpha val="50000"/>
+      </a:schemeClr>
+      <a:schemeClr val="accent3">
+        <a:alpha val="50000"/>
+      </a:schemeClr>
+    </dgm:fillClrLst>
+    <dgm:linClrLst meth="repeat">
+      <a:schemeClr val="lt1"/>
+    </dgm:linClrLst>
+    <dgm:effectClrLst/>
+    <dgm:txLinClrLst/>
+    <dgm:txFillClrLst/>
+    <dgm:txEffectClrLst/>
+  </dgm:styleLbl>
+  <dgm:styleLbl name="node2">
+    <dgm:fillClrLst>
+      <a:schemeClr val="accent3"/>
+    </dgm:fillClrLst>
+    <dgm:linClrLst meth="repeat">
+      <a:schemeClr val="lt1"/>
+    </dgm:linClrLst>
+    <dgm:effectClrLst/>
+    <dgm:txLinClrLst/>
+    <dgm:txFillClrLst/>
+    <dgm:txEffectClrLst/>
+  </dgm:styleLbl>
+  <dgm:styleLbl name="node3">
+    <dgm:fillClrLst>
+      <a:schemeClr val="accent4"/>
+    </dgm:fillClrLst>
+    <dgm:linClrLst meth="repeat">
+      <a:schemeClr val="lt1"/>
+    </dgm:linClrLst>
+    <dgm:effectClrLst/>
+    <dgm:txLinClrLst/>
+    <dgm:txFillClrLst/>
+    <dgm:txEffectClrLst/>
+  </dgm:styleLbl>
+  <dgm:styleLbl name="node4">
+    <dgm:fillClrLst>
+      <a:schemeClr val="accent5"/>
+    </dgm:fillClrLst>
+    <dgm:linClrLst meth="repeat">
+      <a:schemeClr val="lt1"/>
+    </dgm:linClrLst>
+    <dgm:effectClrLst/>
+    <dgm:txLinClrLst/>
+    <dgm:txFillClrLst/>
+    <dgm:txEffectClrLst/>
+  </dgm:styleLbl>
+  <dgm:styleLbl name="fgImgPlace1">
+    <dgm:fillClrLst>
+      <a:schemeClr val="accent2">
+        <a:tint val="50000"/>
+      </a:schemeClr>
+      <a:schemeClr val="accent3">
+        <a:tint val="50000"/>
+      </a:schemeClr>
+    </dgm:fillClrLst>
+    <dgm:linClrLst meth="repeat">
+      <a:schemeClr val="lt1"/>
+    </dgm:linClrLst>
+    <dgm:effectClrLst/>
+    <dgm:txLinClrLst/>
+    <dgm:txFillClrLst meth="repeat">
+      <a:schemeClr val="lt1"/>
+    </dgm:txFillClrLst>
+    <dgm:txEffectClrLst/>
+  </dgm:styleLbl>
+  <dgm:styleLbl name="alignImgPlace1">
+    <dgm:fillClrLst>
+      <a:schemeClr val="accent2">
+        <a:tint val="50000"/>
+      </a:schemeClr>
+      <a:schemeClr val="accent3">
+        <a:tint val="20000"/>
+      </a:schemeClr>
+    </dgm:fillClrLst>
+    <dgm:linClrLst meth="repeat">
+      <a:schemeClr val="lt1"/>
+    </dgm:linClrLst>
+    <dgm:effectClrLst/>
+    <dgm:txLinClrLst/>
+    <dgm:txFillClrLst meth="repeat">
+      <a:schemeClr val="lt1"/>
+    </dgm:txFillClrLst>
+    <dgm:txEffectClrLst/>
+  </dgm:styleLbl>
+  <dgm:styleLbl name="bgImgPlace1">
+    <dgm:fillClrLst>
+      <a:schemeClr val="accent2">
+        <a:tint val="50000"/>
+      </a:schemeClr>
+      <a:schemeClr val="accent3">
+        <a:tint val="20000"/>
+      </a:schemeClr>
+    </dgm:fillClrLst>
+    <dgm:linClrLst meth="repeat">
+      <a:schemeClr val="lt1"/>
+    </dgm:linClrLst>
+    <dgm:effectClrLst/>
+    <dgm:txLinClrLst/>
+    <dgm:txFillClrLst meth="repeat">
+      <a:schemeClr val="lt1"/>
+    </dgm:txFillClrLst>
+    <dgm:txEffectClrLst/>
+  </dgm:styleLbl>
+  <dgm:styleLbl name="sibTrans2D1">
+    <dgm:fillClrLst>
+      <a:schemeClr val="accent2"/>
+      <a:schemeClr val="accent3"/>
+    </dgm:fillClrLst>
+    <dgm:linClrLst meth="repeat">
+      <a:schemeClr val="lt1"/>
+    </dgm:linClrLst>
+    <dgm:effectClrLst/>
+    <dgm:txLinClrLst/>
+    <dgm:txFillClrLst/>
+    <dgm:txEffectClrLst/>
+  </dgm:styleLbl>
+  <dgm:styleLbl name="fgSibTrans2D1">
+    <dgm:fillClrLst>
+      <a:schemeClr val="accent2"/>
+      <a:schemeClr val="accent3"/>
+    </dgm:fillClrLst>
+    <dgm:linClrLst meth="repeat">
+      <a:schemeClr val="lt1"/>
+    </dgm:linClrLst>
+    <dgm:effectClrLst/>
+    <dgm:txLinClrLst/>
+    <dgm:txFillClrLst meth="repeat">
+      <a:schemeClr val="lt1"/>
+    </dgm:txFillClrLst>
+    <dgm:txEffectClrLst/>
+  </dgm:styleLbl>
+  <dgm:styleLbl name="bgSibTrans2D1">
+    <dgm:fillClrLst>
+      <a:schemeClr val="accent2"/>
+      <a:schemeClr val="accent3"/>
+    </dgm:fillClrLst>
+    <dgm:linClrLst meth="repeat">
+      <a:schemeClr val="lt1"/>
+    </dgm:linClrLst>
+    <dgm:effectClrLst/>
+    <dgm:txLinClrLst/>
+    <dgm:txFillClrLst meth="repeat">
+      <a:schemeClr val="lt1"/>
+    </dgm:txFillClrLst>
+    <dgm:txEffectClrLst/>
+  </dgm:styleLbl>
+  <dgm:styleLbl name="sibTrans1D1">
+    <dgm:fillClrLst/>
+    <dgm:linClrLst>
+      <a:schemeClr val="accent2"/>
+      <a:schemeClr val="accent3"/>
+    </dgm:linClrLst>
+    <dgm:effectClrLst/>
+    <dgm:txLinClrLst/>
+    <dgm:txFillClrLst meth="repeat">
+      <a:schemeClr val="tx1"/>
+    </dgm:txFillClrLst>
+    <dgm:txEffectClrLst/>
+  </dgm:styleLbl>
+  <dgm:styleLbl name="callout">
+    <dgm:fillClrLst meth="repeat">
+      <a:schemeClr val="accent2"/>
+    </dgm:fillClrLst>
+    <dgm:linClrLst meth="repeat">
+      <a:schemeClr val="accent2">
+        <a:tint val="50000"/>
+      </a:schemeClr>
+    </dgm:linClrLst>
+    <dgm:effectClrLst/>
+    <dgm:txLinClrLst/>
+    <dgm:txFillClrLst meth="repeat">
+      <a:schemeClr val="tx1"/>
+    </dgm:txFillClrLst>
+    <dgm:txEffectClrLst/>
+  </dgm:styleLbl>
+  <dgm:styleLbl name="asst0">
+    <dgm:fillClrLst meth="repeat">
+      <a:schemeClr val="accent2"/>
+    </dgm:fillClrLst>
+    <dgm:linClrLst meth="repeat">
+      <a:schemeClr val="lt1">
+        <a:shade val="80000"/>
+      </a:schemeClr>
+    </dgm:linClrLst>
+    <dgm:effectClrLst/>
+    <dgm:txLinClrLst/>
+    <dgm:txFillClrLst/>
+    <dgm:txEffectClrLst/>
+  </dgm:styleLbl>
+  <dgm:styleLbl name="asst1">
+    <dgm:fillClrLst meth="repeat">
+      <a:schemeClr val="accent3"/>
+    </dgm:fillClrLst>
+    <dgm:linClrLst meth="repeat">
+      <a:schemeClr val="lt1">
+        <a:shade val="80000"/>
+      </a:schemeClr>
+    </dgm:linClrLst>
+    <dgm:effectClrLst/>
+    <dgm:txLinClrLst/>
+    <dgm:txFillClrLst/>
+    <dgm:txEffectClrLst/>
+  </dgm:styleLbl>
+  <dgm:styleLbl name="asst2">
+    <dgm:fillClrLst>
+      <a:schemeClr val="accent4"/>
+    </dgm:fillClrLst>
+    <dgm:linClrLst meth="repeat">
+      <a:schemeClr val="lt1"/>
+    </dgm:linClrLst>
+    <dgm:effectClrLst/>
+    <dgm:txLinClrLst/>
+    <dgm:txFillClrLst/>
+    <dgm:txEffectClrLst/>
+  </dgm:styleLbl>
+  <dgm:styleLbl name="asst3">
+    <dgm:fillClrLst>
+      <a:schemeClr val="accent5"/>
+    </dgm:fillClrLst>
+    <dgm:linClrLst meth="repeat">
+      <a:schemeClr val="lt1"/>
+    </dgm:linClrLst>
+    <dgm:effectClrLst/>
+    <dgm:txLinClrLst/>
+    <dgm:txFillClrLst/>
+    <dgm:txEffectClrLst/>
+  </dgm:styleLbl>
+  <dgm:styleLbl name="asst4">
+    <dgm:fillClrLst>
+      <a:schemeClr val="accent6"/>
+    </dgm:fillClrLst>
+    <dgm:linClrLst meth="repeat">
+      <a:schemeClr val="lt1"/>
+    </dgm:linClrLst>
+    <dgm:effectClrLst/>
+    <dgm:txLinClrLst/>
+    <dgm:txFillClrLst/>
+    <dgm:txEffectClrLst/>
+  </dgm:styleLbl>
+  <dgm:styleLbl name="parChTrans2D1">
+    <dgm:fillClrLst meth="repeat">
+      <a:schemeClr val="accent2"/>
+    </dgm:fillClrLst>
+    <dgm:linClrLst meth="repeat">
+      <a:schemeClr val="lt1"/>
+    </dgm:linClrLst>
+    <dgm:effectClrLst/>
+    <dgm:txLinClrLst/>
+    <dgm:txFillClrLst meth="repeat">
+      <a:schemeClr val="lt1"/>
+    </dgm:txFillClrLst>
+    <dgm:txEffectClrLst/>
+  </dgm:styleLbl>
+  <dgm:styleLbl name="parChTrans2D2">
+    <dgm:fillClrLst meth="repeat">
+      <a:schemeClr val="accent3"/>
+    </dgm:fillClrLst>
+    <dgm:linClrLst meth="repeat">
+      <a:schemeClr val="lt1"/>
+    </dgm:linClrLst>
+    <dgm:effectClrLst/>
+    <dgm:txLinClrLst/>
+    <dgm:txFillClrLst/>
+    <dgm:txEffectClrLst/>
+  </dgm:styleLbl>
+  <dgm:styleLbl name="parChTrans2D3">
+    <dgm:fillClrLst meth="repeat">
+      <a:schemeClr val="accent4"/>
+    </dgm:fillClrLst>
+    <dgm:linClrLst meth="repeat">
+      <a:schemeClr val="lt1"/>
+    </dgm:linClrLst>
+    <dgm:effectClrLst/>
+    <dgm:txLinClrLst/>
+    <dgm:txFillClrLst/>
+    <dgm:txEffectClrLst/>
+  </dgm:styleLbl>
+  <dgm:styleLbl name="parChTrans2D4">
+    <dgm:fillClrLst meth="repeat">
+      <a:schemeClr val="accent5"/>
+    </dgm:fillClrLst>
+    <dgm:linClrLst meth="repeat">
+      <a:schemeClr val="lt1"/>
+    </dgm:linClrLst>
+    <dgm:effectClrLst/>
+    <dgm:txLinClrLst/>
+    <dgm:txFillClrLst meth="repeat">
+      <a:schemeClr val="lt1"/>
+    </dgm:txFillClrLst>
+    <dgm:txEffectClrLst/>
+  </dgm:styleLbl>
+  <dgm:styleLbl name="parChTrans1D1">
+    <dgm:fillClrLst meth="repeat">
+      <a:schemeClr val="accent2"/>
+    </dgm:fillClrLst>
+    <dgm:linClrLst meth="repeat">
+      <a:schemeClr val="accent2"/>
+    </dgm:linClrLst>
+    <dgm:effectClrLst/>
+    <dgm:txLinClrLst/>
+    <dgm:txFillClrLst meth="repeat">
+      <a:schemeClr val="tx1"/>
+    </dgm:txFillClrLst>
+    <dgm:txEffectClrLst/>
+  </dgm:styleLbl>
+  <dgm:styleLbl name="parChTrans1D2">
+    <dgm:fillClrLst meth="repeat">
+      <a:schemeClr val="accent2">
+        <a:tint val="90000"/>
+      </a:schemeClr>
+    </dgm:fillClrLst>
+    <dgm:linClrLst meth="repeat">
+      <a:schemeClr val="accent3"/>
+    </dgm:linClrLst>
+    <dgm:effectClrLst/>
+    <dgm:txLinClrLst/>
+    <dgm:txFillClrLst meth="repeat">
+      <a:schemeClr val="tx1"/>
+    </dgm:txFillClrLst>
+    <dgm:txEffectClrLst/>
+  </dgm:styleLbl>
+  <dgm:styleLbl name="parChTrans1D3">
+    <dgm:fillClrLst meth="repeat">
+      <a:schemeClr val="accent2">
+        <a:tint val="70000"/>
+      </a:schemeClr>
+    </dgm:fillClrLst>
+    <dgm:linClrLst meth="repeat">
+      <a:schemeClr val="accent4"/>
+    </dgm:linClrLst>
+    <dgm:effectClrLst/>
+    <dgm:txLinClrLst/>
+    <dgm:txFillClrLst meth="repeat">
+      <a:schemeClr val="tx1"/>
+    </dgm:txFillClrLst>
+    <dgm:txEffectClrLst/>
+  </dgm:styleLbl>
+  <dgm:styleLbl name="parChTrans1D4">
+    <dgm:fillClrLst meth="repeat">
+      <a:schemeClr val="accent2">
+        <a:tint val="50000"/>
+      </a:schemeClr>
+    </dgm:fillClrLst>
+    <dgm:linClrLst meth="repeat">
+      <a:schemeClr val="accent5"/>
+    </dgm:linClrLst>
+    <dgm:effectClrLst/>
+    <dgm:txLinClrLst/>
+    <dgm:txFillClrLst meth="repeat">
+      <a:schemeClr val="tx1"/>
+    </dgm:txFillClrLst>
+    <dgm:txEffectClrLst/>
+  </dgm:styleLbl>
+  <dgm:styleLbl name="fgAcc1">
+    <dgm:fillClrLst meth="repeat">
+      <a:schemeClr val="lt1">
+        <a:alpha val="90000"/>
+      </a:schemeClr>
+    </dgm:fillClrLst>
+    <dgm:linClrLst>
+      <a:schemeClr val="accent2"/>
+      <a:schemeClr val="accent3"/>
+    </dgm:linClrLst>
+    <dgm:effectClrLst/>
+    <dgm:txLinClrLst/>
+    <dgm:txFillClrLst meth="repeat">
+      <a:schemeClr val="dk1"/>
+    </dgm:txFillClrLst>
+    <dgm:txEffectClrLst/>
+  </dgm:styleLbl>
+  <dgm:styleLbl name="conFgAcc1">
+    <dgm:fillClrLst meth="repeat">
+      <a:schemeClr val="lt1">
+        <a:alpha val="90000"/>
+      </a:schemeClr>
+    </dgm:fillClrLst>
+    <dgm:linClrLst>
+      <a:schemeClr val="accent2"/>
+      <a:schemeClr val="accent3"/>
+    </dgm:linClrLst>
+    <dgm:effectClrLst/>
+    <dgm:txLinClrLst/>
+    <dgm:txFillClrLst meth="repeat">
+      <a:schemeClr val="dk1"/>
+    </dgm:txFillClrLst>
+    <dgm:txEffectClrLst/>
+  </dgm:styleLbl>
+  <dgm:styleLbl name="alignAcc1">
+    <dgm:fillClrLst meth="repeat">
+      <a:schemeClr val="lt1">
+        <a:alpha val="90000"/>
+      </a:schemeClr>
+    </dgm:fillClrLst>
+    <dgm:linClrLst>
+      <a:schemeClr val="accent2"/>
+      <a:schemeClr val="accent3"/>
+    </dgm:linClrLst>
+    <dgm:effectClrLst/>
+    <dgm:txLinClrLst/>
+    <dgm:txFillClrLst meth="repeat">
+      <a:schemeClr val="dk1"/>
+    </dgm:txFillClrLst>
+    <dgm:txEffectClrLst/>
+  </dgm:styleLbl>
+  <dgm:styleLbl name="trAlignAcc1">
+    <dgm:fillClrLst meth="repeat">
+      <a:schemeClr val="lt1">
+        <a:alpha val="40000"/>
+      </a:schemeClr>
+    </dgm:fillClrLst>
+    <dgm:linClrLst meth="repeat">
+      <a:schemeClr val="accent2"/>
+    </dgm:linClrLst>
+    <dgm:effectClrLst/>
+    <dgm:txLinClrLst/>
+    <dgm:txFillClrLst meth="repeat">
+      <a:schemeClr val="dk1"/>
+    </dgm:txFillClrLst>
+    <dgm:txEffectClrLst/>
+  </dgm:styleLbl>
+  <dgm:styleLbl name="bgAcc1">
+    <dgm:fillClrLst meth="repeat">
+      <a:schemeClr val="lt1">
+        <a:alpha val="90000"/>
+      </a:schemeClr>
+    </dgm:fillClrLst>
+    <dgm:linClrLst>
+      <a:schemeClr val="accent2"/>
+      <a:schemeClr val="accent3"/>
+    </dgm:linClrLst>
+    <dgm:effectClrLst/>
+    <dgm:txLinClrLst/>
+    <dgm:txFillClrLst meth="repeat">
+      <a:schemeClr val="dk1"/>
+    </dgm:txFillClrLst>
+    <dgm:txEffectClrLst/>
+  </dgm:styleLbl>
+  <dgm:styleLbl name="solidFgAcc1">
+    <dgm:fillClrLst meth="repeat">
+      <a:schemeClr val="lt1"/>
+    </dgm:fillClrLst>
+    <dgm:linClrLst>
+      <a:schemeClr val="accent2"/>
+      <a:schemeClr val="accent3"/>
+    </dgm:linClrLst>
+    <dgm:effectClrLst/>
+    <dgm:txLinClrLst/>
+    <dgm:txFillClrLst meth="repeat">
+      <a:schemeClr val="dk1"/>
+    </dgm:txFillClrLst>
+    <dgm:txEffectClrLst/>
+  </dgm:styleLbl>
+  <dgm:styleLbl name="solidAlignAcc1">
+    <dgm:fillClrLst meth="repeat">
+      <a:schemeClr val="lt1"/>
+    </dgm:fillClrLst>
+    <dgm:linClrLst>
+      <a:schemeClr val="accent2"/>
+      <a:schemeClr val="accent3"/>
+    </dgm:linClrLst>
+    <dgm:effectClrLst/>
+    <dgm:txLinClrLst/>
+    <dgm:txFillClrLst meth="repeat">
+      <a:schemeClr val="dk1"/>
+    </dgm:txFillClrLst>
+    <dgm:txEffectClrLst/>
+  </dgm:styleLbl>
+  <dgm:styleLbl name="solidBgAcc1">
+    <dgm:fillClrLst meth="repeat">
+      <a:schemeClr val="lt1"/>
+    </dgm:fillClrLst>
+    <dgm:linClrLst>
+      <a:schemeClr val="accent2"/>
+      <a:schemeClr val="accent3"/>
+    </dgm:linClrLst>
+    <dgm:effectClrLst/>
+    <dgm:txLinClrLst/>
+    <dgm:txFillClrLst meth="repeat">
+      <a:schemeClr val="dk1"/>
+    </dgm:txFillClrLst>
+    <dgm:txEffectClrLst/>
+  </dgm:styleLbl>
+  <dgm:styleLbl name="fgAccFollowNode1">
+    <dgm:fillClrLst>
+      <a:schemeClr val="accent2">
+        <a:tint val="40000"/>
+        <a:alpha val="90000"/>
+      </a:schemeClr>
+      <a:schemeClr val="accent3">
+        <a:tint val="40000"/>
+        <a:alpha val="90000"/>
+      </a:schemeClr>
+    </dgm:fillClrLst>
+    <dgm:linClrLst>
+      <a:schemeClr val="accent2">
+        <a:tint val="40000"/>
+        <a:alpha val="90000"/>
+      </a:schemeClr>
+      <a:schemeClr val="accent3">
+        <a:tint val="40000"/>
+        <a:alpha val="90000"/>
+      </a:schemeClr>
+    </dgm:linClrLst>
+    <dgm:effectClrLst/>
+    <dgm:txLinClrLst/>
+    <dgm:txFillClrLst meth="repeat">
+      <a:schemeClr val="dk1"/>
+    </dgm:txFillClrLst>
+    <dgm:txEffectClrLst/>
+  </dgm:styleLbl>
+  <dgm:styleLbl name="alignAccFollowNode1">
+    <dgm:fillClrLst>
+      <a:schemeClr val="accent2">
+        <a:tint val="40000"/>
+        <a:alpha val="90000"/>
+      </a:schemeClr>
+      <a:schemeClr val="accent3">
+        <a:tint val="40000"/>
+        <a:alpha val="90000"/>
+      </a:schemeClr>
+    </dgm:fillClrLst>
+    <dgm:linClrLst>
+      <a:schemeClr val="accent2">
+        <a:tint val="40000"/>
+        <a:alpha val="90000"/>
+      </a:schemeClr>
+      <a:schemeClr val="accent3">
+        <a:tint val="40000"/>
+        <a:alpha val="90000"/>
+      </a:schemeClr>
+    </dgm:linClrLst>
+    <dgm:effectClrLst/>
+    <dgm:txLinClrLst/>
+    <dgm:txFillClrLst meth="repeat">
+      <a:schemeClr val="dk1"/>
+    </dgm:txFillClrLst>
+    <dgm:txEffectClrLst/>
+  </dgm:styleLbl>
+  <dgm:styleLbl name="bgAccFollowNode1">
+    <dgm:fillClrLst>
+      <a:schemeClr val="accent2">
+        <a:tint val="40000"/>
+        <a:alpha val="90000"/>
+      </a:schemeClr>
+      <a:schemeClr val="accent3">
+        <a:tint val="40000"/>
+        <a:alpha val="90000"/>
+      </a:schemeClr>
+    </dgm:fillClrLst>
+    <dgm:linClrLst>
+      <a:schemeClr val="accent2">
+        <a:tint val="40000"/>
+        <a:alpha val="90000"/>
+      </a:schemeClr>
+      <a:schemeClr val="accent3">
+        <a:tint val="40000"/>
+        <a:alpha val="90000"/>
+      </a:schemeClr>
+    </dgm:linClrLst>
+    <dgm:effectClrLst/>
+    <dgm:txLinClrLst/>
+    <dgm:txFillClrLst meth="repeat">
+      <a:schemeClr val="dk1"/>
+    </dgm:txFillClrLst>
+    <dgm:txEffectClrLst/>
+  </dgm:styleLbl>
+  <dgm:styleLbl name="fgAcc0">
+    <dgm:fillClrLst meth="repeat">
+      <a:schemeClr val="lt1">
+        <a:alpha val="90000"/>
+      </a:schemeClr>
+    </dgm:fillClrLst>
+    <dgm:linClrLst>
+      <a:schemeClr val="accent1"/>
+    </dgm:linClrLst>
+    <dgm:effectClrLst/>
+    <dgm:txLinClrLst/>
+    <dgm:txFillClrLst meth="repeat">
+      <a:schemeClr val="dk1"/>
+    </dgm:txFillClrLst>
+    <dgm:txEffectClrLst/>
+  </dgm:styleLbl>
+  <dgm:styleLbl name="fgAcc2">
+    <dgm:fillClrLst meth="repeat">
+      <a:schemeClr val="lt1">
+        <a:alpha val="90000"/>
+      </a:schemeClr>
+    </dgm:fillClrLst>
+    <dgm:linClrLst>
+      <a:schemeClr val="accent3"/>
+    </dgm:linClrLst>
+    <dgm:effectClrLst/>
+    <dgm:txLinClrLst/>
+    <dgm:txFillClrLst meth="repeat">
+      <a:schemeClr val="dk1"/>
+    </dgm:txFillClrLst>
+    <dgm:txEffectClrLst/>
+  </dgm:styleLbl>
+  <dgm:styleLbl name="fgAcc3">
+    <dgm:fillClrLst meth="repeat">
+      <a:schemeClr val="lt1">
+        <a:alpha val="90000"/>
+      </a:schemeClr>
+    </dgm:fillClrLst>
+    <dgm:linClrLst>
+      <a:schemeClr val="accent4"/>
+    </dgm:linClrLst>
+    <dgm:effectClrLst/>
+    <dgm:txLinClrLst/>
+    <dgm:txFillClrLst meth="repeat">
+      <a:schemeClr val="dk1"/>
+    </dgm:txFillClrLst>
+    <dgm:txEffectClrLst/>
+  </dgm:styleLbl>
+  <dgm:styleLbl name="fgAcc4">
+    <dgm:fillClrLst meth="repeat">
+      <a:schemeClr val="lt1">
+        <a:alpha val="90000"/>
+      </a:schemeClr>
+    </dgm:fillClrLst>
+    <dgm:linClrLst>
+      <a:schemeClr val="accent5"/>
+    </dgm:linClrLst>
+    <dgm:effectClrLst/>
+    <dgm:txLinClrLst/>
+    <dgm:txFillClrLst meth="repeat">
+      <a:schemeClr val="dk1"/>
+    </dgm:txFillClrLst>
+    <dgm:txEffectClrLst/>
+  </dgm:styleLbl>
+  <dgm:styleLbl name="bgShp">
+    <dgm:fillClrLst meth="repeat">
+      <a:schemeClr val="accent2">
+        <a:tint val="40000"/>
+      </a:schemeClr>
+    </dgm:fillClrLst>
+    <dgm:linClrLst meth="repeat">
+      <a:schemeClr val="dk1"/>
+    </dgm:linClrLst>
+    <dgm:effectClrLst/>
+    <dgm:txLinClrLst/>
+    <dgm:txFillClrLst meth="repeat">
+      <a:schemeClr val="dk1"/>
+    </dgm:txFillClrLst>
+    <dgm:txEffectClrLst/>
+  </dgm:styleLbl>
+  <dgm:styleLbl name="dkBgShp">
+    <dgm:fillClrLst meth="repeat">
+      <a:schemeClr val="accent2">
+        <a:shade val="90000"/>
+      </a:schemeClr>
+    </dgm:fillClrLst>
+    <dgm:linClrLst meth="repeat">
+      <a:schemeClr val="dk1"/>
+    </dgm:linClrLst>
+    <dgm:effectClrLst/>
+    <dgm:txLinClrLst/>
+    <dgm:txFillClrLst meth="repeat">
+      <a:schemeClr val="lt1"/>
+    </dgm:txFillClrLst>
+    <dgm:txEffectClrLst/>
+  </dgm:styleLbl>
+  <dgm:styleLbl name="trBgShp">
+    <dgm:fillClrLst meth="repeat">
+      <a:schemeClr val="accent2">
+        <a:tint val="50000"/>
+        <a:alpha val="40000"/>
+      </a:schemeClr>
+    </dgm:fillClrLst>
+    <dgm:linClrLst meth="repeat">
+      <a:schemeClr val="accent2"/>
+    </dgm:linClrLst>
+    <dgm:effectClrLst/>
+    <dgm:txLinClrLst/>
+    <dgm:txFillClrLst meth="repeat">
+      <a:schemeClr val="lt1"/>
+    </dgm:txFillClrLst>
+    <dgm:txEffectClrLst/>
+  </dgm:styleLbl>
+  <dgm:styleLbl name="fgShp">
+    <dgm:fillClrLst meth="repeat">
+      <a:schemeClr val="accent2">
+        <a:tint val="40000"/>
+      </a:schemeClr>
+    </dgm:fillClrLst>
+    <dgm:linClrLst meth="repeat">
+      <a:schemeClr val="lt1"/>
+    </dgm:linClrLst>
+    <dgm:effectClrLst/>
+    <dgm:txLinClrLst/>
+    <dgm:txFillClrLst meth="repeat">
+      <a:schemeClr val="dk1"/>
+    </dgm:txFillClrLst>
+    <dgm:txEffectClrLst/>
+  </dgm:styleLbl>
+  <dgm:styleLbl name="revTx">
+    <dgm:fillClrLst meth="repeat">
+      <a:schemeClr val="lt1">
+        <a:alpha val="0"/>
+      </a:schemeClr>
+    </dgm:fillClrLst>
+    <dgm:linClrLst meth="repeat">
+      <a:schemeClr val="dk1">
+        <a:alpha val="0"/>
+      </a:schemeClr>
+    </dgm:linClrLst>
+    <dgm:effectClrLst/>
+    <dgm:txLinClrLst/>
+    <dgm:txFillClrLst meth="repeat">
+      <a:schemeClr val="tx1"/>
+    </dgm:txFillClrLst>
+    <dgm:txEffectClrLst/>
+  </dgm:styleLbl>
+</dgm:colorsDef>
+</file>
+
+<file path=ppt/diagrams/data1.xml><?xml version="1.0" encoding="utf-8"?>
+<dgm:dataModel xmlns:dgm="http://schemas.openxmlformats.org/drawingml/2006/diagram" xmlns:a="http://schemas.openxmlformats.org/drawingml/2006/main">
+  <dgm:ptLst>
+    <dgm:pt modelId="{F1A0AFB5-24FD-4458-8F58-5BE83E21BD44}" type="doc">
+      <dgm:prSet loTypeId="urn:microsoft.com/office/officeart/2005/8/layout/default" loCatId="list" qsTypeId="urn:microsoft.com/office/officeart/2005/8/quickstyle/simple4" qsCatId="simple" csTypeId="urn:microsoft.com/office/officeart/2005/8/colors/colorful2" csCatId="colorful"/>
+      <dgm:spPr/>
+      <dgm:t>
+        <a:bodyPr/>
+        <a:lstStyle/>
+        <a:p>
+          <a:endParaRPr lang="en-US"/>
+        </a:p>
+      </dgm:t>
+    </dgm:pt>
+    <dgm:pt modelId="{2813B0F3-065F-4868-9E13-539E6A2D12DB}">
+      <dgm:prSet/>
+      <dgm:spPr/>
+      <dgm:t>
+        <a:bodyPr/>
+        <a:lstStyle/>
+        <a:p>
+          <a:r>
+            <a:rPr lang="en-US"/>
+            <a:t>Figure/Ground</a:t>
+          </a:r>
+        </a:p>
+      </dgm:t>
+    </dgm:pt>
+    <dgm:pt modelId="{DBC6D0AA-5A1A-4ECE-B25D-1C2208C20473}" type="parTrans" cxnId="{0DB9BA30-F693-41E9-A1BD-EB091FCB75A6}">
+      <dgm:prSet/>
+      <dgm:spPr/>
+      <dgm:t>
+        <a:bodyPr/>
+        <a:lstStyle/>
+        <a:p>
+          <a:endParaRPr lang="en-US"/>
+        </a:p>
+      </dgm:t>
+    </dgm:pt>
+    <dgm:pt modelId="{EF6B54C4-91FC-4FA2-AE49-3B1C094E6941}" type="sibTrans" cxnId="{0DB9BA30-F693-41E9-A1BD-EB091FCB75A6}">
+      <dgm:prSet/>
+      <dgm:spPr/>
+      <dgm:t>
+        <a:bodyPr/>
+        <a:lstStyle/>
+        <a:p>
+          <a:endParaRPr lang="en-US"/>
+        </a:p>
+      </dgm:t>
+    </dgm:pt>
+    <dgm:pt modelId="{0F97BBA2-7011-4E75-B6A7-D274D321558A}">
+      <dgm:prSet/>
+      <dgm:spPr/>
+      <dgm:t>
+        <a:bodyPr/>
+        <a:lstStyle/>
+        <a:p>
+          <a:r>
+            <a:rPr lang="en-US"/>
+            <a:t>Proximity</a:t>
+          </a:r>
+        </a:p>
+      </dgm:t>
+    </dgm:pt>
+    <dgm:pt modelId="{A25C51BD-7E14-4781-AD53-E468FA171317}" type="parTrans" cxnId="{E5391068-3559-4870-9A3A-D68D2F4BBCEE}">
+      <dgm:prSet/>
+      <dgm:spPr/>
+      <dgm:t>
+        <a:bodyPr/>
+        <a:lstStyle/>
+        <a:p>
+          <a:endParaRPr lang="en-US"/>
+        </a:p>
+      </dgm:t>
+    </dgm:pt>
+    <dgm:pt modelId="{FCA707F8-83B2-47FB-AB13-6A19DC3B7548}" type="sibTrans" cxnId="{E5391068-3559-4870-9A3A-D68D2F4BBCEE}">
+      <dgm:prSet/>
+      <dgm:spPr/>
+      <dgm:t>
+        <a:bodyPr/>
+        <a:lstStyle/>
+        <a:p>
+          <a:endParaRPr lang="en-US"/>
+        </a:p>
+      </dgm:t>
+    </dgm:pt>
+    <dgm:pt modelId="{FA2E51AD-4E24-4048-B94A-B8544649CD8A}">
+      <dgm:prSet/>
+      <dgm:spPr/>
+      <dgm:t>
+        <a:bodyPr/>
+        <a:lstStyle/>
+        <a:p>
+          <a:r>
+            <a:rPr lang="en-US"/>
+            <a:t>Similarity</a:t>
+          </a:r>
+        </a:p>
+      </dgm:t>
+    </dgm:pt>
+    <dgm:pt modelId="{9F7A35D0-101A-4961-AB91-B37CD97B775B}" type="parTrans" cxnId="{3F3DA17E-382A-45CD-AF0D-08DF2A355897}">
+      <dgm:prSet/>
+      <dgm:spPr/>
+      <dgm:t>
+        <a:bodyPr/>
+        <a:lstStyle/>
+        <a:p>
+          <a:endParaRPr lang="en-US"/>
+        </a:p>
+      </dgm:t>
+    </dgm:pt>
+    <dgm:pt modelId="{8ED7BBAB-FAF9-4BC7-9FF9-F20780A13AE0}" type="sibTrans" cxnId="{3F3DA17E-382A-45CD-AF0D-08DF2A355897}">
+      <dgm:prSet/>
+      <dgm:spPr/>
+      <dgm:t>
+        <a:bodyPr/>
+        <a:lstStyle/>
+        <a:p>
+          <a:endParaRPr lang="en-US"/>
+        </a:p>
+      </dgm:t>
+    </dgm:pt>
+    <dgm:pt modelId="{28C2C79C-BED1-4505-8C35-9D8902E40B0D}">
+      <dgm:prSet/>
+      <dgm:spPr/>
+      <dgm:t>
+        <a:bodyPr/>
+        <a:lstStyle/>
+        <a:p>
+          <a:r>
+            <a:rPr lang="en-US"/>
+            <a:t>Common Fate</a:t>
+          </a:r>
+        </a:p>
+      </dgm:t>
+    </dgm:pt>
+    <dgm:pt modelId="{F106AF1E-2E25-4EF6-A555-B795242A1669}" type="parTrans" cxnId="{1C98C691-4BCE-4055-ABC7-93369E351C26}">
+      <dgm:prSet/>
+      <dgm:spPr/>
+      <dgm:t>
+        <a:bodyPr/>
+        <a:lstStyle/>
+        <a:p>
+          <a:endParaRPr lang="en-US"/>
+        </a:p>
+      </dgm:t>
+    </dgm:pt>
+    <dgm:pt modelId="{0559635F-EFBA-4EA6-9743-CE6714994A72}" type="sibTrans" cxnId="{1C98C691-4BCE-4055-ABC7-93369E351C26}">
+      <dgm:prSet/>
+      <dgm:spPr/>
+      <dgm:t>
+        <a:bodyPr/>
+        <a:lstStyle/>
+        <a:p>
+          <a:endParaRPr lang="en-US"/>
+        </a:p>
+      </dgm:t>
+    </dgm:pt>
+    <dgm:pt modelId="{A3006FFC-4368-43CF-B624-74F4DF56082C}">
+      <dgm:prSet/>
+      <dgm:spPr/>
+      <dgm:t>
+        <a:bodyPr/>
+        <a:lstStyle/>
+        <a:p>
+          <a:r>
+            <a:rPr lang="en-US"/>
+            <a:t>Uniform Correctedness</a:t>
+          </a:r>
+        </a:p>
+      </dgm:t>
+    </dgm:pt>
+    <dgm:pt modelId="{DC524974-3839-4A05-BCC1-FE43169D12BB}" type="parTrans" cxnId="{772DFADE-DAAE-46B9-8F06-8840BF1DF8A8}">
+      <dgm:prSet/>
+      <dgm:spPr/>
+      <dgm:t>
+        <a:bodyPr/>
+        <a:lstStyle/>
+        <a:p>
+          <a:endParaRPr lang="en-US"/>
+        </a:p>
+      </dgm:t>
+    </dgm:pt>
+    <dgm:pt modelId="{3B59D02B-D546-4C92-B647-76133D8CCEA7}" type="sibTrans" cxnId="{772DFADE-DAAE-46B9-8F06-8840BF1DF8A8}">
+      <dgm:prSet/>
+      <dgm:spPr/>
+      <dgm:t>
+        <a:bodyPr/>
+        <a:lstStyle/>
+        <a:p>
+          <a:endParaRPr lang="en-US"/>
+        </a:p>
+      </dgm:t>
+    </dgm:pt>
+    <dgm:pt modelId="{C39DD50B-7B45-45DC-8C3D-D1467DAC8471}">
+      <dgm:prSet/>
+      <dgm:spPr/>
+      <dgm:t>
+        <a:bodyPr/>
+        <a:lstStyle/>
+        <a:p>
+          <a:r>
+            <a:rPr lang="en-US"/>
+            <a:t>Continuation</a:t>
+          </a:r>
+        </a:p>
+      </dgm:t>
+    </dgm:pt>
+    <dgm:pt modelId="{3D3232BB-BD0E-4918-9F3A-174430DE854F}" type="parTrans" cxnId="{DB1A45AC-5FBD-480E-A0B2-6AAADAA1ADC8}">
+      <dgm:prSet/>
+      <dgm:spPr/>
+      <dgm:t>
+        <a:bodyPr/>
+        <a:lstStyle/>
+        <a:p>
+          <a:endParaRPr lang="en-US"/>
+        </a:p>
+      </dgm:t>
+    </dgm:pt>
+    <dgm:pt modelId="{12B1A86B-4D9D-4ACD-9D5D-CE121F2C2DDC}" type="sibTrans" cxnId="{DB1A45AC-5FBD-480E-A0B2-6AAADAA1ADC8}">
+      <dgm:prSet/>
+      <dgm:spPr/>
+      <dgm:t>
+        <a:bodyPr/>
+        <a:lstStyle/>
+        <a:p>
+          <a:endParaRPr lang="en-US"/>
+        </a:p>
+      </dgm:t>
+    </dgm:pt>
+    <dgm:pt modelId="{8E1F9E95-1FDA-4A32-BD6F-6583432E3F06}">
+      <dgm:prSet/>
+      <dgm:spPr/>
+      <dgm:t>
+        <a:bodyPr/>
+        <a:lstStyle/>
+        <a:p>
+          <a:r>
+            <a:rPr lang="en-US"/>
+            <a:t>Closure</a:t>
+          </a:r>
+        </a:p>
+      </dgm:t>
+    </dgm:pt>
+    <dgm:pt modelId="{1B93B6DB-A5D3-4728-8628-D91EACBA3315}" type="parTrans" cxnId="{4212AA20-E261-43C3-86B3-7B395FB0E14C}">
+      <dgm:prSet/>
+      <dgm:spPr/>
+      <dgm:t>
+        <a:bodyPr/>
+        <a:lstStyle/>
+        <a:p>
+          <a:endParaRPr lang="en-US"/>
+        </a:p>
+      </dgm:t>
+    </dgm:pt>
+    <dgm:pt modelId="{A41E0953-1627-47DD-B5E9-03C549F65BDC}" type="sibTrans" cxnId="{4212AA20-E261-43C3-86B3-7B395FB0E14C}">
+      <dgm:prSet/>
+      <dgm:spPr/>
+      <dgm:t>
+        <a:bodyPr/>
+        <a:lstStyle/>
+        <a:p>
+          <a:endParaRPr lang="en-US"/>
+        </a:p>
+      </dgm:t>
+    </dgm:pt>
+    <dgm:pt modelId="{0768D142-6EA6-428A-86FD-855C90B378C8}">
+      <dgm:prSet/>
+      <dgm:spPr/>
+      <dgm:t>
+        <a:bodyPr/>
+        <a:lstStyle/>
+        <a:p>
+          <a:r>
+            <a:rPr lang="en-US"/>
+            <a:t>Pragnanz</a:t>
+          </a:r>
+        </a:p>
+      </dgm:t>
+    </dgm:pt>
+    <dgm:pt modelId="{24116AC2-040F-42D0-8DF8-BB6CB6CE601B}" type="parTrans" cxnId="{4D818ECC-4B7A-4A45-9BE6-7C3389AD14F0}">
+      <dgm:prSet/>
+      <dgm:spPr/>
+      <dgm:t>
+        <a:bodyPr/>
+        <a:lstStyle/>
+        <a:p>
+          <a:endParaRPr lang="en-US"/>
+        </a:p>
+      </dgm:t>
+    </dgm:pt>
+    <dgm:pt modelId="{70667204-1E5D-4B98-9BBC-D2D6A3683298}" type="sibTrans" cxnId="{4D818ECC-4B7A-4A45-9BE6-7C3389AD14F0}">
+      <dgm:prSet/>
+      <dgm:spPr/>
+      <dgm:t>
+        <a:bodyPr/>
+        <a:lstStyle/>
+        <a:p>
+          <a:endParaRPr lang="en-US"/>
+        </a:p>
+      </dgm:t>
+    </dgm:pt>
+    <dgm:pt modelId="{8D96BCE2-AC33-4FE7-82D2-100722380A73}" type="pres">
+      <dgm:prSet presAssocID="{F1A0AFB5-24FD-4458-8F58-5BE83E21BD44}" presName="diagram" presStyleCnt="0">
+        <dgm:presLayoutVars>
+          <dgm:dir/>
+          <dgm:resizeHandles val="exact"/>
+        </dgm:presLayoutVars>
+      </dgm:prSet>
+      <dgm:spPr/>
+    </dgm:pt>
+    <dgm:pt modelId="{25DAA7DD-FA0D-4EB2-BDAE-978A83AED16A}" type="pres">
+      <dgm:prSet presAssocID="{2813B0F3-065F-4868-9E13-539E6A2D12DB}" presName="node" presStyleLbl="node1" presStyleIdx="0" presStyleCnt="8">
+        <dgm:presLayoutVars>
+          <dgm:bulletEnabled val="1"/>
+        </dgm:presLayoutVars>
+      </dgm:prSet>
+      <dgm:spPr/>
+    </dgm:pt>
+    <dgm:pt modelId="{93024C33-8FAD-4B45-AD99-4E6BA7867286}" type="pres">
+      <dgm:prSet presAssocID="{EF6B54C4-91FC-4FA2-AE49-3B1C094E6941}" presName="sibTrans" presStyleCnt="0"/>
+      <dgm:spPr/>
+    </dgm:pt>
+    <dgm:pt modelId="{E39DCAA3-85F0-4A07-978A-50CADEE4810C}" type="pres">
+      <dgm:prSet presAssocID="{0F97BBA2-7011-4E75-B6A7-D274D321558A}" presName="node" presStyleLbl="node1" presStyleIdx="1" presStyleCnt="8">
+        <dgm:presLayoutVars>
+          <dgm:bulletEnabled val="1"/>
+        </dgm:presLayoutVars>
+      </dgm:prSet>
+      <dgm:spPr/>
+    </dgm:pt>
+    <dgm:pt modelId="{3BFE8D56-6B98-4B69-A08F-9F4AF5E6B8B9}" type="pres">
+      <dgm:prSet presAssocID="{FCA707F8-83B2-47FB-AB13-6A19DC3B7548}" presName="sibTrans" presStyleCnt="0"/>
+      <dgm:spPr/>
+    </dgm:pt>
+    <dgm:pt modelId="{581C5F49-1181-46CE-AE39-06053B197763}" type="pres">
+      <dgm:prSet presAssocID="{FA2E51AD-4E24-4048-B94A-B8544649CD8A}" presName="node" presStyleLbl="node1" presStyleIdx="2" presStyleCnt="8">
+        <dgm:presLayoutVars>
+          <dgm:bulletEnabled val="1"/>
+        </dgm:presLayoutVars>
+      </dgm:prSet>
+      <dgm:spPr/>
+    </dgm:pt>
+    <dgm:pt modelId="{125D3787-A49E-48AD-B504-0613686FF919}" type="pres">
+      <dgm:prSet presAssocID="{8ED7BBAB-FAF9-4BC7-9FF9-F20780A13AE0}" presName="sibTrans" presStyleCnt="0"/>
+      <dgm:spPr/>
+    </dgm:pt>
+    <dgm:pt modelId="{8C26F689-143F-4C00-A4A3-B787DFC39221}" type="pres">
+      <dgm:prSet presAssocID="{28C2C79C-BED1-4505-8C35-9D8902E40B0D}" presName="node" presStyleLbl="node1" presStyleIdx="3" presStyleCnt="8">
+        <dgm:presLayoutVars>
+          <dgm:bulletEnabled val="1"/>
+        </dgm:presLayoutVars>
+      </dgm:prSet>
+      <dgm:spPr/>
+    </dgm:pt>
+    <dgm:pt modelId="{BC4C5B27-1FD2-4A10-89B0-F3EB96E265FB}" type="pres">
+      <dgm:prSet presAssocID="{0559635F-EFBA-4EA6-9743-CE6714994A72}" presName="sibTrans" presStyleCnt="0"/>
+      <dgm:spPr/>
+    </dgm:pt>
+    <dgm:pt modelId="{64CD4904-8969-49D5-B7D0-2E7D7DDB0136}" type="pres">
+      <dgm:prSet presAssocID="{A3006FFC-4368-43CF-B624-74F4DF56082C}" presName="node" presStyleLbl="node1" presStyleIdx="4" presStyleCnt="8">
+        <dgm:presLayoutVars>
+          <dgm:bulletEnabled val="1"/>
+        </dgm:presLayoutVars>
+      </dgm:prSet>
+      <dgm:spPr/>
+    </dgm:pt>
+    <dgm:pt modelId="{77302531-CC33-4A38-9450-721133CD2EC4}" type="pres">
+      <dgm:prSet presAssocID="{3B59D02B-D546-4C92-B647-76133D8CCEA7}" presName="sibTrans" presStyleCnt="0"/>
+      <dgm:spPr/>
+    </dgm:pt>
+    <dgm:pt modelId="{C69A3988-8292-472B-B557-5ED93F9E76C1}" type="pres">
+      <dgm:prSet presAssocID="{C39DD50B-7B45-45DC-8C3D-D1467DAC8471}" presName="node" presStyleLbl="node1" presStyleIdx="5" presStyleCnt="8">
+        <dgm:presLayoutVars>
+          <dgm:bulletEnabled val="1"/>
+        </dgm:presLayoutVars>
+      </dgm:prSet>
+      <dgm:spPr/>
+    </dgm:pt>
+    <dgm:pt modelId="{D0AD2449-0BA3-4EBE-B9D1-49126664BF94}" type="pres">
+      <dgm:prSet presAssocID="{12B1A86B-4D9D-4ACD-9D5D-CE121F2C2DDC}" presName="sibTrans" presStyleCnt="0"/>
+      <dgm:spPr/>
+    </dgm:pt>
+    <dgm:pt modelId="{EB6B124A-36CC-4D72-8E14-B346F3C15788}" type="pres">
+      <dgm:prSet presAssocID="{8E1F9E95-1FDA-4A32-BD6F-6583432E3F06}" presName="node" presStyleLbl="node1" presStyleIdx="6" presStyleCnt="8">
+        <dgm:presLayoutVars>
+          <dgm:bulletEnabled val="1"/>
+        </dgm:presLayoutVars>
+      </dgm:prSet>
+      <dgm:spPr/>
+    </dgm:pt>
+    <dgm:pt modelId="{FAAAF030-8A74-4F5C-BC64-925883BEE894}" type="pres">
+      <dgm:prSet presAssocID="{A41E0953-1627-47DD-B5E9-03C549F65BDC}" presName="sibTrans" presStyleCnt="0"/>
+      <dgm:spPr/>
+    </dgm:pt>
+    <dgm:pt modelId="{520F014D-29A7-4924-92FF-1F3256B497F2}" type="pres">
+      <dgm:prSet presAssocID="{0768D142-6EA6-428A-86FD-855C90B378C8}" presName="node" presStyleLbl="node1" presStyleIdx="7" presStyleCnt="8">
+        <dgm:presLayoutVars>
+          <dgm:bulletEnabled val="1"/>
+        </dgm:presLayoutVars>
+      </dgm:prSet>
+      <dgm:spPr/>
+    </dgm:pt>
+  </dgm:ptLst>
+  <dgm:cxnLst>
+    <dgm:cxn modelId="{887B2C08-9F36-4C8A-B217-CCD9007B32E9}" type="presOf" srcId="{A3006FFC-4368-43CF-B624-74F4DF56082C}" destId="{64CD4904-8969-49D5-B7D0-2E7D7DDB0136}" srcOrd="0" destOrd="0" presId="urn:microsoft.com/office/officeart/2005/8/layout/default"/>
+    <dgm:cxn modelId="{4212AA20-E261-43C3-86B3-7B395FB0E14C}" srcId="{F1A0AFB5-24FD-4458-8F58-5BE83E21BD44}" destId="{8E1F9E95-1FDA-4A32-BD6F-6583432E3F06}" srcOrd="6" destOrd="0" parTransId="{1B93B6DB-A5D3-4728-8628-D91EACBA3315}" sibTransId="{A41E0953-1627-47DD-B5E9-03C549F65BDC}"/>
+    <dgm:cxn modelId="{CB8CCB29-BA39-438A-B1B7-B7D7B115A424}" type="presOf" srcId="{F1A0AFB5-24FD-4458-8F58-5BE83E21BD44}" destId="{8D96BCE2-AC33-4FE7-82D2-100722380A73}" srcOrd="0" destOrd="0" presId="urn:microsoft.com/office/officeart/2005/8/layout/default"/>
+    <dgm:cxn modelId="{27C2022B-6313-4E56-8EB5-747C1AFF1612}" type="presOf" srcId="{0F97BBA2-7011-4E75-B6A7-D274D321558A}" destId="{E39DCAA3-85F0-4A07-978A-50CADEE4810C}" srcOrd="0" destOrd="0" presId="urn:microsoft.com/office/officeart/2005/8/layout/default"/>
+    <dgm:cxn modelId="{AF94D02B-FF70-4EC8-AD3A-01F428B9E7A9}" type="presOf" srcId="{FA2E51AD-4E24-4048-B94A-B8544649CD8A}" destId="{581C5F49-1181-46CE-AE39-06053B197763}" srcOrd="0" destOrd="0" presId="urn:microsoft.com/office/officeart/2005/8/layout/default"/>
+    <dgm:cxn modelId="{0DB9BA30-F693-41E9-A1BD-EB091FCB75A6}" srcId="{F1A0AFB5-24FD-4458-8F58-5BE83E21BD44}" destId="{2813B0F3-065F-4868-9E13-539E6A2D12DB}" srcOrd="0" destOrd="0" parTransId="{DBC6D0AA-5A1A-4ECE-B25D-1C2208C20473}" sibTransId="{EF6B54C4-91FC-4FA2-AE49-3B1C094E6941}"/>
+    <dgm:cxn modelId="{9BDB9A34-EEA3-4426-9B03-068B17B8F792}" type="presOf" srcId="{8E1F9E95-1FDA-4A32-BD6F-6583432E3F06}" destId="{EB6B124A-36CC-4D72-8E14-B346F3C15788}" srcOrd="0" destOrd="0" presId="urn:microsoft.com/office/officeart/2005/8/layout/default"/>
+    <dgm:cxn modelId="{E5391068-3559-4870-9A3A-D68D2F4BBCEE}" srcId="{F1A0AFB5-24FD-4458-8F58-5BE83E21BD44}" destId="{0F97BBA2-7011-4E75-B6A7-D274D321558A}" srcOrd="1" destOrd="0" parTransId="{A25C51BD-7E14-4781-AD53-E468FA171317}" sibTransId="{FCA707F8-83B2-47FB-AB13-6A19DC3B7548}"/>
+    <dgm:cxn modelId="{3F3DA17E-382A-45CD-AF0D-08DF2A355897}" srcId="{F1A0AFB5-24FD-4458-8F58-5BE83E21BD44}" destId="{FA2E51AD-4E24-4048-B94A-B8544649CD8A}" srcOrd="2" destOrd="0" parTransId="{9F7A35D0-101A-4961-AB91-B37CD97B775B}" sibTransId="{8ED7BBAB-FAF9-4BC7-9FF9-F20780A13AE0}"/>
+    <dgm:cxn modelId="{1C98C691-4BCE-4055-ABC7-93369E351C26}" srcId="{F1A0AFB5-24FD-4458-8F58-5BE83E21BD44}" destId="{28C2C79C-BED1-4505-8C35-9D8902E40B0D}" srcOrd="3" destOrd="0" parTransId="{F106AF1E-2E25-4EF6-A555-B795242A1669}" sibTransId="{0559635F-EFBA-4EA6-9743-CE6714994A72}"/>
+    <dgm:cxn modelId="{6AE17F99-E361-45C2-99B5-5044A53257CC}" type="presOf" srcId="{0768D142-6EA6-428A-86FD-855C90B378C8}" destId="{520F014D-29A7-4924-92FF-1F3256B497F2}" srcOrd="0" destOrd="0" presId="urn:microsoft.com/office/officeart/2005/8/layout/default"/>
+    <dgm:cxn modelId="{DB1A45AC-5FBD-480E-A0B2-6AAADAA1ADC8}" srcId="{F1A0AFB5-24FD-4458-8F58-5BE83E21BD44}" destId="{C39DD50B-7B45-45DC-8C3D-D1467DAC8471}" srcOrd="5" destOrd="0" parTransId="{3D3232BB-BD0E-4918-9F3A-174430DE854F}" sibTransId="{12B1A86B-4D9D-4ACD-9D5D-CE121F2C2DDC}"/>
+    <dgm:cxn modelId="{443CB7AE-F1AD-4D5E-B7C0-22F1B314B89B}" type="presOf" srcId="{C39DD50B-7B45-45DC-8C3D-D1467DAC8471}" destId="{C69A3988-8292-472B-B557-5ED93F9E76C1}" srcOrd="0" destOrd="0" presId="urn:microsoft.com/office/officeart/2005/8/layout/default"/>
+    <dgm:cxn modelId="{0923D5C5-7A76-4F4E-89AA-8B713EF89566}" type="presOf" srcId="{2813B0F3-065F-4868-9E13-539E6A2D12DB}" destId="{25DAA7DD-FA0D-4EB2-BDAE-978A83AED16A}" srcOrd="0" destOrd="0" presId="urn:microsoft.com/office/officeart/2005/8/layout/default"/>
+    <dgm:cxn modelId="{4D818ECC-4B7A-4A45-9BE6-7C3389AD14F0}" srcId="{F1A0AFB5-24FD-4458-8F58-5BE83E21BD44}" destId="{0768D142-6EA6-428A-86FD-855C90B378C8}" srcOrd="7" destOrd="0" parTransId="{24116AC2-040F-42D0-8DF8-BB6CB6CE601B}" sibTransId="{70667204-1E5D-4B98-9BBC-D2D6A3683298}"/>
+    <dgm:cxn modelId="{772DFADE-DAAE-46B9-8F06-8840BF1DF8A8}" srcId="{F1A0AFB5-24FD-4458-8F58-5BE83E21BD44}" destId="{A3006FFC-4368-43CF-B624-74F4DF56082C}" srcOrd="4" destOrd="0" parTransId="{DC524974-3839-4A05-BCC1-FE43169D12BB}" sibTransId="{3B59D02B-D546-4C92-B647-76133D8CCEA7}"/>
+    <dgm:cxn modelId="{DD3C4FEB-BB3E-4489-B342-B72CB364D0B8}" type="presOf" srcId="{28C2C79C-BED1-4505-8C35-9D8902E40B0D}" destId="{8C26F689-143F-4C00-A4A3-B787DFC39221}" srcOrd="0" destOrd="0" presId="urn:microsoft.com/office/officeart/2005/8/layout/default"/>
+    <dgm:cxn modelId="{23CA54B9-1060-42A7-B735-82C2C816575D}" type="presParOf" srcId="{8D96BCE2-AC33-4FE7-82D2-100722380A73}" destId="{25DAA7DD-FA0D-4EB2-BDAE-978A83AED16A}" srcOrd="0" destOrd="0" presId="urn:microsoft.com/office/officeart/2005/8/layout/default"/>
+    <dgm:cxn modelId="{03A062FB-ED6C-45D3-81F8-F9D50F9633C1}" type="presParOf" srcId="{8D96BCE2-AC33-4FE7-82D2-100722380A73}" destId="{93024C33-8FAD-4B45-AD99-4E6BA7867286}" srcOrd="1" destOrd="0" presId="urn:microsoft.com/office/officeart/2005/8/layout/default"/>
+    <dgm:cxn modelId="{7C5E0BDA-49F3-4D0D-AD0C-6E81947DC6A9}" type="presParOf" srcId="{8D96BCE2-AC33-4FE7-82D2-100722380A73}" destId="{E39DCAA3-85F0-4A07-978A-50CADEE4810C}" srcOrd="2" destOrd="0" presId="urn:microsoft.com/office/officeart/2005/8/layout/default"/>
+    <dgm:cxn modelId="{66601E35-F064-4BFA-9459-93478F7EE279}" type="presParOf" srcId="{8D96BCE2-AC33-4FE7-82D2-100722380A73}" destId="{3BFE8D56-6B98-4B69-A08F-9F4AF5E6B8B9}" srcOrd="3" destOrd="0" presId="urn:microsoft.com/office/officeart/2005/8/layout/default"/>
+    <dgm:cxn modelId="{D188DE28-DACA-40FE-B432-2DF0FB463E31}" type="presParOf" srcId="{8D96BCE2-AC33-4FE7-82D2-100722380A73}" destId="{581C5F49-1181-46CE-AE39-06053B197763}" srcOrd="4" destOrd="0" presId="urn:microsoft.com/office/officeart/2005/8/layout/default"/>
+    <dgm:cxn modelId="{59D541FA-691F-4A97-872C-8997BD29D70C}" type="presParOf" srcId="{8D96BCE2-AC33-4FE7-82D2-100722380A73}" destId="{125D3787-A49E-48AD-B504-0613686FF919}" srcOrd="5" destOrd="0" presId="urn:microsoft.com/office/officeart/2005/8/layout/default"/>
+    <dgm:cxn modelId="{CC397139-1BB0-44F3-AE2E-77D971BFE1B0}" type="presParOf" srcId="{8D96BCE2-AC33-4FE7-82D2-100722380A73}" destId="{8C26F689-143F-4C00-A4A3-B787DFC39221}" srcOrd="6" destOrd="0" presId="urn:microsoft.com/office/officeart/2005/8/layout/default"/>
+    <dgm:cxn modelId="{62C4C81A-0423-4A0E-A279-59F79DD5D167}" type="presParOf" srcId="{8D96BCE2-AC33-4FE7-82D2-100722380A73}" destId="{BC4C5B27-1FD2-4A10-89B0-F3EB96E265FB}" srcOrd="7" destOrd="0" presId="urn:microsoft.com/office/officeart/2005/8/layout/default"/>
+    <dgm:cxn modelId="{C2A82323-96CE-4849-9FB3-561BD59004A3}" type="presParOf" srcId="{8D96BCE2-AC33-4FE7-82D2-100722380A73}" destId="{64CD4904-8969-49D5-B7D0-2E7D7DDB0136}" srcOrd="8" destOrd="0" presId="urn:microsoft.com/office/officeart/2005/8/layout/default"/>
+    <dgm:cxn modelId="{E394FDF4-84B9-4F29-9D56-88D5AE651806}" type="presParOf" srcId="{8D96BCE2-AC33-4FE7-82D2-100722380A73}" destId="{77302531-CC33-4A38-9450-721133CD2EC4}" srcOrd="9" destOrd="0" presId="urn:microsoft.com/office/officeart/2005/8/layout/default"/>
+    <dgm:cxn modelId="{68BE794E-68FB-4E5D-BC00-47622523527C}" type="presParOf" srcId="{8D96BCE2-AC33-4FE7-82D2-100722380A73}" destId="{C69A3988-8292-472B-B557-5ED93F9E76C1}" srcOrd="10" destOrd="0" presId="urn:microsoft.com/office/officeart/2005/8/layout/default"/>
+    <dgm:cxn modelId="{8476E915-D477-45DE-AF87-BD5ACFDA87B1}" type="presParOf" srcId="{8D96BCE2-AC33-4FE7-82D2-100722380A73}" destId="{D0AD2449-0BA3-4EBE-B9D1-49126664BF94}" srcOrd="11" destOrd="0" presId="urn:microsoft.com/office/officeart/2005/8/layout/default"/>
+    <dgm:cxn modelId="{C64C5A9B-EC09-4CC6-AA03-73C2DB39E8B3}" type="presParOf" srcId="{8D96BCE2-AC33-4FE7-82D2-100722380A73}" destId="{EB6B124A-36CC-4D72-8E14-B346F3C15788}" srcOrd="12" destOrd="0" presId="urn:microsoft.com/office/officeart/2005/8/layout/default"/>
+    <dgm:cxn modelId="{889E4C08-B06E-4948-AF4A-DC0F3C368E5B}" type="presParOf" srcId="{8D96BCE2-AC33-4FE7-82D2-100722380A73}" destId="{FAAAF030-8A74-4F5C-BC64-925883BEE894}" srcOrd="13" destOrd="0" presId="urn:microsoft.com/office/officeart/2005/8/layout/default"/>
+    <dgm:cxn modelId="{04C21038-9D27-48BF-A6C0-ACA5F9F82D39}" type="presParOf" srcId="{8D96BCE2-AC33-4FE7-82D2-100722380A73}" destId="{520F014D-29A7-4924-92FF-1F3256B497F2}" srcOrd="14" destOrd="0" presId="urn:microsoft.com/office/officeart/2005/8/layout/default"/>
+  </dgm:cxnLst>
+  <dgm:bg/>
+  <dgm:whole/>
+  <dgm:extLst>
+    <a:ext uri="http://schemas.microsoft.com/office/drawing/2008/diagram">
+      <dsp:dataModelExt xmlns:dsp="http://schemas.microsoft.com/office/drawing/2008/diagram" relId="rId6" minVer="http://schemas.openxmlformats.org/drawingml/2006/diagram"/>
+    </a:ext>
+  </dgm:extLst>
+</dgm:dataModel>
+</file>
+
+<file path=ppt/diagrams/drawing1.xml><?xml version="1.0" encoding="utf-8"?>
+<dsp:drawing xmlns:dgm="http://schemas.openxmlformats.org/drawingml/2006/diagram" xmlns:dsp="http://schemas.microsoft.com/office/drawing/2008/diagram" xmlns:a="http://schemas.openxmlformats.org/drawingml/2006/main">
+  <dsp:spTree>
+    <dsp:nvGrpSpPr>
+      <dsp:cNvPr id="0" name=""/>
+      <dsp:cNvGrpSpPr/>
+    </dsp:nvGrpSpPr>
+    <dsp:grpSpPr/>
+    <dsp:sp modelId="{25DAA7DD-FA0D-4EB2-BDAE-978A83AED16A}">
+      <dsp:nvSpPr>
+        <dsp:cNvPr id="0" name=""/>
+        <dsp:cNvSpPr/>
+      </dsp:nvSpPr>
+      <dsp:spPr>
+        <a:xfrm>
+          <a:off x="3170" y="130347"/>
+          <a:ext cx="2514897" cy="1508938"/>
+        </a:xfrm>
+        <a:prstGeom prst="rect">
+          <a:avLst/>
+        </a:prstGeom>
+        <a:gradFill rotWithShape="0">
+          <a:gsLst>
+            <a:gs pos="0">
+              <a:schemeClr val="accent2">
+                <a:hueOff val="0"/>
+                <a:satOff val="0"/>
+                <a:lumOff val="0"/>
+                <a:alphaOff val="0"/>
+                <a:tint val="96000"/>
+                <a:satMod val="100000"/>
+                <a:lumMod val="104000"/>
+              </a:schemeClr>
+            </a:gs>
+            <a:gs pos="78000">
+              <a:schemeClr val="accent2">
+                <a:hueOff val="0"/>
+                <a:satOff val="0"/>
+                <a:lumOff val="0"/>
+                <a:alphaOff val="0"/>
+                <a:shade val="100000"/>
+                <a:satMod val="110000"/>
+                <a:lumMod val="100000"/>
+              </a:schemeClr>
+            </a:gs>
+          </a:gsLst>
+          <a:lin ang="5400000" scaled="0"/>
+        </a:gradFill>
+        <a:ln>
+          <a:noFill/>
+        </a:ln>
+        <a:effectLst/>
+        <a:scene3d>
+          <a:camera prst="orthographicFront">
+            <a:rot lat="0" lon="0" rev="0"/>
+          </a:camera>
+          <a:lightRig rig="threePt" dir="t"/>
+        </a:scene3d>
+        <a:sp3d>
+          <a:bevelT w="25400" h="12700"/>
+        </a:sp3d>
+      </dsp:spPr>
+      <dsp:style>
+        <a:lnRef idx="0">
+          <a:scrgbClr r="0" g="0" b="0"/>
+        </a:lnRef>
+        <a:fillRef idx="3">
+          <a:scrgbClr r="0" g="0" b="0"/>
+        </a:fillRef>
+        <a:effectRef idx="2">
+          <a:scrgbClr r="0" g="0" b="0"/>
+        </a:effectRef>
+        <a:fontRef idx="minor">
+          <a:schemeClr val="lt1"/>
+        </a:fontRef>
+      </dsp:style>
+      <dsp:txBody>
+        <a:bodyPr spcFirstLastPara="0" vert="horz" wrap="square" lIns="95250" tIns="95250" rIns="95250" bIns="95250" numCol="1" spcCol="1270" anchor="ctr" anchorCtr="0">
+          <a:noAutofit/>
+        </a:bodyPr>
+        <a:lstStyle/>
+        <a:p>
+          <a:pPr marL="0" lvl="0" indent="0" algn="ctr" defTabSz="1111250">
+            <a:lnSpc>
+              <a:spcPct val="90000"/>
+            </a:lnSpc>
+            <a:spcBef>
+              <a:spcPct val="0"/>
+            </a:spcBef>
+            <a:spcAft>
+              <a:spcPct val="35000"/>
+            </a:spcAft>
+            <a:buNone/>
+          </a:pPr>
+          <a:r>
+            <a:rPr lang="en-US" sz="2500" kern="1200"/>
+            <a:t>Figure/Ground</a:t>
+          </a:r>
+        </a:p>
+      </dsp:txBody>
+      <dsp:txXfrm>
+        <a:off x="3170" y="130347"/>
+        <a:ext cx="2514897" cy="1508938"/>
+      </dsp:txXfrm>
+    </dsp:sp>
+    <dsp:sp modelId="{E39DCAA3-85F0-4A07-978A-50CADEE4810C}">
+      <dsp:nvSpPr>
+        <dsp:cNvPr id="0" name=""/>
+        <dsp:cNvSpPr/>
+      </dsp:nvSpPr>
+      <dsp:spPr>
+        <a:xfrm>
+          <a:off x="2769557" y="130347"/>
+          <a:ext cx="2514897" cy="1508938"/>
+        </a:xfrm>
+        <a:prstGeom prst="rect">
+          <a:avLst/>
+        </a:prstGeom>
+        <a:gradFill rotWithShape="0">
+          <a:gsLst>
+            <a:gs pos="0">
+              <a:schemeClr val="accent2">
+                <a:hueOff val="164213"/>
+                <a:satOff val="-2682"/>
+                <a:lumOff val="168"/>
+                <a:alphaOff val="0"/>
+                <a:tint val="96000"/>
+                <a:satMod val="100000"/>
+                <a:lumMod val="104000"/>
+              </a:schemeClr>
+            </a:gs>
+            <a:gs pos="78000">
+              <a:schemeClr val="accent2">
+                <a:hueOff val="164213"/>
+                <a:satOff val="-2682"/>
+                <a:lumOff val="168"/>
+                <a:alphaOff val="0"/>
+                <a:shade val="100000"/>
+                <a:satMod val="110000"/>
+                <a:lumMod val="100000"/>
+              </a:schemeClr>
+            </a:gs>
+          </a:gsLst>
+          <a:lin ang="5400000" scaled="0"/>
+        </a:gradFill>
+        <a:ln>
+          <a:noFill/>
+        </a:ln>
+        <a:effectLst/>
+        <a:scene3d>
+          <a:camera prst="orthographicFront">
+            <a:rot lat="0" lon="0" rev="0"/>
+          </a:camera>
+          <a:lightRig rig="threePt" dir="t"/>
+        </a:scene3d>
+        <a:sp3d>
+          <a:bevelT w="25400" h="12700"/>
+        </a:sp3d>
+      </dsp:spPr>
+      <dsp:style>
+        <a:lnRef idx="0">
+          <a:scrgbClr r="0" g="0" b="0"/>
+        </a:lnRef>
+        <a:fillRef idx="3">
+          <a:scrgbClr r="0" g="0" b="0"/>
+        </a:fillRef>
+        <a:effectRef idx="2">
+          <a:scrgbClr r="0" g="0" b="0"/>
+        </a:effectRef>
+        <a:fontRef idx="minor">
+          <a:schemeClr val="lt1"/>
+        </a:fontRef>
+      </dsp:style>
+      <dsp:txBody>
+        <a:bodyPr spcFirstLastPara="0" vert="horz" wrap="square" lIns="95250" tIns="95250" rIns="95250" bIns="95250" numCol="1" spcCol="1270" anchor="ctr" anchorCtr="0">
+          <a:noAutofit/>
+        </a:bodyPr>
+        <a:lstStyle/>
+        <a:p>
+          <a:pPr marL="0" lvl="0" indent="0" algn="ctr" defTabSz="1111250">
+            <a:lnSpc>
+              <a:spcPct val="90000"/>
+            </a:lnSpc>
+            <a:spcBef>
+              <a:spcPct val="0"/>
+            </a:spcBef>
+            <a:spcAft>
+              <a:spcPct val="35000"/>
+            </a:spcAft>
+            <a:buNone/>
+          </a:pPr>
+          <a:r>
+            <a:rPr lang="en-US" sz="2500" kern="1200"/>
+            <a:t>Proximity</a:t>
+          </a:r>
+        </a:p>
+      </dsp:txBody>
+      <dsp:txXfrm>
+        <a:off x="2769557" y="130347"/>
+        <a:ext cx="2514897" cy="1508938"/>
+      </dsp:txXfrm>
+    </dsp:sp>
+    <dsp:sp modelId="{581C5F49-1181-46CE-AE39-06053B197763}">
+      <dsp:nvSpPr>
+        <dsp:cNvPr id="0" name=""/>
+        <dsp:cNvSpPr/>
+      </dsp:nvSpPr>
+      <dsp:spPr>
+        <a:xfrm>
+          <a:off x="5535944" y="130347"/>
+          <a:ext cx="2514897" cy="1508938"/>
+        </a:xfrm>
+        <a:prstGeom prst="rect">
+          <a:avLst/>
+        </a:prstGeom>
+        <a:gradFill rotWithShape="0">
+          <a:gsLst>
+            <a:gs pos="0">
+              <a:schemeClr val="accent2">
+                <a:hueOff val="328426"/>
+                <a:satOff val="-5363"/>
+                <a:lumOff val="336"/>
+                <a:alphaOff val="0"/>
+                <a:tint val="96000"/>
+                <a:satMod val="100000"/>
+                <a:lumMod val="104000"/>
+              </a:schemeClr>
+            </a:gs>
+            <a:gs pos="78000">
+              <a:schemeClr val="accent2">
+                <a:hueOff val="328426"/>
+                <a:satOff val="-5363"/>
+                <a:lumOff val="336"/>
+                <a:alphaOff val="0"/>
+                <a:shade val="100000"/>
+                <a:satMod val="110000"/>
+                <a:lumMod val="100000"/>
+              </a:schemeClr>
+            </a:gs>
+          </a:gsLst>
+          <a:lin ang="5400000" scaled="0"/>
+        </a:gradFill>
+        <a:ln>
+          <a:noFill/>
+        </a:ln>
+        <a:effectLst/>
+        <a:scene3d>
+          <a:camera prst="orthographicFront">
+            <a:rot lat="0" lon="0" rev="0"/>
+          </a:camera>
+          <a:lightRig rig="threePt" dir="t"/>
+        </a:scene3d>
+        <a:sp3d>
+          <a:bevelT w="25400" h="12700"/>
+        </a:sp3d>
+      </dsp:spPr>
+      <dsp:style>
+        <a:lnRef idx="0">
+          <a:scrgbClr r="0" g="0" b="0"/>
+        </a:lnRef>
+        <a:fillRef idx="3">
+          <a:scrgbClr r="0" g="0" b="0"/>
+        </a:fillRef>
+        <a:effectRef idx="2">
+          <a:scrgbClr r="0" g="0" b="0"/>
+        </a:effectRef>
+        <a:fontRef idx="minor">
+          <a:schemeClr val="lt1"/>
+        </a:fontRef>
+      </dsp:style>
+      <dsp:txBody>
+        <a:bodyPr spcFirstLastPara="0" vert="horz" wrap="square" lIns="95250" tIns="95250" rIns="95250" bIns="95250" numCol="1" spcCol="1270" anchor="ctr" anchorCtr="0">
+          <a:noAutofit/>
+        </a:bodyPr>
+        <a:lstStyle/>
+        <a:p>
+          <a:pPr marL="0" lvl="0" indent="0" algn="ctr" defTabSz="1111250">
+            <a:lnSpc>
+              <a:spcPct val="90000"/>
+            </a:lnSpc>
+            <a:spcBef>
+              <a:spcPct val="0"/>
+            </a:spcBef>
+            <a:spcAft>
+              <a:spcPct val="35000"/>
+            </a:spcAft>
+            <a:buNone/>
+          </a:pPr>
+          <a:r>
+            <a:rPr lang="en-US" sz="2500" kern="1200"/>
+            <a:t>Similarity</a:t>
+          </a:r>
+        </a:p>
+      </dsp:txBody>
+      <dsp:txXfrm>
+        <a:off x="5535944" y="130347"/>
+        <a:ext cx="2514897" cy="1508938"/>
+      </dsp:txXfrm>
+    </dsp:sp>
+    <dsp:sp modelId="{8C26F689-143F-4C00-A4A3-B787DFC39221}">
+      <dsp:nvSpPr>
+        <dsp:cNvPr id="0" name=""/>
+        <dsp:cNvSpPr/>
+      </dsp:nvSpPr>
+      <dsp:spPr>
+        <a:xfrm>
+          <a:off x="8302332" y="130347"/>
+          <a:ext cx="2514897" cy="1508938"/>
+        </a:xfrm>
+        <a:prstGeom prst="rect">
+          <a:avLst/>
+        </a:prstGeom>
+        <a:gradFill rotWithShape="0">
+          <a:gsLst>
+            <a:gs pos="0">
+              <a:schemeClr val="accent2">
+                <a:hueOff val="492639"/>
+                <a:satOff val="-8045"/>
+                <a:lumOff val="504"/>
+                <a:alphaOff val="0"/>
+                <a:tint val="96000"/>
+                <a:satMod val="100000"/>
+                <a:lumMod val="104000"/>
+              </a:schemeClr>
+            </a:gs>
+            <a:gs pos="78000">
+              <a:schemeClr val="accent2">
+                <a:hueOff val="492639"/>
+                <a:satOff val="-8045"/>
+                <a:lumOff val="504"/>
+                <a:alphaOff val="0"/>
+                <a:shade val="100000"/>
+                <a:satMod val="110000"/>
+                <a:lumMod val="100000"/>
+              </a:schemeClr>
+            </a:gs>
+          </a:gsLst>
+          <a:lin ang="5400000" scaled="0"/>
+        </a:gradFill>
+        <a:ln>
+          <a:noFill/>
+        </a:ln>
+        <a:effectLst/>
+        <a:scene3d>
+          <a:camera prst="orthographicFront">
+            <a:rot lat="0" lon="0" rev="0"/>
+          </a:camera>
+          <a:lightRig rig="threePt" dir="t"/>
+        </a:scene3d>
+        <a:sp3d>
+          <a:bevelT w="25400" h="12700"/>
+        </a:sp3d>
+      </dsp:spPr>
+      <dsp:style>
+        <a:lnRef idx="0">
+          <a:scrgbClr r="0" g="0" b="0"/>
+        </a:lnRef>
+        <a:fillRef idx="3">
+          <a:scrgbClr r="0" g="0" b="0"/>
+        </a:fillRef>
+        <a:effectRef idx="2">
+          <a:scrgbClr r="0" g="0" b="0"/>
+        </a:effectRef>
+        <a:fontRef idx="minor">
+          <a:schemeClr val="lt1"/>
+        </a:fontRef>
+      </dsp:style>
+      <dsp:txBody>
+        <a:bodyPr spcFirstLastPara="0" vert="horz" wrap="square" lIns="95250" tIns="95250" rIns="95250" bIns="95250" numCol="1" spcCol="1270" anchor="ctr" anchorCtr="0">
+          <a:noAutofit/>
+        </a:bodyPr>
+        <a:lstStyle/>
+        <a:p>
+          <a:pPr marL="0" lvl="0" indent="0" algn="ctr" defTabSz="1111250">
+            <a:lnSpc>
+              <a:spcPct val="90000"/>
+            </a:lnSpc>
+            <a:spcBef>
+              <a:spcPct val="0"/>
+            </a:spcBef>
+            <a:spcAft>
+              <a:spcPct val="35000"/>
+            </a:spcAft>
+            <a:buNone/>
+          </a:pPr>
+          <a:r>
+            <a:rPr lang="en-US" sz="2500" kern="1200"/>
+            <a:t>Common Fate</a:t>
+          </a:r>
+        </a:p>
+      </dsp:txBody>
+      <dsp:txXfrm>
+        <a:off x="8302332" y="130347"/>
+        <a:ext cx="2514897" cy="1508938"/>
+      </dsp:txXfrm>
+    </dsp:sp>
+    <dsp:sp modelId="{64CD4904-8969-49D5-B7D0-2E7D7DDB0136}">
+      <dsp:nvSpPr>
+        <dsp:cNvPr id="0" name=""/>
+        <dsp:cNvSpPr/>
+      </dsp:nvSpPr>
+      <dsp:spPr>
+        <a:xfrm>
+          <a:off x="3170" y="1890775"/>
+          <a:ext cx="2514897" cy="1508938"/>
+        </a:xfrm>
+        <a:prstGeom prst="rect">
+          <a:avLst/>
+        </a:prstGeom>
+        <a:gradFill rotWithShape="0">
+          <a:gsLst>
+            <a:gs pos="0">
+              <a:schemeClr val="accent2">
+                <a:hueOff val="656851"/>
+                <a:satOff val="-10727"/>
+                <a:lumOff val="672"/>
+                <a:alphaOff val="0"/>
+                <a:tint val="96000"/>
+                <a:satMod val="100000"/>
+                <a:lumMod val="104000"/>
+              </a:schemeClr>
+            </a:gs>
+            <a:gs pos="78000">
+              <a:schemeClr val="accent2">
+                <a:hueOff val="656851"/>
+                <a:satOff val="-10727"/>
+                <a:lumOff val="672"/>
+                <a:alphaOff val="0"/>
+                <a:shade val="100000"/>
+                <a:satMod val="110000"/>
+                <a:lumMod val="100000"/>
+              </a:schemeClr>
+            </a:gs>
+          </a:gsLst>
+          <a:lin ang="5400000" scaled="0"/>
+        </a:gradFill>
+        <a:ln>
+          <a:noFill/>
+        </a:ln>
+        <a:effectLst/>
+        <a:scene3d>
+          <a:camera prst="orthographicFront">
+            <a:rot lat="0" lon="0" rev="0"/>
+          </a:camera>
+          <a:lightRig rig="threePt" dir="t"/>
+        </a:scene3d>
+        <a:sp3d>
+          <a:bevelT w="25400" h="12700"/>
+        </a:sp3d>
+      </dsp:spPr>
+      <dsp:style>
+        <a:lnRef idx="0">
+          <a:scrgbClr r="0" g="0" b="0"/>
+        </a:lnRef>
+        <a:fillRef idx="3">
+          <a:scrgbClr r="0" g="0" b="0"/>
+        </a:fillRef>
+        <a:effectRef idx="2">
+          <a:scrgbClr r="0" g="0" b="0"/>
+        </a:effectRef>
+        <a:fontRef idx="minor">
+          <a:schemeClr val="lt1"/>
+        </a:fontRef>
+      </dsp:style>
+      <dsp:txBody>
+        <a:bodyPr spcFirstLastPara="0" vert="horz" wrap="square" lIns="95250" tIns="95250" rIns="95250" bIns="95250" numCol="1" spcCol="1270" anchor="ctr" anchorCtr="0">
+          <a:noAutofit/>
+        </a:bodyPr>
+        <a:lstStyle/>
+        <a:p>
+          <a:pPr marL="0" lvl="0" indent="0" algn="ctr" defTabSz="1111250">
+            <a:lnSpc>
+              <a:spcPct val="90000"/>
+            </a:lnSpc>
+            <a:spcBef>
+              <a:spcPct val="0"/>
+            </a:spcBef>
+            <a:spcAft>
+              <a:spcPct val="35000"/>
+            </a:spcAft>
+            <a:buNone/>
+          </a:pPr>
+          <a:r>
+            <a:rPr lang="en-US" sz="2500" kern="1200"/>
+            <a:t>Uniform Correctedness</a:t>
+          </a:r>
+        </a:p>
+      </dsp:txBody>
+      <dsp:txXfrm>
+        <a:off x="3170" y="1890775"/>
+        <a:ext cx="2514897" cy="1508938"/>
+      </dsp:txXfrm>
+    </dsp:sp>
+    <dsp:sp modelId="{C69A3988-8292-472B-B557-5ED93F9E76C1}">
+      <dsp:nvSpPr>
+        <dsp:cNvPr id="0" name=""/>
+        <dsp:cNvSpPr/>
+      </dsp:nvSpPr>
+      <dsp:spPr>
+        <a:xfrm>
+          <a:off x="2769557" y="1890775"/>
+          <a:ext cx="2514897" cy="1508938"/>
+        </a:xfrm>
+        <a:prstGeom prst="rect">
+          <a:avLst/>
+        </a:prstGeom>
+        <a:gradFill rotWithShape="0">
+          <a:gsLst>
+            <a:gs pos="0">
+              <a:schemeClr val="accent2">
+                <a:hueOff val="821064"/>
+                <a:satOff val="-13409"/>
+                <a:lumOff val="840"/>
+                <a:alphaOff val="0"/>
+                <a:tint val="96000"/>
+                <a:satMod val="100000"/>
+                <a:lumMod val="104000"/>
+              </a:schemeClr>
+            </a:gs>
+            <a:gs pos="78000">
+              <a:schemeClr val="accent2">
+                <a:hueOff val="821064"/>
+                <a:satOff val="-13409"/>
+                <a:lumOff val="840"/>
+                <a:alphaOff val="0"/>
+                <a:shade val="100000"/>
+                <a:satMod val="110000"/>
+                <a:lumMod val="100000"/>
+              </a:schemeClr>
+            </a:gs>
+          </a:gsLst>
+          <a:lin ang="5400000" scaled="0"/>
+        </a:gradFill>
+        <a:ln>
+          <a:noFill/>
+        </a:ln>
+        <a:effectLst/>
+        <a:scene3d>
+          <a:camera prst="orthographicFront">
+            <a:rot lat="0" lon="0" rev="0"/>
+          </a:camera>
+          <a:lightRig rig="threePt" dir="t"/>
+        </a:scene3d>
+        <a:sp3d>
+          <a:bevelT w="25400" h="12700"/>
+        </a:sp3d>
+      </dsp:spPr>
+      <dsp:style>
+        <a:lnRef idx="0">
+          <a:scrgbClr r="0" g="0" b="0"/>
+        </a:lnRef>
+        <a:fillRef idx="3">
+          <a:scrgbClr r="0" g="0" b="0"/>
+        </a:fillRef>
+        <a:effectRef idx="2">
+          <a:scrgbClr r="0" g="0" b="0"/>
+        </a:effectRef>
+        <a:fontRef idx="minor">
+          <a:schemeClr val="lt1"/>
+        </a:fontRef>
+      </dsp:style>
+      <dsp:txBody>
+        <a:bodyPr spcFirstLastPara="0" vert="horz" wrap="square" lIns="95250" tIns="95250" rIns="95250" bIns="95250" numCol="1" spcCol="1270" anchor="ctr" anchorCtr="0">
+          <a:noAutofit/>
+        </a:bodyPr>
+        <a:lstStyle/>
+        <a:p>
+          <a:pPr marL="0" lvl="0" indent="0" algn="ctr" defTabSz="1111250">
+            <a:lnSpc>
+              <a:spcPct val="90000"/>
+            </a:lnSpc>
+            <a:spcBef>
+              <a:spcPct val="0"/>
+            </a:spcBef>
+            <a:spcAft>
+              <a:spcPct val="35000"/>
+            </a:spcAft>
+            <a:buNone/>
+          </a:pPr>
+          <a:r>
+            <a:rPr lang="en-US" sz="2500" kern="1200"/>
+            <a:t>Continuation</a:t>
+          </a:r>
+        </a:p>
+      </dsp:txBody>
+      <dsp:txXfrm>
+        <a:off x="2769557" y="1890775"/>
+        <a:ext cx="2514897" cy="1508938"/>
+      </dsp:txXfrm>
+    </dsp:sp>
+    <dsp:sp modelId="{EB6B124A-36CC-4D72-8E14-B346F3C15788}">
+      <dsp:nvSpPr>
+        <dsp:cNvPr id="0" name=""/>
+        <dsp:cNvSpPr/>
+      </dsp:nvSpPr>
+      <dsp:spPr>
+        <a:xfrm>
+          <a:off x="5535944" y="1890775"/>
+          <a:ext cx="2514897" cy="1508938"/>
+        </a:xfrm>
+        <a:prstGeom prst="rect">
+          <a:avLst/>
+        </a:prstGeom>
+        <a:gradFill rotWithShape="0">
+          <a:gsLst>
+            <a:gs pos="0">
+              <a:schemeClr val="accent2">
+                <a:hueOff val="985277"/>
+                <a:satOff val="-16090"/>
+                <a:lumOff val="1008"/>
+                <a:alphaOff val="0"/>
+                <a:tint val="96000"/>
+                <a:satMod val="100000"/>
+                <a:lumMod val="104000"/>
+              </a:schemeClr>
+            </a:gs>
+            <a:gs pos="78000">
+              <a:schemeClr val="accent2">
+                <a:hueOff val="985277"/>
+                <a:satOff val="-16090"/>
+                <a:lumOff val="1008"/>
+                <a:alphaOff val="0"/>
+                <a:shade val="100000"/>
+                <a:satMod val="110000"/>
+                <a:lumMod val="100000"/>
+              </a:schemeClr>
+            </a:gs>
+          </a:gsLst>
+          <a:lin ang="5400000" scaled="0"/>
+        </a:gradFill>
+        <a:ln>
+          <a:noFill/>
+        </a:ln>
+        <a:effectLst/>
+        <a:scene3d>
+          <a:camera prst="orthographicFront">
+            <a:rot lat="0" lon="0" rev="0"/>
+          </a:camera>
+          <a:lightRig rig="threePt" dir="t"/>
+        </a:scene3d>
+        <a:sp3d>
+          <a:bevelT w="25400" h="12700"/>
+        </a:sp3d>
+      </dsp:spPr>
+      <dsp:style>
+        <a:lnRef idx="0">
+          <a:scrgbClr r="0" g="0" b="0"/>
+        </a:lnRef>
+        <a:fillRef idx="3">
+          <a:scrgbClr r="0" g="0" b="0"/>
+        </a:fillRef>
+        <a:effectRef idx="2">
+          <a:scrgbClr r="0" g="0" b="0"/>
+        </a:effectRef>
+        <a:fontRef idx="minor">
+          <a:schemeClr val="lt1"/>
+        </a:fontRef>
+      </dsp:style>
+      <dsp:txBody>
+        <a:bodyPr spcFirstLastPara="0" vert="horz" wrap="square" lIns="95250" tIns="95250" rIns="95250" bIns="95250" numCol="1" spcCol="1270" anchor="ctr" anchorCtr="0">
+          <a:noAutofit/>
+        </a:bodyPr>
+        <a:lstStyle/>
+        <a:p>
+          <a:pPr marL="0" lvl="0" indent="0" algn="ctr" defTabSz="1111250">
+            <a:lnSpc>
+              <a:spcPct val="90000"/>
+            </a:lnSpc>
+            <a:spcBef>
+              <a:spcPct val="0"/>
+            </a:spcBef>
+            <a:spcAft>
+              <a:spcPct val="35000"/>
+            </a:spcAft>
+            <a:buNone/>
+          </a:pPr>
+          <a:r>
+            <a:rPr lang="en-US" sz="2500" kern="1200"/>
+            <a:t>Closure</a:t>
+          </a:r>
+        </a:p>
+      </dsp:txBody>
+      <dsp:txXfrm>
+        <a:off x="5535944" y="1890775"/>
+        <a:ext cx="2514897" cy="1508938"/>
+      </dsp:txXfrm>
+    </dsp:sp>
+    <dsp:sp modelId="{520F014D-29A7-4924-92FF-1F3256B497F2}">
+      <dsp:nvSpPr>
+        <dsp:cNvPr id="0" name=""/>
+        <dsp:cNvSpPr/>
+      </dsp:nvSpPr>
+      <dsp:spPr>
+        <a:xfrm>
+          <a:off x="8302332" y="1890775"/>
+          <a:ext cx="2514897" cy="1508938"/>
+        </a:xfrm>
+        <a:prstGeom prst="rect">
+          <a:avLst/>
+        </a:prstGeom>
+        <a:gradFill rotWithShape="0">
+          <a:gsLst>
+            <a:gs pos="0">
+              <a:schemeClr val="accent2">
+                <a:hueOff val="1149490"/>
+                <a:satOff val="-18772"/>
+                <a:lumOff val="1176"/>
+                <a:alphaOff val="0"/>
+                <a:tint val="96000"/>
+                <a:satMod val="100000"/>
+                <a:lumMod val="104000"/>
+              </a:schemeClr>
+            </a:gs>
+            <a:gs pos="78000">
+              <a:schemeClr val="accent2">
+                <a:hueOff val="1149490"/>
+                <a:satOff val="-18772"/>
+                <a:lumOff val="1176"/>
+                <a:alphaOff val="0"/>
+                <a:shade val="100000"/>
+                <a:satMod val="110000"/>
+                <a:lumMod val="100000"/>
+              </a:schemeClr>
+            </a:gs>
+          </a:gsLst>
+          <a:lin ang="5400000" scaled="0"/>
+        </a:gradFill>
+        <a:ln>
+          <a:noFill/>
+        </a:ln>
+        <a:effectLst/>
+        <a:scene3d>
+          <a:camera prst="orthographicFront">
+            <a:rot lat="0" lon="0" rev="0"/>
+          </a:camera>
+          <a:lightRig rig="threePt" dir="t"/>
+        </a:scene3d>
+        <a:sp3d>
+          <a:bevelT w="25400" h="12700"/>
+        </a:sp3d>
+      </dsp:spPr>
+      <dsp:style>
+        <a:lnRef idx="0">
+          <a:scrgbClr r="0" g="0" b="0"/>
+        </a:lnRef>
+        <a:fillRef idx="3">
+          <a:scrgbClr r="0" g="0" b="0"/>
+        </a:fillRef>
+        <a:effectRef idx="2">
+          <a:scrgbClr r="0" g="0" b="0"/>
+        </a:effectRef>
+        <a:fontRef idx="minor">
+          <a:schemeClr val="lt1"/>
+        </a:fontRef>
+      </dsp:style>
+      <dsp:txBody>
+        <a:bodyPr spcFirstLastPara="0" vert="horz" wrap="square" lIns="95250" tIns="95250" rIns="95250" bIns="95250" numCol="1" spcCol="1270" anchor="ctr" anchorCtr="0">
+          <a:noAutofit/>
+        </a:bodyPr>
+        <a:lstStyle/>
+        <a:p>
+          <a:pPr marL="0" lvl="0" indent="0" algn="ctr" defTabSz="1111250">
+            <a:lnSpc>
+              <a:spcPct val="90000"/>
+            </a:lnSpc>
+            <a:spcBef>
+              <a:spcPct val="0"/>
+            </a:spcBef>
+            <a:spcAft>
+              <a:spcPct val="35000"/>
+            </a:spcAft>
+            <a:buNone/>
+          </a:pPr>
+          <a:r>
+            <a:rPr lang="en-US" sz="2500" kern="1200"/>
+            <a:t>Pragnanz</a:t>
+          </a:r>
+        </a:p>
+      </dsp:txBody>
+      <dsp:txXfrm>
+        <a:off x="8302332" y="1890775"/>
+        <a:ext cx="2514897" cy="1508938"/>
+      </dsp:txXfrm>
+    </dsp:sp>
+  </dsp:spTree>
+</dsp:drawing>
+</file>
+
+<file path=ppt/diagrams/layout1.xml><?xml version="1.0" encoding="utf-8"?>
+<dgm:layoutDef xmlns:dgm="http://schemas.openxmlformats.org/drawingml/2006/diagram" xmlns:a="http://schemas.openxmlformats.org/drawingml/2006/main" uniqueId="urn:microsoft.com/office/officeart/2005/8/layout/default">
+  <dgm:title val=""/>
+  <dgm:desc val=""/>
+  <dgm:catLst>
+    <dgm:cat type="list" pri="400"/>
+  </dgm:catLst>
+  <dgm:sampData>
+    <dgm:dataModel>
+      <dgm:ptLst>
+        <dgm:pt modelId="0" type="doc"/>
+        <dgm:pt modelId="1">
+          <dgm:prSet phldr="1"/>
+        </dgm:pt>
+        <dgm:pt modelId="2">
+          <dgm:prSet phldr="1"/>
+        </dgm:pt>
+        <dgm:pt modelId="3">
+          <dgm:prSet phldr="1"/>
+        </dgm:pt>
+        <dgm:pt modelId="4">
+          <dgm:prSet phldr="1"/>
+        </dgm:pt>
+        <dgm:pt modelId="5">
+          <dgm:prSet phldr="1"/>
+        </dgm:pt>
+      </dgm:ptLst>
+      <dgm:cxnLst>
+        <dgm:cxn modelId="6" srcId="0" destId="1" srcOrd="0" destOrd="0"/>
+        <dgm:cxn modelId="7" srcId="0" destId="2" srcOrd="1" destOrd="0"/>
+        <dgm:cxn modelId="8" srcId="0" destId="3" srcOrd="2" destOrd="0"/>
+        <dgm:cxn modelId="9" srcId="0" destId="4" srcOrd="3" destOrd="0"/>
+        <dgm:cxn modelId="10" srcId="0" destId="5" srcOrd="4" destOrd="0"/>
+      </dgm:cxnLst>
+      <dgm:bg/>
+      <dgm:whole/>
+    </dgm:dataModel>
+  </dgm:sampData>
+  <dgm:styleData>
+    <dgm:dataModel>
+      <dgm:ptLst>
+        <dgm:pt modelId="0" type="doc"/>
+        <dgm:pt modelId="1"/>
+        <dgm:pt modelId="2"/>
+      </dgm:ptLst>
+      <dgm:cxnLst>
+        <dgm:cxn modelId="3" srcId="0" destId="1" srcOrd="0" destOrd="0"/>
+        <dgm:cxn modelId="4" srcId="0" destId="2" srcOrd="1" destOrd="0"/>
+      </dgm:cxnLst>
+      <dgm:bg/>
+      <dgm:whole/>
+    </dgm:dataModel>
+  </dgm:styleData>
+  <dgm:clrData>
+    <dgm:dataModel>
+      <dgm:ptLst>
+        <dgm:pt modelId="0" type="doc"/>
+        <dgm:pt modelId="1"/>
+        <dgm:pt modelId="2"/>
+        <dgm:pt modelId="3"/>
+        <dgm:pt modelId="4"/>
+        <dgm:pt modelId="5"/>
+        <dgm:pt modelId="6"/>
+      </dgm:ptLst>
+      <dgm:cxnLst>
+        <dgm:cxn modelId="7" srcId="0" destId="1" srcOrd="0" destOrd="0"/>
+        <dgm:cxn modelId="8" srcId="0" destId="2" srcOrd="1" destOrd="0"/>
+        <dgm:cxn modelId="9" srcId="0" destId="3" srcOrd="2" destOrd="0"/>
+        <dgm:cxn modelId="10" srcId="0" destId="4" srcOrd="3" destOrd="0"/>
+        <dgm:cxn modelId="11" srcId="0" destId="5" srcOrd="4" destOrd="0"/>
+        <dgm:cxn modelId="12" srcId="0" destId="6" srcOrd="5" destOrd="0"/>
+      </dgm:cxnLst>
+      <dgm:bg/>
+      <dgm:whole/>
+    </dgm:dataModel>
+  </dgm:clrData>
+  <dgm:layoutNode name="diagram">
+    <dgm:varLst>
+      <dgm:dir/>
+      <dgm:resizeHandles val="exact"/>
+    </dgm:varLst>
+    <dgm:choose name="Name0">
+      <dgm:if name="Name1" func="var" arg="dir" op="equ" val="norm">
+        <dgm:alg type="snake">
+          <dgm:param type="grDir" val="tL"/>
+          <dgm:param type="flowDir" val="row"/>
+          <dgm:param type="contDir" val="sameDir"/>
+          <dgm:param type="off" val="ctr"/>
+        </dgm:alg>
+      </dgm:if>
+      <dgm:else name="Name2">
+        <dgm:alg type="snake">
+          <dgm:param type="grDir" val="tR"/>
+          <dgm:param type="flowDir" val="row"/>
+          <dgm:param type="contDir" val="sameDir"/>
+          <dgm:param type="off" val="ctr"/>
+        </dgm:alg>
+      </dgm:else>
+    </dgm:choose>
+    <dgm:shape xmlns:r="http://schemas.openxmlformats.org/officeDocument/2006/relationships" r:blip="">
+      <dgm:adjLst/>
+    </dgm:shape>
+    <dgm:presOf/>
+    <dgm:constrLst>
+      <dgm:constr type="w" for="ch" forName="node" refType="w"/>
+      <dgm:constr type="h" for="ch" forName="node" refType="w" refFor="ch" refForName="node" fact="0.6"/>
+      <dgm:constr type="w" for="ch" forName="sibTrans" refType="w" refFor="ch" refForName="node" fact="0.1"/>
+      <dgm:constr type="sp" refType="w" refFor="ch" refForName="sibTrans"/>
+      <dgm:constr type="primFontSz" for="ch" forName="node" op="equ" val="65"/>
+    </dgm:constrLst>
+    <dgm:ruleLst/>
+    <dgm:forEach name="Name3" axis="ch" ptType="node">
+      <dgm:layoutNode name="node">
+        <dgm:varLst>
+          <dgm:bulletEnabled val="1"/>
+        </dgm:varLst>
+        <dgm:alg type="tx"/>
+        <dgm:shape xmlns:r="http://schemas.openxmlformats.org/officeDocument/2006/relationships" type="rect" r:blip="">
+          <dgm:adjLst/>
+        </dgm:shape>
+        <dgm:presOf axis="desOrSelf" ptType="node"/>
+        <dgm:constrLst>
+          <dgm:constr type="lMarg" refType="primFontSz" fact="0.3"/>
+          <dgm:constr type="rMarg" refType="primFontSz" fact="0.3"/>
+          <dgm:constr type="tMarg" refType="primFontSz" fact="0.3"/>
+          <dgm:constr type="bMarg" refType="primFontSz" fact="0.3"/>
+        </dgm:constrLst>
+        <dgm:ruleLst>
+          <dgm:rule type="primFontSz" val="5" fact="NaN" max="NaN"/>
+        </dgm:ruleLst>
+      </dgm:layoutNode>
+      <dgm:forEach name="Name4" axis="followSib" ptType="sibTrans" cnt="1">
+        <dgm:layoutNode name="sibTrans">
+          <dgm:alg type="sp"/>
+          <dgm:shape xmlns:r="http://schemas.openxmlformats.org/officeDocument/2006/relationships" r:blip="">
+            <dgm:adjLst/>
+          </dgm:shape>
+          <dgm:presOf/>
+          <dgm:constrLst/>
+          <dgm:ruleLst/>
+        </dgm:layoutNode>
+      </dgm:forEach>
+    </dgm:forEach>
+  </dgm:layoutNode>
+</dgm:layoutDef>
+</file>
+
+<file path=ppt/diagrams/quickStyle1.xml><?xml version="1.0" encoding="utf-8"?>
+<dgm:styleDef xmlns:dgm="http://schemas.openxmlformats.org/drawingml/2006/diagram" xmlns:a="http://schemas.openxmlformats.org/drawingml/2006/main" uniqueId="urn:microsoft.com/office/officeart/2005/8/quickstyle/simple4">
+  <dgm:title val=""/>
+  <dgm:desc val=""/>
+  <dgm:catLst>
+    <dgm:cat type="simple" pri="10400"/>
+  </dgm:catLst>
+  <dgm:scene3d>
+    <a:camera prst="orthographicFront"/>
+    <a:lightRig rig="threePt" dir="t"/>
+  </dgm:scene3d>
+  <dgm:styleLbl name="node0">
+    <dgm:scene3d>
+      <a:camera prst="orthographicFront"/>
+      <a:lightRig rig="threePt" dir="t"/>
+    </dgm:scene3d>
+    <dgm:sp3d/>
+    <dgm:txPr/>
+    <dgm:style>
+      <a:lnRef idx="0">
+        <a:scrgbClr r="0" g="0" b="0"/>
+      </a:lnRef>
+      <a:fillRef idx="3">
+        <a:scrgbClr r="0" g="0" b="0"/>
+      </a:fillRef>
+      <a:effectRef idx="2">
+        <a:scrgbClr r="0" g="0" b="0"/>
+      </a:effectRef>
+      <a:fontRef idx="minor">
+        <a:schemeClr val="lt1"/>
+      </a:fontRef>
+    </dgm:style>
+  </dgm:styleLbl>
+  <dgm:styleLbl name="lnNode1">
+    <dgm:scene3d>
+      <a:camera prst="orthographicFront"/>
+      <a:lightRig rig="threePt" dir="t"/>
+    </dgm:scene3d>
+    <dgm:sp3d/>
+    <dgm:txPr/>
+    <dgm:style>
+      <a:lnRef idx="1">
+        <a:scrgbClr r="0" g="0" b="0"/>
+      </a:lnRef>
+      <a:fillRef idx="3">
+        <a:scrgbClr r="0" g="0" b="0"/>
+      </a:fillRef>
+      <a:effectRef idx="2">
+        <a:scrgbClr r="0" g="0" b="0"/>
+      </a:effectRef>
+      <a:fontRef idx="minor">
+        <a:schemeClr val="lt1"/>
+      </a:fontRef>
+    </dgm:style>
+  </dgm:styleLbl>
+  <dgm:styleLbl name="vennNode1">
+    <dgm:scene3d>
+      <a:camera prst="orthographicFront"/>
+      <a:lightRig rig="threePt" dir="t"/>
+    </dgm:scene3d>
+    <dgm:sp3d/>
+    <dgm:txPr/>
+    <dgm:style>
+      <a:lnRef idx="0">
+        <a:scrgbClr r="0" g="0" b="0"/>
+      </a:lnRef>
+      <a:fillRef idx="3">
+        <a:scrgbClr r="0" g="0" b="0"/>
+      </a:fillRef>
+      <a:effectRef idx="0">
+        <a:scrgbClr r="0" g="0" b="0"/>
+      </a:effectRef>
+      <a:fontRef idx="minor">
+        <a:schemeClr val="tx1"/>
+      </a:fontRef>
+    </dgm:style>
+  </dgm:styleLbl>
+  <dgm:styleLbl name="alignNode1">
+    <dgm:scene3d>
+      <a:camera prst="orthographicFront"/>
+      <a:lightRig rig="threePt" dir="t"/>
+    </dgm:scene3d>
+    <dgm:sp3d/>
+    <dgm:txPr/>
+    <dgm:style>
+      <a:lnRef idx="1">
+        <a:scrgbClr r="0" g="0" b="0"/>
+      </a:lnRef>
+      <a:fillRef idx="3">
+        <a:scrgbClr r="0" g="0" b="0"/>
+      </a:fillRef>
+      <a:effectRef idx="2">
+        <a:scrgbClr r="0" g="0" b="0"/>
+      </a:effectRef>
+      <a:fontRef idx="minor">
+        <a:schemeClr val="lt1"/>
+      </a:fontRef>
+    </dgm:style>
+  </dgm:styleLbl>
+  <dgm:styleLbl name="node1">
+    <dgm:scene3d>
+      <a:camera prst="orthographicFront"/>
+      <a:lightRig rig="threePt" dir="t"/>
+    </dgm:scene3d>
+    <dgm:sp3d/>
+    <dgm:txPr/>
+    <dgm:style>
+      <a:lnRef idx="0">
+        <a:scrgbClr r="0" g="0" b="0"/>
+      </a:lnRef>
+      <a:fillRef idx="3">
+        <a:scrgbClr r="0" g="0" b="0"/>
+      </a:fillRef>
+      <a:effectRef idx="2">
+        <a:scrgbClr r="0" g="0" b="0"/>
+      </a:effectRef>
+      <a:fontRef idx="minor">
+        <a:schemeClr val="lt1"/>
+      </a:fontRef>
+    </dgm:style>
+  </dgm:styleLbl>
+  <dgm:styleLbl name="node2">
+    <dgm:scene3d>
+      <a:camera prst="orthographicFront"/>
+      <a:lightRig rig="threePt" dir="t"/>
+    </dgm:scene3d>
+    <dgm:sp3d/>
+    <dgm:txPr/>
+    <dgm:style>
+      <a:lnRef idx="0">
+        <a:scrgbClr r="0" g="0" b="0"/>
+      </a:lnRef>
+      <a:fillRef idx="3">
+        <a:scrgbClr r="0" g="0" b="0"/>
+      </a:fillRef>
+      <a:effectRef idx="2">
+        <a:scrgbClr r="0" g="0" b="0"/>
+      </a:effectRef>
+      <a:fontRef idx="minor">
+        <a:schemeClr val="lt1"/>
+      </a:fontRef>
+    </dgm:style>
+  </dgm:styleLbl>
+  <dgm:styleLbl name="node3">
+    <dgm:scene3d>
+      <a:camera prst="orthographicFront"/>
+      <a:lightRig rig="threePt" dir="t"/>
+    </dgm:scene3d>
+    <dgm:sp3d/>
+    <dgm:txPr/>
+    <dgm:style>
+      <a:lnRef idx="0">
+        <a:scrgbClr r="0" g="0" b="0"/>
+      </a:lnRef>
+      <a:fillRef idx="3">
+        <a:scrgbClr r="0" g="0" b="0"/>
+      </a:fillRef>
+      <a:effectRef idx="2">
+        <a:scrgbClr r="0" g="0" b="0"/>
+      </a:effectRef>
+      <a:fontRef idx="minor">
+        <a:schemeClr val="lt1"/>
+      </a:fontRef>
+    </dgm:style>
+  </dgm:styleLbl>
+  <dgm:styleLbl name="node4">
+    <dgm:scene3d>
+      <a:camera prst="orthographicFront"/>
+      <a:lightRig rig="threePt" dir="t"/>
+    </dgm:scene3d>
+    <dgm:sp3d/>
+    <dgm:txPr/>
+    <dgm:style>
+      <a:lnRef idx="0">
+        <a:scrgbClr r="0" g="0" b="0"/>
+      </a:lnRef>
+      <a:fillRef idx="3">
+        <a:scrgbClr r="0" g="0" b="0"/>
+      </a:fillRef>
+      <a:effectRef idx="2">
+        <a:scrgbClr r="0" g="0" b="0"/>
+      </a:effectRef>
+      <a:fontRef idx="minor">
+        <a:schemeClr val="lt1"/>
+      </a:fontRef>
+    </dgm:style>
+  </dgm:styleLbl>
+  <dgm:styleLbl name="fgImgPlace1">
+    <dgm:scene3d>
+      <a:camera prst="orthographicFront"/>
+      <a:lightRig rig="threePt" dir="t"/>
+    </dgm:scene3d>
+    <dgm:sp3d/>
+    <dgm:txPr/>
+    <dgm:style>
+      <a:lnRef idx="0">
+        <a:scrgbClr r="0" g="0" b="0"/>
+      </a:lnRef>
+      <a:fillRef idx="1">
+        <a:scrgbClr r="0" g="0" b="0"/>
+      </a:fillRef>
+      <a:effectRef idx="2">
+        <a:scrgbClr r="0" g="0" b="0"/>
+      </a:effectRef>
+      <a:fontRef idx="minor"/>
+    </dgm:style>
+  </dgm:styleLbl>
+  <dgm:styleLbl name="alignImgPlace1">
+    <dgm:scene3d>
+      <a:camera prst="orthographicFront"/>
+      <a:lightRig rig="threePt" dir="t"/>
+    </dgm:scene3d>
+    <dgm:sp3d/>
+    <dgm:txPr/>
+    <dgm:style>
+      <a:lnRef idx="0">
+        <a:scrgbClr r="0" g="0" b="0"/>
+      </a:lnRef>
+      <a:fillRef idx="1">
+        <a:scrgbClr r="0" g="0" b="0"/>
+      </a:fillRef>
+      <a:effectRef idx="2">
+        <a:scrgbClr r="0" g="0" b="0"/>
+      </a:effectRef>
+      <a:fontRef idx="minor"/>
+    </dgm:style>
+  </dgm:styleLbl>
+  <dgm:styleLbl name="bgImgPlace1">
+    <dgm:scene3d>
+      <a:camera prst="orthographicFront"/>
+      <a:lightRig rig="threePt" dir="t"/>
+    </dgm:scene3d>
+    <dgm:sp3d/>
+    <dgm:txPr/>
+    <dgm:style>
+      <a:lnRef idx="0">
+        <a:scrgbClr r="0" g="0" b="0"/>
+      </a:lnRef>
+      <a:fillRef idx="1">
+        <a:scrgbClr r="0" g="0" b="0"/>
+      </a:fillRef>
+      <a:effectRef idx="2">
+        <a:scrgbClr r="0" g="0" b="0"/>
+      </a:effectRef>
+      <a:fontRef idx="minor"/>
+    </dgm:style>
+  </dgm:styleLbl>
+  <dgm:styleLbl name="sibTrans2D1">
+    <dgm:scene3d>
+      <a:camera prst="orthographicFront"/>
+      <a:lightRig rig="threePt" dir="t"/>
+    </dgm:scene3d>
+    <dgm:sp3d/>
+    <dgm:txPr/>
+    <dgm:style>
+      <a:lnRef idx="0">
+        <a:scrgbClr r="0" g="0" b="0"/>
+      </a:lnRef>
+      <a:fillRef idx="3">
+        <a:scrgbClr r="0" g="0" b="0"/>
+      </a:fillRef>
+      <a:effectRef idx="2">
+        <a:scrgbClr r="0" g="0" b="0"/>
+      </a:effectRef>
+      <a:fontRef idx="minor">
+        <a:schemeClr val="lt1"/>
+      </a:fontRef>
+    </dgm:style>
+  </dgm:styleLbl>
+  <dgm:styleLbl name="fgSibTrans2D1">
+    <dgm:scene3d>
+      <a:camera prst="orthographicFront"/>
+      <a:lightRig rig="threePt" dir="t"/>
+    </dgm:scene3d>
+    <dgm:sp3d/>
+    <dgm:txPr/>
+    <dgm:style>
+      <a:lnRef idx="0">
+        <a:scrgbClr r="0" g="0" b="0"/>
+      </a:lnRef>
+      <a:fillRef idx="3">
+        <a:scrgbClr r="0" g="0" b="0"/>
+      </a:fillRef>
+      <a:effectRef idx="2">
+        <a:scrgbClr r="0" g="0" b="0"/>
+      </a:effectRef>
+      <a:fontRef idx="minor">
+        <a:schemeClr val="lt1"/>
+      </a:fontRef>
+    </dgm:style>
+  </dgm:styleLbl>
+  <dgm:styleLbl name="bgSibTrans2D1">
+    <dgm:scene3d>
+      <a:camera prst="orthographicFront"/>
+      <a:lightRig rig="threePt" dir="t"/>
+    </dgm:scene3d>
+    <dgm:sp3d/>
+    <dgm:txPr/>
+    <dgm:style>
+      <a:lnRef idx="0">
+        <a:scrgbClr r="0" g="0" b="0"/>
+      </a:lnRef>
+      <a:fillRef idx="3">
+        <a:scrgbClr r="0" g="0" b="0"/>
+      </a:fillRef>
+      <a:effectRef idx="2">
+        <a:scrgbClr r="0" g="0" b="0"/>
+      </a:effectRef>
+      <a:fontRef idx="minor">
+        <a:schemeClr val="lt1"/>
+      </a:fontRef>
+    </dgm:style>
+  </dgm:styleLbl>
+  <dgm:styleLbl name="sibTrans1D1">
+    <dgm:scene3d>
+      <a:camera prst="orthographicFront"/>
+      <a:lightRig rig="threePt" dir="t"/>
+    </dgm:scene3d>
+    <dgm:sp3d/>
+    <dgm:txPr/>
+    <dgm:style>
+      <a:lnRef idx="1">
+        <a:scrgbClr r="0" g="0" b="0"/>
+      </a:lnRef>
+      <a:fillRef idx="0">
+        <a:scrgbClr r="0" g="0" b="0"/>
+      </a:fillRef>
+      <a:effectRef idx="0">
+        <a:scrgbClr r="0" g="0" b="0"/>
+      </a:effectRef>
+      <a:fontRef idx="minor"/>
+    </dgm:style>
+  </dgm:styleLbl>
+  <dgm:styleLbl name="callout">
+    <dgm:scene3d>
+      <a:camera prst="orthographicFront"/>
+      <a:lightRig rig="threePt" dir="t"/>
+    </dgm:scene3d>
+    <dgm:sp3d/>
+    <dgm:txPr/>
+    <dgm:style>
+      <a:lnRef idx="2">
+        <a:scrgbClr r="0" g="0" b="0"/>
+      </a:lnRef>
+      <a:fillRef idx="1">
+        <a:scrgbClr r="0" g="0" b="0"/>
+      </a:fillRef>
+      <a:effectRef idx="1">
+        <a:scrgbClr r="0" g="0" b="0"/>
+      </a:effectRef>
+      <a:fontRef idx="minor"/>
+    </dgm:style>
+  </dgm:styleLbl>
+  <dgm:styleLbl name="asst0">
+    <dgm:scene3d>
+      <a:camera prst="orthographicFront"/>
+      <a:lightRig rig="threePt" dir="t"/>
+    </dgm:scene3d>
+    <dgm:sp3d/>
+    <dgm:txPr/>
+    <dgm:style>
+      <a:lnRef idx="0">
+        <a:scrgbClr r="0" g="0" b="0"/>
+      </a:lnRef>
+      <a:fillRef idx="3">
+        <a:scrgbClr r="0" g="0" b="0"/>
+      </a:fillRef>
+      <a:effectRef idx="2">
+        <a:scrgbClr r="0" g="0" b="0"/>
+      </a:effectRef>
+      <a:fontRef idx="minor">
+        <a:schemeClr val="lt1"/>
+      </a:fontRef>
+    </dgm:style>
+  </dgm:styleLbl>
+  <dgm:styleLbl name="asst1">
+    <dgm:scene3d>
+      <a:camera prst="orthographicFront"/>
+      <a:lightRig rig="threePt" dir="t"/>
+    </dgm:scene3d>
+    <dgm:sp3d/>
+    <dgm:txPr/>
+    <dgm:style>
+      <a:lnRef idx="0">
+        <a:scrgbClr r="0" g="0" b="0"/>
+      </a:lnRef>
+      <a:fillRef idx="3">
+        <a:scrgbClr r="0" g="0" b="0"/>
+      </a:fillRef>
+      <a:effectRef idx="2">
+        <a:scrgbClr r="0" g="0" b="0"/>
+      </a:effectRef>
+      <a:fontRef idx="minor">
+        <a:schemeClr val="lt1"/>
+      </a:fontRef>
+    </dgm:style>
+  </dgm:styleLbl>
+  <dgm:styleLbl name="asst2">
+    <dgm:scene3d>
+      <a:camera prst="orthographicFront"/>
+      <a:lightRig rig="threePt" dir="t"/>
+    </dgm:scene3d>
+    <dgm:sp3d/>
+    <dgm:txPr/>
+    <dgm:style>
+      <a:lnRef idx="0">
+        <a:scrgbClr r="0" g="0" b="0"/>
+      </a:lnRef>
+      <a:fillRef idx="3">
+        <a:scrgbClr r="0" g="0" b="0"/>
+      </a:fillRef>
+      <a:effectRef idx="2">
+        <a:scrgbClr r="0" g="0" b="0"/>
+      </a:effectRef>
+      <a:fontRef idx="minor">
+        <a:schemeClr val="lt1"/>
+      </a:fontRef>
+    </dgm:style>
+  </dgm:styleLbl>
+  <dgm:styleLbl name="asst3">
+    <dgm:scene3d>
+      <a:camera prst="orthographicFront"/>
+      <a:lightRig rig="threePt" dir="t"/>
+    </dgm:scene3d>
+    <dgm:sp3d/>
+    <dgm:txPr/>
+    <dgm:style>
+      <a:lnRef idx="0">
+        <a:scrgbClr r="0" g="0" b="0"/>
+      </a:lnRef>
+      <a:fillRef idx="3">
+        <a:scrgbClr r="0" g="0" b="0"/>
+      </a:fillRef>
+      <a:effectRef idx="2">
+        <a:scrgbClr r="0" g="0" b="0"/>
+      </a:effectRef>
+      <a:fontRef idx="minor">
+        <a:schemeClr val="lt1"/>
+      </a:fontRef>
+    </dgm:style>
+  </dgm:styleLbl>
+  <dgm:styleLbl name="asst4">
+    <dgm:scene3d>
+      <a:camera prst="orthographicFront"/>
+      <a:lightRig rig="threePt" dir="t"/>
+    </dgm:scene3d>
+    <dgm:sp3d/>
+    <dgm:txPr/>
+    <dgm:style>
+      <a:lnRef idx="0">
+        <a:scrgbClr r="0" g="0" b="0"/>
+      </a:lnRef>
+      <a:fillRef idx="3">
+        <a:scrgbClr r="0" g="0" b="0"/>
+      </a:fillRef>
+      <a:effectRef idx="2">
+        <a:scrgbClr r="0" g="0" b="0"/>
+      </a:effectRef>
+      <a:fontRef idx="minor">
+        <a:schemeClr val="lt1"/>
+      </a:fontRef>
+    </dgm:style>
+  </dgm:styleLbl>
+  <dgm:styleLbl name="parChTrans2D1">
+    <dgm:scene3d>
+      <a:camera prst="orthographicFront"/>
+      <a:lightRig rig="threePt" dir="t"/>
+    </dgm:scene3d>
+    <dgm:sp3d/>
+    <dgm:txPr/>
+    <dgm:style>
+      <a:lnRef idx="0">
+        <a:scrgbClr r="0" g="0" b="0"/>
+      </a:lnRef>
+      <a:fillRef idx="3">
+        <a:scrgbClr r="0" g="0" b="0"/>
+      </a:fillRef>
+      <a:effectRef idx="2">
+        <a:scrgbClr r="0" g="0" b="0"/>
+      </a:effectRef>
+      <a:fontRef idx="minor">
+        <a:schemeClr val="lt1"/>
+      </a:fontRef>
+    </dgm:style>
+  </dgm:styleLbl>
+  <dgm:styleLbl name="parChTrans2D2">
+    <dgm:scene3d>
+      <a:camera prst="orthographicFront"/>
+      <a:lightRig rig="threePt" dir="t"/>
+    </dgm:scene3d>
+    <dgm:sp3d/>
+    <dgm:txPr/>
+    <dgm:style>
+      <a:lnRef idx="0">
+        <a:scrgbClr r="0" g="0" b="0"/>
+      </a:lnRef>
+      <a:fillRef idx="3">
+        <a:scrgbClr r="0" g="0" b="0"/>
+      </a:fillRef>
+      <a:effectRef idx="2">
+        <a:scrgbClr r="0" g="0" b="0"/>
+      </a:effectRef>
+      <a:fontRef idx="minor">
+        <a:schemeClr val="lt1"/>
+      </a:fontRef>
+    </dgm:style>
+  </dgm:styleLbl>
+  <dgm:styleLbl name="parChTrans2D3">
+    <dgm:scene3d>
+      <a:camera prst="orthographicFront"/>
+      <a:lightRig rig="threePt" dir="t"/>
+    </dgm:scene3d>
+    <dgm:sp3d/>
+    <dgm:txPr/>
+    <dgm:style>
+      <a:lnRef idx="1">
+        <a:scrgbClr r="0" g="0" b="0"/>
+      </a:lnRef>
+      <a:fillRef idx="3">
+        <a:scrgbClr r="0" g="0" b="0"/>
+      </a:fillRef>
+      <a:effectRef idx="2">
+        <a:scrgbClr r="0" g="0" b="0"/>
+      </a:effectRef>
+      <a:fontRef idx="minor">
+        <a:schemeClr val="lt1"/>
+      </a:fontRef>
+    </dgm:style>
+  </dgm:styleLbl>
+  <dgm:styleLbl name="parChTrans2D4">
+    <dgm:scene3d>
+      <a:camera prst="orthographicFront"/>
+      <a:lightRig rig="threePt" dir="t"/>
+    </dgm:scene3d>
+    <dgm:sp3d/>
+    <dgm:txPr/>
+    <dgm:style>
+      <a:lnRef idx="1">
+        <a:scrgbClr r="0" g="0" b="0"/>
+      </a:lnRef>
+      <a:fillRef idx="3">
+        <a:scrgbClr r="0" g="0" b="0"/>
+      </a:fillRef>
+      <a:effectRef idx="2">
+        <a:scrgbClr r="0" g="0" b="0"/>
+      </a:effectRef>
+      <a:fontRef idx="minor">
+        <a:schemeClr val="lt1"/>
+      </a:fontRef>
+    </dgm:style>
+  </dgm:styleLbl>
+  <dgm:styleLbl name="parChTrans1D1">
+    <dgm:scene3d>
+      <a:camera prst="orthographicFront"/>
+      <a:lightRig rig="threePt" dir="t"/>
+    </dgm:scene3d>
+    <dgm:sp3d/>
+    <dgm:txPr/>
+    <dgm:style>
+      <a:lnRef idx="1">
+        <a:scrgbClr r="0" g="0" b="0"/>
+      </a:lnRef>
+      <a:fillRef idx="0">
+        <a:scrgbClr r="0" g="0" b="0"/>
+      </a:fillRef>
+      <a:effectRef idx="0">
+        <a:scrgbClr r="0" g="0" b="0"/>
+      </a:effectRef>
+      <a:fontRef idx="minor"/>
+    </dgm:style>
+  </dgm:styleLbl>
+  <dgm:styleLbl name="parChTrans1D2">
+    <dgm:scene3d>
+      <a:camera prst="orthographicFront"/>
+      <a:lightRig rig="threePt" dir="t"/>
+    </dgm:scene3d>
+    <dgm:sp3d/>
+    <dgm:txPr/>
+    <dgm:style>
+      <a:lnRef idx="1">
+        <a:scrgbClr r="0" g="0" b="0"/>
+      </a:lnRef>
+      <a:fillRef idx="0">
+        <a:scrgbClr r="0" g="0" b="0"/>
+      </a:fillRef>
+      <a:effectRef idx="0">
+        <a:scrgbClr r="0" g="0" b="0"/>
+      </a:effectRef>
+      <a:fontRef idx="minor"/>
+    </dgm:style>
+  </dgm:styleLbl>
+  <dgm:styleLbl name="parChTrans1D3">
+    <dgm:scene3d>
+      <a:camera prst="orthographicFront"/>
+      <a:lightRig rig="threePt" dir="t"/>
+    </dgm:scene3d>
+    <dgm:sp3d/>
+    <dgm:txPr/>
+    <dgm:style>
+      <a:lnRef idx="1">
+        <a:scrgbClr r="0" g="0" b="0"/>
+      </a:lnRef>
+      <a:fillRef idx="0">
+        <a:scrgbClr r="0" g="0" b="0"/>
+      </a:fillRef>
+      <a:effectRef idx="0">
+        <a:scrgbClr r="0" g="0" b="0"/>
+      </a:effectRef>
+      <a:fontRef idx="minor"/>
+    </dgm:style>
+  </dgm:styleLbl>
+  <dgm:styleLbl name="parChTrans1D4">
+    <dgm:scene3d>
+      <a:camera prst="orthographicFront"/>
+      <a:lightRig rig="threePt" dir="t"/>
+    </dgm:scene3d>
+    <dgm:sp3d/>
+    <dgm:txPr/>
+    <dgm:style>
+      <a:lnRef idx="1">
+        <a:scrgbClr r="0" g="0" b="0"/>
+      </a:lnRef>
+      <a:fillRef idx="0">
+        <a:scrgbClr r="0" g="0" b="0"/>
+      </a:fillRef>
+      <a:effectRef idx="0">
+        <a:scrgbClr r="0" g="0" b="0"/>
+      </a:effectRef>
+      <a:fontRef idx="minor"/>
+    </dgm:style>
+  </dgm:styleLbl>
+  <dgm:styleLbl name="fgAcc1">
+    <dgm:scene3d>
+      <a:camera prst="orthographicFront"/>
+      <a:lightRig rig="threePt" dir="t"/>
+    </dgm:scene3d>
+    <dgm:sp3d/>
+    <dgm:txPr/>
+    <dgm:style>
+      <a:lnRef idx="1">
+        <a:scrgbClr r="0" g="0" b="0"/>
+      </a:lnRef>
+      <a:fillRef idx="1">
+        <a:scrgbClr r="0" g="0" b="0"/>
+      </a:fillRef>
+      <a:effectRef idx="0">
+        <a:scrgbClr r="0" g="0" b="0"/>
+      </a:effectRef>
+      <a:fontRef idx="minor"/>
+    </dgm:style>
+  </dgm:styleLbl>
+  <dgm:styleLbl name="conFgAcc1">
+    <dgm:scene3d>
+      <a:camera prst="orthographicFront"/>
+      <a:lightRig rig="threePt" dir="t"/>
+    </dgm:scene3d>
+    <dgm:sp3d/>
+    <dgm:txPr/>
+    <dgm:style>
+      <a:lnRef idx="1">
+        <a:scrgbClr r="0" g="0" b="0"/>
+      </a:lnRef>
+      <a:fillRef idx="1">
+        <a:scrgbClr r="0" g="0" b="0"/>
+      </a:fillRef>
+      <a:effectRef idx="0">
+        <a:scrgbClr r="0" g="0" b="0"/>
+      </a:effectRef>
+      <a:fontRef idx="minor"/>
+    </dgm:style>
+  </dgm:styleLbl>
+  <dgm:styleLbl name="alignAcc1">
+    <dgm:scene3d>
+      <a:camera prst="orthographicFront"/>
+      <a:lightRig rig="threePt" dir="t"/>
+    </dgm:scene3d>
+    <dgm:sp3d/>
+    <dgm:txPr/>
+    <dgm:style>
+      <a:lnRef idx="1">
+        <a:scrgbClr r="0" g="0" b="0"/>
+      </a:lnRef>
+      <a:fillRef idx="1">
+        <a:scrgbClr r="0" g="0" b="0"/>
+      </a:fillRef>
+      <a:effectRef idx="0">
+        <a:scrgbClr r="0" g="0" b="0"/>
+      </a:effectRef>
+      <a:fontRef idx="minor"/>
+    </dgm:style>
+  </dgm:styleLbl>
+  <dgm:styleLbl name="trAlignAcc1">
+    <dgm:scene3d>
+      <a:camera prst="orthographicFront"/>
+      <a:lightRig rig="threePt" dir="t"/>
+    </dgm:scene3d>
+    <dgm:sp3d/>
+    <dgm:txPr/>
+    <dgm:style>
+      <a:lnRef idx="1">
+        <a:scrgbClr r="0" g="0" b="0"/>
+      </a:lnRef>
+      <a:fillRef idx="1">
+        <a:scrgbClr r="0" g="0" b="0"/>
+      </a:fillRef>
+      <a:effectRef idx="0">
+        <a:scrgbClr r="0" g="0" b="0"/>
+      </a:effectRef>
+      <a:fontRef idx="minor"/>
+    </dgm:style>
+  </dgm:styleLbl>
+  <dgm:styleLbl name="bgAcc1">
+    <dgm:scene3d>
+      <a:camera prst="orthographicFront"/>
+      <a:lightRig rig="threePt" dir="t"/>
+    </dgm:scene3d>
+    <dgm:sp3d/>
+    <dgm:txPr/>
+    <dgm:style>
+      <a:lnRef idx="1">
+        <a:scrgbClr r="0" g="0" b="0"/>
+      </a:lnRef>
+      <a:fillRef idx="1">
+        <a:scrgbClr r="0" g="0" b="0"/>
+      </a:fillRef>
+      <a:effectRef idx="0">
+        <a:scrgbClr r="0" g="0" b="0"/>
+      </a:effectRef>
+      <a:fontRef idx="minor"/>
+    </dgm:style>
+  </dgm:styleLbl>
+  <dgm:styleLbl name="solidFgAcc1">
+    <dgm:scene3d>
+      <a:camera prst="orthographicFront"/>
+      <a:lightRig rig="threePt" dir="t"/>
+    </dgm:scene3d>
+    <dgm:sp3d/>
+    <dgm:txPr/>
+    <dgm:style>
+      <a:lnRef idx="1">
+        <a:scrgbClr r="0" g="0" b="0"/>
+      </a:lnRef>
+      <a:fillRef idx="1">
+        <a:scrgbClr r="0" g="0" b="0"/>
+      </a:fillRef>
+      <a:effectRef idx="0">
+        <a:scrgbClr r="0" g="0" b="0"/>
+      </a:effectRef>
+      <a:fontRef idx="minor"/>
+    </dgm:style>
+  </dgm:styleLbl>
+  <dgm:styleLbl name="solidAlignAcc1">
+    <dgm:scene3d>
+      <a:camera prst="orthographicFront"/>
+      <a:lightRig rig="threePt" dir="t"/>
+    </dgm:scene3d>
+    <dgm:sp3d/>
+    <dgm:txPr/>
+    <dgm:style>
+      <a:lnRef idx="1">
+        <a:scrgbClr r="0" g="0" b="0"/>
+      </a:lnRef>
+      <a:fillRef idx="1">
+        <a:scrgbClr r="0" g="0" b="0"/>
+      </a:fillRef>
+      <a:effectRef idx="0">
+        <a:scrgbClr r="0" g="0" b="0"/>
+      </a:effectRef>
+      <a:fontRef idx="minor"/>
+    </dgm:style>
+  </dgm:styleLbl>
+  <dgm:styleLbl name="solidBgAcc1">
+    <dgm:scene3d>
+      <a:camera prst="orthographicFront"/>
+      <a:lightRig rig="threePt" dir="t"/>
+    </dgm:scene3d>
+    <dgm:sp3d/>
+    <dgm:txPr/>
+    <dgm:style>
+      <a:lnRef idx="1">
+        <a:scrgbClr r="0" g="0" b="0"/>
+      </a:lnRef>
+      <a:fillRef idx="1">
+        <a:scrgbClr r="0" g="0" b="0"/>
+      </a:fillRef>
+      <a:effectRef idx="0">
+        <a:scrgbClr r="0" g="0" b="0"/>
+      </a:effectRef>
+      <a:fontRef idx="minor"/>
+    </dgm:style>
+  </dgm:styleLbl>
+  <dgm:styleLbl name="fgAccFollowNode1">
+    <dgm:scene3d>
+      <a:camera prst="orthographicFront"/>
+      <a:lightRig rig="threePt" dir="t"/>
+    </dgm:scene3d>
+    <dgm:sp3d/>
+    <dgm:txPr/>
+    <dgm:style>
+      <a:lnRef idx="1">
+        <a:scrgbClr r="0" g="0" b="0"/>
+      </a:lnRef>
+      <a:fillRef idx="1">
+        <a:scrgbClr r="0" g="0" b="0"/>
+      </a:fillRef>
+      <a:effectRef idx="0">
+        <a:scrgbClr r="0" g="0" b="0"/>
+      </a:effectRef>
+      <a:fontRef idx="minor"/>
+    </dgm:style>
+  </dgm:styleLbl>
+  <dgm:styleLbl name="alignAccFollowNode1">
+    <dgm:scene3d>
+      <a:camera prst="orthographicFront"/>
+      <a:lightRig rig="threePt" dir="t"/>
+    </dgm:scene3d>
+    <dgm:sp3d/>
+    <dgm:txPr/>
+    <dgm:style>
+      <a:lnRef idx="1">
+        <a:scrgbClr r="0" g="0" b="0"/>
+      </a:lnRef>
+      <a:fillRef idx="1">
+        <a:scrgbClr r="0" g="0" b="0"/>
+      </a:fillRef>
+      <a:effectRef idx="0">
+        <a:scrgbClr r="0" g="0" b="0"/>
+      </a:effectRef>
+      <a:fontRef idx="minor"/>
+    </dgm:style>
+  </dgm:styleLbl>
+  <dgm:styleLbl name="bgAccFollowNode1">
+    <dgm:scene3d>
+      <a:camera prst="orthographicFront"/>
+      <a:lightRig rig="threePt" dir="t"/>
+    </dgm:scene3d>
+    <dgm:sp3d/>
+    <dgm:txPr/>
+    <dgm:style>
+      <a:lnRef idx="1">
+        <a:scrgbClr r="0" g="0" b="0"/>
+      </a:lnRef>
+      <a:fillRef idx="1">
+        <a:scrgbClr r="0" g="0" b="0"/>
+      </a:fillRef>
+      <a:effectRef idx="0">
+        <a:scrgbClr r="0" g="0" b="0"/>
+      </a:effectRef>
+      <a:fontRef idx="minor"/>
+    </dgm:style>
+  </dgm:styleLbl>
+  <dgm:styleLbl name="fgAcc0">
+    <dgm:scene3d>
+      <a:camera prst="orthographicFront"/>
+      <a:lightRig rig="threePt" dir="t"/>
+    </dgm:scene3d>
+    <dgm:sp3d/>
+    <dgm:txPr/>
+    <dgm:style>
+      <a:lnRef idx="1">
+        <a:scrgbClr r="0" g="0" b="0"/>
+      </a:lnRef>
+      <a:fillRef idx="1">
+        <a:scrgbClr r="0" g="0" b="0"/>
+      </a:fillRef>
+      <a:effectRef idx="0">
+        <a:scrgbClr r="0" g="0" b="0"/>
+      </a:effectRef>
+      <a:fontRef idx="minor"/>
+    </dgm:style>
+  </dgm:styleLbl>
+  <dgm:styleLbl name="fgAcc2">
+    <dgm:scene3d>
+      <a:camera prst="orthographicFront"/>
+      <a:lightRig rig="threePt" dir="t"/>
+    </dgm:scene3d>
+    <dgm:sp3d/>
+    <dgm:txPr/>
+    <dgm:style>
+      <a:lnRef idx="1">
+        <a:scrgbClr r="0" g="0" b="0"/>
+      </a:lnRef>
+      <a:fillRef idx="1">
+        <a:scrgbClr r="0" g="0" b="0"/>
+      </a:fillRef>
+      <a:effectRef idx="0">
+        <a:scrgbClr r="0" g="0" b="0"/>
+      </a:effectRef>
+      <a:fontRef idx="minor"/>
+    </dgm:style>
+  </dgm:styleLbl>
+  <dgm:styleLbl name="fgAcc3">
+    <dgm:scene3d>
+      <a:camera prst="orthographicFront"/>
+      <a:lightRig rig="threePt" dir="t"/>
+    </dgm:scene3d>
+    <dgm:sp3d/>
+    <dgm:txPr/>
+    <dgm:style>
+      <a:lnRef idx="1">
+        <a:scrgbClr r="0" g="0" b="0"/>
+      </a:lnRef>
+      <a:fillRef idx="1">
+        <a:scrgbClr r="0" g="0" b="0"/>
+      </a:fillRef>
+      <a:effectRef idx="0">
+        <a:scrgbClr r="0" g="0" b="0"/>
+      </a:effectRef>
+      <a:fontRef idx="minor"/>
+    </dgm:style>
+  </dgm:styleLbl>
+  <dgm:styleLbl name="fgAcc4">
+    <dgm:scene3d>
+      <a:camera prst="orthographicFront"/>
+      <a:lightRig rig="threePt" dir="t"/>
+    </dgm:scene3d>
+    <dgm:sp3d/>
+    <dgm:txPr/>
+    <dgm:style>
+      <a:lnRef idx="1">
+        <a:scrgbClr r="0" g="0" b="0"/>
+      </a:lnRef>
+      <a:fillRef idx="1">
+        <a:scrgbClr r="0" g="0" b="0"/>
+      </a:fillRef>
+      <a:effectRef idx="0">
+        <a:scrgbClr r="0" g="0" b="0"/>
+      </a:effectRef>
+      <a:fontRef idx="minor"/>
+    </dgm:style>
+  </dgm:styleLbl>
+  <dgm:styleLbl name="bgShp">
+    <dgm:scene3d>
+      <a:camera prst="orthographicFront"/>
+      <a:lightRig rig="threePt" dir="t"/>
+    </dgm:scene3d>
+    <dgm:sp3d/>
+    <dgm:txPr/>
+    <dgm:style>
+      <a:lnRef idx="0">
+        <a:scrgbClr r="0" g="0" b="0"/>
+      </a:lnRef>
+      <a:fillRef idx="1">
+        <a:scrgbClr r="0" g="0" b="0"/>
+      </a:fillRef>
+      <a:effectRef idx="2">
+        <a:scrgbClr r="0" g="0" b="0"/>
+      </a:effectRef>
+      <a:fontRef idx="minor"/>
+    </dgm:style>
+  </dgm:styleLbl>
+  <dgm:styleLbl name="dkBgShp">
+    <dgm:scene3d>
+      <a:camera prst="orthographicFront"/>
+      <a:lightRig rig="threePt" dir="t"/>
+    </dgm:scene3d>
+    <dgm:sp3d/>
+    <dgm:txPr/>
+    <dgm:style>
+      <a:lnRef idx="0">
+        <a:scrgbClr r="0" g="0" b="0"/>
+      </a:lnRef>
+      <a:fillRef idx="1">
+        <a:scrgbClr r="0" g="0" b="0"/>
+      </a:fillRef>
+      <a:effectRef idx="2">
+        <a:scrgbClr r="0" g="0" b="0"/>
+      </a:effectRef>
+      <a:fontRef idx="minor"/>
+    </dgm:style>
+  </dgm:styleLbl>
+  <dgm:styleLbl name="trBgShp">
+    <dgm:scene3d>
+      <a:camera prst="orthographicFront"/>
+      <a:lightRig rig="threePt" dir="t"/>
+    </dgm:scene3d>
+    <dgm:sp3d/>
+    <dgm:txPr/>
+    <dgm:style>
+      <a:lnRef idx="0">
+        <a:scrgbClr r="0" g="0" b="0"/>
+      </a:lnRef>
+      <a:fillRef idx="1">
+        <a:scrgbClr r="0" g="0" b="0"/>
+      </a:fillRef>
+      <a:effectRef idx="0">
+        <a:scrgbClr r="0" g="0" b="0"/>
+      </a:effectRef>
+      <a:fontRef idx="minor"/>
+    </dgm:style>
+  </dgm:styleLbl>
+  <dgm:styleLbl name="fgShp">
+    <dgm:scene3d>
+      <a:camera prst="orthographicFront"/>
+      <a:lightRig rig="threePt" dir="t"/>
+    </dgm:scene3d>
+    <dgm:sp3d/>
+    <dgm:txPr/>
+    <dgm:style>
+      <a:lnRef idx="0">
+        <a:scrgbClr r="0" g="0" b="0"/>
+      </a:lnRef>
+      <a:fillRef idx="3">
+        <a:scrgbClr r="0" g="0" b="0"/>
+      </a:fillRef>
+      <a:effectRef idx="2">
+        <a:scrgbClr r="0" g="0" b="0"/>
+      </a:effectRef>
+      <a:fontRef idx="minor"/>
+    </dgm:style>
+  </dgm:styleLbl>
+  <dgm:styleLbl name="revTx">
+    <dgm:scene3d>
+      <a:camera prst="orthographicFront"/>
+      <a:lightRig rig="threePt" dir="t"/>
+    </dgm:scene3d>
+    <dgm:sp3d/>
+    <dgm:txPr/>
+    <dgm:style>
+      <a:lnRef idx="0">
+        <a:scrgbClr r="0" g="0" b="0"/>
+      </a:lnRef>
+      <a:fillRef idx="0">
+        <a:scrgbClr r="0" g="0" b="0"/>
+      </a:fillRef>
+      <a:effectRef idx="0">
+        <a:scrgbClr r="0" g="0" b="0"/>
+      </a:effectRef>
+      <a:fontRef idx="minor"/>
+    </dgm:style>
+  </dgm:styleLbl>
+</dgm:styleDef>
+</file>
+
+<file path=ppt/notesMasters/notesMaster1.xml><?xml version="1.0" encoding="utf-8"?>
+<p:notesMaster xmlns:a="http://schemas.openxmlformats.org/drawingml/2006/main" xmlns:r="http://schemas.openxmlformats.org/officeDocument/2006/relationships" xmlns:p="http://schemas.openxmlformats.org/presentationml/2006/main">
+  <p:cSld>
+    <p:bg>
+      <p:bgRef idx="1001">
+        <a:schemeClr val="bg1"/>
+      </p:bgRef>
+    </p:bg>
+    <p:spTree>
+      <p:nvGrpSpPr>
+        <p:cNvPr id="1" name=""/>
+        <p:cNvGrpSpPr/>
+        <p:nvPr/>
+      </p:nvGrpSpPr>
+      <p:grpSpPr>
+        <a:xfrm>
+          <a:off x="0" y="0"/>
+          <a:ext cx="0" cy="0"/>
+          <a:chOff x="0" y="0"/>
+          <a:chExt cx="0" cy="0"/>
+        </a:xfrm>
+      </p:grpSpPr>
+      <p:sp>
+        <p:nvSpPr>
+          <p:cNvPr id="2" name="Header Placeholder 1"/>
+          <p:cNvSpPr>
+            <a:spLocks noGrp="1"/>
+          </p:cNvSpPr>
+          <p:nvPr>
+            <p:ph type="hdr" sz="quarter"/>
+          </p:nvPr>
+        </p:nvSpPr>
+        <p:spPr>
+          <a:xfrm>
+            <a:off x="0" y="0"/>
+            <a:ext cx="2971800" cy="458788"/>
+          </a:xfrm>
+          <a:prstGeom prst="rect">
+            <a:avLst/>
+          </a:prstGeom>
+        </p:spPr>
+        <p:txBody>
+          <a:bodyPr vert="horz" lIns="91440" tIns="45720" rIns="91440" bIns="45720" rtlCol="0"/>
+          <a:lstStyle>
+            <a:lvl1pPr algn="l">
+              <a:defRPr sz="1200"/>
+            </a:lvl1pPr>
+          </a:lstStyle>
+          <a:p>
+            <a:endParaRPr lang="en-US"/>
+          </a:p>
+        </p:txBody>
+      </p:sp>
+      <p:sp>
+        <p:nvSpPr>
+          <p:cNvPr id="3" name="Date Placeholder 2"/>
+          <p:cNvSpPr>
+            <a:spLocks noGrp="1"/>
+          </p:cNvSpPr>
+          <p:nvPr>
+            <p:ph type="dt" idx="1"/>
+          </p:nvPr>
+        </p:nvSpPr>
+        <p:spPr>
+          <a:xfrm>
+            <a:off x="3884613" y="0"/>
+            <a:ext cx="2971800" cy="458788"/>
+          </a:xfrm>
+          <a:prstGeom prst="rect">
+            <a:avLst/>
+          </a:prstGeom>
+        </p:spPr>
+        <p:txBody>
+          <a:bodyPr vert="horz" lIns="91440" tIns="45720" rIns="91440" bIns="45720" rtlCol="0"/>
+          <a:lstStyle>
+            <a:lvl1pPr algn="r">
+              <a:defRPr sz="1200"/>
+            </a:lvl1pPr>
+          </a:lstStyle>
+          <a:p>
+            <a:fld id="{058B6774-8C26-4744-8136-ADE4E38C97AB}" type="datetimeFigureOut">
+              <a:rPr lang="en-US" smtClean="0"/>
+              <a:t>4/15/2021</a:t>
+            </a:fld>
+            <a:endParaRPr lang="en-US"/>
+          </a:p>
+        </p:txBody>
+      </p:sp>
+      <p:sp>
+        <p:nvSpPr>
+          <p:cNvPr id="4" name="Slide Image Placeholder 3"/>
+          <p:cNvSpPr>
+            <a:spLocks noGrp="1" noRot="1" noChangeAspect="1"/>
+          </p:cNvSpPr>
+          <p:nvPr>
+            <p:ph type="sldImg" idx="2"/>
+          </p:nvPr>
+        </p:nvSpPr>
+        <p:spPr>
+          <a:xfrm>
+            <a:off x="685800" y="1143000"/>
+            <a:ext cx="5486400" cy="3086100"/>
+          </a:xfrm>
+          <a:prstGeom prst="rect">
+            <a:avLst/>
+          </a:prstGeom>
+          <a:noFill/>
+          <a:ln w="12700">
+            <a:solidFill>
+              <a:prstClr val="black"/>
+            </a:solidFill>
+          </a:ln>
+        </p:spPr>
+        <p:txBody>
+          <a:bodyPr vert="horz" lIns="91440" tIns="45720" rIns="91440" bIns="45720" rtlCol="0" anchor="ctr"/>
+          <a:lstStyle/>
+          <a:p>
+            <a:endParaRPr lang="en-US"/>
+          </a:p>
+        </p:txBody>
+      </p:sp>
+      <p:sp>
+        <p:nvSpPr>
+          <p:cNvPr id="5" name="Notes Placeholder 4"/>
+          <p:cNvSpPr>
+            <a:spLocks noGrp="1"/>
+          </p:cNvSpPr>
+          <p:nvPr>
+            <p:ph type="body" sz="quarter" idx="3"/>
+          </p:nvPr>
+        </p:nvSpPr>
+        <p:spPr>
+          <a:xfrm>
+            <a:off x="685800" y="4400550"/>
+            <a:ext cx="5486400" cy="3600450"/>
+          </a:xfrm>
+          <a:prstGeom prst="rect">
+            <a:avLst/>
+          </a:prstGeom>
+        </p:spPr>
+        <p:txBody>
+          <a:bodyPr vert="horz" lIns="91440" tIns="45720" rIns="91440" bIns="45720" rtlCol="0"/>
+          <a:lstStyle/>
+          <a:p>
+            <a:pPr lvl="0"/>
+            <a:r>
+              <a:rPr lang="en-US"/>
+              <a:t>Click to edit Master text styles</a:t>
+            </a:r>
+          </a:p>
+          <a:p>
+            <a:pPr lvl="1"/>
+            <a:r>
+              <a:rPr lang="en-US"/>
+              <a:t>Second level</a:t>
+            </a:r>
+          </a:p>
+          <a:p>
+            <a:pPr lvl="2"/>
+            <a:r>
+              <a:rPr lang="en-US"/>
+              <a:t>Third level</a:t>
+            </a:r>
+          </a:p>
+          <a:p>
+            <a:pPr lvl="3"/>
+            <a:r>
+              <a:rPr lang="en-US"/>
+              <a:t>Fourth level</a:t>
+            </a:r>
+          </a:p>
+          <a:p>
+            <a:pPr lvl="4"/>
+            <a:r>
+              <a:rPr lang="en-US"/>
+              <a:t>Fifth level</a:t>
+            </a:r>
+          </a:p>
+        </p:txBody>
+      </p:sp>
+      <p:sp>
+        <p:nvSpPr>
+          <p:cNvPr id="6" name="Footer Placeholder 5"/>
+          <p:cNvSpPr>
+            <a:spLocks noGrp="1"/>
+          </p:cNvSpPr>
+          <p:nvPr>
+            <p:ph type="ftr" sz="quarter" idx="4"/>
+          </p:nvPr>
+        </p:nvSpPr>
+        <p:spPr>
+          <a:xfrm>
+            <a:off x="0" y="8685213"/>
+            <a:ext cx="2971800" cy="458787"/>
+          </a:xfrm>
+          <a:prstGeom prst="rect">
+            <a:avLst/>
+          </a:prstGeom>
+        </p:spPr>
+        <p:txBody>
+          <a:bodyPr vert="horz" lIns="91440" tIns="45720" rIns="91440" bIns="45720" rtlCol="0" anchor="b"/>
+          <a:lstStyle>
+            <a:lvl1pPr algn="l">
+              <a:defRPr sz="1200"/>
+            </a:lvl1pPr>
+          </a:lstStyle>
+          <a:p>
+            <a:endParaRPr lang="en-US"/>
+          </a:p>
+        </p:txBody>
+      </p:sp>
+      <p:sp>
+        <p:nvSpPr>
+          <p:cNvPr id="7" name="Slide Number Placeholder 6"/>
+          <p:cNvSpPr>
+            <a:spLocks noGrp="1"/>
+          </p:cNvSpPr>
+          <p:nvPr>
+            <p:ph type="sldNum" sz="quarter" idx="5"/>
+          </p:nvPr>
+        </p:nvSpPr>
+        <p:spPr>
+          <a:xfrm>
+            <a:off x="3884613" y="8685213"/>
+            <a:ext cx="2971800" cy="458787"/>
+          </a:xfrm>
+          <a:prstGeom prst="rect">
+            <a:avLst/>
+          </a:prstGeom>
+        </p:spPr>
+        <p:txBody>
+          <a:bodyPr vert="horz" lIns="91440" tIns="45720" rIns="91440" bIns="45720" rtlCol="0" anchor="b"/>
+          <a:lstStyle>
+            <a:lvl1pPr algn="r">
+              <a:defRPr sz="1200"/>
+            </a:lvl1pPr>
+          </a:lstStyle>
+          <a:p>
+            <a:fld id="{8988AED4-9043-4A58-983C-CD7ED18F9308}" type="slidenum">
+              <a:rPr lang="en-US" smtClean="0"/>
+              <a:t>‹#›</a:t>
+            </a:fld>
+            <a:endParaRPr lang="en-US"/>
+          </a:p>
+        </p:txBody>
+      </p:sp>
+    </p:spTree>
+    <p:extLst>
+      <p:ext uri="{BB962C8B-B14F-4D97-AF65-F5344CB8AC3E}">
+        <p14:creationId xmlns:p14="http://schemas.microsoft.com/office/powerpoint/2010/main" val="4207255101"/>
+      </p:ext>
+    </p:extLst>
+  </p:cSld>
+  <p:clrMap bg1="lt1" tx1="dk1" bg2="lt2" tx2="dk2" accent1="accent1" accent2="accent2" accent3="accent3" accent4="accent4" accent5="accent5" accent6="accent6" hlink="hlink" folHlink="folHlink"/>
+  <p:notesStyle>
+    <a:lvl1pPr marL="0" algn="l" defTabSz="914400" rtl="0" eaLnBrk="1" latinLnBrk="0" hangingPunct="1">
+      <a:defRPr sz="1200" kern="1200">
+        <a:solidFill>
+          <a:schemeClr val="tx1"/>
+        </a:solidFill>
+        <a:latin typeface="+mn-lt"/>
+        <a:ea typeface="+mn-ea"/>
+        <a:cs typeface="+mn-cs"/>
+      </a:defRPr>
+    </a:lvl1pPr>
+    <a:lvl2pPr marL="457200" algn="l" defTabSz="914400" rtl="0" eaLnBrk="1" latinLnBrk="0" hangingPunct="1">
+      <a:defRPr sz="1200" kern="1200">
+        <a:solidFill>
+          <a:schemeClr val="tx1"/>
+        </a:solidFill>
+        <a:latin typeface="+mn-lt"/>
+        <a:ea typeface="+mn-ea"/>
+        <a:cs typeface="+mn-cs"/>
+      </a:defRPr>
+    </a:lvl2pPr>
+    <a:lvl3pPr marL="914400" algn="l" defTabSz="914400" rtl="0" eaLnBrk="1" latinLnBrk="0" hangingPunct="1">
+      <a:defRPr sz="1200" kern="1200">
+        <a:solidFill>
+          <a:schemeClr val="tx1"/>
+        </a:solidFill>
+        <a:latin typeface="+mn-lt"/>
+        <a:ea typeface="+mn-ea"/>
+        <a:cs typeface="+mn-cs"/>
+      </a:defRPr>
+    </a:lvl3pPr>
+    <a:lvl4pPr marL="1371600" algn="l" defTabSz="914400" rtl="0" eaLnBrk="1" latinLnBrk="0" hangingPunct="1">
+      <a:defRPr sz="1200" kern="1200">
+        <a:solidFill>
+          <a:schemeClr val="tx1"/>
+        </a:solidFill>
+        <a:latin typeface="+mn-lt"/>
+        <a:ea typeface="+mn-ea"/>
+        <a:cs typeface="+mn-cs"/>
+      </a:defRPr>
+    </a:lvl4pPr>
+    <a:lvl5pPr marL="1828800" algn="l" defTabSz="914400" rtl="0" eaLnBrk="1" latinLnBrk="0" hangingPunct="1">
+      <a:defRPr sz="1200" kern="1200">
+        <a:solidFill>
+          <a:schemeClr val="tx1"/>
+        </a:solidFill>
+        <a:latin typeface="+mn-lt"/>
+        <a:ea typeface="+mn-ea"/>
+        <a:cs typeface="+mn-cs"/>
+      </a:defRPr>
+    </a:lvl5pPr>
+    <a:lvl6pPr marL="2286000" algn="l" defTabSz="914400" rtl="0" eaLnBrk="1" latinLnBrk="0" hangingPunct="1">
+      <a:defRPr sz="1200" kern="1200">
+        <a:solidFill>
+          <a:schemeClr val="tx1"/>
+        </a:solidFill>
+        <a:latin typeface="+mn-lt"/>
+        <a:ea typeface="+mn-ea"/>
+        <a:cs typeface="+mn-cs"/>
+      </a:defRPr>
+    </a:lvl6pPr>
+    <a:lvl7pPr marL="2743200" algn="l" defTabSz="914400" rtl="0" eaLnBrk="1" latinLnBrk="0" hangingPunct="1">
+      <a:defRPr sz="1200" kern="1200">
+        <a:solidFill>
+          <a:schemeClr val="tx1"/>
+        </a:solidFill>
+        <a:latin typeface="+mn-lt"/>
+        <a:ea typeface="+mn-ea"/>
+        <a:cs typeface="+mn-cs"/>
+      </a:defRPr>
+    </a:lvl7pPr>
+    <a:lvl8pPr marL="3200400" algn="l" defTabSz="914400" rtl="0" eaLnBrk="1" latinLnBrk="0" hangingPunct="1">
+      <a:defRPr sz="1200" kern="1200">
+        <a:solidFill>
+          <a:schemeClr val="tx1"/>
+        </a:solidFill>
+        <a:latin typeface="+mn-lt"/>
+        <a:ea typeface="+mn-ea"/>
+        <a:cs typeface="+mn-cs"/>
+      </a:defRPr>
+    </a:lvl8pPr>
+    <a:lvl9pPr marL="3657600" algn="l" defTabSz="914400" rtl="0" eaLnBrk="1" latinLnBrk="0" hangingPunct="1">
+      <a:defRPr sz="1200" kern="1200">
+        <a:solidFill>
+          <a:schemeClr val="tx1"/>
+        </a:solidFill>
+        <a:latin typeface="+mn-lt"/>
+        <a:ea typeface="+mn-ea"/>
+        <a:cs typeface="+mn-cs"/>
+      </a:defRPr>
+    </a:lvl9pPr>
+  </p:notesStyle>
+</p:notesMaster>
+</file>
+
+<file path=ppt/notesSlides/notesSlide1.xml><?xml version="1.0" encoding="utf-8"?>
+<p:notes xmlns:a="http://schemas.openxmlformats.org/drawingml/2006/main" xmlns:r="http://schemas.openxmlformats.org/officeDocument/2006/relationships" xmlns:p="http://schemas.openxmlformats.org/presentationml/2006/main">
+  <p:cSld>
+    <p:spTree>
+      <p:nvGrpSpPr>
+        <p:cNvPr id="1" name=""/>
+        <p:cNvGrpSpPr/>
+        <p:nvPr/>
+      </p:nvGrpSpPr>
+      <p:grpSpPr>
+        <a:xfrm>
+          <a:off x="0" y="0"/>
+          <a:ext cx="0" cy="0"/>
+          <a:chOff x="0" y="0"/>
+          <a:chExt cx="0" cy="0"/>
+        </a:xfrm>
+      </p:grpSpPr>
+      <p:sp>
+        <p:nvSpPr>
+          <p:cNvPr id="2" name="Slide Image Placeholder 1"/>
+          <p:cNvSpPr>
+            <a:spLocks noGrp="1" noRot="1" noChangeAspect="1"/>
+          </p:cNvSpPr>
+          <p:nvPr>
+            <p:ph type="sldImg"/>
+          </p:nvPr>
+        </p:nvSpPr>
+        <p:spPr/>
+      </p:sp>
+      <p:sp>
+        <p:nvSpPr>
+          <p:cNvPr id="3" name="Notes Placeholder 2"/>
+          <p:cNvSpPr>
+            <a:spLocks noGrp="1"/>
+          </p:cNvSpPr>
+          <p:nvPr>
+            <p:ph type="body" idx="1"/>
+          </p:nvPr>
+        </p:nvSpPr>
+        <p:spPr/>
+        <p:txBody>
+          <a:bodyPr/>
+          <a:lstStyle/>
+          <a:p>
+            <a:r>
+              <a:rPr lang="en-US" b="0" i="0" dirty="0">
+                <a:solidFill>
+                  <a:srgbClr val="313131"/>
+                </a:solidFill>
+                <a:effectLst/>
+                <a:latin typeface="Tate regular"/>
+              </a:rPr>
+              <a:t>Piet Mondrian</a:t>
+            </a:r>
+            <a:br>
+              <a:rPr lang="en-US" dirty="0"/>
+            </a:br>
+            <a:r>
+              <a:rPr lang="en-US" b="0" i="1" dirty="0">
+                <a:solidFill>
+                  <a:srgbClr val="313131"/>
+                </a:solidFill>
+                <a:effectLst/>
+                <a:latin typeface="Tate regular"/>
+              </a:rPr>
+              <a:t>Composition with Yellow, Blue and Red</a:t>
+            </a:r>
+            <a:r>
+              <a:rPr lang="en-US" b="0" i="0" dirty="0">
+                <a:solidFill>
+                  <a:srgbClr val="313131"/>
+                </a:solidFill>
+                <a:effectLst/>
+                <a:latin typeface="Tate regular"/>
+              </a:rPr>
+              <a:t> 1937–42</a:t>
+            </a:r>
+            <a:br>
+              <a:rPr lang="en-US" dirty="0"/>
+            </a:br>
+            <a:r>
+              <a:rPr lang="en-US" b="0" i="0" dirty="0">
+                <a:solidFill>
+                  <a:srgbClr val="313131"/>
+                </a:solidFill>
+                <a:effectLst/>
+                <a:latin typeface="Tate regular"/>
+              </a:rPr>
+              <a:t>Tate</a:t>
+            </a:r>
+            <a:endParaRPr lang="en-US" dirty="0"/>
+          </a:p>
+        </p:txBody>
+      </p:sp>
+      <p:sp>
+        <p:nvSpPr>
+          <p:cNvPr id="4" name="Slide Number Placeholder 3"/>
+          <p:cNvSpPr>
+            <a:spLocks noGrp="1"/>
+          </p:cNvSpPr>
+          <p:nvPr>
+            <p:ph type="sldNum" sz="quarter" idx="5"/>
+          </p:nvPr>
+        </p:nvSpPr>
+        <p:spPr/>
+        <p:txBody>
+          <a:bodyPr/>
+          <a:lstStyle/>
+          <a:p>
+            <a:fld id="{8988AED4-9043-4A58-983C-CD7ED18F9308}" type="slidenum">
+              <a:rPr lang="en-US" smtClean="0"/>
+              <a:t>19</a:t>
+            </a:fld>
+            <a:endParaRPr lang="en-US"/>
+          </a:p>
+        </p:txBody>
+      </p:sp>
+    </p:spTree>
+    <p:extLst>
+      <p:ext uri="{BB962C8B-B14F-4D97-AF65-F5344CB8AC3E}">
+        <p14:creationId xmlns:p14="http://schemas.microsoft.com/office/powerpoint/2010/main" val="1267238222"/>
+      </p:ext>
+    </p:extLst>
+  </p:cSld>
+  <p:clrMapOvr>
+    <a:masterClrMapping/>
+  </p:clrMapOvr>
+</p:notes>
+</file>
+
 <file path=ppt/slideLayouts/slideLayout1.xml><?xml version="1.0" encoding="utf-8"?>
 <p:sldLayout xmlns:a="http://schemas.openxmlformats.org/drawingml/2006/main" xmlns:r="http://schemas.openxmlformats.org/officeDocument/2006/relationships" xmlns:p="http://schemas.openxmlformats.org/presentationml/2006/main" type="title" preserve="1">
   <p:cSld name="Title Slide">
@@ -297,7 +3982,7 @@
           <a:p>
             <a:fld id="{48A87A34-81AB-432B-8DAE-1953F412C126}" type="datetimeFigureOut">
               <a:rPr lang="en-US" dirty="0"/>
-              <a:t>4/13/2021</a:t>
+              <a:t>4/15/2021</a:t>
             </a:fld>
             <a:endParaRPr lang="en-US" dirty="0"/>
           </a:p>
@@ -559,7 +4244,7 @@
           <a:p>
             <a:fld id="{48A87A34-81AB-432B-8DAE-1953F412C126}" type="datetimeFigureOut">
               <a:rPr lang="en-US" dirty="0"/>
-              <a:t>4/13/2021</a:t>
+              <a:t>4/15/2021</a:t>
             </a:fld>
             <a:endParaRPr lang="en-US" dirty="0"/>
           </a:p>
@@ -786,7 +4471,7 @@
             <a:fld id="{48A87A34-81AB-432B-8DAE-1953F412C126}" type="datetimeFigureOut">
               <a:rPr lang="en-US" dirty="0"/>
               <a:pPr/>
-              <a:t>4/13/2021</a:t>
+              <a:t>4/15/2021</a:t>
             </a:fld>
             <a:endParaRPr lang="en-US" dirty="0"/>
           </a:p>
@@ -1092,7 +4777,7 @@
             <a:fld id="{48A87A34-81AB-432B-8DAE-1953F412C126}" type="datetimeFigureOut">
               <a:rPr lang="en-US" dirty="0"/>
               <a:pPr/>
-              <a:t>4/13/2021</a:t>
+              <a:t>4/15/2021</a:t>
             </a:fld>
             <a:endParaRPr lang="en-US" dirty="0"/>
           </a:p>
@@ -1561,7 +5246,7 @@
             <a:fld id="{48A87A34-81AB-432B-8DAE-1953F412C126}" type="datetimeFigureOut">
               <a:rPr lang="en-US" dirty="0"/>
               <a:pPr/>
-              <a:t>4/13/2021</a:t>
+              <a:t>4/15/2021</a:t>
             </a:fld>
             <a:endParaRPr lang="en-US" dirty="0"/>
           </a:p>
@@ -2103,7 +5788,7 @@
           <a:p>
             <a:fld id="{48A87A34-81AB-432B-8DAE-1953F412C126}" type="datetimeFigureOut">
               <a:rPr lang="en-US" dirty="0"/>
-              <a:t>4/13/2021</a:t>
+              <a:t>4/15/2021</a:t>
             </a:fld>
             <a:endParaRPr lang="en-US" dirty="0"/>
           </a:p>
@@ -2872,7 +6557,7 @@
           <a:p>
             <a:fld id="{48A87A34-81AB-432B-8DAE-1953F412C126}" type="datetimeFigureOut">
               <a:rPr lang="en-US" dirty="0"/>
-              <a:t>4/13/2021</a:t>
+              <a:t>4/15/2021</a:t>
             </a:fld>
             <a:endParaRPr lang="en-US" dirty="0"/>
           </a:p>
@@ -3042,7 +6727,7 @@
           <a:p>
             <a:fld id="{48A87A34-81AB-432B-8DAE-1953F412C126}" type="datetimeFigureOut">
               <a:rPr lang="en-US" dirty="0"/>
-              <a:t>4/13/2021</a:t>
+              <a:t>4/15/2021</a:t>
             </a:fld>
             <a:endParaRPr lang="en-US" dirty="0"/>
           </a:p>
@@ -3261,7 +6946,7 @@
             <a:fld id="{48A87A34-81AB-432B-8DAE-1953F412C126}" type="datetimeFigureOut">
               <a:rPr lang="en-US" dirty="0"/>
               <a:pPr/>
-              <a:t>4/13/2021</a:t>
+              <a:t>4/15/2021</a:t>
             </a:fld>
             <a:endParaRPr lang="en-US" dirty="0"/>
           </a:p>
@@ -3436,7 +7121,7 @@
           <a:p>
             <a:fld id="{48A87A34-81AB-432B-8DAE-1953F412C126}" type="datetimeFigureOut">
               <a:rPr lang="en-US" dirty="0"/>
-              <a:t>4/13/2021</a:t>
+              <a:t>4/15/2021</a:t>
             </a:fld>
             <a:endParaRPr lang="en-US" dirty="0"/>
           </a:p>
@@ -3721,7 +7406,7 @@
             <a:fld id="{48A87A34-81AB-432B-8DAE-1953F412C126}" type="datetimeFigureOut">
               <a:rPr lang="en-US" dirty="0"/>
               <a:pPr/>
-              <a:t>4/13/2021</a:t>
+              <a:t>4/15/2021</a:t>
             </a:fld>
             <a:endParaRPr lang="en-US" dirty="0"/>
           </a:p>
@@ -3958,7 +7643,7 @@
           <a:p>
             <a:fld id="{48A87A34-81AB-432B-8DAE-1953F412C126}" type="datetimeFigureOut">
               <a:rPr lang="en-US" dirty="0"/>
-              <a:t>4/13/2021</a:t>
+              <a:t>4/15/2021</a:t>
             </a:fld>
             <a:endParaRPr lang="en-US" dirty="0"/>
           </a:p>
@@ -4332,7 +8017,7 @@
           <a:p>
             <a:fld id="{48A87A34-81AB-432B-8DAE-1953F412C126}" type="datetimeFigureOut">
               <a:rPr lang="en-US" dirty="0"/>
-              <a:t>4/13/2021</a:t>
+              <a:t>4/15/2021</a:t>
             </a:fld>
             <a:endParaRPr lang="en-US" dirty="0"/>
           </a:p>
@@ -4445,7 +8130,7 @@
           <a:p>
             <a:fld id="{48A87A34-81AB-432B-8DAE-1953F412C126}" type="datetimeFigureOut">
               <a:rPr lang="en-US" dirty="0"/>
-              <a:t>4/13/2021</a:t>
+              <a:t>4/15/2021</a:t>
             </a:fld>
             <a:endParaRPr lang="en-US" dirty="0"/>
           </a:p>
@@ -4535,7 +8220,7 @@
           <a:p>
             <a:fld id="{48A87A34-81AB-432B-8DAE-1953F412C126}" type="datetimeFigureOut">
               <a:rPr lang="en-US" dirty="0"/>
-              <a:t>4/13/2021</a:t>
+              <a:t>4/15/2021</a:t>
             </a:fld>
             <a:endParaRPr lang="en-US" dirty="0"/>
           </a:p>
@@ -4779,7 +8464,7 @@
           <a:p>
             <a:fld id="{48A87A34-81AB-432B-8DAE-1953F412C126}" type="datetimeFigureOut">
               <a:rPr lang="en-US" dirty="0"/>
-              <a:t>4/13/2021</a:t>
+              <a:t>4/15/2021</a:t>
             </a:fld>
             <a:endParaRPr lang="en-US" dirty="0"/>
           </a:p>
@@ -5031,7 +8716,7 @@
           <a:p>
             <a:fld id="{48A87A34-81AB-432B-8DAE-1953F412C126}" type="datetimeFigureOut">
               <a:rPr lang="en-US" dirty="0"/>
-              <a:t>4/13/2021</a:t>
+              <a:t>4/15/2021</a:t>
             </a:fld>
             <a:endParaRPr lang="en-US" dirty="0"/>
           </a:p>
@@ -5270,7 +8955,7 @@
             <a:fld id="{48A87A34-81AB-432B-8DAE-1953F412C126}" type="datetimeFigureOut">
               <a:rPr lang="en-US" dirty="0"/>
               <a:pPr/>
-              <a:t>4/13/2021</a:t>
+              <a:t>4/15/2021</a:t>
             </a:fld>
             <a:endParaRPr lang="en-US" dirty="0"/>
           </a:p>
@@ -5663,6 +9348,14 @@
 <file path=ppt/slides/slide1.xml><?xml version="1.0" encoding="utf-8"?>
 <p:sld xmlns:a="http://schemas.openxmlformats.org/drawingml/2006/main" xmlns:r="http://schemas.openxmlformats.org/officeDocument/2006/relationships" xmlns:p="http://schemas.openxmlformats.org/presentationml/2006/main">
   <p:cSld>
+    <p:bg>
+      <p:bgPr>
+        <a:solidFill>
+          <a:schemeClr val="bg1"/>
+        </a:solidFill>
+        <a:effectLst/>
+      </p:bgPr>
+    </p:bg>
     <p:spTree>
       <p:nvGrpSpPr>
         <p:cNvPr id="1" name=""/>
@@ -5677,6 +9370,37 @@
           <a:chExt cx="0" cy="0"/>
         </a:xfrm>
       </p:grpSpPr>
+      <p:pic>
+        <p:nvPicPr>
+          <p:cNvPr id="5" name="Picture 4" descr="Person standing on a snowy road">
+            <a:extLst>
+              <a:ext uri="{FF2B5EF4-FFF2-40B4-BE49-F238E27FC236}">
+                <a16:creationId xmlns:a16="http://schemas.microsoft.com/office/drawing/2014/main" id="{68B68040-50B0-4211-AEC5-207DE60DA328}"/>
+              </a:ext>
+            </a:extLst>
+          </p:cNvPr>
+          <p:cNvPicPr>
+            <a:picLocks noChangeAspect="1"/>
+          </p:cNvPicPr>
+          <p:nvPr/>
+        </p:nvPicPr>
+        <p:blipFill rotWithShape="1">
+          <a:blip r:embed="rId2">
+            <a:alphaModFix amt="40000"/>
+          </a:blip>
+          <a:srcRect t="15730"/>
+          <a:stretch/>
+        </p:blipFill>
+        <p:spPr>
+          <a:xfrm>
+            <a:off x="20" y="10"/>
+            <a:ext cx="12191980" cy="6857990"/>
+          </a:xfrm>
+          <a:prstGeom prst="rect">
+            <a:avLst/>
+          </a:prstGeom>
+        </p:spPr>
+      </p:pic>
       <p:sp>
         <p:nvSpPr>
           <p:cNvPr id="2" name="Title 1">
@@ -5693,9 +9417,16 @@
             <p:ph type="ctrTitle"/>
           </p:nvPr>
         </p:nvSpPr>
-        <p:spPr/>
-        <p:txBody>
-          <a:bodyPr/>
+        <p:spPr>
+          <a:xfrm>
+            <a:off x="1371600" y="2237173"/>
+            <a:ext cx="9448800" cy="2602062"/>
+          </a:xfrm>
+        </p:spPr>
+        <p:txBody>
+          <a:bodyPr>
+            <a:normAutofit/>
+          </a:bodyPr>
           <a:lstStyle/>
           <a:p>
             <a:r>
@@ -5721,9 +9452,16 @@
             <p:ph type="subTitle" idx="1"/>
           </p:nvPr>
         </p:nvSpPr>
-        <p:spPr/>
-        <p:txBody>
-          <a:bodyPr/>
+        <p:spPr>
+          <a:xfrm>
+            <a:off x="1371600" y="4842935"/>
+            <a:ext cx="9448800" cy="685800"/>
+          </a:xfrm>
+        </p:spPr>
+        <p:txBody>
+          <a:bodyPr>
+            <a:normAutofit/>
+          </a:bodyPr>
           <a:lstStyle/>
           <a:p>
             <a:r>
@@ -5743,6 +9481,183 @@
   <p:clrMapOvr>
     <a:masterClrMapping/>
   </p:clrMapOvr>
+  <p:timing>
+    <p:tnLst>
+      <p:par>
+        <p:cTn id="1" dur="indefinite" restart="never" nodeType="tmRoot">
+          <p:childTnLst>
+            <p:seq concurrent="1" nextAc="seek">
+              <p:cTn id="2" dur="indefinite" nodeType="mainSeq">
+                <p:childTnLst>
+                  <p:par>
+                    <p:cTn id="3" fill="hold">
+                      <p:stCondLst>
+                        <p:cond delay="indefinite"/>
+                        <p:cond evt="onBegin" delay="0">
+                          <p:tn val="2"/>
+                        </p:cond>
+                      </p:stCondLst>
+                      <p:childTnLst>
+                        <p:par>
+                          <p:cTn id="4" fill="hold">
+                            <p:stCondLst>
+                              <p:cond delay="0"/>
+                            </p:stCondLst>
+                            <p:childTnLst>
+                              <p:par>
+                                <p:cTn id="5" presetID="10" presetClass="entr" presetSubtype="0" fill="hold" grpId="0" nodeType="withEffect">
+                                  <p:stCondLst>
+                                    <p:cond delay="2000"/>
+                                  </p:stCondLst>
+                                  <p:iterate type="lt">
+                                    <p:tmPct val="10000"/>
+                                  </p:iterate>
+                                  <p:childTnLst>
+                                    <p:set>
+                                      <p:cBhvr>
+                                        <p:cTn id="6" dur="1" fill="hold">
+                                          <p:stCondLst>
+                                            <p:cond delay="0"/>
+                                          </p:stCondLst>
+                                        </p:cTn>
+                                        <p:tgtEl>
+                                          <p:spTgt spid="3">
+                                            <p:txEl>
+                                              <p:pRg st="0" end="0"/>
+                                            </p:txEl>
+                                          </p:spTgt>
+                                        </p:tgtEl>
+                                        <p:attrNameLst>
+                                          <p:attrName>style.visibility</p:attrName>
+                                        </p:attrNameLst>
+                                      </p:cBhvr>
+                                      <p:to>
+                                        <p:strVal val="visible"/>
+                                      </p:to>
+                                    </p:set>
+                                    <p:animEffect transition="in" filter="fade">
+                                      <p:cBhvr>
+                                        <p:cTn id="7" dur="400"/>
+                                        <p:tgtEl>
+                                          <p:spTgt spid="3">
+                                            <p:txEl>
+                                              <p:pRg st="0" end="0"/>
+                                            </p:txEl>
+                                          </p:spTgt>
+                                        </p:tgtEl>
+                                      </p:cBhvr>
+                                    </p:animEffect>
+                                  </p:childTnLst>
+                                </p:cTn>
+                              </p:par>
+                              <p:par>
+                                <p:cTn id="8" presetID="10" presetClass="entr" presetSubtype="0" fill="hold" grpId="0" nodeType="withEffect">
+                                  <p:stCondLst>
+                                    <p:cond delay="1000"/>
+                                  </p:stCondLst>
+                                  <p:iterate type="lt">
+                                    <p:tmPct val="10000"/>
+                                  </p:iterate>
+                                  <p:childTnLst>
+                                    <p:set>
+                                      <p:cBhvr>
+                                        <p:cTn id="9" dur="1" fill="hold">
+                                          <p:stCondLst>
+                                            <p:cond delay="0"/>
+                                          </p:stCondLst>
+                                        </p:cTn>
+                                        <p:tgtEl>
+                                          <p:spTgt spid="2"/>
+                                        </p:tgtEl>
+                                        <p:attrNameLst>
+                                          <p:attrName>style.visibility</p:attrName>
+                                        </p:attrNameLst>
+                                      </p:cBhvr>
+                                      <p:to>
+                                        <p:strVal val="visible"/>
+                                      </p:to>
+                                    </p:set>
+                                    <p:animEffect transition="in" filter="fade">
+                                      <p:cBhvr>
+                                        <p:cTn id="10" dur="400"/>
+                                        <p:tgtEl>
+                                          <p:spTgt spid="2"/>
+                                        </p:tgtEl>
+                                      </p:cBhvr>
+                                    </p:animEffect>
+                                  </p:childTnLst>
+                                </p:cTn>
+                              </p:par>
+                              <p:par>
+                                <p:cTn id="11" presetID="10" presetClass="entr" presetSubtype="0" fill="hold" nodeType="withEffect">
+                                  <p:stCondLst>
+                                    <p:cond delay="0"/>
+                                  </p:stCondLst>
+                                  <p:iterate>
+                                    <p:tmPct val="10000"/>
+                                  </p:iterate>
+                                  <p:childTnLst>
+                                    <p:set>
+                                      <p:cBhvr>
+                                        <p:cTn id="12" dur="1" fill="hold">
+                                          <p:stCondLst>
+                                            <p:cond delay="0"/>
+                                          </p:stCondLst>
+                                        </p:cTn>
+                                        <p:tgtEl>
+                                          <p:spTgt spid="5"/>
+                                        </p:tgtEl>
+                                        <p:attrNameLst>
+                                          <p:attrName>style.visibility</p:attrName>
+                                        </p:attrNameLst>
+                                      </p:cBhvr>
+                                      <p:to>
+                                        <p:strVal val="visible"/>
+                                      </p:to>
+                                    </p:set>
+                                    <p:animEffect transition="in" filter="fade">
+                                      <p:cBhvr>
+                                        <p:cTn id="13" dur="700"/>
+                                        <p:tgtEl>
+                                          <p:spTgt spid="5"/>
+                                        </p:tgtEl>
+                                      </p:cBhvr>
+                                    </p:animEffect>
+                                  </p:childTnLst>
+                                </p:cTn>
+                              </p:par>
+                            </p:childTnLst>
+                          </p:cTn>
+                        </p:par>
+                      </p:childTnLst>
+                    </p:cTn>
+                  </p:par>
+                </p:childTnLst>
+              </p:cTn>
+              <p:prevCondLst>
+                <p:cond evt="onPrev" delay="0">
+                  <p:tgtEl>
+                    <p:sldTgt/>
+                  </p:tgtEl>
+                </p:cond>
+              </p:prevCondLst>
+              <p:nextCondLst>
+                <p:cond evt="onNext" delay="0">
+                  <p:tgtEl>
+                    <p:sldTgt/>
+                  </p:tgtEl>
+                </p:cond>
+              </p:nextCondLst>
+            </p:seq>
+          </p:childTnLst>
+        </p:cTn>
+      </p:par>
+    </p:tnLst>
+    <p:bldLst>
+      <p:bldP spid="2" grpId="0"/>
+      <p:bldP spid="3" grpId="0" build="p"/>
+    </p:bldLst>
+  </p:timing>
 </p:sld>
 </file>
 
@@ -5773,7 +9688,7 @@
       </p:grpSpPr>
       <p:pic>
         <p:nvPicPr>
-          <p:cNvPr id="37" name="Picture 36">
+          <p:cNvPr id="24" name="Picture 23">
             <a:extLst>
               <a:ext uri="{FF2B5EF4-FFF2-40B4-BE49-F238E27FC236}">
                 <a16:creationId xmlns:a16="http://schemas.microsoft.com/office/drawing/2014/main" id="{BDFADFB3-3D44-49A8-AE3B-A87C61607F7E}"/>
@@ -5818,7 +9733,7 @@
       </p:pic>
       <p:pic>
         <p:nvPicPr>
-          <p:cNvPr id="39" name="Picture 38">
+          <p:cNvPr id="26" name="Picture 25">
             <a:extLst>
               <a:ext uri="{FF2B5EF4-FFF2-40B4-BE49-F238E27FC236}">
                 <a16:creationId xmlns:a16="http://schemas.microsoft.com/office/drawing/2014/main" id="{BB912AE0-CAD9-4F8F-A2A2-BDF07D4EDD22}"/>
@@ -5861,12 +9776,12 @@
           </a:prstGeom>
         </p:spPr>
       </p:pic>
-      <p:sp useBgFill="1">
-        <p:nvSpPr>
-          <p:cNvPr id="41" name="Rectangle 40">
+      <p:sp>
+        <p:nvSpPr>
+          <p:cNvPr id="28" name="Rectangle 27">
             <a:extLst>
               <a:ext uri="{FF2B5EF4-FFF2-40B4-BE49-F238E27FC236}">
-                <a16:creationId xmlns:a16="http://schemas.microsoft.com/office/drawing/2014/main" id="{BD7C2DEF-63C5-495B-BBE5-720E5D12B4D2}"/>
+                <a16:creationId xmlns:a16="http://schemas.microsoft.com/office/drawing/2014/main" id="{674220BB-5395-4F54-8045-343633A1BC8A}"/>
               </a:ext>
               <a:ext uri="{C183D7F6-B498-43B3-948B-1728B52AA6E4}">
                 <adec:decorative xmlns:adec="http://schemas.microsoft.com/office/drawing/2017/decorative" val="1"/>
@@ -5886,12 +9801,15 @@
         </p:nvSpPr>
         <p:spPr>
           <a:xfrm>
-            <a:off x="0" y="0"/>
-            <a:ext cx="12192000" cy="6858000"/>
+            <a:off x="7946782" y="-1"/>
+            <a:ext cx="4245218" cy="6858001"/>
           </a:xfrm>
           <a:prstGeom prst="rect">
             <a:avLst/>
           </a:prstGeom>
+          <a:solidFill>
+            <a:schemeClr val="tx1"/>
+          </a:solidFill>
           <a:ln>
             <a:noFill/>
           </a:ln>
@@ -5921,12 +9839,57 @@
           </a:p>
         </p:txBody>
       </p:sp>
+      <p:sp>
+        <p:nvSpPr>
+          <p:cNvPr id="2" name="Title 1">
+            <a:extLst>
+              <a:ext uri="{FF2B5EF4-FFF2-40B4-BE49-F238E27FC236}">
+                <a16:creationId xmlns:a16="http://schemas.microsoft.com/office/drawing/2014/main" id="{2FBD7DB3-C9B6-4E79-B24D-A2C1AD5B9C1C}"/>
+              </a:ext>
+            </a:extLst>
+          </p:cNvPr>
+          <p:cNvSpPr>
+            <a:spLocks noGrp="1"/>
+          </p:cNvSpPr>
+          <p:nvPr>
+            <p:ph type="title"/>
+          </p:nvPr>
+        </p:nvSpPr>
+        <p:spPr>
+          <a:xfrm>
+            <a:off x="8266820" y="673240"/>
+            <a:ext cx="3300981" cy="3446373"/>
+          </a:xfrm>
+          <a:noFill/>
+          <a:ln w="19050">
+            <a:noFill/>
+            <a:prstDash val="dash"/>
+          </a:ln>
+        </p:spPr>
+        <p:txBody>
+          <a:bodyPr vert="horz" lIns="91440" tIns="45720" rIns="91440" bIns="45720" rtlCol="0" anchor="b">
+            <a:normAutofit/>
+          </a:bodyPr>
+          <a:lstStyle/>
+          <a:p>
+            <a:pPr algn="l"/>
+            <a:r>
+              <a:rPr lang="en-US" sz="4800" dirty="0">
+                <a:solidFill>
+                  <a:schemeClr val="bg1"/>
+                </a:solidFill>
+              </a:rPr>
+              <a:t>Law of similarity</a:t>
+            </a:r>
+          </a:p>
+        </p:txBody>
+      </p:sp>
       <p:pic>
         <p:nvPicPr>
-          <p:cNvPr id="43" name="Picture 42">
+          <p:cNvPr id="30" name="Picture 29">
             <a:extLst>
               <a:ext uri="{FF2B5EF4-FFF2-40B4-BE49-F238E27FC236}">
-                <a16:creationId xmlns:a16="http://schemas.microsoft.com/office/drawing/2014/main" id="{FE21E403-0B61-4473-BE57-AB0F16379674}"/>
+                <a16:creationId xmlns:a16="http://schemas.microsoft.com/office/drawing/2014/main" id="{9D892AF3-0287-4CB0-AD2F-775B64C6FDA5}"/>
               </a:ext>
               <a:ext uri="{C183D7F6-B498-43B3-948B-1728B52AA6E4}">
                 <adec:decorative xmlns:adec="http://schemas.microsoft.com/office/drawing/2017/decorative" val="1"/>
@@ -5945,7 +9908,7 @@
           </p:nvPr>
         </p:nvPicPr>
         <p:blipFill>
-          <a:blip r:embed="rId2">
+          <a:blip r:embed="rId3">
             <a:extLst>
               <a:ext uri="{28A0092B-C50C-407E-A947-70E740481C1C}">
                 <a14:useLocalDpi xmlns:a14="http://schemas.microsoft.com/office/drawing/2010/main" val="0"/>
@@ -5958,8 +9921,8 @@
         </p:blipFill>
         <p:spPr>
           <a:xfrm>
-            <a:off x="0" y="0"/>
-            <a:ext cx="12192000" cy="1441450"/>
+            <a:off x="0" y="4375150"/>
+            <a:ext cx="12192000" cy="2482850"/>
           </a:xfrm>
           <a:prstGeom prst="rect">
             <a:avLst/>
@@ -5968,50 +9931,140 @@
       </p:pic>
       <p:sp>
         <p:nvSpPr>
-          <p:cNvPr id="2" name="Title 1">
+          <p:cNvPr id="32" name="Rectangle 31">
             <a:extLst>
               <a:ext uri="{FF2B5EF4-FFF2-40B4-BE49-F238E27FC236}">
-                <a16:creationId xmlns:a16="http://schemas.microsoft.com/office/drawing/2014/main" id="{EF1F61EF-C1F5-4815-B895-A8AA2BE8D5F1}"/>
+                <a16:creationId xmlns:a16="http://schemas.microsoft.com/office/drawing/2014/main" id="{D477AA7E-6F59-438B-AE81-F002D625899E}"/>
+              </a:ext>
+              <a:ext uri="{C183D7F6-B498-43B3-948B-1728B52AA6E4}">
+                <adec:decorative xmlns:adec="http://schemas.microsoft.com/office/drawing/2017/decorative" val="1"/>
               </a:ext>
             </a:extLst>
           </p:cNvPr>
           <p:cNvSpPr>
-            <a:spLocks noGrp="1"/>
-          </p:cNvSpPr>
-          <p:nvPr>
-            <p:ph type="title"/>
-          </p:nvPr>
-        </p:nvSpPr>
-        <p:spPr>
-          <a:xfrm>
-            <a:off x="636696" y="643464"/>
-            <a:ext cx="3761964" cy="3273061"/>
-          </a:xfrm>
-          <a:noFill/>
-          <a:ln w="19050">
+            <a:spLocks noGrp="1" noRot="1" noChangeAspect="1" noMove="1" noResize="1" noEditPoints="1" noAdjustHandles="1" noChangeArrowheads="1" noChangeShapeType="1" noTextEdit="1"/>
+          </p:cNvSpPr>
+          <p:nvPr>
+            <p:extLst>
+              <p:ext uri="{386F3935-93C4-4BCD-93E2-E3B085C9AB24}">
+                <p16:designElem xmlns:p16="http://schemas.microsoft.com/office/powerpoint/2015/main" val="1"/>
+              </p:ext>
+            </p:extLst>
+          </p:nvPr>
+        </p:nvSpPr>
+        <p:spPr>
+          <a:xfrm>
+            <a:off x="-1" y="0"/>
+            <a:ext cx="7946781" cy="6858000"/>
+          </a:xfrm>
+          <a:prstGeom prst="rect">
+            <a:avLst/>
+          </a:prstGeom>
+          <a:solidFill>
+            <a:schemeClr val="tx1"/>
+          </a:solidFill>
+          <a:ln>
             <a:noFill/>
-            <a:prstDash val="dash"/>
           </a:ln>
         </p:spPr>
-        <p:txBody>
-          <a:bodyPr vert="horz" lIns="91440" tIns="45720" rIns="91440" bIns="45720" rtlCol="0" anchor="b">
-            <a:normAutofit/>
-          </a:bodyPr>
+        <p:style>
+          <a:lnRef idx="2">
+            <a:schemeClr val="accent1">
+              <a:shade val="50000"/>
+            </a:schemeClr>
+          </a:lnRef>
+          <a:fillRef idx="1">
+            <a:schemeClr val="accent1"/>
+          </a:fillRef>
+          <a:effectRef idx="0">
+            <a:schemeClr val="accent1"/>
+          </a:effectRef>
+          <a:fontRef idx="minor">
+            <a:schemeClr val="lt1"/>
+          </a:fontRef>
+        </p:style>
+        <p:txBody>
+          <a:bodyPr rtlCol="0" anchor="ctr"/>
           <a:lstStyle/>
           <a:p>
-            <a:r>
-              <a:rPr lang="en-US" sz="4800"/>
-              <a:t>Law of common fate</a:t>
-            </a:r>
+            <a:pPr algn="ctr"/>
+            <a:endParaRPr lang="en-US"/>
+          </a:p>
+        </p:txBody>
+      </p:sp>
+      <p:sp useBgFill="1">
+        <p:nvSpPr>
+          <p:cNvPr id="34" name="Rounded Rectangle 11">
+            <a:extLst>
+              <a:ext uri="{FF2B5EF4-FFF2-40B4-BE49-F238E27FC236}">
+                <a16:creationId xmlns:a16="http://schemas.microsoft.com/office/drawing/2014/main" id="{C84439A1-773C-4E21-A179-0417A18640E9}"/>
+              </a:ext>
+              <a:ext uri="{C183D7F6-B498-43B3-948B-1728B52AA6E4}">
+                <adec:decorative xmlns:adec="http://schemas.microsoft.com/office/drawing/2017/decorative" val="1"/>
+              </a:ext>
+            </a:extLst>
+          </p:cNvPr>
+          <p:cNvSpPr>
+            <a:spLocks noGrp="1" noRot="1" noChangeAspect="1" noMove="1" noResize="1" noEditPoints="1" noAdjustHandles="1" noChangeArrowheads="1" noChangeShapeType="1" noTextEdit="1"/>
+          </p:cNvSpPr>
+          <p:nvPr>
+            <p:extLst>
+              <p:ext uri="{386F3935-93C4-4BCD-93E2-E3B085C9AB24}">
+                <p16:designElem xmlns:p16="http://schemas.microsoft.com/office/powerpoint/2015/main" val="1"/>
+              </p:ext>
+            </p:extLst>
+          </p:nvPr>
+        </p:nvSpPr>
+        <p:spPr>
+          <a:xfrm>
+            <a:off x="643338" y="643464"/>
+            <a:ext cx="6638814" cy="5571072"/>
+          </a:xfrm>
+          <a:prstGeom prst="roundRect">
+            <a:avLst>
+              <a:gd name="adj" fmla="val 2403"/>
+            </a:avLst>
+          </a:prstGeom>
+          <a:ln>
+            <a:noFill/>
+          </a:ln>
+          <a:effectLst>
+            <a:innerShdw blurRad="114300">
+              <a:prstClr val="black"/>
+            </a:innerShdw>
+          </a:effectLst>
+        </p:spPr>
+        <p:style>
+          <a:lnRef idx="2">
+            <a:schemeClr val="accent1">
+              <a:shade val="50000"/>
+            </a:schemeClr>
+          </a:lnRef>
+          <a:fillRef idx="1">
+            <a:schemeClr val="accent1"/>
+          </a:fillRef>
+          <a:effectRef idx="0">
+            <a:schemeClr val="accent1"/>
+          </a:effectRef>
+          <a:fontRef idx="minor">
+            <a:schemeClr val="lt1"/>
+          </a:fontRef>
+        </p:style>
+        <p:txBody>
+          <a:bodyPr rtlCol="0" anchor="ctr"/>
+          <a:lstStyle/>
+          <a:p>
+            <a:pPr algn="ctr"/>
+            <a:endParaRPr lang="en-US"/>
           </a:p>
         </p:txBody>
       </p:sp>
       <p:pic>
         <p:nvPicPr>
-          <p:cNvPr id="7" name="Picture 6">
+          <p:cNvPr id="4" name="Picture 3">
             <a:extLst>
               <a:ext uri="{FF2B5EF4-FFF2-40B4-BE49-F238E27FC236}">
-                <a16:creationId xmlns:a16="http://schemas.microsoft.com/office/drawing/2014/main" id="{9B25B4FA-822C-4C26-853B-29941D4B07FC}"/>
+                <a16:creationId xmlns:a16="http://schemas.microsoft.com/office/drawing/2014/main" id="{DE79DAF0-8EF2-495D-AE38-665133AEA773}"/>
               </a:ext>
             </a:extLst>
           </p:cNvPr>
@@ -6028,8 +10081,8 @@
         </p:blipFill>
         <p:spPr>
           <a:xfrm>
-            <a:off x="5635642" y="941122"/>
-            <a:ext cx="4999959" cy="5115048"/>
+            <a:off x="2077721" y="1286928"/>
+            <a:ext cx="3770047" cy="4284145"/>
           </a:xfrm>
           <a:prstGeom prst="rect">
             <a:avLst/>
@@ -6039,12 +10092,12 @@
     </p:spTree>
     <p:extLst>
       <p:ext uri="{BB962C8B-B14F-4D97-AF65-F5344CB8AC3E}">
-        <p14:creationId xmlns:p14="http://schemas.microsoft.com/office/powerpoint/2010/main" val="2219890349"/>
+        <p14:creationId xmlns:p14="http://schemas.microsoft.com/office/powerpoint/2010/main" val="3852701768"/>
       </p:ext>
     </p:extLst>
   </p:cSld>
   <p:clrMapOvr>
-    <a:masterClrMapping/>
+    <a:overrideClrMapping bg1="lt1" tx1="dk1" bg2="lt2" tx2="dk2" accent1="accent1" accent2="accent2" accent3="accent3" accent4="accent4" accent5="accent5" accent6="accent6" hlink="hlink" folHlink="folHlink"/>
   </p:clrMapOvr>
 </p:sld>
 </file>
@@ -6311,10 +10364,10 @@
       </p:sp>
       <p:pic>
         <p:nvPicPr>
-          <p:cNvPr id="8" name="Picture 7">
+          <p:cNvPr id="7" name="Picture 6">
             <a:extLst>
               <a:ext uri="{FF2B5EF4-FFF2-40B4-BE49-F238E27FC236}">
-                <a16:creationId xmlns:a16="http://schemas.microsoft.com/office/drawing/2014/main" id="{9D3B97B2-5FF7-400F-B53D-6666A62EE076}"/>
+                <a16:creationId xmlns:a16="http://schemas.microsoft.com/office/drawing/2014/main" id="{9B25B4FA-822C-4C26-853B-29941D4B07FC}"/>
               </a:ext>
             </a:extLst>
           </p:cNvPr>
@@ -6331,8 +10384,8 @@
         </p:blipFill>
         <p:spPr>
           <a:xfrm>
-            <a:off x="5590885" y="941122"/>
-            <a:ext cx="5089472" cy="5115048"/>
+            <a:off x="5635642" y="941122"/>
+            <a:ext cx="4999959" cy="5115048"/>
           </a:xfrm>
           <a:prstGeom prst="rect">
             <a:avLst/>
@@ -6342,7 +10395,7 @@
     </p:spTree>
     <p:extLst>
       <p:ext uri="{BB962C8B-B14F-4D97-AF65-F5344CB8AC3E}">
-        <p14:creationId xmlns:p14="http://schemas.microsoft.com/office/powerpoint/2010/main" val="84306195"/>
+        <p14:creationId xmlns:p14="http://schemas.microsoft.com/office/powerpoint/2010/main" val="2219890349"/>
       </p:ext>
     </p:extLst>
   </p:cSld>
@@ -6379,7 +10432,7 @@
       </p:grpSpPr>
       <p:pic>
         <p:nvPicPr>
-          <p:cNvPr id="59" name="Picture 58">
+          <p:cNvPr id="37" name="Picture 36">
             <a:extLst>
               <a:ext uri="{FF2B5EF4-FFF2-40B4-BE49-F238E27FC236}">
                 <a16:creationId xmlns:a16="http://schemas.microsoft.com/office/drawing/2014/main" id="{BDFADFB3-3D44-49A8-AE3B-A87C61607F7E}"/>
@@ -6424,7 +10477,7 @@
       </p:pic>
       <p:pic>
         <p:nvPicPr>
-          <p:cNvPr id="61" name="Picture 60">
+          <p:cNvPr id="39" name="Picture 38">
             <a:extLst>
               <a:ext uri="{FF2B5EF4-FFF2-40B4-BE49-F238E27FC236}">
                 <a16:creationId xmlns:a16="http://schemas.microsoft.com/office/drawing/2014/main" id="{BB912AE0-CAD9-4F8F-A2A2-BDF07D4EDD22}"/>
@@ -6469,7 +10522,7 @@
       </p:pic>
       <p:sp useBgFill="1">
         <p:nvSpPr>
-          <p:cNvPr id="63" name="Rectangle 62">
+          <p:cNvPr id="41" name="Rectangle 40">
             <a:extLst>
               <a:ext uri="{FF2B5EF4-FFF2-40B4-BE49-F238E27FC236}">
                 <a16:creationId xmlns:a16="http://schemas.microsoft.com/office/drawing/2014/main" id="{BD7C2DEF-63C5-495B-BBE5-720E5D12B4D2}"/>
@@ -6529,7 +10582,7 @@
       </p:sp>
       <p:pic>
         <p:nvPicPr>
-          <p:cNvPr id="65" name="Picture 64">
+          <p:cNvPr id="43" name="Picture 42">
             <a:extLst>
               <a:ext uri="{FF2B5EF4-FFF2-40B4-BE49-F238E27FC236}">
                 <a16:creationId xmlns:a16="http://schemas.microsoft.com/office/drawing/2014/main" id="{FE21E403-0B61-4473-BE57-AB0F16379674}"/>
@@ -6614,10 +10667,10 @@
       </p:sp>
       <p:pic>
         <p:nvPicPr>
-          <p:cNvPr id="4" name="Picture 3">
+          <p:cNvPr id="8" name="Picture 7">
             <a:extLst>
               <a:ext uri="{FF2B5EF4-FFF2-40B4-BE49-F238E27FC236}">
-                <a16:creationId xmlns:a16="http://schemas.microsoft.com/office/drawing/2014/main" id="{8B2FEC70-52E0-45C9-BDA4-4BA6893C211C}"/>
+                <a16:creationId xmlns:a16="http://schemas.microsoft.com/office/drawing/2014/main" id="{9D3B97B2-5FF7-400F-B53D-6666A62EE076}"/>
               </a:ext>
             </a:extLst>
           </p:cNvPr>
@@ -6634,8 +10687,8 @@
         </p:blipFill>
         <p:spPr>
           <a:xfrm>
-            <a:off x="5422068" y="941122"/>
-            <a:ext cx="5427107" cy="5115048"/>
+            <a:off x="5590885" y="941122"/>
+            <a:ext cx="5089472" cy="5115048"/>
           </a:xfrm>
           <a:prstGeom prst="rect">
             <a:avLst/>
@@ -6645,7 +10698,7 @@
     </p:spTree>
     <p:extLst>
       <p:ext uri="{BB962C8B-B14F-4D97-AF65-F5344CB8AC3E}">
-        <p14:creationId xmlns:p14="http://schemas.microsoft.com/office/powerpoint/2010/main" val="4211250767"/>
+        <p14:creationId xmlns:p14="http://schemas.microsoft.com/office/powerpoint/2010/main" val="84306195"/>
       </p:ext>
     </p:extLst>
   </p:cSld>
@@ -6682,10 +10735,10 @@
       </p:grpSpPr>
       <p:pic>
         <p:nvPicPr>
-          <p:cNvPr id="10" name="Picture 9">
+          <p:cNvPr id="59" name="Picture 58">
             <a:extLst>
               <a:ext uri="{FF2B5EF4-FFF2-40B4-BE49-F238E27FC236}">
-                <a16:creationId xmlns:a16="http://schemas.microsoft.com/office/drawing/2014/main" id="{CFD580F5-E7BF-4C1D-BEFD-4A4601EBA876}"/>
+                <a16:creationId xmlns:a16="http://schemas.microsoft.com/office/drawing/2014/main" id="{BDFADFB3-3D44-49A8-AE3B-A87C61607F7E}"/>
               </a:ext>
               <a:ext uri="{C183D7F6-B498-43B3-948B-1728B52AA6E4}">
                 <adec:decorative xmlns:adec="http://schemas.microsoft.com/office/drawing/2017/decorative" val="1"/>
@@ -6727,10 +10780,10 @@
       </p:pic>
       <p:pic>
         <p:nvPicPr>
-          <p:cNvPr id="12" name="Picture 11">
+          <p:cNvPr id="61" name="Picture 60">
             <a:extLst>
               <a:ext uri="{FF2B5EF4-FFF2-40B4-BE49-F238E27FC236}">
-                <a16:creationId xmlns:a16="http://schemas.microsoft.com/office/drawing/2014/main" id="{F0F06750-78FE-4472-8DA5-14CF3336F811}"/>
+                <a16:creationId xmlns:a16="http://schemas.microsoft.com/office/drawing/2014/main" id="{BB912AE0-CAD9-4F8F-A2A2-BDF07D4EDD22}"/>
               </a:ext>
               <a:ext uri="{C183D7F6-B498-43B3-948B-1728B52AA6E4}">
                 <adec:decorative xmlns:adec="http://schemas.microsoft.com/office/drawing/2017/decorative" val="1"/>
@@ -6770,12 +10823,12 @@
           </a:prstGeom>
         </p:spPr>
       </p:pic>
-      <p:sp>
-        <p:nvSpPr>
-          <p:cNvPr id="14" name="Rectangle 13">
+      <p:sp useBgFill="1">
+        <p:nvSpPr>
+          <p:cNvPr id="63" name="Rectangle 62">
             <a:extLst>
               <a:ext uri="{FF2B5EF4-FFF2-40B4-BE49-F238E27FC236}">
-                <a16:creationId xmlns:a16="http://schemas.microsoft.com/office/drawing/2014/main" id="{05B7B068-8178-428D-927D-52BF95F4A2D6}"/>
+                <a16:creationId xmlns:a16="http://schemas.microsoft.com/office/drawing/2014/main" id="{BD7C2DEF-63C5-495B-BBE5-720E5D12B4D2}"/>
               </a:ext>
               <a:ext uri="{C183D7F6-B498-43B3-948B-1728B52AA6E4}">
                 <adec:decorative xmlns:adec="http://schemas.microsoft.com/office/drawing/2017/decorative" val="1"/>
@@ -6793,17 +10846,14 @@
             </p:extLst>
           </p:nvPr>
         </p:nvSpPr>
-        <p:spPr bwMode="white">
-          <a:xfrm>
-            <a:off x="0" y="4360126"/>
-            <a:ext cx="12192000" cy="2497873"/>
+        <p:spPr>
+          <a:xfrm>
+            <a:off x="0" y="0"/>
+            <a:ext cx="12192000" cy="6858000"/>
           </a:xfrm>
           <a:prstGeom prst="rect">
             <a:avLst/>
           </a:prstGeom>
-          <a:solidFill>
-            <a:schemeClr val="bg1"/>
-          </a:solidFill>
           <a:ln>
             <a:noFill/>
           </a:ln>
@@ -6833,12 +10883,57 @@
           </a:p>
         </p:txBody>
       </p:sp>
+      <p:pic>
+        <p:nvPicPr>
+          <p:cNvPr id="65" name="Picture 64">
+            <a:extLst>
+              <a:ext uri="{FF2B5EF4-FFF2-40B4-BE49-F238E27FC236}">
+                <a16:creationId xmlns:a16="http://schemas.microsoft.com/office/drawing/2014/main" id="{FE21E403-0B61-4473-BE57-AB0F16379674}"/>
+              </a:ext>
+              <a:ext uri="{C183D7F6-B498-43B3-948B-1728B52AA6E4}">
+                <adec:decorative xmlns:adec="http://schemas.microsoft.com/office/drawing/2017/decorative" val="1"/>
+              </a:ext>
+            </a:extLst>
+          </p:cNvPr>
+          <p:cNvPicPr>
+            <a:picLocks noGrp="1" noRot="1" noChangeAspect="1" noMove="1" noResize="1" noEditPoints="1" noAdjustHandles="1" noChangeArrowheads="1" noChangeShapeType="1" noCrop="1"/>
+          </p:cNvPicPr>
+          <p:nvPr>
+            <p:extLst>
+              <p:ext uri="{386F3935-93C4-4BCD-93E2-E3B085C9AB24}">
+                <p16:designElem xmlns:p16="http://schemas.microsoft.com/office/powerpoint/2015/main" val="1"/>
+              </p:ext>
+            </p:extLst>
+          </p:nvPr>
+        </p:nvPicPr>
+        <p:blipFill>
+          <a:blip r:embed="rId2">
+            <a:extLst>
+              <a:ext uri="{28A0092B-C50C-407E-A947-70E740481C1C}">
+                <a14:useLocalDpi xmlns:a14="http://schemas.microsoft.com/office/drawing/2010/main" val="0"/>
+              </a:ext>
+            </a:extLst>
+          </a:blip>
+          <a:stretch>
+            <a:fillRect/>
+          </a:stretch>
+        </p:blipFill>
+        <p:spPr>
+          <a:xfrm>
+            <a:off x="0" y="0"/>
+            <a:ext cx="12192000" cy="1441450"/>
+          </a:xfrm>
+          <a:prstGeom prst="rect">
+            <a:avLst/>
+          </a:prstGeom>
+        </p:spPr>
+      </p:pic>
       <p:sp>
         <p:nvSpPr>
           <p:cNvPr id="2" name="Title 1">
             <a:extLst>
               <a:ext uri="{FF2B5EF4-FFF2-40B4-BE49-F238E27FC236}">
-                <a16:creationId xmlns:a16="http://schemas.microsoft.com/office/drawing/2014/main" id="{262BF243-BE9F-42A7-A7CE-DCACE8A87BA1}"/>
+                <a16:creationId xmlns:a16="http://schemas.microsoft.com/office/drawing/2014/main" id="{EF1F61EF-C1F5-4815-B895-A8AA2BE8D5F1}"/>
               </a:ext>
             </a:extLst>
           </p:cNvPr>
@@ -6851,9 +10946,14 @@
         </p:nvSpPr>
         <p:spPr>
           <a:xfrm>
-            <a:off x="685800" y="4698999"/>
-            <a:ext cx="10820400" cy="821268"/>
-          </a:xfrm>
+            <a:off x="636696" y="643464"/>
+            <a:ext cx="3761964" cy="3273061"/>
+          </a:xfrm>
+          <a:noFill/>
+          <a:ln w="19050">
+            <a:noFill/>
+            <a:prstDash val="dash"/>
+          </a:ln>
         </p:spPr>
         <p:txBody>
           <a:bodyPr vert="horz" lIns="91440" tIns="45720" rIns="91440" bIns="45720" rtlCol="0" anchor="b">
@@ -6861,25 +10961,19 @@
           </a:bodyPr>
           <a:lstStyle/>
           <a:p>
-            <a:pPr algn="l"/>
             <a:r>
-              <a:rPr lang="en-US" sz="4400" dirty="0"/>
-              <a:t>Law of Uniform </a:t>
+              <a:rPr lang="en-US" sz="4800"/>
+              <a:t>Law of common fate</a:t>
             </a:r>
-            <a:r>
-              <a:rPr lang="en-US" sz="4400" dirty="0" err="1"/>
-              <a:t>CorrectedNess</a:t>
-            </a:r>
-            <a:endParaRPr lang="en-US" sz="4400" dirty="0"/>
           </a:p>
         </p:txBody>
       </p:sp>
       <p:pic>
         <p:nvPicPr>
-          <p:cNvPr id="5" name="Picture 4">
+          <p:cNvPr id="4" name="Picture 3">
             <a:extLst>
               <a:ext uri="{FF2B5EF4-FFF2-40B4-BE49-F238E27FC236}">
-                <a16:creationId xmlns:a16="http://schemas.microsoft.com/office/drawing/2014/main" id="{E60CEED2-C761-46EE-A74A-2C8E03CDE06B}"/>
+                <a16:creationId xmlns:a16="http://schemas.microsoft.com/office/drawing/2014/main" id="{8B2FEC70-52E0-45C9-BDA4-4BA6893C211C}"/>
               </a:ext>
             </a:extLst>
           </p:cNvPr>
@@ -6888,15 +10982,16 @@
           </p:cNvPicPr>
           <p:nvPr/>
         </p:nvPicPr>
-        <p:blipFill rotWithShape="1">
+        <p:blipFill>
           <a:blip r:embed="rId4"/>
-          <a:srcRect t="15628" r="1" b="18434"/>
-          <a:stretch/>
+          <a:stretch>
+            <a:fillRect/>
+          </a:stretch>
         </p:blipFill>
         <p:spPr>
           <a:xfrm>
-            <a:off x="681727" y="712832"/>
-            <a:ext cx="10820290" cy="3478161"/>
+            <a:off x="5422068" y="941122"/>
+            <a:ext cx="5427107" cy="5115048"/>
           </a:xfrm>
           <a:prstGeom prst="rect">
             <a:avLst/>
@@ -6906,7 +11001,7 @@
     </p:spTree>
     <p:extLst>
       <p:ext uri="{BB962C8B-B14F-4D97-AF65-F5344CB8AC3E}">
-        <p14:creationId xmlns:p14="http://schemas.microsoft.com/office/powerpoint/2010/main" val="89905317"/>
+        <p14:creationId xmlns:p14="http://schemas.microsoft.com/office/powerpoint/2010/main" val="4211250767"/>
       </p:ext>
     </p:extLst>
   </p:cSld>
@@ -6919,6 +11014,14 @@
 <file path=ppt/slides/slide14.xml><?xml version="1.0" encoding="utf-8"?>
 <p:sld xmlns:a="http://schemas.openxmlformats.org/drawingml/2006/main" xmlns:r="http://schemas.openxmlformats.org/officeDocument/2006/relationships" xmlns:p="http://schemas.openxmlformats.org/presentationml/2006/main">
   <p:cSld>
+    <p:bg>
+      <p:bgPr>
+        <a:solidFill>
+          <a:schemeClr val="bg1"/>
+        </a:solidFill>
+        <a:effectLst/>
+      </p:bgPr>
+    </p:bg>
     <p:spTree>
       <p:nvGrpSpPr>
         <p:cNvPr id="1" name=""/>
@@ -6935,6 +11038,114 @@
       </p:grpSpPr>
       <p:sp>
         <p:nvSpPr>
+          <p:cNvPr id="1028" name="Rectangle 70">
+            <a:extLst>
+              <a:ext uri="{FF2B5EF4-FFF2-40B4-BE49-F238E27FC236}">
+                <a16:creationId xmlns:a16="http://schemas.microsoft.com/office/drawing/2014/main" id="{8B836880-BF75-4385-9994-9270F8ACF1A7}"/>
+              </a:ext>
+              <a:ext uri="{C183D7F6-B498-43B3-948B-1728B52AA6E4}">
+                <adec:decorative xmlns:adec="http://schemas.microsoft.com/office/drawing/2017/decorative" val="1"/>
+              </a:ext>
+            </a:extLst>
+          </p:cNvPr>
+          <p:cNvSpPr>
+            <a:spLocks noGrp="1" noRot="1" noChangeAspect="1" noMove="1" noResize="1" noEditPoints="1" noAdjustHandles="1" noChangeArrowheads="1" noChangeShapeType="1" noTextEdit="1"/>
+          </p:cNvSpPr>
+          <p:nvPr>
+            <p:extLst>
+              <p:ext uri="{386F3935-93C4-4BCD-93E2-E3B085C9AB24}">
+                <p16:designElem xmlns:p16="http://schemas.microsoft.com/office/powerpoint/2015/main" val="1"/>
+              </p:ext>
+            </p:extLst>
+          </p:nvPr>
+        </p:nvSpPr>
+        <p:spPr>
+          <a:xfrm>
+            <a:off x="0" y="0"/>
+            <a:ext cx="12192000" cy="6858000"/>
+          </a:xfrm>
+          <a:prstGeom prst="rect">
+            <a:avLst/>
+          </a:prstGeom>
+          <a:solidFill>
+            <a:schemeClr val="bg1"/>
+          </a:solidFill>
+          <a:ln>
+            <a:noFill/>
+          </a:ln>
+        </p:spPr>
+        <p:style>
+          <a:lnRef idx="2">
+            <a:schemeClr val="accent1">
+              <a:shade val="50000"/>
+            </a:schemeClr>
+          </a:lnRef>
+          <a:fillRef idx="1">
+            <a:schemeClr val="accent1"/>
+          </a:fillRef>
+          <a:effectRef idx="0">
+            <a:schemeClr val="accent1"/>
+          </a:effectRef>
+          <a:fontRef idx="minor">
+            <a:schemeClr val="lt1"/>
+          </a:fontRef>
+        </p:style>
+        <p:txBody>
+          <a:bodyPr rtlCol="0" anchor="ctr"/>
+          <a:lstStyle/>
+          <a:p>
+            <a:pPr algn="ctr"/>
+            <a:endParaRPr lang="en-US"/>
+          </a:p>
+        </p:txBody>
+      </p:sp>
+      <p:pic>
+        <p:nvPicPr>
+          <p:cNvPr id="73" name="Picture 72">
+            <a:extLst>
+              <a:ext uri="{FF2B5EF4-FFF2-40B4-BE49-F238E27FC236}">
+                <a16:creationId xmlns:a16="http://schemas.microsoft.com/office/drawing/2014/main" id="{26BCFBE2-C65F-42E3-A14A-5D04B9842E44}"/>
+              </a:ext>
+              <a:ext uri="{C183D7F6-B498-43B3-948B-1728B52AA6E4}">
+                <adec:decorative xmlns:adec="http://schemas.microsoft.com/office/drawing/2017/decorative" val="1"/>
+              </a:ext>
+            </a:extLst>
+          </p:cNvPr>
+          <p:cNvPicPr>
+            <a:picLocks noGrp="1" noRot="1" noChangeAspect="1" noMove="1" noResize="1" noEditPoints="1" noAdjustHandles="1" noChangeArrowheads="1" noChangeShapeType="1" noCrop="1"/>
+          </p:cNvPicPr>
+          <p:nvPr>
+            <p:extLst>
+              <p:ext uri="{386F3935-93C4-4BCD-93E2-E3B085C9AB24}">
+                <p16:designElem xmlns:p16="http://schemas.microsoft.com/office/powerpoint/2015/main" val="1"/>
+              </p:ext>
+            </p:extLst>
+          </p:nvPr>
+        </p:nvPicPr>
+        <p:blipFill>
+          <a:blip r:embed="rId2">
+            <a:extLst>
+              <a:ext uri="{28A0092B-C50C-407E-A947-70E740481C1C}">
+                <a14:useLocalDpi xmlns:a14="http://schemas.microsoft.com/office/drawing/2010/main" val="0"/>
+              </a:ext>
+            </a:extLst>
+          </a:blip>
+          <a:stretch>
+            <a:fillRect/>
+          </a:stretch>
+        </p:blipFill>
+        <p:spPr>
+          <a:xfrm>
+            <a:off x="0" y="0"/>
+            <a:ext cx="12192000" cy="1441450"/>
+          </a:xfrm>
+          <a:prstGeom prst="rect">
+            <a:avLst/>
+          </a:prstGeom>
+        </p:spPr>
+      </p:pic>
+      <p:sp>
+        <p:nvSpPr>
           <p:cNvPr id="2" name="Title 1">
             <a:extLst>
               <a:ext uri="{FF2B5EF4-FFF2-40B4-BE49-F238E27FC236}">
@@ -6949,20 +11160,22 @@
             <p:ph type="title"/>
           </p:nvPr>
         </p:nvSpPr>
-        <p:spPr/>
-        <p:txBody>
-          <a:bodyPr/>
+        <p:spPr>
+          <a:xfrm>
+            <a:off x="685800" y="764373"/>
+            <a:ext cx="3306744" cy="1293028"/>
+          </a:xfrm>
+        </p:spPr>
+        <p:txBody>
+          <a:bodyPr>
+            <a:normAutofit/>
+          </a:bodyPr>
           <a:lstStyle/>
           <a:p>
             <a:r>
-              <a:rPr lang="en-US" dirty="0"/>
-              <a:t>Law </a:t>
+              <a:rPr lang="en-US" sz="3200"/>
+              <a:t>Law of continuation</a:t>
             </a:r>
-            <a:r>
-              <a:rPr lang="en-US"/>
-              <a:t>of continuation</a:t>
-            </a:r>
-            <a:endParaRPr lang="en-US" dirty="0"/>
           </a:p>
         </p:txBody>
       </p:sp>
@@ -6982,24 +11195,146 @@
             <p:ph idx="1"/>
           </p:nvPr>
         </p:nvSpPr>
-        <p:spPr/>
-        <p:txBody>
-          <a:bodyPr/>
+        <p:spPr>
+          <a:xfrm>
+            <a:off x="685801" y="2194560"/>
+            <a:ext cx="3306742" cy="4024125"/>
+          </a:xfrm>
+        </p:spPr>
+        <p:txBody>
+          <a:bodyPr>
+            <a:normAutofit/>
+          </a:bodyPr>
           <a:lstStyle/>
           <a:p>
             <a:pPr marL="0" indent="0">
               <a:buNone/>
             </a:pPr>
-            <a:endParaRPr lang="en-US" dirty="0"/>
+            <a:endParaRPr lang="en-US" sz="1600"/>
           </a:p>
           <a:p>
             <a:pPr marL="0" indent="0">
               <a:buNone/>
             </a:pPr>
-            <a:endParaRPr lang="en-US" dirty="0"/>
-          </a:p>
-        </p:txBody>
-      </p:sp>
+            <a:endParaRPr lang="en-US" sz="1600"/>
+          </a:p>
+        </p:txBody>
+      </p:sp>
+      <p:sp>
+        <p:nvSpPr>
+          <p:cNvPr id="75" name="Rounded Rectangle 14">
+            <a:extLst>
+              <a:ext uri="{FF2B5EF4-FFF2-40B4-BE49-F238E27FC236}">
+                <a16:creationId xmlns:a16="http://schemas.microsoft.com/office/drawing/2014/main" id="{38D32B90-922C-4411-A898-3F03AA808A09}"/>
+              </a:ext>
+              <a:ext uri="{C183D7F6-B498-43B3-948B-1728B52AA6E4}">
+                <adec:decorative xmlns:adec="http://schemas.microsoft.com/office/drawing/2017/decorative" val="1"/>
+              </a:ext>
+            </a:extLst>
+          </p:cNvPr>
+          <p:cNvSpPr>
+            <a:spLocks noGrp="1" noRot="1" noChangeAspect="1" noMove="1" noResize="1" noEditPoints="1" noAdjustHandles="1" noChangeArrowheads="1" noChangeShapeType="1" noTextEdit="1"/>
+          </p:cNvSpPr>
+          <p:nvPr>
+            <p:extLst>
+              <p:ext uri="{386F3935-93C4-4BCD-93E2-E3B085C9AB24}">
+                <p16:designElem xmlns:p16="http://schemas.microsoft.com/office/powerpoint/2015/main" val="1"/>
+              </p:ext>
+            </p:extLst>
+          </p:nvPr>
+        </p:nvSpPr>
+        <p:spPr>
+          <a:xfrm>
+            <a:off x="4636008" y="1066164"/>
+            <a:ext cx="6765949" cy="5148371"/>
+          </a:xfrm>
+          <a:prstGeom prst="roundRect">
+            <a:avLst>
+              <a:gd name="adj" fmla="val 2403"/>
+            </a:avLst>
+          </a:prstGeom>
+          <a:solidFill>
+            <a:srgbClr val="FFFFFF"/>
+          </a:solidFill>
+          <a:ln>
+            <a:noFill/>
+          </a:ln>
+          <a:effectLst>
+            <a:innerShdw blurRad="114300">
+              <a:prstClr val="black"/>
+            </a:innerShdw>
+          </a:effectLst>
+        </p:spPr>
+        <p:style>
+          <a:lnRef idx="2">
+            <a:schemeClr val="accent1">
+              <a:shade val="50000"/>
+            </a:schemeClr>
+          </a:lnRef>
+          <a:fillRef idx="1">
+            <a:schemeClr val="accent1"/>
+          </a:fillRef>
+          <a:effectRef idx="0">
+            <a:schemeClr val="accent1"/>
+          </a:effectRef>
+          <a:fontRef idx="minor">
+            <a:schemeClr val="lt1"/>
+          </a:fontRef>
+        </p:style>
+        <p:txBody>
+          <a:bodyPr rtlCol="0" anchor="ctr"/>
+          <a:lstStyle/>
+          <a:p>
+            <a:pPr algn="ctr"/>
+            <a:endParaRPr lang="en-US"/>
+          </a:p>
+        </p:txBody>
+      </p:sp>
+      <p:pic>
+        <p:nvPicPr>
+          <p:cNvPr id="1026" name="Picture 2" descr="Teen Fatally Struck by Train While Running on Railroad Tracks | Runner's  World">
+            <a:extLst>
+              <a:ext uri="{FF2B5EF4-FFF2-40B4-BE49-F238E27FC236}">
+                <a16:creationId xmlns:a16="http://schemas.microsoft.com/office/drawing/2014/main" id="{97A8F18C-E718-4618-8F71-16C9A0F4F8EC}"/>
+              </a:ext>
+            </a:extLst>
+          </p:cNvPr>
+          <p:cNvPicPr>
+            <a:picLocks noChangeAspect="1" noChangeArrowheads="1"/>
+          </p:cNvPicPr>
+          <p:nvPr/>
+        </p:nvPicPr>
+        <p:blipFill rotWithShape="1">
+          <a:blip r:embed="rId3">
+            <a:extLst>
+              <a:ext uri="{28A0092B-C50C-407E-A947-70E740481C1C}">
+                <a14:useLocalDpi xmlns:a14="http://schemas.microsoft.com/office/drawing/2010/main" val="0"/>
+              </a:ext>
+            </a:extLst>
+          </a:blip>
+          <a:srcRect l="10108" r="1127" b="1"/>
+          <a:stretch/>
+        </p:blipFill>
+        <p:spPr bwMode="auto">
+          <a:xfrm>
+            <a:off x="4955339" y="1336566"/>
+            <a:ext cx="6127287" cy="4607567"/>
+          </a:xfrm>
+          <a:prstGeom prst="rect">
+            <a:avLst/>
+          </a:prstGeom>
+          <a:noFill/>
+          <a:extLst>
+            <a:ext uri="{909E8E84-426E-40DD-AFC4-6F175D3DCCD1}">
+              <a14:hiddenFill xmlns:a14="http://schemas.microsoft.com/office/drawing/2010/main">
+                <a:solidFill>
+                  <a:srgbClr val="FFFFFF"/>
+                </a:solidFill>
+              </a14:hiddenFill>
+            </a:ext>
+          </a:extLst>
+        </p:spPr>
+      </p:pic>
     </p:spTree>
     <p:extLst>
       <p:ext uri="{BB962C8B-B14F-4D97-AF65-F5344CB8AC3E}">
@@ -7038,21 +11373,21 @@
           <a:chExt cx="0" cy="0"/>
         </a:xfrm>
       </p:grpSpPr>
-      <p:pic>
-        <p:nvPicPr>
-          <p:cNvPr id="71" name="Picture 70">
+      <p:sp>
+        <p:nvSpPr>
+          <p:cNvPr id="199" name="Rectangle 198">
             <a:extLst>
               <a:ext uri="{FF2B5EF4-FFF2-40B4-BE49-F238E27FC236}">
-                <a16:creationId xmlns:a16="http://schemas.microsoft.com/office/drawing/2014/main" id="{BDFADFB3-3D44-49A8-AE3B-A87C61607F7E}"/>
+                <a16:creationId xmlns:a16="http://schemas.microsoft.com/office/drawing/2014/main" id="{AC6EBE12-9B3E-43CB-B552-2C7A13853712}"/>
               </a:ext>
               <a:ext uri="{C183D7F6-B498-43B3-948B-1728B52AA6E4}">
                 <adec:decorative xmlns:adec="http://schemas.microsoft.com/office/drawing/2017/decorative" val="1"/>
               </a:ext>
             </a:extLst>
           </p:cNvPr>
-          <p:cNvPicPr>
-            <a:picLocks noGrp="1" noRot="1" noChangeAspect="1" noMove="1" noResize="1" noEditPoints="1" noAdjustHandles="1" noChangeArrowheads="1" noChangeShapeType="1" noCrop="1"/>
-          </p:cNvPicPr>
+          <p:cNvSpPr>
+            <a:spLocks noGrp="1" noRot="1" noChangeAspect="1" noMove="1" noResize="1" noEditPoints="1" noAdjustHandles="1" noChangeArrowheads="1" noChangeShapeType="1" noTextEdit="1"/>
+          </p:cNvSpPr>
           <p:nvPr>
             <p:extLst>
               <p:ext uri="{386F3935-93C4-4BCD-93E2-E3B085C9AB24}">
@@ -7060,101 +11395,11 @@
               </p:ext>
             </p:extLst>
           </p:nvPr>
-        </p:nvPicPr>
-        <p:blipFill>
-          <a:blip r:embed="rId2">
-            <a:extLst>
-              <a:ext uri="{28A0092B-C50C-407E-A947-70E740481C1C}">
-                <a14:useLocalDpi xmlns:a14="http://schemas.microsoft.com/office/drawing/2010/main" val="0"/>
-              </a:ext>
-            </a:extLst>
-          </a:blip>
-          <a:stretch>
-            <a:fillRect/>
-          </a:stretch>
-        </p:blipFill>
+        </p:nvSpPr>
         <p:spPr>
           <a:xfrm>
             <a:off x="0" y="0"/>
-            <a:ext cx="12192000" cy="1441450"/>
-          </a:xfrm>
-          <a:prstGeom prst="rect">
-            <a:avLst/>
-          </a:prstGeom>
-        </p:spPr>
-      </p:pic>
-      <p:pic>
-        <p:nvPicPr>
-          <p:cNvPr id="73" name="Picture 72">
-            <a:extLst>
-              <a:ext uri="{FF2B5EF4-FFF2-40B4-BE49-F238E27FC236}">
-                <a16:creationId xmlns:a16="http://schemas.microsoft.com/office/drawing/2014/main" id="{BB912AE0-CAD9-4F8F-A2A2-BDF07D4EDD22}"/>
-              </a:ext>
-              <a:ext uri="{C183D7F6-B498-43B3-948B-1728B52AA6E4}">
-                <adec:decorative xmlns:adec="http://schemas.microsoft.com/office/drawing/2017/decorative" val="1"/>
-              </a:ext>
-            </a:extLst>
-          </p:cNvPr>
-          <p:cNvPicPr>
-            <a:picLocks noGrp="1" noRot="1" noChangeAspect="1" noMove="1" noResize="1" noEditPoints="1" noAdjustHandles="1" noChangeArrowheads="1" noChangeShapeType="1" noCrop="1"/>
-          </p:cNvPicPr>
-          <p:nvPr>
-            <p:extLst>
-              <p:ext uri="{386F3935-93C4-4BCD-93E2-E3B085C9AB24}">
-                <p16:designElem xmlns:p16="http://schemas.microsoft.com/office/powerpoint/2015/main" val="1"/>
-              </p:ext>
-            </p:extLst>
-          </p:nvPr>
-        </p:nvPicPr>
-        <p:blipFill>
-          <a:blip r:embed="rId3">
-            <a:extLst>
-              <a:ext uri="{28A0092B-C50C-407E-A947-70E740481C1C}">
-                <a14:useLocalDpi xmlns:a14="http://schemas.microsoft.com/office/drawing/2010/main" val="0"/>
-              </a:ext>
-            </a:extLst>
-          </a:blip>
-          <a:stretch>
-            <a:fillRect/>
-          </a:stretch>
-        </p:blipFill>
-        <p:spPr>
-          <a:xfrm>
-            <a:off x="0" y="4375150"/>
-            <a:ext cx="12192000" cy="2482850"/>
-          </a:xfrm>
-          <a:prstGeom prst="rect">
-            <a:avLst/>
-          </a:prstGeom>
-        </p:spPr>
-      </p:pic>
-      <p:sp>
-        <p:nvSpPr>
-          <p:cNvPr id="75" name="Rectangle 74">
-            <a:extLst>
-              <a:ext uri="{FF2B5EF4-FFF2-40B4-BE49-F238E27FC236}">
-                <a16:creationId xmlns:a16="http://schemas.microsoft.com/office/drawing/2014/main" id="{674220BB-5395-4F54-8045-343633A1BC8A}"/>
-              </a:ext>
-              <a:ext uri="{C183D7F6-B498-43B3-948B-1728B52AA6E4}">
-                <adec:decorative xmlns:adec="http://schemas.microsoft.com/office/drawing/2017/decorative" val="1"/>
-              </a:ext>
-            </a:extLst>
-          </p:cNvPr>
-          <p:cNvSpPr>
-            <a:spLocks noGrp="1" noRot="1" noChangeAspect="1" noMove="1" noResize="1" noEditPoints="1" noAdjustHandles="1" noChangeArrowheads="1" noChangeShapeType="1" noTextEdit="1"/>
-          </p:cNvSpPr>
-          <p:nvPr>
-            <p:extLst>
-              <p:ext uri="{386F3935-93C4-4BCD-93E2-E3B085C9AB24}">
-                <p16:designElem xmlns:p16="http://schemas.microsoft.com/office/powerpoint/2015/main" val="1"/>
-              </p:ext>
-            </p:extLst>
-          </p:nvPr>
-        </p:nvSpPr>
-        <p:spPr>
-          <a:xfrm>
-            <a:off x="7946782" y="-1"/>
-            <a:ext cx="4245218" cy="6858001"/>
+            <a:ext cx="12192000" cy="6858000"/>
           </a:xfrm>
           <a:prstGeom prst="rect">
             <a:avLst/>
@@ -7187,61 +11432,20 @@
           <a:lstStyle/>
           <a:p>
             <a:pPr algn="ctr"/>
-            <a:endParaRPr lang="en-US"/>
-          </a:p>
-        </p:txBody>
-      </p:sp>
-      <p:sp>
-        <p:nvSpPr>
-          <p:cNvPr id="2" name="Title 1">
-            <a:extLst>
-              <a:ext uri="{FF2B5EF4-FFF2-40B4-BE49-F238E27FC236}">
-                <a16:creationId xmlns:a16="http://schemas.microsoft.com/office/drawing/2014/main" id="{F39A2DB7-2675-488F-A8FD-A769AB78F6F9}"/>
-              </a:ext>
-            </a:extLst>
-          </p:cNvPr>
-          <p:cNvSpPr>
-            <a:spLocks noGrp="1"/>
-          </p:cNvSpPr>
-          <p:nvPr>
-            <p:ph type="title"/>
-          </p:nvPr>
-        </p:nvSpPr>
-        <p:spPr>
-          <a:xfrm>
-            <a:off x="8266820" y="673240"/>
-            <a:ext cx="3300981" cy="3446373"/>
-          </a:xfrm>
-          <a:noFill/>
-          <a:ln w="19050">
-            <a:noFill/>
-            <a:prstDash val="dash"/>
-          </a:ln>
-        </p:spPr>
-        <p:txBody>
-          <a:bodyPr vert="horz" lIns="91440" tIns="45720" rIns="91440" bIns="45720" rtlCol="0" anchor="b">
-            <a:normAutofit/>
-          </a:bodyPr>
-          <a:lstStyle/>
-          <a:p>
-            <a:pPr algn="l"/>
-            <a:r>
-              <a:rPr lang="en-US" sz="4800">
-                <a:solidFill>
-                  <a:schemeClr val="bg1"/>
-                </a:solidFill>
-              </a:rPr>
-              <a:t>Law of closure</a:t>
-            </a:r>
+            <a:endParaRPr lang="en-US">
+              <a:solidFill>
+                <a:schemeClr val="tx1"/>
+              </a:solidFill>
+            </a:endParaRPr>
           </a:p>
         </p:txBody>
       </p:sp>
       <p:pic>
         <p:nvPicPr>
-          <p:cNvPr id="77" name="Picture 76">
+          <p:cNvPr id="201" name="Picture 200">
             <a:extLst>
               <a:ext uri="{FF2B5EF4-FFF2-40B4-BE49-F238E27FC236}">
-                <a16:creationId xmlns:a16="http://schemas.microsoft.com/office/drawing/2014/main" id="{9D892AF3-0287-4CB0-AD2F-775B64C6FDA5}"/>
+                <a16:creationId xmlns:a16="http://schemas.microsoft.com/office/drawing/2014/main" id="{137465C4-4FD6-41C0-9B8F-23FDEF424475}"/>
               </a:ext>
               <a:ext uri="{C183D7F6-B498-43B3-948B-1728B52AA6E4}">
                 <adec:decorative xmlns:adec="http://schemas.microsoft.com/office/drawing/2017/decorative" val="1"/>
@@ -7260,7 +11464,7 @@
           </p:nvPr>
         </p:nvPicPr>
         <p:blipFill>
-          <a:blip r:embed="rId3">
+          <a:blip r:embed="rId2">
             <a:extLst>
               <a:ext uri="{28A0092B-C50C-407E-A947-70E740481C1C}">
                 <a14:useLocalDpi xmlns:a14="http://schemas.microsoft.com/office/drawing/2010/main" val="0"/>
@@ -7273,8 +11477,8 @@
         </p:blipFill>
         <p:spPr>
           <a:xfrm>
-            <a:off x="0" y="4375150"/>
-            <a:ext cx="12192000" cy="2482850"/>
+            <a:off x="0" y="0"/>
+            <a:ext cx="12192000" cy="1441450"/>
           </a:xfrm>
           <a:prstGeom prst="rect">
             <a:avLst/>
@@ -7283,10 +11487,98 @@
       </p:pic>
       <p:sp>
         <p:nvSpPr>
-          <p:cNvPr id="79" name="Rectangle 78">
+          <p:cNvPr id="2" name="Title 1">
             <a:extLst>
               <a:ext uri="{FF2B5EF4-FFF2-40B4-BE49-F238E27FC236}">
-                <a16:creationId xmlns:a16="http://schemas.microsoft.com/office/drawing/2014/main" id="{D477AA7E-6F59-438B-AE81-F002D625899E}"/>
+                <a16:creationId xmlns:a16="http://schemas.microsoft.com/office/drawing/2014/main" id="{32A3A571-95AF-44D7-ACA9-BE94DBE5A254}"/>
+              </a:ext>
+            </a:extLst>
+          </p:cNvPr>
+          <p:cNvSpPr>
+            <a:spLocks noGrp="1"/>
+          </p:cNvSpPr>
+          <p:nvPr>
+            <p:ph type="title"/>
+          </p:nvPr>
+        </p:nvSpPr>
+        <p:spPr>
+          <a:xfrm>
+            <a:off x="685800" y="764373"/>
+            <a:ext cx="4753466" cy="1293028"/>
+          </a:xfrm>
+        </p:spPr>
+        <p:txBody>
+          <a:bodyPr>
+            <a:normAutofit/>
+          </a:bodyPr>
+          <a:lstStyle/>
+          <a:p>
+            <a:r>
+              <a:rPr lang="en-US">
+                <a:solidFill>
+                  <a:schemeClr val="bg1"/>
+                </a:solidFill>
+              </a:rPr>
+              <a:t>Law of continuation</a:t>
+            </a:r>
+          </a:p>
+        </p:txBody>
+      </p:sp>
+      <p:sp>
+        <p:nvSpPr>
+          <p:cNvPr id="3" name="Content Placeholder 2">
+            <a:extLst>
+              <a:ext uri="{FF2B5EF4-FFF2-40B4-BE49-F238E27FC236}">
+                <a16:creationId xmlns:a16="http://schemas.microsoft.com/office/drawing/2014/main" id="{C72F58E8-514B-4469-9A6E-B755E4573923}"/>
+              </a:ext>
+            </a:extLst>
+          </p:cNvPr>
+          <p:cNvSpPr>
+            <a:spLocks noGrp="1"/>
+          </p:cNvSpPr>
+          <p:nvPr>
+            <p:ph idx="1"/>
+          </p:nvPr>
+        </p:nvSpPr>
+        <p:spPr>
+          <a:xfrm>
+            <a:off x="685801" y="2194560"/>
+            <a:ext cx="4753466" cy="4024125"/>
+          </a:xfrm>
+        </p:spPr>
+        <p:txBody>
+          <a:bodyPr>
+            <a:normAutofit/>
+          </a:bodyPr>
+          <a:lstStyle/>
+          <a:p>
+            <a:pPr marL="0" indent="0">
+              <a:buNone/>
+            </a:pPr>
+            <a:endParaRPr lang="en-US" sz="1800">
+              <a:solidFill>
+                <a:schemeClr val="bg1"/>
+              </a:solidFill>
+            </a:endParaRPr>
+          </a:p>
+          <a:p>
+            <a:pPr marL="0" indent="0">
+              <a:buNone/>
+            </a:pPr>
+            <a:endParaRPr lang="en-US" sz="1800">
+              <a:solidFill>
+                <a:schemeClr val="bg1"/>
+              </a:solidFill>
+            </a:endParaRPr>
+          </a:p>
+        </p:txBody>
+      </p:sp>
+      <p:sp useBgFill="1">
+        <p:nvSpPr>
+          <p:cNvPr id="203" name="Rounded Rectangle 14">
+            <a:extLst>
+              <a:ext uri="{FF2B5EF4-FFF2-40B4-BE49-F238E27FC236}">
+                <a16:creationId xmlns:a16="http://schemas.microsoft.com/office/drawing/2014/main" id="{AF2529C0-FA6B-474D-B1E5-73BA7011F599}"/>
               </a:ext>
               <a:ext uri="{C183D7F6-B498-43B3-948B-1728B52AA6E4}">
                 <adec:decorative xmlns:adec="http://schemas.microsoft.com/office/drawing/2017/decorative" val="1"/>
@@ -7306,18 +11598,22 @@
         </p:nvSpPr>
         <p:spPr>
           <a:xfrm>
-            <a:off x="-1" y="0"/>
-            <a:ext cx="7946781" cy="6858000"/>
-          </a:xfrm>
-          <a:prstGeom prst="rect">
-            <a:avLst/>
+            <a:off x="6095999" y="1066164"/>
+            <a:ext cx="5305958" cy="5148371"/>
+          </a:xfrm>
+          <a:prstGeom prst="roundRect">
+            <a:avLst>
+              <a:gd name="adj" fmla="val 2403"/>
+            </a:avLst>
           </a:prstGeom>
-          <a:solidFill>
-            <a:schemeClr val="tx1"/>
-          </a:solidFill>
           <a:ln>
             <a:noFill/>
           </a:ln>
+          <a:effectLst>
+            <a:innerShdw blurRad="114300">
+              <a:prstClr val="black"/>
+            </a:innerShdw>
+          </a:effectLst>
         </p:spPr>
         <p:style>
           <a:lnRef idx="2">
@@ -7344,79 +11640,12 @@
           </a:p>
         </p:txBody>
       </p:sp>
-      <p:sp useBgFill="1">
-        <p:nvSpPr>
-          <p:cNvPr id="81" name="Rounded Rectangle 11">
-            <a:extLst>
-              <a:ext uri="{FF2B5EF4-FFF2-40B4-BE49-F238E27FC236}">
-                <a16:creationId xmlns:a16="http://schemas.microsoft.com/office/drawing/2014/main" id="{C84439A1-773C-4E21-A179-0417A18640E9}"/>
-              </a:ext>
-              <a:ext uri="{C183D7F6-B498-43B3-948B-1728B52AA6E4}">
-                <adec:decorative xmlns:adec="http://schemas.microsoft.com/office/drawing/2017/decorative" val="1"/>
-              </a:ext>
-            </a:extLst>
-          </p:cNvPr>
-          <p:cNvSpPr>
-            <a:spLocks noGrp="1" noRot="1" noChangeAspect="1" noMove="1" noResize="1" noEditPoints="1" noAdjustHandles="1" noChangeArrowheads="1" noChangeShapeType="1" noTextEdit="1"/>
-          </p:cNvSpPr>
-          <p:nvPr>
-            <p:extLst>
-              <p:ext uri="{386F3935-93C4-4BCD-93E2-E3B085C9AB24}">
-                <p16:designElem xmlns:p16="http://schemas.microsoft.com/office/powerpoint/2015/main" val="1"/>
-              </p:ext>
-            </p:extLst>
-          </p:nvPr>
-        </p:nvSpPr>
-        <p:spPr>
-          <a:xfrm>
-            <a:off x="643338" y="643464"/>
-            <a:ext cx="6638814" cy="5571072"/>
-          </a:xfrm>
-          <a:prstGeom prst="roundRect">
-            <a:avLst>
-              <a:gd name="adj" fmla="val 2403"/>
-            </a:avLst>
-          </a:prstGeom>
-          <a:ln>
-            <a:noFill/>
-          </a:ln>
-          <a:effectLst>
-            <a:innerShdw blurRad="114300">
-              <a:prstClr val="black"/>
-            </a:innerShdw>
-          </a:effectLst>
-        </p:spPr>
-        <p:style>
-          <a:lnRef idx="2">
-            <a:schemeClr val="accent1">
-              <a:shade val="50000"/>
-            </a:schemeClr>
-          </a:lnRef>
-          <a:fillRef idx="1">
-            <a:schemeClr val="accent1"/>
-          </a:fillRef>
-          <a:effectRef idx="0">
-            <a:schemeClr val="accent1"/>
-          </a:effectRef>
-          <a:fontRef idx="minor">
-            <a:schemeClr val="lt1"/>
-          </a:fontRef>
-        </p:style>
-        <p:txBody>
-          <a:bodyPr rtlCol="0" anchor="ctr"/>
-          <a:lstStyle/>
-          <a:p>
-            <a:pPr algn="ctr"/>
-            <a:endParaRPr lang="en-US"/>
-          </a:p>
-        </p:txBody>
-      </p:sp>
       <p:pic>
         <p:nvPicPr>
-          <p:cNvPr id="2050" name="Picture 2">
+          <p:cNvPr id="3074" name="Picture 2" descr="Amazon-principle of continuity">
             <a:extLst>
               <a:ext uri="{FF2B5EF4-FFF2-40B4-BE49-F238E27FC236}">
-                <a16:creationId xmlns:a16="http://schemas.microsoft.com/office/drawing/2014/main" id="{E3070670-1114-4296-B66C-3D9ADA61E96B}"/>
+                <a16:creationId xmlns:a16="http://schemas.microsoft.com/office/drawing/2014/main" id="{BB7ACE45-087E-496D-99E2-90EC15B058E0}"/>
               </a:ext>
             </a:extLst>
           </p:cNvPr>
@@ -7426,7 +11655,7 @@
           <p:nvPr/>
         </p:nvPicPr>
         <p:blipFill>
-          <a:blip r:embed="rId4">
+          <a:blip r:embed="rId3">
             <a:extLst>
               <a:ext uri="{28A0092B-C50C-407E-A947-70E740481C1C}">
                 <a14:useLocalDpi xmlns:a14="http://schemas.microsoft.com/office/drawing/2010/main" val="0"/>
@@ -7439,8 +11668,8 @@
         </p:blipFill>
         <p:spPr bwMode="auto">
           <a:xfrm>
-            <a:off x="1959169" y="1286928"/>
-            <a:ext cx="4007152" cy="4284145"/>
+            <a:off x="6407004" y="2791384"/>
+            <a:ext cx="4683948" cy="1697931"/>
           </a:xfrm>
           <a:prstGeom prst="rect">
             <a:avLst/>
@@ -7460,7 +11689,7 @@
     </p:spTree>
     <p:extLst>
       <p:ext uri="{BB962C8B-B14F-4D97-AF65-F5344CB8AC3E}">
-        <p14:creationId xmlns:p14="http://schemas.microsoft.com/office/powerpoint/2010/main" val="3343798539"/>
+        <p14:creationId xmlns:p14="http://schemas.microsoft.com/office/powerpoint/2010/main" val="618490968"/>
       </p:ext>
     </p:extLst>
   </p:cSld>
@@ -7497,10 +11726,10 @@
       </p:grpSpPr>
       <p:pic>
         <p:nvPicPr>
-          <p:cNvPr id="71" name="Picture 70">
+          <p:cNvPr id="10" name="Picture 9">
             <a:extLst>
               <a:ext uri="{FF2B5EF4-FFF2-40B4-BE49-F238E27FC236}">
-                <a16:creationId xmlns:a16="http://schemas.microsoft.com/office/drawing/2014/main" id="{BDFADFB3-3D44-49A8-AE3B-A87C61607F7E}"/>
+                <a16:creationId xmlns:a16="http://schemas.microsoft.com/office/drawing/2014/main" id="{CFD580F5-E7BF-4C1D-BEFD-4A4601EBA876}"/>
               </a:ext>
               <a:ext uri="{C183D7F6-B498-43B3-948B-1728B52AA6E4}">
                 <adec:decorative xmlns:adec="http://schemas.microsoft.com/office/drawing/2017/decorative" val="1"/>
@@ -7542,10 +11771,10 @@
       </p:pic>
       <p:pic>
         <p:nvPicPr>
-          <p:cNvPr id="73" name="Picture 72">
+          <p:cNvPr id="12" name="Picture 11">
             <a:extLst>
               <a:ext uri="{FF2B5EF4-FFF2-40B4-BE49-F238E27FC236}">
-                <a16:creationId xmlns:a16="http://schemas.microsoft.com/office/drawing/2014/main" id="{BB912AE0-CAD9-4F8F-A2A2-BDF07D4EDD22}"/>
+                <a16:creationId xmlns:a16="http://schemas.microsoft.com/office/drawing/2014/main" id="{F0F06750-78FE-4472-8DA5-14CF3336F811}"/>
               </a:ext>
               <a:ext uri="{C183D7F6-B498-43B3-948B-1728B52AA6E4}">
                 <adec:decorative xmlns:adec="http://schemas.microsoft.com/office/drawing/2017/decorative" val="1"/>
@@ -7587,50 +11816,10 @@
       </p:pic>
       <p:sp>
         <p:nvSpPr>
-          <p:cNvPr id="2" name="Title 1">
+          <p:cNvPr id="14" name="Rectangle 13">
             <a:extLst>
               <a:ext uri="{FF2B5EF4-FFF2-40B4-BE49-F238E27FC236}">
-                <a16:creationId xmlns:a16="http://schemas.microsoft.com/office/drawing/2014/main" id="{FBE41156-2E3D-4714-97D5-BE55845EF5A2}"/>
-              </a:ext>
-            </a:extLst>
-          </p:cNvPr>
-          <p:cNvSpPr>
-            <a:spLocks noGrp="1"/>
-          </p:cNvSpPr>
-          <p:nvPr>
-            <p:ph type="title"/>
-          </p:nvPr>
-        </p:nvSpPr>
-        <p:spPr>
-          <a:xfrm>
-            <a:off x="7056808" y="673240"/>
-            <a:ext cx="4510994" cy="3446373"/>
-          </a:xfrm>
-          <a:noFill/>
-          <a:ln w="19050">
-            <a:noFill/>
-            <a:prstDash val="dash"/>
-          </a:ln>
-        </p:spPr>
-        <p:txBody>
-          <a:bodyPr vert="horz" lIns="91440" tIns="45720" rIns="91440" bIns="45720" rtlCol="0" anchor="b">
-            <a:normAutofit/>
-          </a:bodyPr>
-          <a:lstStyle/>
-          <a:p>
-            <a:r>
-              <a:rPr lang="en-US" sz="4800"/>
-              <a:t>Law of pragnanz</a:t>
-            </a:r>
-          </a:p>
-        </p:txBody>
-      </p:sp>
-      <p:sp useBgFill="1">
-        <p:nvSpPr>
-          <p:cNvPr id="75" name="Rectangle 74">
-            <a:extLst>
-              <a:ext uri="{FF2B5EF4-FFF2-40B4-BE49-F238E27FC236}">
-                <a16:creationId xmlns:a16="http://schemas.microsoft.com/office/drawing/2014/main" id="{A6621E27-B4D3-4EEA-8F4D-BB759FD2479C}"/>
+                <a16:creationId xmlns:a16="http://schemas.microsoft.com/office/drawing/2014/main" id="{05B7B068-8178-428D-927D-52BF95F4A2D6}"/>
               </a:ext>
               <a:ext uri="{C183D7F6-B498-43B3-948B-1728B52AA6E4}">
                 <adec:decorative xmlns:adec="http://schemas.microsoft.com/office/drawing/2017/decorative" val="1"/>
@@ -7648,14 +11837,17 @@
             </p:extLst>
           </p:nvPr>
         </p:nvSpPr>
-        <p:spPr>
-          <a:xfrm>
-            <a:off x="6485641" y="-1"/>
-            <a:ext cx="5706359" cy="643465"/>
+        <p:spPr bwMode="white">
+          <a:xfrm>
+            <a:off x="0" y="4360126"/>
+            <a:ext cx="12192000" cy="2497873"/>
           </a:xfrm>
           <a:prstGeom prst="rect">
             <a:avLst/>
           </a:prstGeom>
+          <a:solidFill>
+            <a:schemeClr val="bg1"/>
+          </a:solidFill>
           <a:ln>
             <a:noFill/>
           </a:ln>
@@ -7685,21 +11877,129 @@
           </a:p>
         </p:txBody>
       </p:sp>
-      <p:sp useBgFill="1">
-        <p:nvSpPr>
-          <p:cNvPr id="77" name="Rectangle 76">
+      <p:sp>
+        <p:nvSpPr>
+          <p:cNvPr id="2" name="Title 1">
             <a:extLst>
               <a:ext uri="{FF2B5EF4-FFF2-40B4-BE49-F238E27FC236}">
-                <a16:creationId xmlns:a16="http://schemas.microsoft.com/office/drawing/2014/main" id="{9DCD9119-A5D2-4D09-BCB2-70ABD368DB30}"/>
+                <a16:creationId xmlns:a16="http://schemas.microsoft.com/office/drawing/2014/main" id="{262BF243-BE9F-42A7-A7CE-DCACE8A87BA1}"/>
+              </a:ext>
+            </a:extLst>
+          </p:cNvPr>
+          <p:cNvSpPr>
+            <a:spLocks noGrp="1"/>
+          </p:cNvSpPr>
+          <p:nvPr>
+            <p:ph type="title"/>
+          </p:nvPr>
+        </p:nvSpPr>
+        <p:spPr>
+          <a:xfrm>
+            <a:off x="685800" y="4698999"/>
+            <a:ext cx="10820400" cy="821268"/>
+          </a:xfrm>
+        </p:spPr>
+        <p:txBody>
+          <a:bodyPr vert="horz" lIns="91440" tIns="45720" rIns="91440" bIns="45720" rtlCol="0" anchor="b">
+            <a:normAutofit/>
+          </a:bodyPr>
+          <a:lstStyle/>
+          <a:p>
+            <a:pPr algn="l"/>
+            <a:r>
+              <a:rPr lang="en-US" sz="4400" dirty="0"/>
+              <a:t>Law of Uniform </a:t>
+            </a:r>
+            <a:r>
+              <a:rPr lang="en-US" sz="4400" dirty="0" err="1"/>
+              <a:t>CorrectedNess</a:t>
+            </a:r>
+            <a:endParaRPr lang="en-US" sz="4400" dirty="0"/>
+          </a:p>
+        </p:txBody>
+      </p:sp>
+      <p:pic>
+        <p:nvPicPr>
+          <p:cNvPr id="5" name="Picture 4">
+            <a:extLst>
+              <a:ext uri="{FF2B5EF4-FFF2-40B4-BE49-F238E27FC236}">
+                <a16:creationId xmlns:a16="http://schemas.microsoft.com/office/drawing/2014/main" id="{E60CEED2-C761-46EE-A74A-2C8E03CDE06B}"/>
+              </a:ext>
+            </a:extLst>
+          </p:cNvPr>
+          <p:cNvPicPr>
+            <a:picLocks noChangeAspect="1"/>
+          </p:cNvPicPr>
+          <p:nvPr/>
+        </p:nvPicPr>
+        <p:blipFill rotWithShape="1">
+          <a:blip r:embed="rId4"/>
+          <a:srcRect t="15628" r="1" b="18434"/>
+          <a:stretch/>
+        </p:blipFill>
+        <p:spPr>
+          <a:xfrm>
+            <a:off x="681727" y="712832"/>
+            <a:ext cx="10820290" cy="3478161"/>
+          </a:xfrm>
+          <a:prstGeom prst="rect">
+            <a:avLst/>
+          </a:prstGeom>
+        </p:spPr>
+      </p:pic>
+    </p:spTree>
+    <p:extLst>
+      <p:ext uri="{BB962C8B-B14F-4D97-AF65-F5344CB8AC3E}">
+        <p14:creationId xmlns:p14="http://schemas.microsoft.com/office/powerpoint/2010/main" val="89905317"/>
+      </p:ext>
+    </p:extLst>
+  </p:cSld>
+  <p:clrMapOvr>
+    <a:masterClrMapping/>
+  </p:clrMapOvr>
+</p:sld>
+</file>
+
+<file path=ppt/slides/slide17.xml><?xml version="1.0" encoding="utf-8"?>
+<p:sld xmlns:a="http://schemas.openxmlformats.org/drawingml/2006/main" xmlns:r="http://schemas.openxmlformats.org/officeDocument/2006/relationships" xmlns:p="http://schemas.openxmlformats.org/presentationml/2006/main">
+  <p:cSld>
+    <p:bg>
+      <p:bgPr>
+        <a:solidFill>
+          <a:schemeClr val="bg1"/>
+        </a:solidFill>
+        <a:effectLst/>
+      </p:bgPr>
+    </p:bg>
+    <p:spTree>
+      <p:nvGrpSpPr>
+        <p:cNvPr id="1" name=""/>
+        <p:cNvGrpSpPr/>
+        <p:nvPr/>
+      </p:nvGrpSpPr>
+      <p:grpSpPr>
+        <a:xfrm>
+          <a:off x="0" y="0"/>
+          <a:ext cx="0" cy="0"/>
+          <a:chOff x="0" y="0"/>
+          <a:chExt cx="0" cy="0"/>
+        </a:xfrm>
+      </p:grpSpPr>
+      <p:pic>
+        <p:nvPicPr>
+          <p:cNvPr id="71" name="Picture 70">
+            <a:extLst>
+              <a:ext uri="{FF2B5EF4-FFF2-40B4-BE49-F238E27FC236}">
+                <a16:creationId xmlns:a16="http://schemas.microsoft.com/office/drawing/2014/main" id="{BDFADFB3-3D44-49A8-AE3B-A87C61607F7E}"/>
               </a:ext>
               <a:ext uri="{C183D7F6-B498-43B3-948B-1728B52AA6E4}">
                 <adec:decorative xmlns:adec="http://schemas.microsoft.com/office/drawing/2017/decorative" val="1"/>
               </a:ext>
             </a:extLst>
           </p:cNvPr>
-          <p:cNvSpPr>
-            <a:spLocks noGrp="1" noRot="1" noChangeAspect="1" noMove="1" noResize="1" noEditPoints="1" noAdjustHandles="1" noChangeArrowheads="1" noChangeShapeType="1" noTextEdit="1"/>
-          </p:cNvSpPr>
+          <p:cNvPicPr>
+            <a:picLocks noGrp="1" noRot="1" noChangeAspect="1" noMove="1" noResize="1" noEditPoints="1" noAdjustHandles="1" noChangeArrowheads="1" noChangeShapeType="1" noCrop="1"/>
+          </p:cNvPicPr>
           <p:nvPr>
             <p:extLst>
               <p:ext uri="{386F3935-93C4-4BCD-93E2-E3B085C9AB24}">
@@ -7707,15 +12007,108 @@
               </p:ext>
             </p:extLst>
           </p:nvPr>
-        </p:nvSpPr>
-        <p:spPr>
-          <a:xfrm>
-            <a:off x="-1" y="0"/>
-            <a:ext cx="6746233" cy="6858000"/>
+        </p:nvPicPr>
+        <p:blipFill>
+          <a:blip r:embed="rId2">
+            <a:extLst>
+              <a:ext uri="{28A0092B-C50C-407E-A947-70E740481C1C}">
+                <a14:useLocalDpi xmlns:a14="http://schemas.microsoft.com/office/drawing/2010/main" val="0"/>
+              </a:ext>
+            </a:extLst>
+          </a:blip>
+          <a:stretch>
+            <a:fillRect/>
+          </a:stretch>
+        </p:blipFill>
+        <p:spPr>
+          <a:xfrm>
+            <a:off x="0" y="0"/>
+            <a:ext cx="12192000" cy="1441450"/>
           </a:xfrm>
           <a:prstGeom prst="rect">
             <a:avLst/>
           </a:prstGeom>
+        </p:spPr>
+      </p:pic>
+      <p:pic>
+        <p:nvPicPr>
+          <p:cNvPr id="73" name="Picture 72">
+            <a:extLst>
+              <a:ext uri="{FF2B5EF4-FFF2-40B4-BE49-F238E27FC236}">
+                <a16:creationId xmlns:a16="http://schemas.microsoft.com/office/drawing/2014/main" id="{BB912AE0-CAD9-4F8F-A2A2-BDF07D4EDD22}"/>
+              </a:ext>
+              <a:ext uri="{C183D7F6-B498-43B3-948B-1728B52AA6E4}">
+                <adec:decorative xmlns:adec="http://schemas.microsoft.com/office/drawing/2017/decorative" val="1"/>
+              </a:ext>
+            </a:extLst>
+          </p:cNvPr>
+          <p:cNvPicPr>
+            <a:picLocks noGrp="1" noRot="1" noChangeAspect="1" noMove="1" noResize="1" noEditPoints="1" noAdjustHandles="1" noChangeArrowheads="1" noChangeShapeType="1" noCrop="1"/>
+          </p:cNvPicPr>
+          <p:nvPr>
+            <p:extLst>
+              <p:ext uri="{386F3935-93C4-4BCD-93E2-E3B085C9AB24}">
+                <p16:designElem xmlns:p16="http://schemas.microsoft.com/office/powerpoint/2015/main" val="1"/>
+              </p:ext>
+            </p:extLst>
+          </p:nvPr>
+        </p:nvPicPr>
+        <p:blipFill>
+          <a:blip r:embed="rId3">
+            <a:extLst>
+              <a:ext uri="{28A0092B-C50C-407E-A947-70E740481C1C}">
+                <a14:useLocalDpi xmlns:a14="http://schemas.microsoft.com/office/drawing/2010/main" val="0"/>
+              </a:ext>
+            </a:extLst>
+          </a:blip>
+          <a:stretch>
+            <a:fillRect/>
+          </a:stretch>
+        </p:blipFill>
+        <p:spPr>
+          <a:xfrm>
+            <a:off x="0" y="4375150"/>
+            <a:ext cx="12192000" cy="2482850"/>
+          </a:xfrm>
+          <a:prstGeom prst="rect">
+            <a:avLst/>
+          </a:prstGeom>
+        </p:spPr>
+      </p:pic>
+      <p:sp>
+        <p:nvSpPr>
+          <p:cNvPr id="75" name="Rectangle 74">
+            <a:extLst>
+              <a:ext uri="{FF2B5EF4-FFF2-40B4-BE49-F238E27FC236}">
+                <a16:creationId xmlns:a16="http://schemas.microsoft.com/office/drawing/2014/main" id="{674220BB-5395-4F54-8045-343633A1BC8A}"/>
+              </a:ext>
+              <a:ext uri="{C183D7F6-B498-43B3-948B-1728B52AA6E4}">
+                <adec:decorative xmlns:adec="http://schemas.microsoft.com/office/drawing/2017/decorative" val="1"/>
+              </a:ext>
+            </a:extLst>
+          </p:cNvPr>
+          <p:cNvSpPr>
+            <a:spLocks noGrp="1" noRot="1" noChangeAspect="1" noMove="1" noResize="1" noEditPoints="1" noAdjustHandles="1" noChangeArrowheads="1" noChangeShapeType="1" noTextEdit="1"/>
+          </p:cNvSpPr>
+          <p:nvPr>
+            <p:extLst>
+              <p:ext uri="{386F3935-93C4-4BCD-93E2-E3B085C9AB24}">
+                <p16:designElem xmlns:p16="http://schemas.microsoft.com/office/powerpoint/2015/main" val="1"/>
+              </p:ext>
+            </p:extLst>
+          </p:nvPr>
+        </p:nvSpPr>
+        <p:spPr>
+          <a:xfrm>
+            <a:off x="7946782" y="-1"/>
+            <a:ext cx="4245218" cy="6858001"/>
+          </a:xfrm>
+          <a:prstGeom prst="rect">
+            <a:avLst/>
+          </a:prstGeom>
+          <a:solidFill>
+            <a:schemeClr val="tx1"/>
+          </a:solidFill>
           <a:ln>
             <a:noFill/>
           </a:ln>
@@ -7745,12 +12138,232 @@
           </a:p>
         </p:txBody>
       </p:sp>
+      <p:sp>
+        <p:nvSpPr>
+          <p:cNvPr id="2" name="Title 1">
+            <a:extLst>
+              <a:ext uri="{FF2B5EF4-FFF2-40B4-BE49-F238E27FC236}">
+                <a16:creationId xmlns:a16="http://schemas.microsoft.com/office/drawing/2014/main" id="{F39A2DB7-2675-488F-A8FD-A769AB78F6F9}"/>
+              </a:ext>
+            </a:extLst>
+          </p:cNvPr>
+          <p:cNvSpPr>
+            <a:spLocks noGrp="1"/>
+          </p:cNvSpPr>
+          <p:nvPr>
+            <p:ph type="title"/>
+          </p:nvPr>
+        </p:nvSpPr>
+        <p:spPr>
+          <a:xfrm>
+            <a:off x="8266820" y="673240"/>
+            <a:ext cx="3300981" cy="3446373"/>
+          </a:xfrm>
+          <a:noFill/>
+          <a:ln w="19050">
+            <a:noFill/>
+            <a:prstDash val="dash"/>
+          </a:ln>
+        </p:spPr>
+        <p:txBody>
+          <a:bodyPr vert="horz" lIns="91440" tIns="45720" rIns="91440" bIns="45720" rtlCol="0" anchor="b">
+            <a:normAutofit/>
+          </a:bodyPr>
+          <a:lstStyle/>
+          <a:p>
+            <a:pPr algn="l"/>
+            <a:r>
+              <a:rPr lang="en-US" sz="4800">
+                <a:solidFill>
+                  <a:schemeClr val="bg1"/>
+                </a:solidFill>
+              </a:rPr>
+              <a:t>Law of closure</a:t>
+            </a:r>
+          </a:p>
+        </p:txBody>
+      </p:sp>
       <p:pic>
         <p:nvPicPr>
-          <p:cNvPr id="1026" name="Picture 2" descr="Olympics Clipart Black And White - ClipArt Best | Olympic rings, Ring icon,  Clipart black and white">
+          <p:cNvPr id="77" name="Picture 76">
             <a:extLst>
               <a:ext uri="{FF2B5EF4-FFF2-40B4-BE49-F238E27FC236}">
-                <a16:creationId xmlns:a16="http://schemas.microsoft.com/office/drawing/2014/main" id="{05984468-D5B6-4709-9BA1-73B5D7FF94B1}"/>
+                <a16:creationId xmlns:a16="http://schemas.microsoft.com/office/drawing/2014/main" id="{9D892AF3-0287-4CB0-AD2F-775B64C6FDA5}"/>
+              </a:ext>
+              <a:ext uri="{C183D7F6-B498-43B3-948B-1728B52AA6E4}">
+                <adec:decorative xmlns:adec="http://schemas.microsoft.com/office/drawing/2017/decorative" val="1"/>
+              </a:ext>
+            </a:extLst>
+          </p:cNvPr>
+          <p:cNvPicPr>
+            <a:picLocks noGrp="1" noRot="1" noChangeAspect="1" noMove="1" noResize="1" noEditPoints="1" noAdjustHandles="1" noChangeArrowheads="1" noChangeShapeType="1" noCrop="1"/>
+          </p:cNvPicPr>
+          <p:nvPr>
+            <p:extLst>
+              <p:ext uri="{386F3935-93C4-4BCD-93E2-E3B085C9AB24}">
+                <p16:designElem xmlns:p16="http://schemas.microsoft.com/office/powerpoint/2015/main" val="1"/>
+              </p:ext>
+            </p:extLst>
+          </p:nvPr>
+        </p:nvPicPr>
+        <p:blipFill>
+          <a:blip r:embed="rId3">
+            <a:extLst>
+              <a:ext uri="{28A0092B-C50C-407E-A947-70E740481C1C}">
+                <a14:useLocalDpi xmlns:a14="http://schemas.microsoft.com/office/drawing/2010/main" val="0"/>
+              </a:ext>
+            </a:extLst>
+          </a:blip>
+          <a:stretch>
+            <a:fillRect/>
+          </a:stretch>
+        </p:blipFill>
+        <p:spPr>
+          <a:xfrm>
+            <a:off x="0" y="4375150"/>
+            <a:ext cx="12192000" cy="2482850"/>
+          </a:xfrm>
+          <a:prstGeom prst="rect">
+            <a:avLst/>
+          </a:prstGeom>
+        </p:spPr>
+      </p:pic>
+      <p:sp>
+        <p:nvSpPr>
+          <p:cNvPr id="79" name="Rectangle 78">
+            <a:extLst>
+              <a:ext uri="{FF2B5EF4-FFF2-40B4-BE49-F238E27FC236}">
+                <a16:creationId xmlns:a16="http://schemas.microsoft.com/office/drawing/2014/main" id="{D477AA7E-6F59-438B-AE81-F002D625899E}"/>
+              </a:ext>
+              <a:ext uri="{C183D7F6-B498-43B3-948B-1728B52AA6E4}">
+                <adec:decorative xmlns:adec="http://schemas.microsoft.com/office/drawing/2017/decorative" val="1"/>
+              </a:ext>
+            </a:extLst>
+          </p:cNvPr>
+          <p:cNvSpPr>
+            <a:spLocks noGrp="1" noRot="1" noChangeAspect="1" noMove="1" noResize="1" noEditPoints="1" noAdjustHandles="1" noChangeArrowheads="1" noChangeShapeType="1" noTextEdit="1"/>
+          </p:cNvSpPr>
+          <p:nvPr>
+            <p:extLst>
+              <p:ext uri="{386F3935-93C4-4BCD-93E2-E3B085C9AB24}">
+                <p16:designElem xmlns:p16="http://schemas.microsoft.com/office/powerpoint/2015/main" val="1"/>
+              </p:ext>
+            </p:extLst>
+          </p:nvPr>
+        </p:nvSpPr>
+        <p:spPr>
+          <a:xfrm>
+            <a:off x="-1" y="0"/>
+            <a:ext cx="7946781" cy="6858000"/>
+          </a:xfrm>
+          <a:prstGeom prst="rect">
+            <a:avLst/>
+          </a:prstGeom>
+          <a:solidFill>
+            <a:schemeClr val="tx1"/>
+          </a:solidFill>
+          <a:ln>
+            <a:noFill/>
+          </a:ln>
+        </p:spPr>
+        <p:style>
+          <a:lnRef idx="2">
+            <a:schemeClr val="accent1">
+              <a:shade val="50000"/>
+            </a:schemeClr>
+          </a:lnRef>
+          <a:fillRef idx="1">
+            <a:schemeClr val="accent1"/>
+          </a:fillRef>
+          <a:effectRef idx="0">
+            <a:schemeClr val="accent1"/>
+          </a:effectRef>
+          <a:fontRef idx="minor">
+            <a:schemeClr val="lt1"/>
+          </a:fontRef>
+        </p:style>
+        <p:txBody>
+          <a:bodyPr rtlCol="0" anchor="ctr"/>
+          <a:lstStyle/>
+          <a:p>
+            <a:pPr algn="ctr"/>
+            <a:endParaRPr lang="en-US"/>
+          </a:p>
+        </p:txBody>
+      </p:sp>
+      <p:sp useBgFill="1">
+        <p:nvSpPr>
+          <p:cNvPr id="81" name="Rounded Rectangle 11">
+            <a:extLst>
+              <a:ext uri="{FF2B5EF4-FFF2-40B4-BE49-F238E27FC236}">
+                <a16:creationId xmlns:a16="http://schemas.microsoft.com/office/drawing/2014/main" id="{C84439A1-773C-4E21-A179-0417A18640E9}"/>
+              </a:ext>
+              <a:ext uri="{C183D7F6-B498-43B3-948B-1728B52AA6E4}">
+                <adec:decorative xmlns:adec="http://schemas.microsoft.com/office/drawing/2017/decorative" val="1"/>
+              </a:ext>
+            </a:extLst>
+          </p:cNvPr>
+          <p:cNvSpPr>
+            <a:spLocks noGrp="1" noRot="1" noChangeAspect="1" noMove="1" noResize="1" noEditPoints="1" noAdjustHandles="1" noChangeArrowheads="1" noChangeShapeType="1" noTextEdit="1"/>
+          </p:cNvSpPr>
+          <p:nvPr>
+            <p:extLst>
+              <p:ext uri="{386F3935-93C4-4BCD-93E2-E3B085C9AB24}">
+                <p16:designElem xmlns:p16="http://schemas.microsoft.com/office/powerpoint/2015/main" val="1"/>
+              </p:ext>
+            </p:extLst>
+          </p:nvPr>
+        </p:nvSpPr>
+        <p:spPr>
+          <a:xfrm>
+            <a:off x="643338" y="643464"/>
+            <a:ext cx="6638814" cy="5571072"/>
+          </a:xfrm>
+          <a:prstGeom prst="roundRect">
+            <a:avLst>
+              <a:gd name="adj" fmla="val 2403"/>
+            </a:avLst>
+          </a:prstGeom>
+          <a:ln>
+            <a:noFill/>
+          </a:ln>
+          <a:effectLst>
+            <a:innerShdw blurRad="114300">
+              <a:prstClr val="black"/>
+            </a:innerShdw>
+          </a:effectLst>
+        </p:spPr>
+        <p:style>
+          <a:lnRef idx="2">
+            <a:schemeClr val="accent1">
+              <a:shade val="50000"/>
+            </a:schemeClr>
+          </a:lnRef>
+          <a:fillRef idx="1">
+            <a:schemeClr val="accent1"/>
+          </a:fillRef>
+          <a:effectRef idx="0">
+            <a:schemeClr val="accent1"/>
+          </a:effectRef>
+          <a:fontRef idx="minor">
+            <a:schemeClr val="lt1"/>
+          </a:fontRef>
+        </p:style>
+        <p:txBody>
+          <a:bodyPr rtlCol="0" anchor="ctr"/>
+          <a:lstStyle/>
+          <a:p>
+            <a:pPr algn="ctr"/>
+            <a:endParaRPr lang="en-US"/>
+          </a:p>
+        </p:txBody>
+      </p:sp>
+      <p:pic>
+        <p:nvPicPr>
+          <p:cNvPr id="2050" name="Picture 2">
+            <a:extLst>
+              <a:ext uri="{FF2B5EF4-FFF2-40B4-BE49-F238E27FC236}">
+                <a16:creationId xmlns:a16="http://schemas.microsoft.com/office/drawing/2014/main" id="{E3070670-1114-4296-B66C-3D9ADA61E96B}"/>
               </a:ext>
             </a:extLst>
           </p:cNvPr>
@@ -7773,8 +12386,804 @@
         </p:blipFill>
         <p:spPr bwMode="auto">
           <a:xfrm>
-            <a:off x="643468" y="2174377"/>
-            <a:ext cx="5475672" cy="2505119"/>
+            <a:off x="1959169" y="1286928"/>
+            <a:ext cx="4007152" cy="4284145"/>
+          </a:xfrm>
+          <a:prstGeom prst="rect">
+            <a:avLst/>
+          </a:prstGeom>
+          <a:noFill/>
+          <a:extLst>
+            <a:ext uri="{909E8E84-426E-40DD-AFC4-6F175D3DCCD1}">
+              <a14:hiddenFill xmlns:a14="http://schemas.microsoft.com/office/drawing/2010/main">
+                <a:solidFill>
+                  <a:srgbClr val="FFFFFF"/>
+                </a:solidFill>
+              </a14:hiddenFill>
+            </a:ext>
+          </a:extLst>
+        </p:spPr>
+      </p:pic>
+    </p:spTree>
+    <p:extLst>
+      <p:ext uri="{BB962C8B-B14F-4D97-AF65-F5344CB8AC3E}">
+        <p14:creationId xmlns:p14="http://schemas.microsoft.com/office/powerpoint/2010/main" val="3343798539"/>
+      </p:ext>
+    </p:extLst>
+  </p:cSld>
+  <p:clrMapOvr>
+    <a:overrideClrMapping bg1="lt1" tx1="dk1" bg2="lt2" tx2="dk2" accent1="accent1" accent2="accent2" accent3="accent3" accent4="accent4" accent5="accent5" accent6="accent6" hlink="hlink" folHlink="folHlink"/>
+  </p:clrMapOvr>
+</p:sld>
+</file>
+
+<file path=ppt/slides/slide18.xml><?xml version="1.0" encoding="utf-8"?>
+<p:sld xmlns:a="http://schemas.openxmlformats.org/drawingml/2006/main" xmlns:r="http://schemas.openxmlformats.org/officeDocument/2006/relationships" xmlns:p="http://schemas.openxmlformats.org/presentationml/2006/main">
+  <p:cSld>
+    <p:bg>
+      <p:bgPr>
+        <a:solidFill>
+          <a:schemeClr val="bg1"/>
+        </a:solidFill>
+        <a:effectLst/>
+      </p:bgPr>
+    </p:bg>
+    <p:spTree>
+      <p:nvGrpSpPr>
+        <p:cNvPr id="1" name=""/>
+        <p:cNvGrpSpPr/>
+        <p:nvPr/>
+      </p:nvGrpSpPr>
+      <p:grpSpPr>
+        <a:xfrm>
+          <a:off x="0" y="0"/>
+          <a:ext cx="0" cy="0"/>
+          <a:chOff x="0" y="0"/>
+          <a:chExt cx="0" cy="0"/>
+        </a:xfrm>
+      </p:grpSpPr>
+      <p:pic>
+        <p:nvPicPr>
+          <p:cNvPr id="86" name="Picture 85">
+            <a:extLst>
+              <a:ext uri="{FF2B5EF4-FFF2-40B4-BE49-F238E27FC236}">
+                <a16:creationId xmlns:a16="http://schemas.microsoft.com/office/drawing/2014/main" id="{BDFADFB3-3D44-49A8-AE3B-A87C61607F7E}"/>
+              </a:ext>
+              <a:ext uri="{C183D7F6-B498-43B3-948B-1728B52AA6E4}">
+                <adec:decorative xmlns:adec="http://schemas.microsoft.com/office/drawing/2017/decorative" val="1"/>
+              </a:ext>
+            </a:extLst>
+          </p:cNvPr>
+          <p:cNvPicPr>
+            <a:picLocks noGrp="1" noRot="1" noChangeAspect="1" noMove="1" noResize="1" noEditPoints="1" noAdjustHandles="1" noChangeArrowheads="1" noChangeShapeType="1" noCrop="1"/>
+          </p:cNvPicPr>
+          <p:nvPr>
+            <p:extLst>
+              <p:ext uri="{386F3935-93C4-4BCD-93E2-E3B085C9AB24}">
+                <p16:designElem xmlns:p16="http://schemas.microsoft.com/office/powerpoint/2015/main" val="1"/>
+              </p:ext>
+            </p:extLst>
+          </p:nvPr>
+        </p:nvPicPr>
+        <p:blipFill>
+          <a:blip r:embed="rId2">
+            <a:extLst>
+              <a:ext uri="{28A0092B-C50C-407E-A947-70E740481C1C}">
+                <a14:useLocalDpi xmlns:a14="http://schemas.microsoft.com/office/drawing/2010/main" val="0"/>
+              </a:ext>
+            </a:extLst>
+          </a:blip>
+          <a:stretch>
+            <a:fillRect/>
+          </a:stretch>
+        </p:blipFill>
+        <p:spPr>
+          <a:xfrm>
+            <a:off x="0" y="0"/>
+            <a:ext cx="12192000" cy="1441450"/>
+          </a:xfrm>
+          <a:prstGeom prst="rect">
+            <a:avLst/>
+          </a:prstGeom>
+        </p:spPr>
+      </p:pic>
+      <p:pic>
+        <p:nvPicPr>
+          <p:cNvPr id="88" name="Picture 87">
+            <a:extLst>
+              <a:ext uri="{FF2B5EF4-FFF2-40B4-BE49-F238E27FC236}">
+                <a16:creationId xmlns:a16="http://schemas.microsoft.com/office/drawing/2014/main" id="{BB912AE0-CAD9-4F8F-A2A2-BDF07D4EDD22}"/>
+              </a:ext>
+              <a:ext uri="{C183D7F6-B498-43B3-948B-1728B52AA6E4}">
+                <adec:decorative xmlns:adec="http://schemas.microsoft.com/office/drawing/2017/decorative" val="1"/>
+              </a:ext>
+            </a:extLst>
+          </p:cNvPr>
+          <p:cNvPicPr>
+            <a:picLocks noGrp="1" noRot="1" noChangeAspect="1" noMove="1" noResize="1" noEditPoints="1" noAdjustHandles="1" noChangeArrowheads="1" noChangeShapeType="1" noCrop="1"/>
+          </p:cNvPicPr>
+          <p:nvPr>
+            <p:extLst>
+              <p:ext uri="{386F3935-93C4-4BCD-93E2-E3B085C9AB24}">
+                <p16:designElem xmlns:p16="http://schemas.microsoft.com/office/powerpoint/2015/main" val="1"/>
+              </p:ext>
+            </p:extLst>
+          </p:nvPr>
+        </p:nvPicPr>
+        <p:blipFill>
+          <a:blip r:embed="rId3">
+            <a:extLst>
+              <a:ext uri="{28A0092B-C50C-407E-A947-70E740481C1C}">
+                <a14:useLocalDpi xmlns:a14="http://schemas.microsoft.com/office/drawing/2010/main" val="0"/>
+              </a:ext>
+            </a:extLst>
+          </a:blip>
+          <a:stretch>
+            <a:fillRect/>
+          </a:stretch>
+        </p:blipFill>
+        <p:spPr>
+          <a:xfrm>
+            <a:off x="0" y="4375150"/>
+            <a:ext cx="12192000" cy="2482850"/>
+          </a:xfrm>
+          <a:prstGeom prst="rect">
+            <a:avLst/>
+          </a:prstGeom>
+        </p:spPr>
+      </p:pic>
+      <p:sp>
+        <p:nvSpPr>
+          <p:cNvPr id="90" name="Rectangle 89">
+            <a:extLst>
+              <a:ext uri="{FF2B5EF4-FFF2-40B4-BE49-F238E27FC236}">
+                <a16:creationId xmlns:a16="http://schemas.microsoft.com/office/drawing/2014/main" id="{674220BB-5395-4F54-8045-343633A1BC8A}"/>
+              </a:ext>
+              <a:ext uri="{C183D7F6-B498-43B3-948B-1728B52AA6E4}">
+                <adec:decorative xmlns:adec="http://schemas.microsoft.com/office/drawing/2017/decorative" val="1"/>
+              </a:ext>
+            </a:extLst>
+          </p:cNvPr>
+          <p:cNvSpPr>
+            <a:spLocks noGrp="1" noRot="1" noChangeAspect="1" noMove="1" noResize="1" noEditPoints="1" noAdjustHandles="1" noChangeArrowheads="1" noChangeShapeType="1" noTextEdit="1"/>
+          </p:cNvSpPr>
+          <p:nvPr>
+            <p:extLst>
+              <p:ext uri="{386F3935-93C4-4BCD-93E2-E3B085C9AB24}">
+                <p16:designElem xmlns:p16="http://schemas.microsoft.com/office/powerpoint/2015/main" val="1"/>
+              </p:ext>
+            </p:extLst>
+          </p:nvPr>
+        </p:nvSpPr>
+        <p:spPr>
+          <a:xfrm>
+            <a:off x="7946782" y="-1"/>
+            <a:ext cx="4245218" cy="6858001"/>
+          </a:xfrm>
+          <a:prstGeom prst="rect">
+            <a:avLst/>
+          </a:prstGeom>
+          <a:solidFill>
+            <a:schemeClr val="tx1"/>
+          </a:solidFill>
+          <a:ln>
+            <a:noFill/>
+          </a:ln>
+        </p:spPr>
+        <p:style>
+          <a:lnRef idx="2">
+            <a:schemeClr val="accent1">
+              <a:shade val="50000"/>
+            </a:schemeClr>
+          </a:lnRef>
+          <a:fillRef idx="1">
+            <a:schemeClr val="accent1"/>
+          </a:fillRef>
+          <a:effectRef idx="0">
+            <a:schemeClr val="accent1"/>
+          </a:effectRef>
+          <a:fontRef idx="minor">
+            <a:schemeClr val="lt1"/>
+          </a:fontRef>
+        </p:style>
+        <p:txBody>
+          <a:bodyPr rtlCol="0" anchor="ctr"/>
+          <a:lstStyle/>
+          <a:p>
+            <a:pPr algn="ctr"/>
+            <a:endParaRPr lang="en-US"/>
+          </a:p>
+        </p:txBody>
+      </p:sp>
+      <p:sp>
+        <p:nvSpPr>
+          <p:cNvPr id="2" name="Title 1">
+            <a:extLst>
+              <a:ext uri="{FF2B5EF4-FFF2-40B4-BE49-F238E27FC236}">
+                <a16:creationId xmlns:a16="http://schemas.microsoft.com/office/drawing/2014/main" id="{F39A2DB7-2675-488F-A8FD-A769AB78F6F9}"/>
+              </a:ext>
+            </a:extLst>
+          </p:cNvPr>
+          <p:cNvSpPr>
+            <a:spLocks noGrp="1"/>
+          </p:cNvSpPr>
+          <p:nvPr>
+            <p:ph type="title"/>
+          </p:nvPr>
+        </p:nvSpPr>
+        <p:spPr>
+          <a:xfrm>
+            <a:off x="8266820" y="673240"/>
+            <a:ext cx="3300981" cy="3446373"/>
+          </a:xfrm>
+          <a:noFill/>
+          <a:ln w="19050">
+            <a:noFill/>
+            <a:prstDash val="dash"/>
+          </a:ln>
+        </p:spPr>
+        <p:txBody>
+          <a:bodyPr vert="horz" lIns="91440" tIns="45720" rIns="91440" bIns="45720" rtlCol="0" anchor="b">
+            <a:normAutofit/>
+          </a:bodyPr>
+          <a:lstStyle/>
+          <a:p>
+            <a:pPr algn="l"/>
+            <a:r>
+              <a:rPr lang="en-US" sz="4800">
+                <a:solidFill>
+                  <a:schemeClr val="bg1"/>
+                </a:solidFill>
+              </a:rPr>
+              <a:t>Law of closure</a:t>
+            </a:r>
+          </a:p>
+        </p:txBody>
+      </p:sp>
+      <p:pic>
+        <p:nvPicPr>
+          <p:cNvPr id="92" name="Picture 91">
+            <a:extLst>
+              <a:ext uri="{FF2B5EF4-FFF2-40B4-BE49-F238E27FC236}">
+                <a16:creationId xmlns:a16="http://schemas.microsoft.com/office/drawing/2014/main" id="{9D892AF3-0287-4CB0-AD2F-775B64C6FDA5}"/>
+              </a:ext>
+              <a:ext uri="{C183D7F6-B498-43B3-948B-1728B52AA6E4}">
+                <adec:decorative xmlns:adec="http://schemas.microsoft.com/office/drawing/2017/decorative" val="1"/>
+              </a:ext>
+            </a:extLst>
+          </p:cNvPr>
+          <p:cNvPicPr>
+            <a:picLocks noGrp="1" noRot="1" noChangeAspect="1" noMove="1" noResize="1" noEditPoints="1" noAdjustHandles="1" noChangeArrowheads="1" noChangeShapeType="1" noCrop="1"/>
+          </p:cNvPicPr>
+          <p:nvPr>
+            <p:extLst>
+              <p:ext uri="{386F3935-93C4-4BCD-93E2-E3B085C9AB24}">
+                <p16:designElem xmlns:p16="http://schemas.microsoft.com/office/powerpoint/2015/main" val="1"/>
+              </p:ext>
+            </p:extLst>
+          </p:nvPr>
+        </p:nvPicPr>
+        <p:blipFill>
+          <a:blip r:embed="rId3">
+            <a:extLst>
+              <a:ext uri="{28A0092B-C50C-407E-A947-70E740481C1C}">
+                <a14:useLocalDpi xmlns:a14="http://schemas.microsoft.com/office/drawing/2010/main" val="0"/>
+              </a:ext>
+            </a:extLst>
+          </a:blip>
+          <a:stretch>
+            <a:fillRect/>
+          </a:stretch>
+        </p:blipFill>
+        <p:spPr>
+          <a:xfrm>
+            <a:off x="0" y="4375150"/>
+            <a:ext cx="12192000" cy="2482850"/>
+          </a:xfrm>
+          <a:prstGeom prst="rect">
+            <a:avLst/>
+          </a:prstGeom>
+        </p:spPr>
+      </p:pic>
+      <p:sp>
+        <p:nvSpPr>
+          <p:cNvPr id="94" name="Rectangle 93">
+            <a:extLst>
+              <a:ext uri="{FF2B5EF4-FFF2-40B4-BE49-F238E27FC236}">
+                <a16:creationId xmlns:a16="http://schemas.microsoft.com/office/drawing/2014/main" id="{D477AA7E-6F59-438B-AE81-F002D625899E}"/>
+              </a:ext>
+              <a:ext uri="{C183D7F6-B498-43B3-948B-1728B52AA6E4}">
+                <adec:decorative xmlns:adec="http://schemas.microsoft.com/office/drawing/2017/decorative" val="1"/>
+              </a:ext>
+            </a:extLst>
+          </p:cNvPr>
+          <p:cNvSpPr>
+            <a:spLocks noGrp="1" noRot="1" noChangeAspect="1" noMove="1" noResize="1" noEditPoints="1" noAdjustHandles="1" noChangeArrowheads="1" noChangeShapeType="1" noTextEdit="1"/>
+          </p:cNvSpPr>
+          <p:nvPr>
+            <p:extLst>
+              <p:ext uri="{386F3935-93C4-4BCD-93E2-E3B085C9AB24}">
+                <p16:designElem xmlns:p16="http://schemas.microsoft.com/office/powerpoint/2015/main" val="1"/>
+              </p:ext>
+            </p:extLst>
+          </p:nvPr>
+        </p:nvSpPr>
+        <p:spPr>
+          <a:xfrm>
+            <a:off x="-1" y="0"/>
+            <a:ext cx="7946781" cy="6858000"/>
+          </a:xfrm>
+          <a:prstGeom prst="rect">
+            <a:avLst/>
+          </a:prstGeom>
+          <a:solidFill>
+            <a:schemeClr val="tx1"/>
+          </a:solidFill>
+          <a:ln>
+            <a:noFill/>
+          </a:ln>
+        </p:spPr>
+        <p:style>
+          <a:lnRef idx="2">
+            <a:schemeClr val="accent1">
+              <a:shade val="50000"/>
+            </a:schemeClr>
+          </a:lnRef>
+          <a:fillRef idx="1">
+            <a:schemeClr val="accent1"/>
+          </a:fillRef>
+          <a:effectRef idx="0">
+            <a:schemeClr val="accent1"/>
+          </a:effectRef>
+          <a:fontRef idx="minor">
+            <a:schemeClr val="lt1"/>
+          </a:fontRef>
+        </p:style>
+        <p:txBody>
+          <a:bodyPr rtlCol="0" anchor="ctr"/>
+          <a:lstStyle/>
+          <a:p>
+            <a:pPr algn="ctr"/>
+            <a:endParaRPr lang="en-US"/>
+          </a:p>
+        </p:txBody>
+      </p:sp>
+      <p:sp useBgFill="1">
+        <p:nvSpPr>
+          <p:cNvPr id="96" name="Rounded Rectangle 11">
+            <a:extLst>
+              <a:ext uri="{FF2B5EF4-FFF2-40B4-BE49-F238E27FC236}">
+                <a16:creationId xmlns:a16="http://schemas.microsoft.com/office/drawing/2014/main" id="{C84439A1-773C-4E21-A179-0417A18640E9}"/>
+              </a:ext>
+              <a:ext uri="{C183D7F6-B498-43B3-948B-1728B52AA6E4}">
+                <adec:decorative xmlns:adec="http://schemas.microsoft.com/office/drawing/2017/decorative" val="1"/>
+              </a:ext>
+            </a:extLst>
+          </p:cNvPr>
+          <p:cNvSpPr>
+            <a:spLocks noGrp="1" noRot="1" noChangeAspect="1" noMove="1" noResize="1" noEditPoints="1" noAdjustHandles="1" noChangeArrowheads="1" noChangeShapeType="1" noTextEdit="1"/>
+          </p:cNvSpPr>
+          <p:nvPr>
+            <p:extLst>
+              <p:ext uri="{386F3935-93C4-4BCD-93E2-E3B085C9AB24}">
+                <p16:designElem xmlns:p16="http://schemas.microsoft.com/office/powerpoint/2015/main" val="1"/>
+              </p:ext>
+            </p:extLst>
+          </p:nvPr>
+        </p:nvSpPr>
+        <p:spPr>
+          <a:xfrm>
+            <a:off x="643338" y="643464"/>
+            <a:ext cx="6638814" cy="5571072"/>
+          </a:xfrm>
+          <a:prstGeom prst="roundRect">
+            <a:avLst>
+              <a:gd name="adj" fmla="val 2403"/>
+            </a:avLst>
+          </a:prstGeom>
+          <a:ln>
+            <a:noFill/>
+          </a:ln>
+          <a:effectLst>
+            <a:innerShdw blurRad="114300">
+              <a:prstClr val="black"/>
+            </a:innerShdw>
+          </a:effectLst>
+        </p:spPr>
+        <p:style>
+          <a:lnRef idx="2">
+            <a:schemeClr val="accent1">
+              <a:shade val="50000"/>
+            </a:schemeClr>
+          </a:lnRef>
+          <a:fillRef idx="1">
+            <a:schemeClr val="accent1"/>
+          </a:fillRef>
+          <a:effectRef idx="0">
+            <a:schemeClr val="accent1"/>
+          </a:effectRef>
+          <a:fontRef idx="minor">
+            <a:schemeClr val="lt1"/>
+          </a:fontRef>
+        </p:style>
+        <p:txBody>
+          <a:bodyPr rtlCol="0" anchor="ctr"/>
+          <a:lstStyle/>
+          <a:p>
+            <a:pPr algn="ctr"/>
+            <a:endParaRPr lang="en-US"/>
+          </a:p>
+        </p:txBody>
+      </p:sp>
+      <p:pic>
+        <p:nvPicPr>
+          <p:cNvPr id="3" name="Picture 2" descr="WWF-principle of closure">
+            <a:extLst>
+              <a:ext uri="{FF2B5EF4-FFF2-40B4-BE49-F238E27FC236}">
+                <a16:creationId xmlns:a16="http://schemas.microsoft.com/office/drawing/2014/main" id="{338B5C1F-FB37-48F6-961F-515B42149897}"/>
+              </a:ext>
+            </a:extLst>
+          </p:cNvPr>
+          <p:cNvPicPr>
+            <a:picLocks noChangeAspect="1" noChangeArrowheads="1"/>
+          </p:cNvPicPr>
+          <p:nvPr/>
+        </p:nvPicPr>
+        <p:blipFill>
+          <a:blip r:embed="rId4">
+            <a:extLst>
+              <a:ext uri="{28A0092B-C50C-407E-A947-70E740481C1C}">
+                <a14:useLocalDpi xmlns:a14="http://schemas.microsoft.com/office/drawing/2010/main" val="0"/>
+              </a:ext>
+            </a:extLst>
+          </a:blip>
+          <a:stretch>
+            <a:fillRect/>
+          </a:stretch>
+        </p:blipFill>
+        <p:spPr bwMode="auto">
+          <a:xfrm>
+            <a:off x="1293000" y="1426692"/>
+            <a:ext cx="5339490" cy="4004617"/>
+          </a:xfrm>
+          <a:prstGeom prst="rect">
+            <a:avLst/>
+          </a:prstGeom>
+          <a:noFill/>
+          <a:extLst>
+            <a:ext uri="{909E8E84-426E-40DD-AFC4-6F175D3DCCD1}">
+              <a14:hiddenFill xmlns:a14="http://schemas.microsoft.com/office/drawing/2010/main">
+                <a:solidFill>
+                  <a:srgbClr val="FFFFFF"/>
+                </a:solidFill>
+              </a14:hiddenFill>
+            </a:ext>
+          </a:extLst>
+        </p:spPr>
+      </p:pic>
+    </p:spTree>
+    <p:extLst>
+      <p:ext uri="{BB962C8B-B14F-4D97-AF65-F5344CB8AC3E}">
+        <p14:creationId xmlns:p14="http://schemas.microsoft.com/office/powerpoint/2010/main" val="2980965724"/>
+      </p:ext>
+    </p:extLst>
+  </p:cSld>
+  <p:clrMapOvr>
+    <a:overrideClrMapping bg1="lt1" tx1="dk1" bg2="lt2" tx2="dk2" accent1="accent1" accent2="accent2" accent3="accent3" accent4="accent4" accent5="accent5" accent6="accent6" hlink="hlink" folHlink="folHlink"/>
+  </p:clrMapOvr>
+</p:sld>
+</file>
+
+<file path=ppt/slides/slide19.xml><?xml version="1.0" encoding="utf-8"?>
+<p:sld xmlns:a="http://schemas.openxmlformats.org/drawingml/2006/main" xmlns:r="http://schemas.openxmlformats.org/officeDocument/2006/relationships" xmlns:p="http://schemas.openxmlformats.org/presentationml/2006/main">
+  <p:cSld>
+    <p:bg>
+      <p:bgPr>
+        <a:solidFill>
+          <a:schemeClr val="bg1"/>
+        </a:solidFill>
+        <a:effectLst/>
+      </p:bgPr>
+    </p:bg>
+    <p:spTree>
+      <p:nvGrpSpPr>
+        <p:cNvPr id="1" name=""/>
+        <p:cNvGrpSpPr/>
+        <p:nvPr/>
+      </p:nvGrpSpPr>
+      <p:grpSpPr>
+        <a:xfrm>
+          <a:off x="0" y="0"/>
+          <a:ext cx="0" cy="0"/>
+          <a:chOff x="0" y="0"/>
+          <a:chExt cx="0" cy="0"/>
+        </a:xfrm>
+      </p:grpSpPr>
+      <p:pic>
+        <p:nvPicPr>
+          <p:cNvPr id="4102" name="Picture 136">
+            <a:extLst>
+              <a:ext uri="{FF2B5EF4-FFF2-40B4-BE49-F238E27FC236}">
+                <a16:creationId xmlns:a16="http://schemas.microsoft.com/office/drawing/2014/main" id="{BDFADFB3-3D44-49A8-AE3B-A87C61607F7E}"/>
+              </a:ext>
+              <a:ext uri="{C183D7F6-B498-43B3-948B-1728B52AA6E4}">
+                <adec:decorative xmlns:adec="http://schemas.microsoft.com/office/drawing/2017/decorative" val="1"/>
+              </a:ext>
+            </a:extLst>
+          </p:cNvPr>
+          <p:cNvPicPr>
+            <a:picLocks noGrp="1" noRot="1" noChangeAspect="1" noMove="1" noResize="1" noEditPoints="1" noAdjustHandles="1" noChangeArrowheads="1" noChangeShapeType="1" noCrop="1"/>
+          </p:cNvPicPr>
+          <p:nvPr>
+            <p:extLst>
+              <p:ext uri="{386F3935-93C4-4BCD-93E2-E3B085C9AB24}">
+                <p16:designElem xmlns:p16="http://schemas.microsoft.com/office/powerpoint/2015/main" val="1"/>
+              </p:ext>
+            </p:extLst>
+          </p:nvPr>
+        </p:nvPicPr>
+        <p:blipFill>
+          <a:blip r:embed="rId3">
+            <a:extLst>
+              <a:ext uri="{28A0092B-C50C-407E-A947-70E740481C1C}">
+                <a14:useLocalDpi xmlns:a14="http://schemas.microsoft.com/office/drawing/2010/main" val="0"/>
+              </a:ext>
+            </a:extLst>
+          </a:blip>
+          <a:stretch>
+            <a:fillRect/>
+          </a:stretch>
+        </p:blipFill>
+        <p:spPr>
+          <a:xfrm>
+            <a:off x="0" y="0"/>
+            <a:ext cx="12192000" cy="1441450"/>
+          </a:xfrm>
+          <a:prstGeom prst="rect">
+            <a:avLst/>
+          </a:prstGeom>
+        </p:spPr>
+      </p:pic>
+      <p:pic>
+        <p:nvPicPr>
+          <p:cNvPr id="4103" name="Picture 138">
+            <a:extLst>
+              <a:ext uri="{FF2B5EF4-FFF2-40B4-BE49-F238E27FC236}">
+                <a16:creationId xmlns:a16="http://schemas.microsoft.com/office/drawing/2014/main" id="{BB912AE0-CAD9-4F8F-A2A2-BDF07D4EDD22}"/>
+              </a:ext>
+              <a:ext uri="{C183D7F6-B498-43B3-948B-1728B52AA6E4}">
+                <adec:decorative xmlns:adec="http://schemas.microsoft.com/office/drawing/2017/decorative" val="1"/>
+              </a:ext>
+            </a:extLst>
+          </p:cNvPr>
+          <p:cNvPicPr>
+            <a:picLocks noGrp="1" noRot="1" noChangeAspect="1" noMove="1" noResize="1" noEditPoints="1" noAdjustHandles="1" noChangeArrowheads="1" noChangeShapeType="1" noCrop="1"/>
+          </p:cNvPicPr>
+          <p:nvPr>
+            <p:extLst>
+              <p:ext uri="{386F3935-93C4-4BCD-93E2-E3B085C9AB24}">
+                <p16:designElem xmlns:p16="http://schemas.microsoft.com/office/powerpoint/2015/main" val="1"/>
+              </p:ext>
+            </p:extLst>
+          </p:nvPr>
+        </p:nvPicPr>
+        <p:blipFill>
+          <a:blip r:embed="rId4">
+            <a:extLst>
+              <a:ext uri="{28A0092B-C50C-407E-A947-70E740481C1C}">
+                <a14:useLocalDpi xmlns:a14="http://schemas.microsoft.com/office/drawing/2010/main" val="0"/>
+              </a:ext>
+            </a:extLst>
+          </a:blip>
+          <a:stretch>
+            <a:fillRect/>
+          </a:stretch>
+        </p:blipFill>
+        <p:spPr>
+          <a:xfrm>
+            <a:off x="0" y="4375150"/>
+            <a:ext cx="12192000" cy="2482850"/>
+          </a:xfrm>
+          <a:prstGeom prst="rect">
+            <a:avLst/>
+          </a:prstGeom>
+        </p:spPr>
+      </p:pic>
+      <p:sp>
+        <p:nvSpPr>
+          <p:cNvPr id="2" name="Title 1">
+            <a:extLst>
+              <a:ext uri="{FF2B5EF4-FFF2-40B4-BE49-F238E27FC236}">
+                <a16:creationId xmlns:a16="http://schemas.microsoft.com/office/drawing/2014/main" id="{FBE41156-2E3D-4714-97D5-BE55845EF5A2}"/>
+              </a:ext>
+            </a:extLst>
+          </p:cNvPr>
+          <p:cNvSpPr>
+            <a:spLocks noGrp="1"/>
+          </p:cNvSpPr>
+          <p:nvPr>
+            <p:ph type="title"/>
+          </p:nvPr>
+        </p:nvSpPr>
+        <p:spPr>
+          <a:xfrm>
+            <a:off x="7056808" y="673240"/>
+            <a:ext cx="4510994" cy="3446373"/>
+          </a:xfrm>
+          <a:noFill/>
+          <a:ln w="19050">
+            <a:noFill/>
+            <a:prstDash val="dash"/>
+          </a:ln>
+        </p:spPr>
+        <p:txBody>
+          <a:bodyPr vert="horz" lIns="91440" tIns="45720" rIns="91440" bIns="45720" rtlCol="0" anchor="b">
+            <a:normAutofit/>
+          </a:bodyPr>
+          <a:lstStyle/>
+          <a:p>
+            <a:r>
+              <a:rPr lang="en-US" sz="4800" dirty="0"/>
+              <a:t>Law of </a:t>
+            </a:r>
+            <a:r>
+              <a:rPr lang="en-US" sz="4800" dirty="0" err="1"/>
+              <a:t>pragnanz</a:t>
+            </a:r>
+            <a:endParaRPr lang="en-US" sz="4800" dirty="0"/>
+          </a:p>
+        </p:txBody>
+      </p:sp>
+      <p:sp useBgFill="1">
+        <p:nvSpPr>
+          <p:cNvPr id="4104" name="Rectangle 140">
+            <a:extLst>
+              <a:ext uri="{FF2B5EF4-FFF2-40B4-BE49-F238E27FC236}">
+                <a16:creationId xmlns:a16="http://schemas.microsoft.com/office/drawing/2014/main" id="{A6621E27-B4D3-4EEA-8F4D-BB759FD2479C}"/>
+              </a:ext>
+              <a:ext uri="{C183D7F6-B498-43B3-948B-1728B52AA6E4}">
+                <adec:decorative xmlns:adec="http://schemas.microsoft.com/office/drawing/2017/decorative" val="1"/>
+              </a:ext>
+            </a:extLst>
+          </p:cNvPr>
+          <p:cNvSpPr>
+            <a:spLocks noGrp="1" noRot="1" noChangeAspect="1" noMove="1" noResize="1" noEditPoints="1" noAdjustHandles="1" noChangeArrowheads="1" noChangeShapeType="1" noTextEdit="1"/>
+          </p:cNvSpPr>
+          <p:nvPr>
+            <p:extLst>
+              <p:ext uri="{386F3935-93C4-4BCD-93E2-E3B085C9AB24}">
+                <p16:designElem xmlns:p16="http://schemas.microsoft.com/office/powerpoint/2015/main" val="1"/>
+              </p:ext>
+            </p:extLst>
+          </p:nvPr>
+        </p:nvSpPr>
+        <p:spPr>
+          <a:xfrm>
+            <a:off x="6485641" y="-1"/>
+            <a:ext cx="5706359" cy="643465"/>
+          </a:xfrm>
+          <a:prstGeom prst="rect">
+            <a:avLst/>
+          </a:prstGeom>
+          <a:ln>
+            <a:noFill/>
+          </a:ln>
+        </p:spPr>
+        <p:style>
+          <a:lnRef idx="2">
+            <a:schemeClr val="accent1">
+              <a:shade val="50000"/>
+            </a:schemeClr>
+          </a:lnRef>
+          <a:fillRef idx="1">
+            <a:schemeClr val="accent1"/>
+          </a:fillRef>
+          <a:effectRef idx="0">
+            <a:schemeClr val="accent1"/>
+          </a:effectRef>
+          <a:fontRef idx="minor">
+            <a:schemeClr val="lt1"/>
+          </a:fontRef>
+        </p:style>
+        <p:txBody>
+          <a:bodyPr rtlCol="0" anchor="ctr"/>
+          <a:lstStyle/>
+          <a:p>
+            <a:pPr algn="ctr"/>
+            <a:endParaRPr lang="en-US"/>
+          </a:p>
+        </p:txBody>
+      </p:sp>
+      <p:sp useBgFill="1">
+        <p:nvSpPr>
+          <p:cNvPr id="4105" name="Rectangle 142">
+            <a:extLst>
+              <a:ext uri="{FF2B5EF4-FFF2-40B4-BE49-F238E27FC236}">
+                <a16:creationId xmlns:a16="http://schemas.microsoft.com/office/drawing/2014/main" id="{9DCD9119-A5D2-4D09-BCB2-70ABD368DB30}"/>
+              </a:ext>
+              <a:ext uri="{C183D7F6-B498-43B3-948B-1728B52AA6E4}">
+                <adec:decorative xmlns:adec="http://schemas.microsoft.com/office/drawing/2017/decorative" val="1"/>
+              </a:ext>
+            </a:extLst>
+          </p:cNvPr>
+          <p:cNvSpPr>
+            <a:spLocks noGrp="1" noRot="1" noChangeAspect="1" noMove="1" noResize="1" noEditPoints="1" noAdjustHandles="1" noChangeArrowheads="1" noChangeShapeType="1" noTextEdit="1"/>
+          </p:cNvSpPr>
+          <p:nvPr>
+            <p:extLst>
+              <p:ext uri="{386F3935-93C4-4BCD-93E2-E3B085C9AB24}">
+                <p16:designElem xmlns:p16="http://schemas.microsoft.com/office/powerpoint/2015/main" val="1"/>
+              </p:ext>
+            </p:extLst>
+          </p:nvPr>
+        </p:nvSpPr>
+        <p:spPr>
+          <a:xfrm>
+            <a:off x="-1" y="0"/>
+            <a:ext cx="6746233" cy="6858000"/>
+          </a:xfrm>
+          <a:prstGeom prst="rect">
+            <a:avLst/>
+          </a:prstGeom>
+          <a:ln>
+            <a:noFill/>
+          </a:ln>
+        </p:spPr>
+        <p:style>
+          <a:lnRef idx="2">
+            <a:schemeClr val="accent1">
+              <a:shade val="50000"/>
+            </a:schemeClr>
+          </a:lnRef>
+          <a:fillRef idx="1">
+            <a:schemeClr val="accent1"/>
+          </a:fillRef>
+          <a:effectRef idx="0">
+            <a:schemeClr val="accent1"/>
+          </a:effectRef>
+          <a:fontRef idx="minor">
+            <a:schemeClr val="lt1"/>
+          </a:fontRef>
+        </p:style>
+        <p:txBody>
+          <a:bodyPr rtlCol="0" anchor="ctr"/>
+          <a:lstStyle/>
+          <a:p>
+            <a:pPr algn="ctr"/>
+            <a:endParaRPr lang="en-US"/>
+          </a:p>
+        </p:txBody>
+      </p:sp>
+      <p:pic>
+        <p:nvPicPr>
+          <p:cNvPr id="4100" name="Picture 4" descr="Piet Mondrian, ‘Composition with Yellow, Blue and Red’ 1937–42">
+            <a:extLst>
+              <a:ext uri="{FF2B5EF4-FFF2-40B4-BE49-F238E27FC236}">
+                <a16:creationId xmlns:a16="http://schemas.microsoft.com/office/drawing/2014/main" id="{C9FBBC4D-6B6E-4DD4-B933-119EC789FB50}"/>
+              </a:ext>
+            </a:extLst>
+          </p:cNvPr>
+          <p:cNvPicPr>
+            <a:picLocks noChangeAspect="1" noChangeArrowheads="1"/>
+          </p:cNvPicPr>
+          <p:nvPr/>
+        </p:nvPicPr>
+        <p:blipFill>
+          <a:blip r:embed="rId5">
+            <a:extLst>
+              <a:ext uri="{28A0092B-C50C-407E-A947-70E740481C1C}">
+                <a14:useLocalDpi xmlns:a14="http://schemas.microsoft.com/office/drawing/2010/main" val="0"/>
+              </a:ext>
+            </a:extLst>
+          </a:blip>
+          <a:stretch>
+            <a:fillRect/>
+          </a:stretch>
+        </p:blipFill>
+        <p:spPr bwMode="auto">
+          <a:xfrm>
+            <a:off x="709170" y="643464"/>
+            <a:ext cx="5344268" cy="5566946"/>
           </a:xfrm>
           <a:prstGeom prst="rect">
             <a:avLst/>
@@ -8092,7 +13501,7 @@
 </p:sld>
 </file>
 
-<file path=ppt/slides/slide3.xml><?xml version="1.0" encoding="utf-8"?>
+<file path=ppt/slides/slide20.xml><?xml version="1.0" encoding="utf-8"?>
 <p:sld xmlns:a="http://schemas.openxmlformats.org/drawingml/2006/main" xmlns:r="http://schemas.openxmlformats.org/officeDocument/2006/relationships" xmlns:p="http://schemas.openxmlformats.org/presentationml/2006/main">
   <p:cSld>
     <p:bg>
@@ -8212,7 +13621,7 @@
           <p:cNvPr id="2" name="Title 1">
             <a:extLst>
               <a:ext uri="{FF2B5EF4-FFF2-40B4-BE49-F238E27FC236}">
-                <a16:creationId xmlns:a16="http://schemas.microsoft.com/office/drawing/2014/main" id="{953FF938-E3B9-4465-9248-2EFB14A77AF7}"/>
+                <a16:creationId xmlns:a16="http://schemas.microsoft.com/office/drawing/2014/main" id="{FBE41156-2E3D-4714-97D5-BE55845EF5A2}"/>
               </a:ext>
             </a:extLst>
           </p:cNvPr>
@@ -8241,8 +13650,8 @@
           <a:lstStyle/>
           <a:p>
             <a:r>
-              <a:rPr lang="en-US" sz="4100"/>
-              <a:t>Law of figure/ground</a:t>
+              <a:rPr lang="en-US" sz="4800"/>
+              <a:t>Law of pragnanz</a:t>
             </a:r>
           </a:p>
         </p:txBody>
@@ -8369,6 +13778,444 @@
       </p:sp>
       <p:pic>
         <p:nvPicPr>
+          <p:cNvPr id="1026" name="Picture 2" descr="Olympics Clipart Black And White - ClipArt Best | Olympic rings, Ring icon,  Clipart black and white">
+            <a:extLst>
+              <a:ext uri="{FF2B5EF4-FFF2-40B4-BE49-F238E27FC236}">
+                <a16:creationId xmlns:a16="http://schemas.microsoft.com/office/drawing/2014/main" id="{05984468-D5B6-4709-9BA1-73B5D7FF94B1}"/>
+              </a:ext>
+            </a:extLst>
+          </p:cNvPr>
+          <p:cNvPicPr>
+            <a:picLocks noChangeAspect="1" noChangeArrowheads="1"/>
+          </p:cNvPicPr>
+          <p:nvPr/>
+        </p:nvPicPr>
+        <p:blipFill>
+          <a:blip r:embed="rId4">
+            <a:extLst>
+              <a:ext uri="{28A0092B-C50C-407E-A947-70E740481C1C}">
+                <a14:useLocalDpi xmlns:a14="http://schemas.microsoft.com/office/drawing/2010/main" val="0"/>
+              </a:ext>
+            </a:extLst>
+          </a:blip>
+          <a:stretch>
+            <a:fillRect/>
+          </a:stretch>
+        </p:blipFill>
+        <p:spPr bwMode="auto">
+          <a:xfrm>
+            <a:off x="643468" y="2174377"/>
+            <a:ext cx="5475672" cy="2505119"/>
+          </a:xfrm>
+          <a:prstGeom prst="rect">
+            <a:avLst/>
+          </a:prstGeom>
+          <a:noFill/>
+          <a:extLst>
+            <a:ext uri="{909E8E84-426E-40DD-AFC4-6F175D3DCCD1}">
+              <a14:hiddenFill xmlns:a14="http://schemas.microsoft.com/office/drawing/2010/main">
+                <a:solidFill>
+                  <a:srgbClr val="FFFFFF"/>
+                </a:solidFill>
+              </a14:hiddenFill>
+            </a:ext>
+          </a:extLst>
+        </p:spPr>
+      </p:pic>
+    </p:spTree>
+    <p:extLst>
+      <p:ext uri="{BB962C8B-B14F-4D97-AF65-F5344CB8AC3E}">
+        <p14:creationId xmlns:p14="http://schemas.microsoft.com/office/powerpoint/2010/main" val="1208214493"/>
+      </p:ext>
+    </p:extLst>
+  </p:cSld>
+  <p:clrMapOvr>
+    <a:masterClrMapping/>
+  </p:clrMapOvr>
+</p:sld>
+</file>
+
+<file path=ppt/slides/slide3.xml><?xml version="1.0" encoding="utf-8"?>
+<p:sld xmlns:a="http://schemas.openxmlformats.org/drawingml/2006/main" xmlns:r="http://schemas.openxmlformats.org/officeDocument/2006/relationships" xmlns:p="http://schemas.openxmlformats.org/presentationml/2006/main">
+  <p:cSld>
+    <p:bg>
+      <p:bgPr>
+        <a:solidFill>
+          <a:schemeClr val="bg1"/>
+        </a:solidFill>
+        <a:effectLst/>
+      </p:bgPr>
+    </p:bg>
+    <p:spTree>
+      <p:nvGrpSpPr>
+        <p:cNvPr id="1" name=""/>
+        <p:cNvGrpSpPr/>
+        <p:nvPr/>
+      </p:nvGrpSpPr>
+      <p:grpSpPr>
+        <a:xfrm>
+          <a:off x="0" y="0"/>
+          <a:ext cx="0" cy="0"/>
+          <a:chOff x="0" y="0"/>
+          <a:chExt cx="0" cy="0"/>
+        </a:xfrm>
+      </p:grpSpPr>
+      <p:sp>
+        <p:nvSpPr>
+          <p:cNvPr id="2" name="Title 1">
+            <a:extLst>
+              <a:ext uri="{FF2B5EF4-FFF2-40B4-BE49-F238E27FC236}">
+                <a16:creationId xmlns:a16="http://schemas.microsoft.com/office/drawing/2014/main" id="{CA6094CD-BD5D-4967-9372-F1102F339FE3}"/>
+              </a:ext>
+            </a:extLst>
+          </p:cNvPr>
+          <p:cNvSpPr>
+            <a:spLocks noGrp="1"/>
+          </p:cNvSpPr>
+          <p:nvPr>
+            <p:ph type="title"/>
+          </p:nvPr>
+        </p:nvSpPr>
+        <p:spPr>
+          <a:xfrm>
+            <a:off x="2895600" y="764373"/>
+            <a:ext cx="8610600" cy="1293028"/>
+          </a:xfrm>
+        </p:spPr>
+        <p:txBody>
+          <a:bodyPr>
+            <a:normAutofit/>
+          </a:bodyPr>
+          <a:lstStyle/>
+          <a:p>
+            <a:r>
+              <a:rPr lang="en-US" dirty="0"/>
+              <a:t>Laws of gestalt</a:t>
+            </a:r>
+          </a:p>
+        </p:txBody>
+      </p:sp>
+      <p:graphicFrame>
+        <p:nvGraphicFramePr>
+          <p:cNvPr id="5" name="Content Placeholder 2">
+            <a:extLst>
+              <a:ext uri="{FF2B5EF4-FFF2-40B4-BE49-F238E27FC236}">
+                <a16:creationId xmlns:a16="http://schemas.microsoft.com/office/drawing/2014/main" id="{698E71EA-45AE-4FE2-9CAA-C84D74BEFE62}"/>
+              </a:ext>
+            </a:extLst>
+          </p:cNvPr>
+          <p:cNvGraphicFramePr>
+            <a:graphicFrameLocks noGrp="1"/>
+          </p:cNvGraphicFramePr>
+          <p:nvPr>
+            <p:ph idx="1"/>
+            <p:extLst>
+              <p:ext uri="{D42A27DB-BD31-4B8C-83A1-F6EECF244321}">
+                <p14:modId xmlns:p14="http://schemas.microsoft.com/office/powerpoint/2010/main" val="32714875"/>
+              </p:ext>
+            </p:extLst>
+          </p:nvPr>
+        </p:nvGraphicFramePr>
+        <p:xfrm>
+          <a:off x="685800" y="2441051"/>
+          <a:ext cx="10820400" cy="3530062"/>
+        </p:xfrm>
+        <a:graphic>
+          <a:graphicData uri="http://schemas.openxmlformats.org/drawingml/2006/diagram">
+            <dgm:relIds xmlns:dgm="http://schemas.openxmlformats.org/drawingml/2006/diagram" xmlns:r="http://schemas.openxmlformats.org/officeDocument/2006/relationships" r:dm="rId2" r:lo="rId3" r:qs="rId4" r:cs="rId5"/>
+          </a:graphicData>
+        </a:graphic>
+      </p:graphicFrame>
+    </p:spTree>
+    <p:extLst>
+      <p:ext uri="{BB962C8B-B14F-4D97-AF65-F5344CB8AC3E}">
+        <p14:creationId xmlns:p14="http://schemas.microsoft.com/office/powerpoint/2010/main" val="1724614866"/>
+      </p:ext>
+    </p:extLst>
+  </p:cSld>
+  <p:clrMapOvr>
+    <a:masterClrMapping/>
+  </p:clrMapOvr>
+</p:sld>
+</file>
+
+<file path=ppt/slides/slide4.xml><?xml version="1.0" encoding="utf-8"?>
+<p:sld xmlns:a="http://schemas.openxmlformats.org/drawingml/2006/main" xmlns:r="http://schemas.openxmlformats.org/officeDocument/2006/relationships" xmlns:p="http://schemas.openxmlformats.org/presentationml/2006/main">
+  <p:cSld>
+    <p:bg>
+      <p:bgPr>
+        <a:solidFill>
+          <a:schemeClr val="bg1"/>
+        </a:solidFill>
+        <a:effectLst/>
+      </p:bgPr>
+    </p:bg>
+    <p:spTree>
+      <p:nvGrpSpPr>
+        <p:cNvPr id="1" name=""/>
+        <p:cNvGrpSpPr/>
+        <p:nvPr/>
+      </p:nvGrpSpPr>
+      <p:grpSpPr>
+        <a:xfrm>
+          <a:off x="0" y="0"/>
+          <a:ext cx="0" cy="0"/>
+          <a:chOff x="0" y="0"/>
+          <a:chExt cx="0" cy="0"/>
+        </a:xfrm>
+      </p:grpSpPr>
+      <p:pic>
+        <p:nvPicPr>
+          <p:cNvPr id="71" name="Picture 70">
+            <a:extLst>
+              <a:ext uri="{FF2B5EF4-FFF2-40B4-BE49-F238E27FC236}">
+                <a16:creationId xmlns:a16="http://schemas.microsoft.com/office/drawing/2014/main" id="{BDFADFB3-3D44-49A8-AE3B-A87C61607F7E}"/>
+              </a:ext>
+              <a:ext uri="{C183D7F6-B498-43B3-948B-1728B52AA6E4}">
+                <adec:decorative xmlns:adec="http://schemas.microsoft.com/office/drawing/2017/decorative" val="1"/>
+              </a:ext>
+            </a:extLst>
+          </p:cNvPr>
+          <p:cNvPicPr>
+            <a:picLocks noGrp="1" noRot="1" noChangeAspect="1" noMove="1" noResize="1" noEditPoints="1" noAdjustHandles="1" noChangeArrowheads="1" noChangeShapeType="1" noCrop="1"/>
+          </p:cNvPicPr>
+          <p:nvPr>
+            <p:extLst>
+              <p:ext uri="{386F3935-93C4-4BCD-93E2-E3B085C9AB24}">
+                <p16:designElem xmlns:p16="http://schemas.microsoft.com/office/powerpoint/2015/main" val="1"/>
+              </p:ext>
+            </p:extLst>
+          </p:nvPr>
+        </p:nvPicPr>
+        <p:blipFill>
+          <a:blip r:embed="rId2">
+            <a:extLst>
+              <a:ext uri="{28A0092B-C50C-407E-A947-70E740481C1C}">
+                <a14:useLocalDpi xmlns:a14="http://schemas.microsoft.com/office/drawing/2010/main" val="0"/>
+              </a:ext>
+            </a:extLst>
+          </a:blip>
+          <a:stretch>
+            <a:fillRect/>
+          </a:stretch>
+        </p:blipFill>
+        <p:spPr>
+          <a:xfrm>
+            <a:off x="0" y="0"/>
+            <a:ext cx="12192000" cy="1441450"/>
+          </a:xfrm>
+          <a:prstGeom prst="rect">
+            <a:avLst/>
+          </a:prstGeom>
+        </p:spPr>
+      </p:pic>
+      <p:pic>
+        <p:nvPicPr>
+          <p:cNvPr id="73" name="Picture 72">
+            <a:extLst>
+              <a:ext uri="{FF2B5EF4-FFF2-40B4-BE49-F238E27FC236}">
+                <a16:creationId xmlns:a16="http://schemas.microsoft.com/office/drawing/2014/main" id="{BB912AE0-CAD9-4F8F-A2A2-BDF07D4EDD22}"/>
+              </a:ext>
+              <a:ext uri="{C183D7F6-B498-43B3-948B-1728B52AA6E4}">
+                <adec:decorative xmlns:adec="http://schemas.microsoft.com/office/drawing/2017/decorative" val="1"/>
+              </a:ext>
+            </a:extLst>
+          </p:cNvPr>
+          <p:cNvPicPr>
+            <a:picLocks noGrp="1" noRot="1" noChangeAspect="1" noMove="1" noResize="1" noEditPoints="1" noAdjustHandles="1" noChangeArrowheads="1" noChangeShapeType="1" noCrop="1"/>
+          </p:cNvPicPr>
+          <p:nvPr>
+            <p:extLst>
+              <p:ext uri="{386F3935-93C4-4BCD-93E2-E3B085C9AB24}">
+                <p16:designElem xmlns:p16="http://schemas.microsoft.com/office/powerpoint/2015/main" val="1"/>
+              </p:ext>
+            </p:extLst>
+          </p:nvPr>
+        </p:nvPicPr>
+        <p:blipFill>
+          <a:blip r:embed="rId3">
+            <a:extLst>
+              <a:ext uri="{28A0092B-C50C-407E-A947-70E740481C1C}">
+                <a14:useLocalDpi xmlns:a14="http://schemas.microsoft.com/office/drawing/2010/main" val="0"/>
+              </a:ext>
+            </a:extLst>
+          </a:blip>
+          <a:stretch>
+            <a:fillRect/>
+          </a:stretch>
+        </p:blipFill>
+        <p:spPr>
+          <a:xfrm>
+            <a:off x="0" y="4375150"/>
+            <a:ext cx="12192000" cy="2482850"/>
+          </a:xfrm>
+          <a:prstGeom prst="rect">
+            <a:avLst/>
+          </a:prstGeom>
+        </p:spPr>
+      </p:pic>
+      <p:sp>
+        <p:nvSpPr>
+          <p:cNvPr id="2" name="Title 1">
+            <a:extLst>
+              <a:ext uri="{FF2B5EF4-FFF2-40B4-BE49-F238E27FC236}">
+                <a16:creationId xmlns:a16="http://schemas.microsoft.com/office/drawing/2014/main" id="{953FF938-E3B9-4465-9248-2EFB14A77AF7}"/>
+              </a:ext>
+            </a:extLst>
+          </p:cNvPr>
+          <p:cNvSpPr>
+            <a:spLocks noGrp="1"/>
+          </p:cNvSpPr>
+          <p:nvPr>
+            <p:ph type="title"/>
+          </p:nvPr>
+        </p:nvSpPr>
+        <p:spPr>
+          <a:xfrm>
+            <a:off x="7056808" y="673240"/>
+            <a:ext cx="4510994" cy="3446373"/>
+          </a:xfrm>
+          <a:noFill/>
+          <a:ln w="19050">
+            <a:noFill/>
+            <a:prstDash val="dash"/>
+          </a:ln>
+        </p:spPr>
+        <p:txBody>
+          <a:bodyPr vert="horz" lIns="91440" tIns="45720" rIns="91440" bIns="45720" rtlCol="0" anchor="b">
+            <a:normAutofit/>
+          </a:bodyPr>
+          <a:lstStyle/>
+          <a:p>
+            <a:r>
+              <a:rPr lang="en-US" sz="4100"/>
+              <a:t>Law of figure/ground</a:t>
+            </a:r>
+          </a:p>
+        </p:txBody>
+      </p:sp>
+      <p:sp useBgFill="1">
+        <p:nvSpPr>
+          <p:cNvPr id="75" name="Rectangle 74">
+            <a:extLst>
+              <a:ext uri="{FF2B5EF4-FFF2-40B4-BE49-F238E27FC236}">
+                <a16:creationId xmlns:a16="http://schemas.microsoft.com/office/drawing/2014/main" id="{A6621E27-B4D3-4EEA-8F4D-BB759FD2479C}"/>
+              </a:ext>
+              <a:ext uri="{C183D7F6-B498-43B3-948B-1728B52AA6E4}">
+                <adec:decorative xmlns:adec="http://schemas.microsoft.com/office/drawing/2017/decorative" val="1"/>
+              </a:ext>
+            </a:extLst>
+          </p:cNvPr>
+          <p:cNvSpPr>
+            <a:spLocks noGrp="1" noRot="1" noChangeAspect="1" noMove="1" noResize="1" noEditPoints="1" noAdjustHandles="1" noChangeArrowheads="1" noChangeShapeType="1" noTextEdit="1"/>
+          </p:cNvSpPr>
+          <p:nvPr>
+            <p:extLst>
+              <p:ext uri="{386F3935-93C4-4BCD-93E2-E3B085C9AB24}">
+                <p16:designElem xmlns:p16="http://schemas.microsoft.com/office/powerpoint/2015/main" val="1"/>
+              </p:ext>
+            </p:extLst>
+          </p:nvPr>
+        </p:nvSpPr>
+        <p:spPr>
+          <a:xfrm>
+            <a:off x="6485641" y="-1"/>
+            <a:ext cx="5706359" cy="643465"/>
+          </a:xfrm>
+          <a:prstGeom prst="rect">
+            <a:avLst/>
+          </a:prstGeom>
+          <a:ln>
+            <a:noFill/>
+          </a:ln>
+        </p:spPr>
+        <p:style>
+          <a:lnRef idx="2">
+            <a:schemeClr val="accent1">
+              <a:shade val="50000"/>
+            </a:schemeClr>
+          </a:lnRef>
+          <a:fillRef idx="1">
+            <a:schemeClr val="accent1"/>
+          </a:fillRef>
+          <a:effectRef idx="0">
+            <a:schemeClr val="accent1"/>
+          </a:effectRef>
+          <a:fontRef idx="minor">
+            <a:schemeClr val="lt1"/>
+          </a:fontRef>
+        </p:style>
+        <p:txBody>
+          <a:bodyPr rtlCol="0" anchor="ctr"/>
+          <a:lstStyle/>
+          <a:p>
+            <a:pPr algn="ctr"/>
+            <a:endParaRPr lang="en-US"/>
+          </a:p>
+        </p:txBody>
+      </p:sp>
+      <p:sp useBgFill="1">
+        <p:nvSpPr>
+          <p:cNvPr id="77" name="Rectangle 76">
+            <a:extLst>
+              <a:ext uri="{FF2B5EF4-FFF2-40B4-BE49-F238E27FC236}">
+                <a16:creationId xmlns:a16="http://schemas.microsoft.com/office/drawing/2014/main" id="{9DCD9119-A5D2-4D09-BCB2-70ABD368DB30}"/>
+              </a:ext>
+              <a:ext uri="{C183D7F6-B498-43B3-948B-1728B52AA6E4}">
+                <adec:decorative xmlns:adec="http://schemas.microsoft.com/office/drawing/2017/decorative" val="1"/>
+              </a:ext>
+            </a:extLst>
+          </p:cNvPr>
+          <p:cNvSpPr>
+            <a:spLocks noGrp="1" noRot="1" noChangeAspect="1" noMove="1" noResize="1" noEditPoints="1" noAdjustHandles="1" noChangeArrowheads="1" noChangeShapeType="1" noTextEdit="1"/>
+          </p:cNvSpPr>
+          <p:nvPr>
+            <p:extLst>
+              <p:ext uri="{386F3935-93C4-4BCD-93E2-E3B085C9AB24}">
+                <p16:designElem xmlns:p16="http://schemas.microsoft.com/office/powerpoint/2015/main" val="1"/>
+              </p:ext>
+            </p:extLst>
+          </p:nvPr>
+        </p:nvSpPr>
+        <p:spPr>
+          <a:xfrm>
+            <a:off x="-1" y="0"/>
+            <a:ext cx="6746233" cy="6858000"/>
+          </a:xfrm>
+          <a:prstGeom prst="rect">
+            <a:avLst/>
+          </a:prstGeom>
+          <a:ln>
+            <a:noFill/>
+          </a:ln>
+        </p:spPr>
+        <p:style>
+          <a:lnRef idx="2">
+            <a:schemeClr val="accent1">
+              <a:shade val="50000"/>
+            </a:schemeClr>
+          </a:lnRef>
+          <a:fillRef idx="1">
+            <a:schemeClr val="accent1"/>
+          </a:fillRef>
+          <a:effectRef idx="0">
+            <a:schemeClr val="accent1"/>
+          </a:effectRef>
+          <a:fontRef idx="minor">
+            <a:schemeClr val="lt1"/>
+          </a:fontRef>
+        </p:style>
+        <p:txBody>
+          <a:bodyPr rtlCol="0" anchor="ctr"/>
+          <a:lstStyle/>
+          <a:p>
+            <a:pPr algn="ctr"/>
+            <a:endParaRPr lang="en-US"/>
+          </a:p>
+        </p:txBody>
+      </p:sp>
+      <p:pic>
+        <p:nvPicPr>
           <p:cNvPr id="1026" name="Picture 2" descr="Do you see the face or the vase in this image? - BrandStory">
             <a:extLst>
               <a:ext uri="{FF2B5EF4-FFF2-40B4-BE49-F238E27FC236}">
@@ -8426,7 +14273,7 @@
 </p:sld>
 </file>
 
-<file path=ppt/slides/slide4.xml><?xml version="1.0" encoding="utf-8"?>
+<file path=ppt/slides/slide5.xml><?xml version="1.0" encoding="utf-8"?>
 <p:sld xmlns:a="http://schemas.openxmlformats.org/drawingml/2006/main" xmlns:r="http://schemas.openxmlformats.org/officeDocument/2006/relationships" xmlns:p="http://schemas.openxmlformats.org/presentationml/2006/main">
   <p:cSld>
     <p:bg>
@@ -9056,7 +14903,7 @@
 </p:sld>
 </file>
 
-<file path=ppt/slides/slide5.xml><?xml version="1.0" encoding="utf-8"?>
+<file path=ppt/slides/slide6.xml><?xml version="1.0" encoding="utf-8"?>
 <p:sld xmlns:a="http://schemas.openxmlformats.org/drawingml/2006/main" xmlns:r="http://schemas.openxmlformats.org/officeDocument/2006/relationships" xmlns:p="http://schemas.openxmlformats.org/presentationml/2006/main">
   <p:cSld>
     <p:spTree>
@@ -9140,447 +14987,6 @@
   </p:cSld>
   <p:clrMapOvr>
     <a:masterClrMapping/>
-  </p:clrMapOvr>
-</p:sld>
-</file>
-
-<file path=ppt/slides/slide6.xml><?xml version="1.0" encoding="utf-8"?>
-<p:sld xmlns:a="http://schemas.openxmlformats.org/drawingml/2006/main" xmlns:r="http://schemas.openxmlformats.org/officeDocument/2006/relationships" xmlns:p="http://schemas.openxmlformats.org/presentationml/2006/main">
-  <p:cSld>
-    <p:bg>
-      <p:bgPr>
-        <a:solidFill>
-          <a:schemeClr val="bg1"/>
-        </a:solidFill>
-        <a:effectLst/>
-      </p:bgPr>
-    </p:bg>
-    <p:spTree>
-      <p:nvGrpSpPr>
-        <p:cNvPr id="1" name=""/>
-        <p:cNvGrpSpPr/>
-        <p:nvPr/>
-      </p:nvGrpSpPr>
-      <p:grpSpPr>
-        <a:xfrm>
-          <a:off x="0" y="0"/>
-          <a:ext cx="0" cy="0"/>
-          <a:chOff x="0" y="0"/>
-          <a:chExt cx="0" cy="0"/>
-        </a:xfrm>
-      </p:grpSpPr>
-      <p:pic>
-        <p:nvPicPr>
-          <p:cNvPr id="9" name="Picture 8">
-            <a:extLst>
-              <a:ext uri="{FF2B5EF4-FFF2-40B4-BE49-F238E27FC236}">
-                <a16:creationId xmlns:a16="http://schemas.microsoft.com/office/drawing/2014/main" id="{BDFADFB3-3D44-49A8-AE3B-A87C61607F7E}"/>
-              </a:ext>
-              <a:ext uri="{C183D7F6-B498-43B3-948B-1728B52AA6E4}">
-                <adec:decorative xmlns:adec="http://schemas.microsoft.com/office/drawing/2017/decorative" val="1"/>
-              </a:ext>
-            </a:extLst>
-          </p:cNvPr>
-          <p:cNvPicPr>
-            <a:picLocks noGrp="1" noRot="1" noChangeAspect="1" noMove="1" noResize="1" noEditPoints="1" noAdjustHandles="1" noChangeArrowheads="1" noChangeShapeType="1" noCrop="1"/>
-          </p:cNvPicPr>
-          <p:nvPr>
-            <p:extLst>
-              <p:ext uri="{386F3935-93C4-4BCD-93E2-E3B085C9AB24}">
-                <p16:designElem xmlns:p16="http://schemas.microsoft.com/office/powerpoint/2015/main" val="1"/>
-              </p:ext>
-            </p:extLst>
-          </p:nvPr>
-        </p:nvPicPr>
-        <p:blipFill>
-          <a:blip r:embed="rId2">
-            <a:extLst>
-              <a:ext uri="{28A0092B-C50C-407E-A947-70E740481C1C}">
-                <a14:useLocalDpi xmlns:a14="http://schemas.microsoft.com/office/drawing/2010/main" val="0"/>
-              </a:ext>
-            </a:extLst>
-          </a:blip>
-          <a:stretch>
-            <a:fillRect/>
-          </a:stretch>
-        </p:blipFill>
-        <p:spPr>
-          <a:xfrm>
-            <a:off x="0" y="0"/>
-            <a:ext cx="12192000" cy="1441450"/>
-          </a:xfrm>
-          <a:prstGeom prst="rect">
-            <a:avLst/>
-          </a:prstGeom>
-        </p:spPr>
-      </p:pic>
-      <p:pic>
-        <p:nvPicPr>
-          <p:cNvPr id="11" name="Picture 10">
-            <a:extLst>
-              <a:ext uri="{FF2B5EF4-FFF2-40B4-BE49-F238E27FC236}">
-                <a16:creationId xmlns:a16="http://schemas.microsoft.com/office/drawing/2014/main" id="{BB912AE0-CAD9-4F8F-A2A2-BDF07D4EDD22}"/>
-              </a:ext>
-              <a:ext uri="{C183D7F6-B498-43B3-948B-1728B52AA6E4}">
-                <adec:decorative xmlns:adec="http://schemas.microsoft.com/office/drawing/2017/decorative" val="1"/>
-              </a:ext>
-            </a:extLst>
-          </p:cNvPr>
-          <p:cNvPicPr>
-            <a:picLocks noGrp="1" noRot="1" noChangeAspect="1" noMove="1" noResize="1" noEditPoints="1" noAdjustHandles="1" noChangeArrowheads="1" noChangeShapeType="1" noCrop="1"/>
-          </p:cNvPicPr>
-          <p:nvPr>
-            <p:extLst>
-              <p:ext uri="{386F3935-93C4-4BCD-93E2-E3B085C9AB24}">
-                <p16:designElem xmlns:p16="http://schemas.microsoft.com/office/powerpoint/2015/main" val="1"/>
-              </p:ext>
-            </p:extLst>
-          </p:nvPr>
-        </p:nvPicPr>
-        <p:blipFill>
-          <a:blip r:embed="rId3">
-            <a:extLst>
-              <a:ext uri="{28A0092B-C50C-407E-A947-70E740481C1C}">
-                <a14:useLocalDpi xmlns:a14="http://schemas.microsoft.com/office/drawing/2010/main" val="0"/>
-              </a:ext>
-            </a:extLst>
-          </a:blip>
-          <a:stretch>
-            <a:fillRect/>
-          </a:stretch>
-        </p:blipFill>
-        <p:spPr>
-          <a:xfrm>
-            <a:off x="0" y="4375150"/>
-            <a:ext cx="12192000" cy="2482850"/>
-          </a:xfrm>
-          <a:prstGeom prst="rect">
-            <a:avLst/>
-          </a:prstGeom>
-        </p:spPr>
-      </p:pic>
-      <p:sp>
-        <p:nvSpPr>
-          <p:cNvPr id="13" name="Rectangle 12">
-            <a:extLst>
-              <a:ext uri="{FF2B5EF4-FFF2-40B4-BE49-F238E27FC236}">
-                <a16:creationId xmlns:a16="http://schemas.microsoft.com/office/drawing/2014/main" id="{674220BB-5395-4F54-8045-343633A1BC8A}"/>
-              </a:ext>
-              <a:ext uri="{C183D7F6-B498-43B3-948B-1728B52AA6E4}">
-                <adec:decorative xmlns:adec="http://schemas.microsoft.com/office/drawing/2017/decorative" val="1"/>
-              </a:ext>
-            </a:extLst>
-          </p:cNvPr>
-          <p:cNvSpPr>
-            <a:spLocks noGrp="1" noRot="1" noChangeAspect="1" noMove="1" noResize="1" noEditPoints="1" noAdjustHandles="1" noChangeArrowheads="1" noChangeShapeType="1" noTextEdit="1"/>
-          </p:cNvSpPr>
-          <p:nvPr>
-            <p:extLst>
-              <p:ext uri="{386F3935-93C4-4BCD-93E2-E3B085C9AB24}">
-                <p16:designElem xmlns:p16="http://schemas.microsoft.com/office/powerpoint/2015/main" val="1"/>
-              </p:ext>
-            </p:extLst>
-          </p:nvPr>
-        </p:nvSpPr>
-        <p:spPr>
-          <a:xfrm>
-            <a:off x="7946782" y="-1"/>
-            <a:ext cx="4245218" cy="6858001"/>
-          </a:xfrm>
-          <a:prstGeom prst="rect">
-            <a:avLst/>
-          </a:prstGeom>
-          <a:solidFill>
-            <a:schemeClr val="tx1"/>
-          </a:solidFill>
-          <a:ln>
-            <a:noFill/>
-          </a:ln>
-        </p:spPr>
-        <p:style>
-          <a:lnRef idx="2">
-            <a:schemeClr val="accent1">
-              <a:shade val="50000"/>
-            </a:schemeClr>
-          </a:lnRef>
-          <a:fillRef idx="1">
-            <a:schemeClr val="accent1"/>
-          </a:fillRef>
-          <a:effectRef idx="0">
-            <a:schemeClr val="accent1"/>
-          </a:effectRef>
-          <a:fontRef idx="minor">
-            <a:schemeClr val="lt1"/>
-          </a:fontRef>
-        </p:style>
-        <p:txBody>
-          <a:bodyPr rtlCol="0" anchor="ctr"/>
-          <a:lstStyle/>
-          <a:p>
-            <a:pPr algn="ctr"/>
-            <a:endParaRPr lang="en-US"/>
-          </a:p>
-        </p:txBody>
-      </p:sp>
-      <p:sp>
-        <p:nvSpPr>
-          <p:cNvPr id="2" name="Title 1">
-            <a:extLst>
-              <a:ext uri="{FF2B5EF4-FFF2-40B4-BE49-F238E27FC236}">
-                <a16:creationId xmlns:a16="http://schemas.microsoft.com/office/drawing/2014/main" id="{2FBD7DB3-C9B6-4E79-B24D-A2C1AD5B9C1C}"/>
-              </a:ext>
-            </a:extLst>
-          </p:cNvPr>
-          <p:cNvSpPr>
-            <a:spLocks noGrp="1"/>
-          </p:cNvSpPr>
-          <p:nvPr>
-            <p:ph type="title"/>
-          </p:nvPr>
-        </p:nvSpPr>
-        <p:spPr>
-          <a:xfrm>
-            <a:off x="8266820" y="673240"/>
-            <a:ext cx="3300981" cy="3446373"/>
-          </a:xfrm>
-          <a:noFill/>
-          <a:ln w="19050">
-            <a:noFill/>
-            <a:prstDash val="dash"/>
-          </a:ln>
-        </p:spPr>
-        <p:txBody>
-          <a:bodyPr vert="horz" lIns="91440" tIns="45720" rIns="91440" bIns="45720" rtlCol="0" anchor="b">
-            <a:normAutofit/>
-          </a:bodyPr>
-          <a:lstStyle/>
-          <a:p>
-            <a:pPr algn="l"/>
-            <a:r>
-              <a:rPr lang="en-US" sz="4800">
-                <a:solidFill>
-                  <a:schemeClr val="bg1"/>
-                </a:solidFill>
-              </a:rPr>
-              <a:t>Law of Proximity</a:t>
-            </a:r>
-          </a:p>
-        </p:txBody>
-      </p:sp>
-      <p:pic>
-        <p:nvPicPr>
-          <p:cNvPr id="15" name="Picture 14">
-            <a:extLst>
-              <a:ext uri="{FF2B5EF4-FFF2-40B4-BE49-F238E27FC236}">
-                <a16:creationId xmlns:a16="http://schemas.microsoft.com/office/drawing/2014/main" id="{9D892AF3-0287-4CB0-AD2F-775B64C6FDA5}"/>
-              </a:ext>
-              <a:ext uri="{C183D7F6-B498-43B3-948B-1728B52AA6E4}">
-                <adec:decorative xmlns:adec="http://schemas.microsoft.com/office/drawing/2017/decorative" val="1"/>
-              </a:ext>
-            </a:extLst>
-          </p:cNvPr>
-          <p:cNvPicPr>
-            <a:picLocks noGrp="1" noRot="1" noChangeAspect="1" noMove="1" noResize="1" noEditPoints="1" noAdjustHandles="1" noChangeArrowheads="1" noChangeShapeType="1" noCrop="1"/>
-          </p:cNvPicPr>
-          <p:nvPr>
-            <p:extLst>
-              <p:ext uri="{386F3935-93C4-4BCD-93E2-E3B085C9AB24}">
-                <p16:designElem xmlns:p16="http://schemas.microsoft.com/office/powerpoint/2015/main" val="1"/>
-              </p:ext>
-            </p:extLst>
-          </p:nvPr>
-        </p:nvPicPr>
-        <p:blipFill>
-          <a:blip r:embed="rId3">
-            <a:extLst>
-              <a:ext uri="{28A0092B-C50C-407E-A947-70E740481C1C}">
-                <a14:useLocalDpi xmlns:a14="http://schemas.microsoft.com/office/drawing/2010/main" val="0"/>
-              </a:ext>
-            </a:extLst>
-          </a:blip>
-          <a:stretch>
-            <a:fillRect/>
-          </a:stretch>
-        </p:blipFill>
-        <p:spPr>
-          <a:xfrm>
-            <a:off x="0" y="4375150"/>
-            <a:ext cx="12192000" cy="2482850"/>
-          </a:xfrm>
-          <a:prstGeom prst="rect">
-            <a:avLst/>
-          </a:prstGeom>
-        </p:spPr>
-      </p:pic>
-      <p:sp>
-        <p:nvSpPr>
-          <p:cNvPr id="17" name="Rectangle 16">
-            <a:extLst>
-              <a:ext uri="{FF2B5EF4-FFF2-40B4-BE49-F238E27FC236}">
-                <a16:creationId xmlns:a16="http://schemas.microsoft.com/office/drawing/2014/main" id="{D477AA7E-6F59-438B-AE81-F002D625899E}"/>
-              </a:ext>
-              <a:ext uri="{C183D7F6-B498-43B3-948B-1728B52AA6E4}">
-                <adec:decorative xmlns:adec="http://schemas.microsoft.com/office/drawing/2017/decorative" val="1"/>
-              </a:ext>
-            </a:extLst>
-          </p:cNvPr>
-          <p:cNvSpPr>
-            <a:spLocks noGrp="1" noRot="1" noChangeAspect="1" noMove="1" noResize="1" noEditPoints="1" noAdjustHandles="1" noChangeArrowheads="1" noChangeShapeType="1" noTextEdit="1"/>
-          </p:cNvSpPr>
-          <p:nvPr>
-            <p:extLst>
-              <p:ext uri="{386F3935-93C4-4BCD-93E2-E3B085C9AB24}">
-                <p16:designElem xmlns:p16="http://schemas.microsoft.com/office/powerpoint/2015/main" val="1"/>
-              </p:ext>
-            </p:extLst>
-          </p:nvPr>
-        </p:nvSpPr>
-        <p:spPr>
-          <a:xfrm>
-            <a:off x="-1" y="0"/>
-            <a:ext cx="7946781" cy="6858000"/>
-          </a:xfrm>
-          <a:prstGeom prst="rect">
-            <a:avLst/>
-          </a:prstGeom>
-          <a:solidFill>
-            <a:schemeClr val="tx1"/>
-          </a:solidFill>
-          <a:ln>
-            <a:noFill/>
-          </a:ln>
-        </p:spPr>
-        <p:style>
-          <a:lnRef idx="2">
-            <a:schemeClr val="accent1">
-              <a:shade val="50000"/>
-            </a:schemeClr>
-          </a:lnRef>
-          <a:fillRef idx="1">
-            <a:schemeClr val="accent1"/>
-          </a:fillRef>
-          <a:effectRef idx="0">
-            <a:schemeClr val="accent1"/>
-          </a:effectRef>
-          <a:fontRef idx="minor">
-            <a:schemeClr val="lt1"/>
-          </a:fontRef>
-        </p:style>
-        <p:txBody>
-          <a:bodyPr rtlCol="0" anchor="ctr"/>
-          <a:lstStyle/>
-          <a:p>
-            <a:pPr algn="ctr"/>
-            <a:endParaRPr lang="en-US"/>
-          </a:p>
-        </p:txBody>
-      </p:sp>
-      <p:sp useBgFill="1">
-        <p:nvSpPr>
-          <p:cNvPr id="19" name="Rounded Rectangle 11">
-            <a:extLst>
-              <a:ext uri="{FF2B5EF4-FFF2-40B4-BE49-F238E27FC236}">
-                <a16:creationId xmlns:a16="http://schemas.microsoft.com/office/drawing/2014/main" id="{C84439A1-773C-4E21-A179-0417A18640E9}"/>
-              </a:ext>
-              <a:ext uri="{C183D7F6-B498-43B3-948B-1728B52AA6E4}">
-                <adec:decorative xmlns:adec="http://schemas.microsoft.com/office/drawing/2017/decorative" val="1"/>
-              </a:ext>
-            </a:extLst>
-          </p:cNvPr>
-          <p:cNvSpPr>
-            <a:spLocks noGrp="1" noRot="1" noChangeAspect="1" noMove="1" noResize="1" noEditPoints="1" noAdjustHandles="1" noChangeArrowheads="1" noChangeShapeType="1" noTextEdit="1"/>
-          </p:cNvSpPr>
-          <p:nvPr>
-            <p:extLst>
-              <p:ext uri="{386F3935-93C4-4BCD-93E2-E3B085C9AB24}">
-                <p16:designElem xmlns:p16="http://schemas.microsoft.com/office/powerpoint/2015/main" val="1"/>
-              </p:ext>
-            </p:extLst>
-          </p:nvPr>
-        </p:nvSpPr>
-        <p:spPr>
-          <a:xfrm>
-            <a:off x="643338" y="643464"/>
-            <a:ext cx="6638814" cy="5571072"/>
-          </a:xfrm>
-          <a:prstGeom prst="roundRect">
-            <a:avLst>
-              <a:gd name="adj" fmla="val 2403"/>
-            </a:avLst>
-          </a:prstGeom>
-          <a:ln>
-            <a:noFill/>
-          </a:ln>
-          <a:effectLst>
-            <a:innerShdw blurRad="114300">
-              <a:prstClr val="black"/>
-            </a:innerShdw>
-          </a:effectLst>
-        </p:spPr>
-        <p:style>
-          <a:lnRef idx="2">
-            <a:schemeClr val="accent1">
-              <a:shade val="50000"/>
-            </a:schemeClr>
-          </a:lnRef>
-          <a:fillRef idx="1">
-            <a:schemeClr val="accent1"/>
-          </a:fillRef>
-          <a:effectRef idx="0">
-            <a:schemeClr val="accent1"/>
-          </a:effectRef>
-          <a:fontRef idx="minor">
-            <a:schemeClr val="lt1"/>
-          </a:fontRef>
-        </p:style>
-        <p:txBody>
-          <a:bodyPr rtlCol="0" anchor="ctr"/>
-          <a:lstStyle/>
-          <a:p>
-            <a:pPr algn="ctr"/>
-            <a:endParaRPr lang="en-US"/>
-          </a:p>
-        </p:txBody>
-      </p:sp>
-      <p:pic>
-        <p:nvPicPr>
-          <p:cNvPr id="4" name="Picture 3">
-            <a:extLst>
-              <a:ext uri="{FF2B5EF4-FFF2-40B4-BE49-F238E27FC236}">
-                <a16:creationId xmlns:a16="http://schemas.microsoft.com/office/drawing/2014/main" id="{36739A90-4ED2-4C0F-B6AA-4D9E3AA0F2EF}"/>
-              </a:ext>
-            </a:extLst>
-          </p:cNvPr>
-          <p:cNvPicPr>
-            <a:picLocks noChangeAspect="1"/>
-          </p:cNvPicPr>
-          <p:nvPr/>
-        </p:nvPicPr>
-        <p:blipFill>
-          <a:blip r:embed="rId4"/>
-          <a:stretch>
-            <a:fillRect/>
-          </a:stretch>
-        </p:blipFill>
-        <p:spPr>
-          <a:xfrm>
-            <a:off x="2158049" y="1286928"/>
-            <a:ext cx="3609391" cy="4284145"/>
-          </a:xfrm>
-          <a:prstGeom prst="rect">
-            <a:avLst/>
-          </a:prstGeom>
-        </p:spPr>
-      </p:pic>
-    </p:spTree>
-    <p:extLst>
-      <p:ext uri="{BB962C8B-B14F-4D97-AF65-F5344CB8AC3E}">
-        <p14:creationId xmlns:p14="http://schemas.microsoft.com/office/powerpoint/2010/main" val="3750622239"/>
-      </p:ext>
-    </p:extLst>
-  </p:cSld>
-  <p:clrMapOvr>
-    <a:overrideClrMapping bg1="lt1" tx1="dk1" bg2="lt2" tx2="dk2" accent1="accent1" accent2="accent2" accent3="accent3" accent4="accent4" accent5="accent5" accent6="accent6" hlink="hlink" folHlink="folHlink"/>
   </p:clrMapOvr>
 </p:sld>
 </file>
@@ -10083,7 +15489,7 @@
       </p:grpSpPr>
       <p:pic>
         <p:nvPicPr>
-          <p:cNvPr id="12" name="Picture 11">
+          <p:cNvPr id="9" name="Picture 8">
             <a:extLst>
               <a:ext uri="{FF2B5EF4-FFF2-40B4-BE49-F238E27FC236}">
                 <a16:creationId xmlns:a16="http://schemas.microsoft.com/office/drawing/2014/main" id="{BDFADFB3-3D44-49A8-AE3B-A87C61607F7E}"/>
@@ -10128,7 +15534,7 @@
       </p:pic>
       <p:pic>
         <p:nvPicPr>
-          <p:cNvPr id="14" name="Picture 13">
+          <p:cNvPr id="11" name="Picture 10">
             <a:extLst>
               <a:ext uri="{FF2B5EF4-FFF2-40B4-BE49-F238E27FC236}">
                 <a16:creationId xmlns:a16="http://schemas.microsoft.com/office/drawing/2014/main" id="{BB912AE0-CAD9-4F8F-A2A2-BDF07D4EDD22}"/>
@@ -10173,50 +15579,10 @@
       </p:pic>
       <p:sp>
         <p:nvSpPr>
-          <p:cNvPr id="2" name="Title 1">
+          <p:cNvPr id="13" name="Rectangle 12">
             <a:extLst>
               <a:ext uri="{FF2B5EF4-FFF2-40B4-BE49-F238E27FC236}">
-                <a16:creationId xmlns:a16="http://schemas.microsoft.com/office/drawing/2014/main" id="{181B882F-1B5D-436E-83A7-D8159ED081C2}"/>
-              </a:ext>
-            </a:extLst>
-          </p:cNvPr>
-          <p:cNvSpPr>
-            <a:spLocks noGrp="1"/>
-          </p:cNvSpPr>
-          <p:nvPr>
-            <p:ph type="title"/>
-          </p:nvPr>
-        </p:nvSpPr>
-        <p:spPr>
-          <a:xfrm>
-            <a:off x="7056808" y="673240"/>
-            <a:ext cx="4510994" cy="3446373"/>
-          </a:xfrm>
-          <a:noFill/>
-          <a:ln w="19050">
-            <a:noFill/>
-            <a:prstDash val="dash"/>
-          </a:ln>
-        </p:spPr>
-        <p:txBody>
-          <a:bodyPr vert="horz" lIns="91440" tIns="45720" rIns="91440" bIns="45720" rtlCol="0" anchor="b">
-            <a:normAutofit/>
-          </a:bodyPr>
-          <a:lstStyle/>
-          <a:p>
-            <a:r>
-              <a:rPr lang="en-US" sz="4800"/>
-              <a:t>Law of similarity</a:t>
-            </a:r>
-          </a:p>
-        </p:txBody>
-      </p:sp>
-      <p:sp useBgFill="1">
-        <p:nvSpPr>
-          <p:cNvPr id="16" name="Rectangle 15">
-            <a:extLst>
-              <a:ext uri="{FF2B5EF4-FFF2-40B4-BE49-F238E27FC236}">
-                <a16:creationId xmlns:a16="http://schemas.microsoft.com/office/drawing/2014/main" id="{A6621E27-B4D3-4EEA-8F4D-BB759FD2479C}"/>
+                <a16:creationId xmlns:a16="http://schemas.microsoft.com/office/drawing/2014/main" id="{674220BB-5395-4F54-8045-343633A1BC8A}"/>
               </a:ext>
               <a:ext uri="{C183D7F6-B498-43B3-948B-1728B52AA6E4}">
                 <adec:decorative xmlns:adec="http://schemas.microsoft.com/office/drawing/2017/decorative" val="1"/>
@@ -10236,12 +15602,15 @@
         </p:nvSpPr>
         <p:spPr>
           <a:xfrm>
-            <a:off x="6485641" y="-1"/>
-            <a:ext cx="5706359" cy="643465"/>
+            <a:off x="7946782" y="-1"/>
+            <a:ext cx="4245218" cy="6858001"/>
           </a:xfrm>
           <a:prstGeom prst="rect">
             <a:avLst/>
           </a:prstGeom>
+          <a:solidFill>
+            <a:schemeClr val="tx1"/>
+          </a:solidFill>
           <a:ln>
             <a:noFill/>
           </a:ln>
@@ -10271,21 +15640,66 @@
           </a:p>
         </p:txBody>
       </p:sp>
-      <p:sp useBgFill="1">
-        <p:nvSpPr>
-          <p:cNvPr id="18" name="Rectangle 17">
+      <p:sp>
+        <p:nvSpPr>
+          <p:cNvPr id="2" name="Title 1">
             <a:extLst>
               <a:ext uri="{FF2B5EF4-FFF2-40B4-BE49-F238E27FC236}">
-                <a16:creationId xmlns:a16="http://schemas.microsoft.com/office/drawing/2014/main" id="{9DCD9119-A5D2-4D09-BCB2-70ABD368DB30}"/>
+                <a16:creationId xmlns:a16="http://schemas.microsoft.com/office/drawing/2014/main" id="{2FBD7DB3-C9B6-4E79-B24D-A2C1AD5B9C1C}"/>
+              </a:ext>
+            </a:extLst>
+          </p:cNvPr>
+          <p:cNvSpPr>
+            <a:spLocks noGrp="1"/>
+          </p:cNvSpPr>
+          <p:nvPr>
+            <p:ph type="title"/>
+          </p:nvPr>
+        </p:nvSpPr>
+        <p:spPr>
+          <a:xfrm>
+            <a:off x="8266820" y="673240"/>
+            <a:ext cx="3300981" cy="3446373"/>
+          </a:xfrm>
+          <a:noFill/>
+          <a:ln w="19050">
+            <a:noFill/>
+            <a:prstDash val="dash"/>
+          </a:ln>
+        </p:spPr>
+        <p:txBody>
+          <a:bodyPr vert="horz" lIns="91440" tIns="45720" rIns="91440" bIns="45720" rtlCol="0" anchor="b">
+            <a:normAutofit/>
+          </a:bodyPr>
+          <a:lstStyle/>
+          <a:p>
+            <a:pPr algn="l"/>
+            <a:r>
+              <a:rPr lang="en-US" sz="4800">
+                <a:solidFill>
+                  <a:schemeClr val="bg1"/>
+                </a:solidFill>
+              </a:rPr>
+              <a:t>Law of Proximity</a:t>
+            </a:r>
+          </a:p>
+        </p:txBody>
+      </p:sp>
+      <p:pic>
+        <p:nvPicPr>
+          <p:cNvPr id="15" name="Picture 14">
+            <a:extLst>
+              <a:ext uri="{FF2B5EF4-FFF2-40B4-BE49-F238E27FC236}">
+                <a16:creationId xmlns:a16="http://schemas.microsoft.com/office/drawing/2014/main" id="{9D892AF3-0287-4CB0-AD2F-775B64C6FDA5}"/>
               </a:ext>
               <a:ext uri="{C183D7F6-B498-43B3-948B-1728B52AA6E4}">
                 <adec:decorative xmlns:adec="http://schemas.microsoft.com/office/drawing/2017/decorative" val="1"/>
               </a:ext>
             </a:extLst>
           </p:cNvPr>
-          <p:cNvSpPr>
-            <a:spLocks noGrp="1" noRot="1" noChangeAspect="1" noMove="1" noResize="1" noEditPoints="1" noAdjustHandles="1" noChangeArrowheads="1" noChangeShapeType="1" noTextEdit="1"/>
-          </p:cNvSpPr>
+          <p:cNvPicPr>
+            <a:picLocks noGrp="1" noRot="1" noChangeAspect="1" noMove="1" noResize="1" noEditPoints="1" noAdjustHandles="1" noChangeArrowheads="1" noChangeShapeType="1" noCrop="1"/>
+          </p:cNvPicPr>
           <p:nvPr>
             <p:extLst>
               <p:ext uri="{386F3935-93C4-4BCD-93E2-E3B085C9AB24}">
@@ -10293,15 +15707,63 @@
               </p:ext>
             </p:extLst>
           </p:nvPr>
-        </p:nvSpPr>
-        <p:spPr>
-          <a:xfrm>
-            <a:off x="-1" y="0"/>
-            <a:ext cx="6746233" cy="6858000"/>
+        </p:nvPicPr>
+        <p:blipFill>
+          <a:blip r:embed="rId3">
+            <a:extLst>
+              <a:ext uri="{28A0092B-C50C-407E-A947-70E740481C1C}">
+                <a14:useLocalDpi xmlns:a14="http://schemas.microsoft.com/office/drawing/2010/main" val="0"/>
+              </a:ext>
+            </a:extLst>
+          </a:blip>
+          <a:stretch>
+            <a:fillRect/>
+          </a:stretch>
+        </p:blipFill>
+        <p:spPr>
+          <a:xfrm>
+            <a:off x="0" y="4375150"/>
+            <a:ext cx="12192000" cy="2482850"/>
           </a:xfrm>
           <a:prstGeom prst="rect">
             <a:avLst/>
           </a:prstGeom>
+        </p:spPr>
+      </p:pic>
+      <p:sp>
+        <p:nvSpPr>
+          <p:cNvPr id="17" name="Rectangle 16">
+            <a:extLst>
+              <a:ext uri="{FF2B5EF4-FFF2-40B4-BE49-F238E27FC236}">
+                <a16:creationId xmlns:a16="http://schemas.microsoft.com/office/drawing/2014/main" id="{D477AA7E-6F59-438B-AE81-F002D625899E}"/>
+              </a:ext>
+              <a:ext uri="{C183D7F6-B498-43B3-948B-1728B52AA6E4}">
+                <adec:decorative xmlns:adec="http://schemas.microsoft.com/office/drawing/2017/decorative" val="1"/>
+              </a:ext>
+            </a:extLst>
+          </p:cNvPr>
+          <p:cNvSpPr>
+            <a:spLocks noGrp="1" noRot="1" noChangeAspect="1" noMove="1" noResize="1" noEditPoints="1" noAdjustHandles="1" noChangeArrowheads="1" noChangeShapeType="1" noTextEdit="1"/>
+          </p:cNvSpPr>
+          <p:nvPr>
+            <p:extLst>
+              <p:ext uri="{386F3935-93C4-4BCD-93E2-E3B085C9AB24}">
+                <p16:designElem xmlns:p16="http://schemas.microsoft.com/office/powerpoint/2015/main" val="1"/>
+              </p:ext>
+            </p:extLst>
+          </p:nvPr>
+        </p:nvSpPr>
+        <p:spPr>
+          <a:xfrm>
+            <a:off x="-1" y="0"/>
+            <a:ext cx="7946781" cy="6858000"/>
+          </a:xfrm>
+          <a:prstGeom prst="rect">
+            <a:avLst/>
+          </a:prstGeom>
+          <a:solidFill>
+            <a:schemeClr val="tx1"/>
+          </a:solidFill>
           <a:ln>
             <a:noFill/>
           </a:ln>
@@ -10331,12 +15793,79 @@
           </a:p>
         </p:txBody>
       </p:sp>
+      <p:sp useBgFill="1">
+        <p:nvSpPr>
+          <p:cNvPr id="19" name="Rounded Rectangle 11">
+            <a:extLst>
+              <a:ext uri="{FF2B5EF4-FFF2-40B4-BE49-F238E27FC236}">
+                <a16:creationId xmlns:a16="http://schemas.microsoft.com/office/drawing/2014/main" id="{C84439A1-773C-4E21-A179-0417A18640E9}"/>
+              </a:ext>
+              <a:ext uri="{C183D7F6-B498-43B3-948B-1728B52AA6E4}">
+                <adec:decorative xmlns:adec="http://schemas.microsoft.com/office/drawing/2017/decorative" val="1"/>
+              </a:ext>
+            </a:extLst>
+          </p:cNvPr>
+          <p:cNvSpPr>
+            <a:spLocks noGrp="1" noRot="1" noChangeAspect="1" noMove="1" noResize="1" noEditPoints="1" noAdjustHandles="1" noChangeArrowheads="1" noChangeShapeType="1" noTextEdit="1"/>
+          </p:cNvSpPr>
+          <p:nvPr>
+            <p:extLst>
+              <p:ext uri="{386F3935-93C4-4BCD-93E2-E3B085C9AB24}">
+                <p16:designElem xmlns:p16="http://schemas.microsoft.com/office/powerpoint/2015/main" val="1"/>
+              </p:ext>
+            </p:extLst>
+          </p:nvPr>
+        </p:nvSpPr>
+        <p:spPr>
+          <a:xfrm>
+            <a:off x="643338" y="643464"/>
+            <a:ext cx="6638814" cy="5571072"/>
+          </a:xfrm>
+          <a:prstGeom prst="roundRect">
+            <a:avLst>
+              <a:gd name="adj" fmla="val 2403"/>
+            </a:avLst>
+          </a:prstGeom>
+          <a:ln>
+            <a:noFill/>
+          </a:ln>
+          <a:effectLst>
+            <a:innerShdw blurRad="114300">
+              <a:prstClr val="black"/>
+            </a:innerShdw>
+          </a:effectLst>
+        </p:spPr>
+        <p:style>
+          <a:lnRef idx="2">
+            <a:schemeClr val="accent1">
+              <a:shade val="50000"/>
+            </a:schemeClr>
+          </a:lnRef>
+          <a:fillRef idx="1">
+            <a:schemeClr val="accent1"/>
+          </a:fillRef>
+          <a:effectRef idx="0">
+            <a:schemeClr val="accent1"/>
+          </a:effectRef>
+          <a:fontRef idx="minor">
+            <a:schemeClr val="lt1"/>
+          </a:fontRef>
+        </p:style>
+        <p:txBody>
+          <a:bodyPr rtlCol="0" anchor="ctr"/>
+          <a:lstStyle/>
+          <a:p>
+            <a:pPr algn="ctr"/>
+            <a:endParaRPr lang="en-US"/>
+          </a:p>
+        </p:txBody>
+      </p:sp>
       <p:pic>
         <p:nvPicPr>
-          <p:cNvPr id="7" name="Picture 6">
+          <p:cNvPr id="4" name="Picture 3">
             <a:extLst>
               <a:ext uri="{FF2B5EF4-FFF2-40B4-BE49-F238E27FC236}">
-                <a16:creationId xmlns:a16="http://schemas.microsoft.com/office/drawing/2014/main" id="{F1400C17-6B59-4328-A280-2EBDE053EF95}"/>
+                <a16:creationId xmlns:a16="http://schemas.microsoft.com/office/drawing/2014/main" id="{36739A90-4ED2-4C0F-B6AA-4D9E3AA0F2EF}"/>
               </a:ext>
             </a:extLst>
           </p:cNvPr>
@@ -10353,8 +15882,8 @@
         </p:blipFill>
         <p:spPr>
           <a:xfrm>
-            <a:off x="643468" y="2174377"/>
-            <a:ext cx="5475672" cy="2505120"/>
+            <a:off x="2158049" y="1286928"/>
+            <a:ext cx="3609391" cy="4284145"/>
           </a:xfrm>
           <a:prstGeom prst="rect">
             <a:avLst/>
@@ -10364,12 +15893,12 @@
     </p:spTree>
     <p:extLst>
       <p:ext uri="{BB962C8B-B14F-4D97-AF65-F5344CB8AC3E}">
-        <p14:creationId xmlns:p14="http://schemas.microsoft.com/office/powerpoint/2010/main" val="2452405803"/>
+        <p14:creationId xmlns:p14="http://schemas.microsoft.com/office/powerpoint/2010/main" val="3750622239"/>
       </p:ext>
     </p:extLst>
   </p:cSld>
   <p:clrMapOvr>
-    <a:masterClrMapping/>
+    <a:overrideClrMapping bg1="lt1" tx1="dk1" bg2="lt2" tx2="dk2" accent1="accent1" accent2="accent2" accent3="accent3" accent4="accent4" accent5="accent5" accent6="accent6" hlink="hlink" folHlink="folHlink"/>
   </p:clrMapOvr>
 </p:sld>
 </file>
@@ -10401,7 +15930,7 @@
       </p:grpSpPr>
       <p:pic>
         <p:nvPicPr>
-          <p:cNvPr id="24" name="Picture 23">
+          <p:cNvPr id="12" name="Picture 11">
             <a:extLst>
               <a:ext uri="{FF2B5EF4-FFF2-40B4-BE49-F238E27FC236}">
                 <a16:creationId xmlns:a16="http://schemas.microsoft.com/office/drawing/2014/main" id="{BDFADFB3-3D44-49A8-AE3B-A87C61607F7E}"/>
@@ -10446,7 +15975,7 @@
       </p:pic>
       <p:pic>
         <p:nvPicPr>
-          <p:cNvPr id="26" name="Picture 25">
+          <p:cNvPr id="14" name="Picture 13">
             <a:extLst>
               <a:ext uri="{FF2B5EF4-FFF2-40B4-BE49-F238E27FC236}">
                 <a16:creationId xmlns:a16="http://schemas.microsoft.com/office/drawing/2014/main" id="{BB912AE0-CAD9-4F8F-A2A2-BDF07D4EDD22}"/>
@@ -10491,10 +16020,50 @@
       </p:pic>
       <p:sp>
         <p:nvSpPr>
-          <p:cNvPr id="28" name="Rectangle 27">
+          <p:cNvPr id="2" name="Title 1">
             <a:extLst>
               <a:ext uri="{FF2B5EF4-FFF2-40B4-BE49-F238E27FC236}">
-                <a16:creationId xmlns:a16="http://schemas.microsoft.com/office/drawing/2014/main" id="{674220BB-5395-4F54-8045-343633A1BC8A}"/>
+                <a16:creationId xmlns:a16="http://schemas.microsoft.com/office/drawing/2014/main" id="{181B882F-1B5D-436E-83A7-D8159ED081C2}"/>
+              </a:ext>
+            </a:extLst>
+          </p:cNvPr>
+          <p:cNvSpPr>
+            <a:spLocks noGrp="1"/>
+          </p:cNvSpPr>
+          <p:nvPr>
+            <p:ph type="title"/>
+          </p:nvPr>
+        </p:nvSpPr>
+        <p:spPr>
+          <a:xfrm>
+            <a:off x="7056808" y="673240"/>
+            <a:ext cx="4510994" cy="3446373"/>
+          </a:xfrm>
+          <a:noFill/>
+          <a:ln w="19050">
+            <a:noFill/>
+            <a:prstDash val="dash"/>
+          </a:ln>
+        </p:spPr>
+        <p:txBody>
+          <a:bodyPr vert="horz" lIns="91440" tIns="45720" rIns="91440" bIns="45720" rtlCol="0" anchor="b">
+            <a:normAutofit/>
+          </a:bodyPr>
+          <a:lstStyle/>
+          <a:p>
+            <a:r>
+              <a:rPr lang="en-US" sz="4800"/>
+              <a:t>Law of similarity</a:t>
+            </a:r>
+          </a:p>
+        </p:txBody>
+      </p:sp>
+      <p:sp useBgFill="1">
+        <p:nvSpPr>
+          <p:cNvPr id="16" name="Rectangle 15">
+            <a:extLst>
+              <a:ext uri="{FF2B5EF4-FFF2-40B4-BE49-F238E27FC236}">
+                <a16:creationId xmlns:a16="http://schemas.microsoft.com/office/drawing/2014/main" id="{A6621E27-B4D3-4EEA-8F4D-BB759FD2479C}"/>
               </a:ext>
               <a:ext uri="{C183D7F6-B498-43B3-948B-1728B52AA6E4}">
                 <adec:decorative xmlns:adec="http://schemas.microsoft.com/office/drawing/2017/decorative" val="1"/>
@@ -10514,15 +16083,12 @@
         </p:nvSpPr>
         <p:spPr>
           <a:xfrm>
-            <a:off x="7946782" y="-1"/>
-            <a:ext cx="4245218" cy="6858001"/>
+            <a:off x="6485641" y="-1"/>
+            <a:ext cx="5706359" cy="643465"/>
           </a:xfrm>
           <a:prstGeom prst="rect">
             <a:avLst/>
           </a:prstGeom>
-          <a:solidFill>
-            <a:schemeClr val="tx1"/>
-          </a:solidFill>
           <a:ln>
             <a:noFill/>
           </a:ln>
@@ -10552,66 +16118,21 @@
           </a:p>
         </p:txBody>
       </p:sp>
-      <p:sp>
-        <p:nvSpPr>
-          <p:cNvPr id="2" name="Title 1">
+      <p:sp useBgFill="1">
+        <p:nvSpPr>
+          <p:cNvPr id="18" name="Rectangle 17">
             <a:extLst>
               <a:ext uri="{FF2B5EF4-FFF2-40B4-BE49-F238E27FC236}">
-                <a16:creationId xmlns:a16="http://schemas.microsoft.com/office/drawing/2014/main" id="{2FBD7DB3-C9B6-4E79-B24D-A2C1AD5B9C1C}"/>
-              </a:ext>
-            </a:extLst>
-          </p:cNvPr>
-          <p:cNvSpPr>
-            <a:spLocks noGrp="1"/>
-          </p:cNvSpPr>
-          <p:nvPr>
-            <p:ph type="title"/>
-          </p:nvPr>
-        </p:nvSpPr>
-        <p:spPr>
-          <a:xfrm>
-            <a:off x="8266820" y="673240"/>
-            <a:ext cx="3300981" cy="3446373"/>
-          </a:xfrm>
-          <a:noFill/>
-          <a:ln w="19050">
-            <a:noFill/>
-            <a:prstDash val="dash"/>
-          </a:ln>
-        </p:spPr>
-        <p:txBody>
-          <a:bodyPr vert="horz" lIns="91440" tIns="45720" rIns="91440" bIns="45720" rtlCol="0" anchor="b">
-            <a:normAutofit/>
-          </a:bodyPr>
-          <a:lstStyle/>
-          <a:p>
-            <a:pPr algn="l"/>
-            <a:r>
-              <a:rPr lang="en-US" sz="4800" dirty="0">
-                <a:solidFill>
-                  <a:schemeClr val="bg1"/>
-                </a:solidFill>
-              </a:rPr>
-              <a:t>Law of similarity</a:t>
-            </a:r>
-          </a:p>
-        </p:txBody>
-      </p:sp>
-      <p:pic>
-        <p:nvPicPr>
-          <p:cNvPr id="30" name="Picture 29">
-            <a:extLst>
-              <a:ext uri="{FF2B5EF4-FFF2-40B4-BE49-F238E27FC236}">
-                <a16:creationId xmlns:a16="http://schemas.microsoft.com/office/drawing/2014/main" id="{9D892AF3-0287-4CB0-AD2F-775B64C6FDA5}"/>
+                <a16:creationId xmlns:a16="http://schemas.microsoft.com/office/drawing/2014/main" id="{9DCD9119-A5D2-4D09-BCB2-70ABD368DB30}"/>
               </a:ext>
               <a:ext uri="{C183D7F6-B498-43B3-948B-1728B52AA6E4}">
                 <adec:decorative xmlns:adec="http://schemas.microsoft.com/office/drawing/2017/decorative" val="1"/>
               </a:ext>
             </a:extLst>
           </p:cNvPr>
-          <p:cNvPicPr>
-            <a:picLocks noGrp="1" noRot="1" noChangeAspect="1" noMove="1" noResize="1" noEditPoints="1" noAdjustHandles="1" noChangeArrowheads="1" noChangeShapeType="1" noCrop="1"/>
-          </p:cNvPicPr>
+          <p:cNvSpPr>
+            <a:spLocks noGrp="1" noRot="1" noChangeAspect="1" noMove="1" noResize="1" noEditPoints="1" noAdjustHandles="1" noChangeArrowheads="1" noChangeShapeType="1" noTextEdit="1"/>
+          </p:cNvSpPr>
           <p:nvPr>
             <p:extLst>
               <p:ext uri="{386F3935-93C4-4BCD-93E2-E3B085C9AB24}">
@@ -10619,63 +16140,15 @@
               </p:ext>
             </p:extLst>
           </p:nvPr>
-        </p:nvPicPr>
-        <p:blipFill>
-          <a:blip r:embed="rId3">
-            <a:extLst>
-              <a:ext uri="{28A0092B-C50C-407E-A947-70E740481C1C}">
-                <a14:useLocalDpi xmlns:a14="http://schemas.microsoft.com/office/drawing/2010/main" val="0"/>
-              </a:ext>
-            </a:extLst>
-          </a:blip>
-          <a:stretch>
-            <a:fillRect/>
-          </a:stretch>
-        </p:blipFill>
-        <p:spPr>
-          <a:xfrm>
-            <a:off x="0" y="4375150"/>
-            <a:ext cx="12192000" cy="2482850"/>
+        </p:nvSpPr>
+        <p:spPr>
+          <a:xfrm>
+            <a:off x="-1" y="0"/>
+            <a:ext cx="6746233" cy="6858000"/>
           </a:xfrm>
           <a:prstGeom prst="rect">
             <a:avLst/>
           </a:prstGeom>
-        </p:spPr>
-      </p:pic>
-      <p:sp>
-        <p:nvSpPr>
-          <p:cNvPr id="32" name="Rectangle 31">
-            <a:extLst>
-              <a:ext uri="{FF2B5EF4-FFF2-40B4-BE49-F238E27FC236}">
-                <a16:creationId xmlns:a16="http://schemas.microsoft.com/office/drawing/2014/main" id="{D477AA7E-6F59-438B-AE81-F002D625899E}"/>
-              </a:ext>
-              <a:ext uri="{C183D7F6-B498-43B3-948B-1728B52AA6E4}">
-                <adec:decorative xmlns:adec="http://schemas.microsoft.com/office/drawing/2017/decorative" val="1"/>
-              </a:ext>
-            </a:extLst>
-          </p:cNvPr>
-          <p:cNvSpPr>
-            <a:spLocks noGrp="1" noRot="1" noChangeAspect="1" noMove="1" noResize="1" noEditPoints="1" noAdjustHandles="1" noChangeArrowheads="1" noChangeShapeType="1" noTextEdit="1"/>
-          </p:cNvSpPr>
-          <p:nvPr>
-            <p:extLst>
-              <p:ext uri="{386F3935-93C4-4BCD-93E2-E3B085C9AB24}">
-                <p16:designElem xmlns:p16="http://schemas.microsoft.com/office/powerpoint/2015/main" val="1"/>
-              </p:ext>
-            </p:extLst>
-          </p:nvPr>
-        </p:nvSpPr>
-        <p:spPr>
-          <a:xfrm>
-            <a:off x="-1" y="0"/>
-            <a:ext cx="7946781" cy="6858000"/>
-          </a:xfrm>
-          <a:prstGeom prst="rect">
-            <a:avLst/>
-          </a:prstGeom>
-          <a:solidFill>
-            <a:schemeClr val="tx1"/>
-          </a:solidFill>
           <a:ln>
             <a:noFill/>
           </a:ln>
@@ -10705,79 +16178,12 @@
           </a:p>
         </p:txBody>
       </p:sp>
-      <p:sp useBgFill="1">
-        <p:nvSpPr>
-          <p:cNvPr id="34" name="Rounded Rectangle 11">
-            <a:extLst>
-              <a:ext uri="{FF2B5EF4-FFF2-40B4-BE49-F238E27FC236}">
-                <a16:creationId xmlns:a16="http://schemas.microsoft.com/office/drawing/2014/main" id="{C84439A1-773C-4E21-A179-0417A18640E9}"/>
-              </a:ext>
-              <a:ext uri="{C183D7F6-B498-43B3-948B-1728B52AA6E4}">
-                <adec:decorative xmlns:adec="http://schemas.microsoft.com/office/drawing/2017/decorative" val="1"/>
-              </a:ext>
-            </a:extLst>
-          </p:cNvPr>
-          <p:cNvSpPr>
-            <a:spLocks noGrp="1" noRot="1" noChangeAspect="1" noMove="1" noResize="1" noEditPoints="1" noAdjustHandles="1" noChangeArrowheads="1" noChangeShapeType="1" noTextEdit="1"/>
-          </p:cNvSpPr>
-          <p:nvPr>
-            <p:extLst>
-              <p:ext uri="{386F3935-93C4-4BCD-93E2-E3B085C9AB24}">
-                <p16:designElem xmlns:p16="http://schemas.microsoft.com/office/powerpoint/2015/main" val="1"/>
-              </p:ext>
-            </p:extLst>
-          </p:nvPr>
-        </p:nvSpPr>
-        <p:spPr>
-          <a:xfrm>
-            <a:off x="643338" y="643464"/>
-            <a:ext cx="6638814" cy="5571072"/>
-          </a:xfrm>
-          <a:prstGeom prst="roundRect">
-            <a:avLst>
-              <a:gd name="adj" fmla="val 2403"/>
-            </a:avLst>
-          </a:prstGeom>
-          <a:ln>
-            <a:noFill/>
-          </a:ln>
-          <a:effectLst>
-            <a:innerShdw blurRad="114300">
-              <a:prstClr val="black"/>
-            </a:innerShdw>
-          </a:effectLst>
-        </p:spPr>
-        <p:style>
-          <a:lnRef idx="2">
-            <a:schemeClr val="accent1">
-              <a:shade val="50000"/>
-            </a:schemeClr>
-          </a:lnRef>
-          <a:fillRef idx="1">
-            <a:schemeClr val="accent1"/>
-          </a:fillRef>
-          <a:effectRef idx="0">
-            <a:schemeClr val="accent1"/>
-          </a:effectRef>
-          <a:fontRef idx="minor">
-            <a:schemeClr val="lt1"/>
-          </a:fontRef>
-        </p:style>
-        <p:txBody>
-          <a:bodyPr rtlCol="0" anchor="ctr"/>
-          <a:lstStyle/>
-          <a:p>
-            <a:pPr algn="ctr"/>
-            <a:endParaRPr lang="en-US"/>
-          </a:p>
-        </p:txBody>
-      </p:sp>
       <p:pic>
         <p:nvPicPr>
-          <p:cNvPr id="4" name="Picture 3">
+          <p:cNvPr id="7" name="Picture 6">
             <a:extLst>
               <a:ext uri="{FF2B5EF4-FFF2-40B4-BE49-F238E27FC236}">
-                <a16:creationId xmlns:a16="http://schemas.microsoft.com/office/drawing/2014/main" id="{DE79DAF0-8EF2-495D-AE38-665133AEA773}"/>
+                <a16:creationId xmlns:a16="http://schemas.microsoft.com/office/drawing/2014/main" id="{F1400C17-6B59-4328-A280-2EBDE053EF95}"/>
               </a:ext>
             </a:extLst>
           </p:cNvPr>
@@ -10794,8 +16200,8 @@
         </p:blipFill>
         <p:spPr>
           <a:xfrm>
-            <a:off x="2077721" y="1286928"/>
-            <a:ext cx="3770047" cy="4284145"/>
+            <a:off x="643468" y="2174377"/>
+            <a:ext cx="5475672" cy="2505120"/>
           </a:xfrm>
           <a:prstGeom prst="rect">
             <a:avLst/>
@@ -10805,12 +16211,12 @@
     </p:spTree>
     <p:extLst>
       <p:ext uri="{BB962C8B-B14F-4D97-AF65-F5344CB8AC3E}">
-        <p14:creationId xmlns:p14="http://schemas.microsoft.com/office/powerpoint/2010/main" val="3852701768"/>
+        <p14:creationId xmlns:p14="http://schemas.microsoft.com/office/powerpoint/2010/main" val="2452405803"/>
       </p:ext>
     </p:extLst>
   </p:cSld>
   <p:clrMapOvr>
-    <a:overrideClrMapping bg1="lt1" tx1="dk1" bg2="lt2" tx2="dk2" accent1="accent1" accent2="accent2" accent3="accent3" accent4="accent4" accent5="accent5" accent6="accent6" hlink="hlink" folHlink="folHlink"/>
+    <a:masterClrMapping/>
   </p:clrMapOvr>
 </p:sld>
 </file>
@@ -11083,4 +16489,299 @@
     </a:ext>
   </a:extLst>
 </a:theme>
+</file>
+
+<file path=ppt/theme/theme2.xml><?xml version="1.0" encoding="utf-8"?>
+<a:theme xmlns:a="http://schemas.openxmlformats.org/drawingml/2006/main" name="Office Theme">
+  <a:themeElements>
+    <a:clrScheme name="Office">
+      <a:dk1>
+        <a:sysClr val="windowText" lastClr="000000"/>
+      </a:dk1>
+      <a:lt1>
+        <a:sysClr val="window" lastClr="FFFFFF"/>
+      </a:lt1>
+      <a:dk2>
+        <a:srgbClr val="44546A"/>
+      </a:dk2>
+      <a:lt2>
+        <a:srgbClr val="E7E6E6"/>
+      </a:lt2>
+      <a:accent1>
+        <a:srgbClr val="4472C4"/>
+      </a:accent1>
+      <a:accent2>
+        <a:srgbClr val="ED7D31"/>
+      </a:accent2>
+      <a:accent3>
+        <a:srgbClr val="A5A5A5"/>
+      </a:accent3>
+      <a:accent4>
+        <a:srgbClr val="FFC000"/>
+      </a:accent4>
+      <a:accent5>
+        <a:srgbClr val="5B9BD5"/>
+      </a:accent5>
+      <a:accent6>
+        <a:srgbClr val="70AD47"/>
+      </a:accent6>
+      <a:hlink>
+        <a:srgbClr val="0563C1"/>
+      </a:hlink>
+      <a:folHlink>
+        <a:srgbClr val="954F72"/>
+      </a:folHlink>
+    </a:clrScheme>
+    <a:fontScheme name="Office">
+      <a:majorFont>
+        <a:latin typeface="Calibri Light" panose="020F0302020204030204"/>
+        <a:ea typeface=""/>
+        <a:cs typeface=""/>
+        <a:font script="Jpan" typeface="游ゴシック Light"/>
+        <a:font script="Hang" typeface="맑은 고딕"/>
+        <a:font script="Hans" typeface="等线 Light"/>
+        <a:font script="Hant" typeface="新細明體"/>
+        <a:font script="Arab" typeface="Times New Roman"/>
+        <a:font script="Hebr" typeface="Times New Roman"/>
+        <a:font script="Thai" typeface="Angsana New"/>
+        <a:font script="Ethi" typeface="Nyala"/>
+        <a:font script="Beng" typeface="Vrinda"/>
+        <a:font script="Gujr" typeface="Shruti"/>
+        <a:font script="Khmr" typeface="MoolBoran"/>
+        <a:font script="Knda" typeface="Tunga"/>
+        <a:font script="Guru" typeface="Raavi"/>
+        <a:font script="Cans" typeface="Euphemia"/>
+        <a:font script="Cher" typeface="Plantagenet Cherokee"/>
+        <a:font script="Yiii" typeface="Microsoft Yi Baiti"/>
+        <a:font script="Tibt" typeface="Microsoft Himalaya"/>
+        <a:font script="Thaa" typeface="MV Boli"/>
+        <a:font script="Deva" typeface="Mangal"/>
+        <a:font script="Telu" typeface="Gautami"/>
+        <a:font script="Taml" typeface="Latha"/>
+        <a:font script="Syrc" typeface="Estrangelo Edessa"/>
+        <a:font script="Orya" typeface="Kalinga"/>
+        <a:font script="Mlym" typeface="Kartika"/>
+        <a:font script="Laoo" typeface="DokChampa"/>
+        <a:font script="Sinh" typeface="Iskoola Pota"/>
+        <a:font script="Mong" typeface="Mongolian Baiti"/>
+        <a:font script="Viet" typeface="Times New Roman"/>
+        <a:font script="Uigh" typeface="Microsoft Uighur"/>
+        <a:font script="Geor" typeface="Sylfaen"/>
+        <a:font script="Armn" typeface="Arial"/>
+        <a:font script="Bugi" typeface="Leelawadee UI"/>
+        <a:font script="Bopo" typeface="Microsoft JhengHei"/>
+        <a:font script="Java" typeface="Javanese Text"/>
+        <a:font script="Lisu" typeface="Segoe UI"/>
+        <a:font script="Mymr" typeface="Myanmar Text"/>
+        <a:font script="Nkoo" typeface="Ebrima"/>
+        <a:font script="Olck" typeface="Nirmala UI"/>
+        <a:font script="Osma" typeface="Ebrima"/>
+        <a:font script="Phag" typeface="Phagspa"/>
+        <a:font script="Syrn" typeface="Estrangelo Edessa"/>
+        <a:font script="Syrj" typeface="Estrangelo Edessa"/>
+        <a:font script="Syre" typeface="Estrangelo Edessa"/>
+        <a:font script="Sora" typeface="Nirmala UI"/>
+        <a:font script="Tale" typeface="Microsoft Tai Le"/>
+        <a:font script="Talu" typeface="Microsoft New Tai Lue"/>
+        <a:font script="Tfng" typeface="Ebrima"/>
+      </a:majorFont>
+      <a:minorFont>
+        <a:latin typeface="Calibri" panose="020F0502020204030204"/>
+        <a:ea typeface=""/>
+        <a:cs typeface=""/>
+        <a:font script="Jpan" typeface="游ゴシック"/>
+        <a:font script="Hang" typeface="맑은 고딕"/>
+        <a:font script="Hans" typeface="等线"/>
+        <a:font script="Hant" typeface="新細明體"/>
+        <a:font script="Arab" typeface="Arial"/>
+        <a:font script="Hebr" typeface="Arial"/>
+        <a:font script="Thai" typeface="Cordia New"/>
+        <a:font script="Ethi" typeface="Nyala"/>
+        <a:font script="Beng" typeface="Vrinda"/>
+        <a:font script="Gujr" typeface="Shruti"/>
+        <a:font script="Khmr" typeface="DaunPenh"/>
+        <a:font script="Knda" typeface="Tunga"/>
+        <a:font script="Guru" typeface="Raavi"/>
+        <a:font script="Cans" typeface="Euphemia"/>
+        <a:font script="Cher" typeface="Plantagenet Cherokee"/>
+        <a:font script="Yiii" typeface="Microsoft Yi Baiti"/>
+        <a:font script="Tibt" typeface="Microsoft Himalaya"/>
+        <a:font script="Thaa" typeface="MV Boli"/>
+        <a:font script="Deva" typeface="Mangal"/>
+        <a:font script="Telu" typeface="Gautami"/>
+        <a:font script="Taml" typeface="Latha"/>
+        <a:font script="Syrc" typeface="Estrangelo Edessa"/>
+        <a:font script="Orya" typeface="Kalinga"/>
+        <a:font script="Mlym" typeface="Kartika"/>
+        <a:font script="Laoo" typeface="DokChampa"/>
+        <a:font script="Sinh" typeface="Iskoola Pota"/>
+        <a:font script="Mong" typeface="Mongolian Baiti"/>
+        <a:font script="Viet" typeface="Arial"/>
+        <a:font script="Uigh" typeface="Microsoft Uighur"/>
+        <a:font script="Geor" typeface="Sylfaen"/>
+        <a:font script="Armn" typeface="Arial"/>
+        <a:font script="Bugi" typeface="Leelawadee UI"/>
+        <a:font script="Bopo" typeface="Microsoft JhengHei"/>
+        <a:font script="Java" typeface="Javanese Text"/>
+        <a:font script="Lisu" typeface="Segoe UI"/>
+        <a:font script="Mymr" typeface="Myanmar Text"/>
+        <a:font script="Nkoo" typeface="Ebrima"/>
+        <a:font script="Olck" typeface="Nirmala UI"/>
+        <a:font script="Osma" typeface="Ebrima"/>
+        <a:font script="Phag" typeface="Phagspa"/>
+        <a:font script="Syrn" typeface="Estrangelo Edessa"/>
+        <a:font script="Syrj" typeface="Estrangelo Edessa"/>
+        <a:font script="Syre" typeface="Estrangelo Edessa"/>
+        <a:font script="Sora" typeface="Nirmala UI"/>
+        <a:font script="Tale" typeface="Microsoft Tai Le"/>
+        <a:font script="Talu" typeface="Microsoft New Tai Lue"/>
+        <a:font script="Tfng" typeface="Ebrima"/>
+      </a:minorFont>
+    </a:fontScheme>
+    <a:fmtScheme name="Office">
+      <a:fillStyleLst>
+        <a:solidFill>
+          <a:schemeClr val="phClr"/>
+        </a:solidFill>
+        <a:gradFill rotWithShape="1">
+          <a:gsLst>
+            <a:gs pos="0">
+              <a:schemeClr val="phClr">
+                <a:lumMod val="110000"/>
+                <a:satMod val="105000"/>
+                <a:tint val="67000"/>
+              </a:schemeClr>
+            </a:gs>
+            <a:gs pos="50000">
+              <a:schemeClr val="phClr">
+                <a:lumMod val="105000"/>
+                <a:satMod val="103000"/>
+                <a:tint val="73000"/>
+              </a:schemeClr>
+            </a:gs>
+            <a:gs pos="100000">
+              <a:schemeClr val="phClr">
+                <a:lumMod val="105000"/>
+                <a:satMod val="109000"/>
+                <a:tint val="81000"/>
+              </a:schemeClr>
+            </a:gs>
+          </a:gsLst>
+          <a:lin ang="5400000" scaled="0"/>
+        </a:gradFill>
+        <a:gradFill rotWithShape="1">
+          <a:gsLst>
+            <a:gs pos="0">
+              <a:schemeClr val="phClr">
+                <a:satMod val="103000"/>
+                <a:lumMod val="102000"/>
+                <a:tint val="94000"/>
+              </a:schemeClr>
+            </a:gs>
+            <a:gs pos="50000">
+              <a:schemeClr val="phClr">
+                <a:satMod val="110000"/>
+                <a:lumMod val="100000"/>
+                <a:shade val="100000"/>
+              </a:schemeClr>
+            </a:gs>
+            <a:gs pos="100000">
+              <a:schemeClr val="phClr">
+                <a:lumMod val="99000"/>
+                <a:satMod val="120000"/>
+                <a:shade val="78000"/>
+              </a:schemeClr>
+            </a:gs>
+          </a:gsLst>
+          <a:lin ang="5400000" scaled="0"/>
+        </a:gradFill>
+      </a:fillStyleLst>
+      <a:lnStyleLst>
+        <a:ln w="6350" cap="flat" cmpd="sng" algn="ctr">
+          <a:solidFill>
+            <a:schemeClr val="phClr"/>
+          </a:solidFill>
+          <a:prstDash val="solid"/>
+          <a:miter lim="800000"/>
+        </a:ln>
+        <a:ln w="12700" cap="flat" cmpd="sng" algn="ctr">
+          <a:solidFill>
+            <a:schemeClr val="phClr"/>
+          </a:solidFill>
+          <a:prstDash val="solid"/>
+          <a:miter lim="800000"/>
+        </a:ln>
+        <a:ln w="19050" cap="flat" cmpd="sng" algn="ctr">
+          <a:solidFill>
+            <a:schemeClr val="phClr"/>
+          </a:solidFill>
+          <a:prstDash val="solid"/>
+          <a:miter lim="800000"/>
+        </a:ln>
+      </a:lnStyleLst>
+      <a:effectStyleLst>
+        <a:effectStyle>
+          <a:effectLst/>
+        </a:effectStyle>
+        <a:effectStyle>
+          <a:effectLst/>
+        </a:effectStyle>
+        <a:effectStyle>
+          <a:effectLst>
+            <a:outerShdw blurRad="57150" dist="19050" dir="5400000" algn="ctr" rotWithShape="0">
+              <a:srgbClr val="000000">
+                <a:alpha val="63000"/>
+              </a:srgbClr>
+            </a:outerShdw>
+          </a:effectLst>
+        </a:effectStyle>
+      </a:effectStyleLst>
+      <a:bgFillStyleLst>
+        <a:solidFill>
+          <a:schemeClr val="phClr"/>
+        </a:solidFill>
+        <a:solidFill>
+          <a:schemeClr val="phClr">
+            <a:tint val="95000"/>
+            <a:satMod val="170000"/>
+          </a:schemeClr>
+        </a:solidFill>
+        <a:gradFill rotWithShape="1">
+          <a:gsLst>
+            <a:gs pos="0">
+              <a:schemeClr val="phClr">
+                <a:tint val="93000"/>
+                <a:satMod val="150000"/>
+                <a:shade val="98000"/>
+                <a:lumMod val="102000"/>
+              </a:schemeClr>
+            </a:gs>
+            <a:gs pos="50000">
+              <a:schemeClr val="phClr">
+                <a:tint val="98000"/>
+                <a:satMod val="130000"/>
+                <a:shade val="90000"/>
+                <a:lumMod val="103000"/>
+              </a:schemeClr>
+            </a:gs>
+            <a:gs pos="100000">
+              <a:schemeClr val="phClr">
+                <a:shade val="63000"/>
+                <a:satMod val="120000"/>
+              </a:schemeClr>
+            </a:gs>
+          </a:gsLst>
+          <a:lin ang="5400000" scaled="0"/>
+        </a:gradFill>
+      </a:bgFillStyleLst>
+    </a:fmtScheme>
+  </a:themeElements>
+  <a:objectDefaults/>
+  <a:extraClrSchemeLst/>
+  <a:extLst>
+    <a:ext uri="{05A4C25C-085E-4340-85A3-A5531E510DB2}">
+      <thm15:themeFamily xmlns:thm15="http://schemas.microsoft.com/office/thememl/2012/main" name="Office Theme" id="{62F939B6-93AF-4DB8-9C6B-D6C7DFDC589F}" vid="{4A3C46E8-61CC-4603-A589-7422A47A8E4A}"/>
+    </a:ext>
+  </a:extLst>
+</a:theme>
 </file>